--- a/PPTGroup10.pptx
+++ b/PPTGroup10.pptx
@@ -5,7 +5,7 @@
     <p:sldMasterId id="2147483648" r:id="rId1"/>
   </p:sldMasterIdLst>
   <p:notesMasterIdLst>
-    <p:notesMasterId r:id="rId12"/>
+    <p:notesMasterId r:id="rId14"/>
   </p:notesMasterIdLst>
   <p:sldIdLst>
     <p:sldId id="256" r:id="rId2"/>
@@ -16,8 +16,10 @@
     <p:sldId id="262" r:id="rId7"/>
     <p:sldId id="279" r:id="rId8"/>
     <p:sldId id="269" r:id="rId9"/>
-    <p:sldId id="285" r:id="rId10"/>
-    <p:sldId id="293" r:id="rId11"/>
+    <p:sldId id="294" r:id="rId10"/>
+    <p:sldId id="295" r:id="rId11"/>
+    <p:sldId id="296" r:id="rId12"/>
+    <p:sldId id="293" r:id="rId13"/>
   </p:sldIdLst>
   <p:sldSz cx="12192000" cy="6858000"/>
   <p:notesSz cx="6858000" cy="9144000"/>
@@ -799,7 +801,7 @@
           <a:p>
             <a:fld id="{1C63729A-534C-874A-B073-5D3F38B81A78}" type="slidenum">
               <a:rPr lang="en-US" smtClean="0"/>
-              <a:t>10</a:t>
+              <a:t>12</a:t>
             </a:fld>
             <a:endParaRPr lang="en-US"/>
           </a:p>
@@ -8446,11 +8448,7 @@
             <a:pPr algn="ctr"/>
             <a:r>
               <a:rPr lang="en-US" sz="2800" dirty="0" smtClean="0"/>
-              <a:t>Yuan </a:t>
-            </a:r>
-            <a:r>
-              <a:rPr lang="en-US" sz="2800" dirty="0" smtClean="0"/>
-              <a:t>Xiao, Xiaokuan Zhang</a:t>
+              <a:t>Yuan Xiao, Xiaokuan Zhang</a:t>
             </a:r>
             <a:endParaRPr lang="en-US" sz="2800" dirty="0"/>
           </a:p>
@@ -8512,6 +8510,384 @@
           <a:p>
             <a:r>
               <a:rPr lang="en-US" altLang="zh-CN" sz="4400" dirty="0" smtClean="0"/>
+              <a:t>K-Means</a:t>
+            </a:r>
+            <a:endParaRPr lang="en-US" sz="4400" dirty="0"/>
+          </a:p>
+        </p:txBody>
+      </p:sp>
+      <p:sp>
+        <p:nvSpPr>
+          <p:cNvPr id="4" name="Title 1"/>
+          <p:cNvSpPr txBox="1">
+            <a:spLocks/>
+          </p:cNvSpPr>
+          <p:nvPr/>
+        </p:nvSpPr>
+        <p:spPr>
+          <a:xfrm flipV="1">
+            <a:off x="842683" y="5617628"/>
+            <a:ext cx="8877953" cy="1044388"/>
+          </a:xfrm>
+          <a:prstGeom prst="rect">
+            <a:avLst/>
+          </a:prstGeom>
+        </p:spPr>
+        <p:txBody>
+          <a:bodyPr vert="horz" lIns="91440" tIns="45720" rIns="91440" bIns="45720" rtlCol="0" anchor="t">
+            <a:normAutofit/>
+          </a:bodyPr>
+          <a:lstStyle>
+            <a:lvl1pPr algn="l" defTabSz="457200" rtl="0" eaLnBrk="1" latinLnBrk="0" hangingPunct="1">
+              <a:spcBef>
+                <a:spcPct val="0"/>
+              </a:spcBef>
+              <a:buNone/>
+              <a:defRPr sz="3600" kern="1200">
+                <a:solidFill>
+                  <a:schemeClr val="tx1">
+                    <a:lumMod val="85000"/>
+                    <a:lumOff val="15000"/>
+                  </a:schemeClr>
+                </a:solidFill>
+                <a:latin typeface="+mj-lt"/>
+                <a:ea typeface="+mj-ea"/>
+                <a:cs typeface="+mj-cs"/>
+              </a:defRPr>
+            </a:lvl1pPr>
+            <a:lvl2pPr eaLnBrk="1" hangingPunct="1">
+              <a:defRPr>
+                <a:solidFill>
+                  <a:schemeClr val="tx2"/>
+                </a:solidFill>
+              </a:defRPr>
+            </a:lvl2pPr>
+            <a:lvl3pPr eaLnBrk="1" hangingPunct="1">
+              <a:defRPr>
+                <a:solidFill>
+                  <a:schemeClr val="tx2"/>
+                </a:solidFill>
+              </a:defRPr>
+            </a:lvl3pPr>
+            <a:lvl4pPr eaLnBrk="1" hangingPunct="1">
+              <a:defRPr>
+                <a:solidFill>
+                  <a:schemeClr val="tx2"/>
+                </a:solidFill>
+              </a:defRPr>
+            </a:lvl4pPr>
+            <a:lvl5pPr eaLnBrk="1" hangingPunct="1">
+              <a:defRPr>
+                <a:solidFill>
+                  <a:schemeClr val="tx2"/>
+                </a:solidFill>
+              </a:defRPr>
+            </a:lvl5pPr>
+            <a:lvl6pPr eaLnBrk="1" hangingPunct="1">
+              <a:defRPr>
+                <a:solidFill>
+                  <a:schemeClr val="tx2"/>
+                </a:solidFill>
+              </a:defRPr>
+            </a:lvl6pPr>
+            <a:lvl7pPr eaLnBrk="1" hangingPunct="1">
+              <a:defRPr>
+                <a:solidFill>
+                  <a:schemeClr val="tx2"/>
+                </a:solidFill>
+              </a:defRPr>
+            </a:lvl7pPr>
+            <a:lvl8pPr eaLnBrk="1" hangingPunct="1">
+              <a:defRPr>
+                <a:solidFill>
+                  <a:schemeClr val="tx2"/>
+                </a:solidFill>
+              </a:defRPr>
+            </a:lvl8pPr>
+            <a:lvl9pPr eaLnBrk="1" hangingPunct="1">
+              <a:defRPr>
+                <a:solidFill>
+                  <a:schemeClr val="tx2"/>
+                </a:solidFill>
+              </a:defRPr>
+            </a:lvl9pPr>
+          </a:lstStyle>
+          <a:p>
+            <a:endParaRPr lang="en-US" sz="4400" dirty="0"/>
+          </a:p>
+        </p:txBody>
+      </p:sp>
+      <p:sp>
+        <p:nvSpPr>
+          <p:cNvPr id="6" name="Content Placeholder 2"/>
+          <p:cNvSpPr>
+            <a:spLocks noGrp="1"/>
+          </p:cNvSpPr>
+          <p:nvPr>
+            <p:ph idx="1"/>
+          </p:nvPr>
+        </p:nvSpPr>
+        <p:spPr>
+          <a:xfrm>
+            <a:off x="2589212" y="2133600"/>
+            <a:ext cx="8915400" cy="3777622"/>
+          </a:xfrm>
+        </p:spPr>
+        <p:txBody>
+          <a:bodyPr>
+            <a:normAutofit/>
+          </a:bodyPr>
+          <a:lstStyle/>
+          <a:p>
+            <a:endParaRPr lang="en-US" sz="2800" dirty="0"/>
+          </a:p>
+        </p:txBody>
+      </p:sp>
+    </p:spTree>
+    <p:extLst>
+      <p:ext uri="{BB962C8B-B14F-4D97-AF65-F5344CB8AC3E}">
+        <p14:creationId xmlns:p14="http://schemas.microsoft.com/office/powerpoint/2010/main" val="584522071"/>
+      </p:ext>
+    </p:extLst>
+  </p:cSld>
+  <p:clrMapOvr>
+    <a:masterClrMapping/>
+  </p:clrMapOvr>
+  <p:timing>
+    <p:tnLst>
+      <p:par>
+        <p:cTn id="1" dur="indefinite" restart="never" nodeType="tmRoot"/>
+      </p:par>
+    </p:tnLst>
+  </p:timing>
+</p:sld>
+</file>
+
+<file path=ppt/slides/slide11.xml><?xml version="1.0" encoding="utf-8"?>
+<p:sld xmlns:a="http://schemas.openxmlformats.org/drawingml/2006/main" xmlns:r="http://schemas.openxmlformats.org/officeDocument/2006/relationships" xmlns:p="http://schemas.openxmlformats.org/presentationml/2006/main">
+  <p:cSld>
+    <p:spTree>
+      <p:nvGrpSpPr>
+        <p:cNvPr id="1" name=""/>
+        <p:cNvGrpSpPr/>
+        <p:nvPr/>
+      </p:nvGrpSpPr>
+      <p:grpSpPr>
+        <a:xfrm>
+          <a:off x="0" y="0"/>
+          <a:ext cx="0" cy="0"/>
+          <a:chOff x="0" y="0"/>
+          <a:chExt cx="0" cy="0"/>
+        </a:xfrm>
+      </p:grpSpPr>
+      <p:sp>
+        <p:nvSpPr>
+          <p:cNvPr id="2" name="Title 1"/>
+          <p:cNvSpPr>
+            <a:spLocks noGrp="1"/>
+          </p:cNvSpPr>
+          <p:nvPr>
+            <p:ph type="title"/>
+          </p:nvPr>
+        </p:nvSpPr>
+        <p:spPr/>
+        <p:txBody>
+          <a:bodyPr>
+            <a:normAutofit/>
+          </a:bodyPr>
+          <a:lstStyle/>
+          <a:p>
+            <a:r>
+              <a:rPr lang="en-US" altLang="zh-CN" sz="4400" dirty="0" smtClean="0"/>
+              <a:t>EM</a:t>
+            </a:r>
+            <a:endParaRPr lang="en-US" sz="4400" dirty="0"/>
+          </a:p>
+        </p:txBody>
+      </p:sp>
+      <p:sp>
+        <p:nvSpPr>
+          <p:cNvPr id="4" name="Title 1"/>
+          <p:cNvSpPr txBox="1">
+            <a:spLocks/>
+          </p:cNvSpPr>
+          <p:nvPr/>
+        </p:nvSpPr>
+        <p:spPr>
+          <a:xfrm flipV="1">
+            <a:off x="842683" y="5617628"/>
+            <a:ext cx="8877953" cy="1044388"/>
+          </a:xfrm>
+          <a:prstGeom prst="rect">
+            <a:avLst/>
+          </a:prstGeom>
+        </p:spPr>
+        <p:txBody>
+          <a:bodyPr vert="horz" lIns="91440" tIns="45720" rIns="91440" bIns="45720" rtlCol="0" anchor="t">
+            <a:normAutofit/>
+          </a:bodyPr>
+          <a:lstStyle>
+            <a:lvl1pPr algn="l" defTabSz="457200" rtl="0" eaLnBrk="1" latinLnBrk="0" hangingPunct="1">
+              <a:spcBef>
+                <a:spcPct val="0"/>
+              </a:spcBef>
+              <a:buNone/>
+              <a:defRPr sz="3600" kern="1200">
+                <a:solidFill>
+                  <a:schemeClr val="tx1">
+                    <a:lumMod val="85000"/>
+                    <a:lumOff val="15000"/>
+                  </a:schemeClr>
+                </a:solidFill>
+                <a:latin typeface="+mj-lt"/>
+                <a:ea typeface="+mj-ea"/>
+                <a:cs typeface="+mj-cs"/>
+              </a:defRPr>
+            </a:lvl1pPr>
+            <a:lvl2pPr eaLnBrk="1" hangingPunct="1">
+              <a:defRPr>
+                <a:solidFill>
+                  <a:schemeClr val="tx2"/>
+                </a:solidFill>
+              </a:defRPr>
+            </a:lvl2pPr>
+            <a:lvl3pPr eaLnBrk="1" hangingPunct="1">
+              <a:defRPr>
+                <a:solidFill>
+                  <a:schemeClr val="tx2"/>
+                </a:solidFill>
+              </a:defRPr>
+            </a:lvl3pPr>
+            <a:lvl4pPr eaLnBrk="1" hangingPunct="1">
+              <a:defRPr>
+                <a:solidFill>
+                  <a:schemeClr val="tx2"/>
+                </a:solidFill>
+              </a:defRPr>
+            </a:lvl4pPr>
+            <a:lvl5pPr eaLnBrk="1" hangingPunct="1">
+              <a:defRPr>
+                <a:solidFill>
+                  <a:schemeClr val="tx2"/>
+                </a:solidFill>
+              </a:defRPr>
+            </a:lvl5pPr>
+            <a:lvl6pPr eaLnBrk="1" hangingPunct="1">
+              <a:defRPr>
+                <a:solidFill>
+                  <a:schemeClr val="tx2"/>
+                </a:solidFill>
+              </a:defRPr>
+            </a:lvl6pPr>
+            <a:lvl7pPr eaLnBrk="1" hangingPunct="1">
+              <a:defRPr>
+                <a:solidFill>
+                  <a:schemeClr val="tx2"/>
+                </a:solidFill>
+              </a:defRPr>
+            </a:lvl7pPr>
+            <a:lvl8pPr eaLnBrk="1" hangingPunct="1">
+              <a:defRPr>
+                <a:solidFill>
+                  <a:schemeClr val="tx2"/>
+                </a:solidFill>
+              </a:defRPr>
+            </a:lvl8pPr>
+            <a:lvl9pPr eaLnBrk="1" hangingPunct="1">
+              <a:defRPr>
+                <a:solidFill>
+                  <a:schemeClr val="tx2"/>
+                </a:solidFill>
+              </a:defRPr>
+            </a:lvl9pPr>
+          </a:lstStyle>
+          <a:p>
+            <a:endParaRPr lang="en-US" sz="4400" dirty="0"/>
+          </a:p>
+        </p:txBody>
+      </p:sp>
+      <p:sp>
+        <p:nvSpPr>
+          <p:cNvPr id="6" name="Content Placeholder 2"/>
+          <p:cNvSpPr>
+            <a:spLocks noGrp="1"/>
+          </p:cNvSpPr>
+          <p:nvPr>
+            <p:ph idx="1"/>
+          </p:nvPr>
+        </p:nvSpPr>
+        <p:spPr>
+          <a:xfrm>
+            <a:off x="2589212" y="2133600"/>
+            <a:ext cx="8915400" cy="3777622"/>
+          </a:xfrm>
+        </p:spPr>
+        <p:txBody>
+          <a:bodyPr>
+            <a:normAutofit/>
+          </a:bodyPr>
+          <a:lstStyle/>
+          <a:p>
+            <a:endParaRPr lang="en-US" sz="2800" dirty="0"/>
+          </a:p>
+        </p:txBody>
+      </p:sp>
+    </p:spTree>
+    <p:extLst>
+      <p:ext uri="{BB962C8B-B14F-4D97-AF65-F5344CB8AC3E}">
+        <p14:creationId xmlns:p14="http://schemas.microsoft.com/office/powerpoint/2010/main" val="413360099"/>
+      </p:ext>
+    </p:extLst>
+  </p:cSld>
+  <p:clrMapOvr>
+    <a:masterClrMapping/>
+  </p:clrMapOvr>
+  <p:timing>
+    <p:tnLst>
+      <p:par>
+        <p:cTn id="1" dur="indefinite" restart="never" nodeType="tmRoot"/>
+      </p:par>
+    </p:tnLst>
+  </p:timing>
+</p:sld>
+</file>
+
+<file path=ppt/slides/slide12.xml><?xml version="1.0" encoding="utf-8"?>
+<p:sld xmlns:a="http://schemas.openxmlformats.org/drawingml/2006/main" xmlns:r="http://schemas.openxmlformats.org/officeDocument/2006/relationships" xmlns:p="http://schemas.openxmlformats.org/presentationml/2006/main" show="0">
+  <p:cSld>
+    <p:spTree>
+      <p:nvGrpSpPr>
+        <p:cNvPr id="1" name=""/>
+        <p:cNvGrpSpPr/>
+        <p:nvPr/>
+      </p:nvGrpSpPr>
+      <p:grpSpPr>
+        <a:xfrm>
+          <a:off x="0" y="0"/>
+          <a:ext cx="0" cy="0"/>
+          <a:chOff x="0" y="0"/>
+          <a:chExt cx="0" cy="0"/>
+        </a:xfrm>
+      </p:grpSpPr>
+      <p:sp>
+        <p:nvSpPr>
+          <p:cNvPr id="2" name="Title 1"/>
+          <p:cNvSpPr>
+            <a:spLocks noGrp="1"/>
+          </p:cNvSpPr>
+          <p:nvPr>
+            <p:ph type="title"/>
+          </p:nvPr>
+        </p:nvSpPr>
+        <p:spPr/>
+        <p:txBody>
+          <a:bodyPr>
+            <a:normAutofit/>
+          </a:bodyPr>
+          <a:lstStyle/>
+          <a:p>
+            <a:r>
+              <a:rPr lang="en-US" altLang="zh-CN" sz="4400" dirty="0" smtClean="0"/>
               <a:t>Other</a:t>
             </a:r>
             <a:r>
@@ -8549,6 +8925,128 @@
           <a:lstStyle/>
           <a:p>
             <a:endParaRPr lang="zh-CN" altLang="en-US" sz="2800" dirty="0" smtClean="0"/>
+          </a:p>
+          <a:p>
+            <a:r>
+              <a:rPr lang="en-US" altLang="zh-CN" sz="2800" dirty="0" smtClean="0"/>
+              <a:t>Put</a:t>
+            </a:r>
+            <a:r>
+              <a:rPr lang="zh-CN" altLang="en-US" sz="2800" dirty="0" smtClean="0"/>
+              <a:t> </a:t>
+            </a:r>
+            <a:r>
+              <a:rPr lang="en-US" altLang="zh-CN" sz="2800" dirty="0" smtClean="0"/>
+              <a:t>target</a:t>
+            </a:r>
+            <a:r>
+              <a:rPr lang="zh-CN" altLang="en-US" sz="2800" dirty="0" smtClean="0"/>
+              <a:t> </a:t>
+            </a:r>
+            <a:r>
+              <a:rPr lang="en-US" altLang="zh-CN" sz="2800" dirty="0" smtClean="0"/>
+              <a:t>as</a:t>
+            </a:r>
+            <a:r>
+              <a:rPr lang="zh-CN" altLang="en-US" sz="2800" dirty="0" smtClean="0"/>
+              <a:t> </a:t>
+            </a:r>
+            <a:r>
+              <a:rPr lang="en-US" altLang="zh-CN" sz="2800" dirty="0" smtClean="0"/>
+              <a:t>an</a:t>
+            </a:r>
+            <a:r>
+              <a:rPr lang="zh-CN" altLang="en-US" sz="2800" dirty="0" smtClean="0"/>
+              <a:t> </a:t>
+            </a:r>
+            <a:r>
+              <a:rPr lang="en-US" altLang="zh-CN" sz="2800" dirty="0" smtClean="0"/>
+              <a:t>attribute,</a:t>
+            </a:r>
+            <a:r>
+              <a:rPr lang="zh-CN" altLang="en-US" sz="2800" dirty="0" smtClean="0"/>
+              <a:t> </a:t>
+            </a:r>
+            <a:r>
+              <a:rPr lang="en-US" altLang="zh-CN" sz="2800" dirty="0" smtClean="0"/>
+              <a:t>and</a:t>
+            </a:r>
+            <a:r>
+              <a:rPr lang="zh-CN" altLang="en-US" sz="2800" dirty="0" smtClean="0"/>
+              <a:t> </a:t>
+            </a:r>
+            <a:r>
+              <a:rPr lang="en-US" altLang="zh-CN" sz="2800" dirty="0" smtClean="0"/>
+              <a:t>put</a:t>
+            </a:r>
+            <a:r>
+              <a:rPr lang="zh-CN" altLang="en-US" sz="2800" dirty="0" smtClean="0"/>
+              <a:t> </a:t>
+            </a:r>
+            <a:r>
+              <a:rPr lang="en-US" altLang="zh-CN" sz="2800" dirty="0" smtClean="0"/>
+              <a:t>another</a:t>
+            </a:r>
+            <a:r>
+              <a:rPr lang="zh-CN" altLang="en-US" sz="2800" dirty="0" smtClean="0"/>
+              <a:t> </a:t>
+            </a:r>
+            <a:r>
+              <a:rPr lang="en-US" altLang="zh-CN" sz="2800" dirty="0" smtClean="0"/>
+              <a:t>feature</a:t>
+            </a:r>
+            <a:r>
+              <a:rPr lang="zh-CN" altLang="en-US" sz="2800" dirty="0" smtClean="0"/>
+              <a:t> </a:t>
+            </a:r>
+            <a:r>
+              <a:rPr lang="en-US" altLang="zh-CN" sz="2800" dirty="0" smtClean="0"/>
+              <a:t>as</a:t>
+            </a:r>
+            <a:r>
+              <a:rPr lang="zh-CN" altLang="en-US" sz="2800" dirty="0" smtClean="0"/>
+              <a:t> </a:t>
+            </a:r>
+            <a:r>
+              <a:rPr lang="en-US" altLang="zh-CN" sz="2800" dirty="0" smtClean="0"/>
+              <a:t>our</a:t>
+            </a:r>
+            <a:r>
+              <a:rPr lang="zh-CN" altLang="en-US" sz="2800" dirty="0" smtClean="0"/>
+              <a:t> </a:t>
+            </a:r>
+            <a:r>
+              <a:rPr lang="en-US" altLang="zh-CN" sz="2800" dirty="0" smtClean="0"/>
+              <a:t>target</a:t>
+            </a:r>
+            <a:r>
+              <a:rPr lang="zh-CN" altLang="en-US" sz="2800" dirty="0" smtClean="0"/>
+              <a:t> </a:t>
+            </a:r>
+            <a:r>
+              <a:rPr lang="en-US" altLang="zh-CN" sz="2800" dirty="0" smtClean="0"/>
+              <a:t>(e.g.</a:t>
+            </a:r>
+            <a:r>
+              <a:rPr lang="zh-CN" altLang="en-US" sz="2800" dirty="0" smtClean="0"/>
+              <a:t> </a:t>
+            </a:r>
+            <a:r>
+              <a:rPr lang="en-US" altLang="zh-CN" sz="2800" dirty="0" smtClean="0"/>
+              <a:t>“</a:t>
+            </a:r>
+            <a:r>
+              <a:rPr lang="en-US" altLang="zh-CN" sz="2800" dirty="0" err="1" smtClean="0"/>
+              <a:t>data_channel</a:t>
+            </a:r>
+            <a:r>
+              <a:rPr lang="en-US" altLang="zh-CN" sz="2800" dirty="0" smtClean="0"/>
+              <a:t>”)</a:t>
+            </a:r>
+            <a:endParaRPr lang="zh-CN" altLang="en-US" sz="2800" dirty="0" smtClean="0"/>
+          </a:p>
+          <a:p>
+            <a:endParaRPr lang="zh-CN" altLang="en-US" sz="2800" dirty="0"/>
           </a:p>
           <a:p>
             <a:endParaRPr lang="zh-CN" altLang="en-US" sz="2800" dirty="0" smtClean="0"/>
@@ -8604,6 +9102,14 @@
   <p:clrMapOvr>
     <a:masterClrMapping/>
   </p:clrMapOvr>
+  <mc:AlternateContent xmlns:mc="http://schemas.openxmlformats.org/markup-compatibility/2006">
+    <mc:Choice xmlns:p14="http://schemas.microsoft.com/office/powerpoint/2010/main" Requires="p14">
+      <p:transition spd="slow" p14:dur="2000"/>
+    </mc:Choice>
+    <mc:Fallback>
+      <p:transition spd="slow"/>
+    </mc:Fallback>
+  </mc:AlternateContent>
   <p:timing>
     <p:tnLst>
       <p:par>
@@ -8673,26 +9179,187 @@
           </a:bodyPr>
           <a:lstStyle/>
           <a:p>
-            <a:r>
-              <a:rPr lang="en-US" sz="2800" dirty="0" smtClean="0"/>
-              <a:t>Classifying hand-written digits (0-9)</a:t>
-            </a:r>
-          </a:p>
-          <a:p>
             <a:endParaRPr lang="en-US" sz="2800" dirty="0"/>
           </a:p>
           <a:p>
-            <a:endParaRPr lang="en-US" sz="2800" dirty="0"/>
-          </a:p>
-          <a:p>
-            <a:r>
-              <a:rPr lang="en-US" sz="2800" dirty="0" smtClean="0"/>
-              <a:t>dataset </a:t>
-            </a:r>
-            <a:r>
-              <a:rPr lang="en-US" sz="2800" dirty="0" smtClean="0"/>
-              <a:t>retrieved from UCI ML repository</a:t>
-            </a:r>
+            <a:r>
+              <a:rPr lang="en-US" altLang="zh-CN" sz="2800" dirty="0" smtClean="0"/>
+              <a:t>Predicting</a:t>
+            </a:r>
+            <a:r>
+              <a:rPr lang="zh-CN" altLang="en-US" sz="2800" dirty="0" smtClean="0"/>
+              <a:t> </a:t>
+            </a:r>
+            <a:r>
+              <a:rPr lang="en-US" altLang="zh-CN" sz="2800" dirty="0" smtClean="0"/>
+              <a:t>online</a:t>
+            </a:r>
+            <a:r>
+              <a:rPr lang="zh-CN" altLang="en-US" sz="2800" dirty="0" smtClean="0"/>
+              <a:t> </a:t>
+            </a:r>
+            <a:r>
+              <a:rPr lang="en-US" altLang="zh-CN" sz="2800" dirty="0" smtClean="0"/>
+              <a:t>news</a:t>
+            </a:r>
+            <a:r>
+              <a:rPr lang="zh-CN" altLang="en-US" sz="2800" dirty="0" smtClean="0"/>
+              <a:t> </a:t>
+            </a:r>
+            <a:r>
+              <a:rPr lang="en-US" altLang="zh-CN" sz="2800" dirty="0" smtClean="0"/>
+              <a:t>popularity</a:t>
+            </a:r>
+            <a:r>
+              <a:rPr lang="zh-CN" altLang="en-US" sz="2800" dirty="0" smtClean="0"/>
+              <a:t> </a:t>
+            </a:r>
+            <a:r>
+              <a:rPr lang="en-US" altLang="zh-CN" sz="2800" dirty="0" smtClean="0"/>
+              <a:t>(no.</a:t>
+            </a:r>
+            <a:r>
+              <a:rPr lang="zh-CN" altLang="en-US" sz="2800" dirty="0" smtClean="0"/>
+              <a:t> </a:t>
+            </a:r>
+            <a:r>
+              <a:rPr lang="en-US" altLang="zh-CN" sz="2800" dirty="0" smtClean="0"/>
+              <a:t>of</a:t>
+            </a:r>
+            <a:r>
+              <a:rPr lang="zh-CN" altLang="en-US" sz="2800" dirty="0" smtClean="0"/>
+              <a:t> </a:t>
+            </a:r>
+            <a:r>
+              <a:rPr lang="en-US" altLang="zh-CN" sz="2800" dirty="0" smtClean="0"/>
+              <a:t>shares)</a:t>
+            </a:r>
+            <a:endParaRPr lang="zh-CN" altLang="en-US" sz="2800" dirty="0" smtClean="0"/>
+          </a:p>
+          <a:p>
+            <a:pPr marL="0" indent="0">
+              <a:buNone/>
+            </a:pPr>
+            <a:endParaRPr lang="zh-CN" altLang="en-US" sz="2800" dirty="0"/>
+          </a:p>
+          <a:p>
+            <a:r>
+              <a:rPr lang="en-US" altLang="zh-CN" sz="2800" dirty="0" smtClean="0"/>
+              <a:t>Traditional:</a:t>
+            </a:r>
+            <a:r>
+              <a:rPr lang="zh-CN" altLang="en-US" sz="2800" dirty="0" smtClean="0"/>
+              <a:t> </a:t>
+            </a:r>
+            <a:r>
+              <a:rPr lang="en-US" altLang="zh-CN" sz="2800" dirty="0" smtClean="0"/>
+              <a:t>Classification</a:t>
+            </a:r>
+            <a:r>
+              <a:rPr lang="zh-CN" altLang="en-US" sz="2800" dirty="0" smtClean="0"/>
+              <a:t> </a:t>
+            </a:r>
+            <a:r>
+              <a:rPr lang="en-US" altLang="zh-CN" sz="2800" dirty="0" smtClean="0"/>
+              <a:t>(SVM,</a:t>
+            </a:r>
+            <a:r>
+              <a:rPr lang="zh-CN" altLang="en-US" sz="2800" dirty="0" smtClean="0"/>
+              <a:t> </a:t>
+            </a:r>
+            <a:r>
+              <a:rPr lang="en-US" altLang="zh-CN" sz="2800" dirty="0" err="1" smtClean="0"/>
+              <a:t>kNN</a:t>
+            </a:r>
+            <a:r>
+              <a:rPr lang="en-US" altLang="zh-CN" sz="2800" dirty="0" smtClean="0"/>
+              <a:t>,</a:t>
+            </a:r>
+            <a:r>
+              <a:rPr lang="zh-CN" altLang="en-US" sz="2800" dirty="0" smtClean="0"/>
+              <a:t> </a:t>
+            </a:r>
+            <a:r>
+              <a:rPr lang="en-US" altLang="zh-CN" sz="2800" dirty="0" smtClean="0"/>
+              <a:t>etc.)</a:t>
+            </a:r>
+            <a:endParaRPr lang="zh-CN" altLang="en-US" sz="2800" dirty="0">
+              <a:sym typeface="Wingdings"/>
+            </a:endParaRPr>
+          </a:p>
+          <a:p>
+            <a:endParaRPr lang="zh-CN" altLang="en-US" sz="2800" dirty="0" smtClean="0">
+              <a:sym typeface="Wingdings"/>
+            </a:endParaRPr>
+          </a:p>
+          <a:p>
+            <a:r>
+              <a:rPr lang="en-US" altLang="zh-CN" sz="2800" dirty="0" smtClean="0">
+                <a:sym typeface="Wingdings"/>
+              </a:rPr>
+              <a:t>New:</a:t>
+            </a:r>
+            <a:r>
+              <a:rPr lang="zh-CN" altLang="en-US" sz="2800" dirty="0" smtClean="0">
+                <a:sym typeface="Wingdings"/>
+              </a:rPr>
+              <a:t> </a:t>
+            </a:r>
+            <a:r>
+              <a:rPr lang="en-US" altLang="zh-CN" sz="2800" dirty="0" smtClean="0">
+                <a:sym typeface="Wingdings"/>
+              </a:rPr>
+              <a:t>Clustering</a:t>
+            </a:r>
+            <a:r>
+              <a:rPr lang="zh-CN" altLang="en-US" sz="2800" dirty="0" smtClean="0">
+                <a:sym typeface="Wingdings"/>
+              </a:rPr>
+              <a:t> </a:t>
+            </a:r>
+            <a:r>
+              <a:rPr lang="en-US" altLang="zh-CN" sz="2800" dirty="0" smtClean="0">
+                <a:sym typeface="Wingdings"/>
+              </a:rPr>
+              <a:t>(K-means,</a:t>
+            </a:r>
+            <a:r>
+              <a:rPr lang="zh-CN" altLang="en-US" sz="2800" dirty="0" smtClean="0">
+                <a:sym typeface="Wingdings"/>
+              </a:rPr>
+              <a:t> </a:t>
+            </a:r>
+            <a:r>
+              <a:rPr lang="en-US" altLang="zh-CN" sz="2800" dirty="0" smtClean="0">
+                <a:sym typeface="Wingdings"/>
+              </a:rPr>
+              <a:t>EM,</a:t>
+            </a:r>
+            <a:r>
+              <a:rPr lang="zh-CN" altLang="en-US" sz="2800" dirty="0" smtClean="0">
+                <a:sym typeface="Wingdings"/>
+              </a:rPr>
+              <a:t> </a:t>
+            </a:r>
+            <a:r>
+              <a:rPr lang="en-US" altLang="zh-CN" sz="2800" dirty="0" smtClean="0">
+                <a:sym typeface="Wingdings"/>
+              </a:rPr>
+              <a:t>etc.)</a:t>
+            </a:r>
+            <a:endParaRPr lang="zh-CN" altLang="en-US" sz="2800" dirty="0" smtClean="0">
+              <a:sym typeface="Wingdings"/>
+            </a:endParaRPr>
+          </a:p>
+          <a:p>
+            <a:endParaRPr lang="zh-CN" altLang="en-US" sz="2800" dirty="0">
+              <a:sym typeface="Wingdings"/>
+            </a:endParaRPr>
+          </a:p>
+          <a:p>
+            <a:pPr marL="0" indent="0">
+              <a:buNone/>
+            </a:pPr>
             <a:endParaRPr lang="en-US" sz="2800" dirty="0"/>
           </a:p>
         </p:txBody>
@@ -8710,152 +9377,7 @@
   <p:timing>
     <p:tnLst>
       <p:par>
-        <p:cTn id="1" dur="indefinite" restart="never" nodeType="tmRoot">
-          <p:childTnLst>
-            <p:seq concurrent="1" nextAc="seek">
-              <p:cTn id="2" dur="indefinite" nodeType="mainSeq">
-                <p:childTnLst>
-                  <p:par>
-                    <p:cTn id="3" fill="hold">
-                      <p:stCondLst>
-                        <p:cond delay="indefinite"/>
-                      </p:stCondLst>
-                      <p:childTnLst>
-                        <p:par>
-                          <p:cTn id="4" fill="hold">
-                            <p:stCondLst>
-                              <p:cond delay="0"/>
-                            </p:stCondLst>
-                            <p:childTnLst>
-                              <p:par>
-                                <p:cTn id="5" presetID="9" presetClass="entr" presetSubtype="0" fill="hold" nodeType="clickEffect">
-                                  <p:stCondLst>
-                                    <p:cond delay="0"/>
-                                  </p:stCondLst>
-                                  <p:childTnLst>
-                                    <p:set>
-                                      <p:cBhvr>
-                                        <p:cTn id="6" dur="1" fill="hold">
-                                          <p:stCondLst>
-                                            <p:cond delay="0"/>
-                                          </p:stCondLst>
-                                        </p:cTn>
-                                        <p:tgtEl>
-                                          <p:spTgt spid="3">
-                                            <p:txEl>
-                                              <p:pRg st="0" end="0"/>
-                                            </p:txEl>
-                                          </p:spTgt>
-                                        </p:tgtEl>
-                                        <p:attrNameLst>
-                                          <p:attrName>style.visibility</p:attrName>
-                                        </p:attrNameLst>
-                                      </p:cBhvr>
-                                      <p:to>
-                                        <p:strVal val="visible"/>
-                                      </p:to>
-                                    </p:set>
-                                    <p:animEffect transition="in" filter="dissolve">
-                                      <p:cBhvr>
-                                        <p:cTn id="7" dur="500"/>
-                                        <p:tgtEl>
-                                          <p:spTgt spid="3">
-                                            <p:txEl>
-                                              <p:pRg st="0" end="0"/>
-                                            </p:txEl>
-                                          </p:spTgt>
-                                        </p:tgtEl>
-                                      </p:cBhvr>
-                                    </p:animEffect>
-                                  </p:childTnLst>
-                                </p:cTn>
-                              </p:par>
-                            </p:childTnLst>
-                          </p:cTn>
-                        </p:par>
-                      </p:childTnLst>
-                    </p:cTn>
-                  </p:par>
-                  <p:par>
-                    <p:cTn id="8" fill="hold">
-                      <p:stCondLst>
-                        <p:cond delay="indefinite"/>
-                      </p:stCondLst>
-                      <p:childTnLst>
-                        <p:par>
-                          <p:cTn id="9" fill="hold">
-                            <p:stCondLst>
-                              <p:cond delay="0"/>
-                            </p:stCondLst>
-                            <p:childTnLst>
-                              <p:par>
-                                <p:cTn id="10" presetID="9" presetClass="entr" presetSubtype="0" fill="hold" nodeType="clickEffect">
-                                  <p:stCondLst>
-                                    <p:cond delay="0"/>
-                                  </p:stCondLst>
-                                  <p:childTnLst>
-                                    <p:set>
-                                      <p:cBhvr>
-                                        <p:cTn id="11" dur="1" fill="hold">
-                                          <p:stCondLst>
-                                            <p:cond delay="0"/>
-                                          </p:stCondLst>
-                                        </p:cTn>
-                                        <p:tgtEl>
-                                          <p:spTgt spid="3">
-                                            <p:txEl>
-                                              <p:pRg st="3" end="3"/>
-                                            </p:txEl>
-                                          </p:spTgt>
-                                        </p:tgtEl>
-                                        <p:attrNameLst>
-                                          <p:attrName>style.visibility</p:attrName>
-                                        </p:attrNameLst>
-                                      </p:cBhvr>
-                                      <p:to>
-                                        <p:strVal val="visible"/>
-                                      </p:to>
-                                    </p:set>
-                                    <p:animEffect transition="in" filter="dissolve">
-                                      <p:cBhvr>
-                                        <p:cTn id="12" dur="500"/>
-                                        <p:tgtEl>
-                                          <p:spTgt spid="3">
-                                            <p:txEl>
-                                              <p:pRg st="3" end="3"/>
-                                            </p:txEl>
-                                          </p:spTgt>
-                                        </p:tgtEl>
-                                      </p:cBhvr>
-                                    </p:animEffect>
-                                  </p:childTnLst>
-                                </p:cTn>
-                              </p:par>
-                            </p:childTnLst>
-                          </p:cTn>
-                        </p:par>
-                      </p:childTnLst>
-                    </p:cTn>
-                  </p:par>
-                </p:childTnLst>
-              </p:cTn>
-              <p:prevCondLst>
-                <p:cond evt="onPrev" delay="0">
-                  <p:tgtEl>
-                    <p:sldTgt/>
-                  </p:tgtEl>
-                </p:cond>
-              </p:prevCondLst>
-              <p:nextCondLst>
-                <p:cond evt="onNext" delay="0">
-                  <p:tgtEl>
-                    <p:sldTgt/>
-                  </p:tgtEl>
-                </p:cond>
-              </p:nextCondLst>
-            </p:seq>
-          </p:childTnLst>
-        </p:cTn>
+        <p:cTn id="1" dur="indefinite" restart="never" nodeType="tmRoot"/>
       </p:par>
     </p:tnLst>
   </p:timing>
@@ -8926,17 +9448,48 @@
             <p:ph idx="1"/>
           </p:nvPr>
         </p:nvSpPr>
-        <p:spPr/>
+        <p:spPr>
+          <a:xfrm>
+            <a:off x="2589212" y="2133599"/>
+            <a:ext cx="8915400" cy="4184073"/>
+          </a:xfrm>
+        </p:spPr>
         <p:txBody>
           <a:bodyPr>
-            <a:normAutofit lnSpcReduction="10000"/>
+            <a:normAutofit fontScale="92500"/>
           </a:bodyPr>
           <a:lstStyle/>
           <a:p>
             <a:r>
+              <a:rPr lang="en-US" altLang="zh-CN" sz="2800" dirty="0" smtClean="0"/>
+              <a:t>D</a:t>
+            </a:r>
+            <a:r>
+              <a:rPr lang="en-US" sz="2800" dirty="0" smtClean="0"/>
+              <a:t>ataset </a:t>
+            </a:r>
+            <a:r>
+              <a:rPr lang="en-US" sz="2800" dirty="0"/>
+              <a:t>retrieved from UCI ML repository</a:t>
+            </a:r>
+          </a:p>
+          <a:p>
+            <a:endParaRPr lang="zh-CN" altLang="en-US" sz="2800" dirty="0" smtClean="0"/>
+          </a:p>
+          <a:p>
+            <a:r>
+              <a:rPr lang="en-US" altLang="zh-CN" sz="2800" dirty="0" smtClean="0"/>
+              <a:t>Number </a:t>
+            </a:r>
+            <a:r>
               <a:rPr lang="en-US" altLang="zh-CN" sz="2800" dirty="0"/>
-              <a:t>Number of instances: 5620</a:t>
-            </a:r>
+              <a:t>of instances: </a:t>
+            </a:r>
+            <a:r>
+              <a:rPr lang="fi-FI" sz="2800" dirty="0"/>
+              <a:t>39797</a:t>
+            </a:r>
+            <a:endParaRPr lang="en-US" altLang="zh-CN" sz="2800" dirty="0"/>
           </a:p>
           <a:p>
             <a:endParaRPr lang="en-US" sz="2800" dirty="0"/>
@@ -8947,8 +9500,30 @@
               <a:t>Number of attributes: </a:t>
             </a:r>
             <a:r>
+              <a:rPr lang="en-US" sz="2800" dirty="0"/>
+              <a:t>61 (58 predictive attributes, </a:t>
+            </a:r>
+            <a:endParaRPr lang="zh-CN" altLang="en-US" sz="2800" dirty="0" smtClean="0"/>
+          </a:p>
+          <a:p>
+            <a:pPr marL="0" indent="0">
+              <a:buNone/>
+            </a:pPr>
+            <a:r>
+              <a:rPr lang="zh-CN" altLang="en-US" sz="2800" dirty="0"/>
+              <a:t>	</a:t>
+            </a:r>
+            <a:r>
+              <a:rPr lang="zh-CN" altLang="en-US" sz="2800" dirty="0" smtClean="0"/>
+              <a:t>							  </a:t>
+            </a:r>
+            <a:r>
               <a:rPr lang="en-US" sz="2800" dirty="0" smtClean="0"/>
-              <a:t>1024 (32x32)</a:t>
+              <a:t>2 </a:t>
+            </a:r>
+            <a:r>
+              <a:rPr lang="en-US" sz="2800" dirty="0"/>
+              <a:t>non-predictive, 1 goal field) </a:t>
             </a:r>
             <a:endParaRPr lang="en-US" sz="2800" dirty="0"/>
           </a:p>
@@ -8958,11 +9533,11 @@
           <a:p>
             <a:r>
               <a:rPr lang="en-US" sz="2800" dirty="0"/>
-              <a:t>Attribute info: 0 </a:t>
-            </a:r>
-            <a:r>
-              <a:rPr lang="en-US" sz="2800" dirty="0" smtClean="0"/>
-              <a:t>/ 1</a:t>
+              <a:t>Attribute info: </a:t>
+            </a:r>
+            <a:r>
+              <a:rPr lang="en-US" altLang="zh-CN" sz="2800" dirty="0" smtClean="0"/>
+              <a:t>Integer/Real</a:t>
             </a:r>
             <a:endParaRPr lang="en-US" sz="2800" dirty="0"/>
           </a:p>
@@ -8970,14 +9545,7 @@
             <a:endParaRPr lang="en-US" sz="2800" dirty="0"/>
           </a:p>
           <a:p>
-            <a:r>
-              <a:rPr lang="en-US" sz="2800" dirty="0"/>
-              <a:t>Class: 0 ~ </a:t>
-            </a:r>
-            <a:r>
-              <a:rPr lang="en-US" sz="2800" dirty="0" smtClean="0"/>
-              <a:t>9</a:t>
-            </a:r>
+            <a:endParaRPr lang="en-US" sz="2800" dirty="0" smtClean="0"/>
           </a:p>
           <a:p>
             <a:endParaRPr lang="en-US" sz="2800" dirty="0"/>
@@ -9219,7 +9787,7 @@
                                         <p:tgtEl>
                                           <p:spTgt spid="3">
                                             <p:txEl>
-                                              <p:pRg st="6" end="6"/>
+                                              <p:pRg st="5" end="5"/>
                                             </p:txEl>
                                           </p:spTgt>
                                         </p:tgtEl>
@@ -9237,7 +9805,68 @@
                                         <p:tgtEl>
                                           <p:spTgt spid="3">
                                             <p:txEl>
-                                              <p:pRg st="6" end="6"/>
+                                              <p:pRg st="5" end="5"/>
+                                            </p:txEl>
+                                          </p:spTgt>
+                                        </p:tgtEl>
+                                      </p:cBhvr>
+                                    </p:animEffect>
+                                  </p:childTnLst>
+                                </p:cTn>
+                              </p:par>
+                            </p:childTnLst>
+                          </p:cTn>
+                        </p:par>
+                      </p:childTnLst>
+                    </p:cTn>
+                  </p:par>
+                  <p:par>
+                    <p:cTn id="23" fill="hold">
+                      <p:stCondLst>
+                        <p:cond delay="indefinite"/>
+                      </p:stCondLst>
+                      <p:childTnLst>
+                        <p:par>
+                          <p:cTn id="24" fill="hold">
+                            <p:stCondLst>
+                              <p:cond delay="0"/>
+                            </p:stCondLst>
+                            <p:childTnLst>
+                              <p:par>
+                                <p:cTn id="25" presetID="9" presetClass="entr" presetSubtype="0" fill="hold" nodeType="clickEffect">
+                                  <p:stCondLst>
+                                    <p:cond delay="0"/>
+                                  </p:stCondLst>
+                                  <p:childTnLst>
+                                    <p:set>
+                                      <p:cBhvr>
+                                        <p:cTn id="26" dur="1" fill="hold">
+                                          <p:stCondLst>
+                                            <p:cond delay="0"/>
+                                          </p:stCondLst>
+                                        </p:cTn>
+                                        <p:tgtEl>
+                                          <p:spTgt spid="3">
+                                            <p:txEl>
+                                              <p:pRg st="7" end="7"/>
+                                            </p:txEl>
+                                          </p:spTgt>
+                                        </p:tgtEl>
+                                        <p:attrNameLst>
+                                          <p:attrName>style.visibility</p:attrName>
+                                        </p:attrNameLst>
+                                      </p:cBhvr>
+                                      <p:to>
+                                        <p:strVal val="visible"/>
+                                      </p:to>
+                                    </p:set>
+                                    <p:animEffect transition="in" filter="dissolve">
+                                      <p:cBhvr>
+                                        <p:cTn id="27" dur="500"/>
+                                        <p:tgtEl>
+                                          <p:spTgt spid="3">
+                                            <p:txEl>
+                                              <p:pRg st="7" end="7"/>
                                             </p:txEl>
                                           </p:spTgt>
                                         </p:tgtEl>
@@ -9339,8 +9968,8 @@
         </p:nvSpPr>
         <p:spPr>
           <a:xfrm>
-            <a:off x="2589212" y="1413164"/>
-            <a:ext cx="8915400" cy="5444836"/>
+            <a:off x="2589212" y="1270827"/>
+            <a:ext cx="8915400" cy="5587173"/>
           </a:xfrm>
         </p:spPr>
         <p:txBody>
@@ -9349,43 +9978,201 @@
           </a:bodyPr>
           <a:lstStyle/>
           <a:p>
+            <a:pPr marL="0" indent="0">
+              <a:buNone/>
+            </a:pPr>
+            <a:endParaRPr lang="zh-CN" altLang="en-US" sz="4700" dirty="0" smtClean="0"/>
+          </a:p>
+          <a:p>
+            <a:r>
+              <a:rPr lang="en-US" altLang="zh-CN" sz="4700" dirty="0"/>
+              <a:t>C</a:t>
+            </a:r>
+            <a:r>
+              <a:rPr lang="en-US" altLang="zh-CN" sz="4700" dirty="0" smtClean="0"/>
+              <a:t>reates</a:t>
+            </a:r>
+            <a:r>
+              <a:rPr lang="zh-CN" altLang="en-US" sz="4700" dirty="0" smtClean="0"/>
+              <a:t> </a:t>
+            </a:r>
+            <a:r>
+              <a:rPr lang="en-US" altLang="zh-CN" sz="4700" dirty="0" smtClean="0"/>
+              <a:t>the</a:t>
+            </a:r>
+            <a:r>
+              <a:rPr lang="zh-CN" altLang="en-US" sz="4700" dirty="0" smtClean="0"/>
+              <a:t> </a:t>
+            </a:r>
+            <a:r>
+              <a:rPr lang="en-US" altLang="zh-CN" sz="4700" dirty="0" smtClean="0"/>
+              <a:t>dataset</a:t>
+            </a:r>
+            <a:r>
+              <a:rPr lang="zh-CN" altLang="en-US" sz="4700" dirty="0" smtClean="0"/>
+              <a:t> </a:t>
+            </a:r>
+            <a:r>
+              <a:rPr lang="en-US" altLang="zh-CN" sz="4700" dirty="0" smtClean="0"/>
+              <a:t>(constructs</a:t>
+            </a:r>
+            <a:r>
+              <a:rPr lang="zh-CN" altLang="en-US" sz="4700" dirty="0" smtClean="0"/>
+              <a:t> </a:t>
+            </a:r>
+            <a:r>
+              <a:rPr lang="en-US" altLang="zh-CN" sz="4700" dirty="0" smtClean="0"/>
+              <a:t>all</a:t>
+            </a:r>
+            <a:r>
+              <a:rPr lang="zh-CN" altLang="en-US" sz="4700" dirty="0" smtClean="0"/>
+              <a:t> </a:t>
+            </a:r>
+            <a:r>
+              <a:rPr lang="en-US" altLang="zh-CN" sz="4700" dirty="0" smtClean="0"/>
+              <a:t>features)</a:t>
+            </a:r>
+            <a:endParaRPr lang="zh-CN" altLang="en-US" sz="4700" dirty="0" smtClean="0"/>
+          </a:p>
+          <a:p>
+            <a:endParaRPr lang="zh-CN" altLang="en-US" sz="4700" dirty="0"/>
+          </a:p>
+          <a:p>
+            <a:r>
+              <a:rPr lang="en-US" altLang="zh-CN" sz="4700" dirty="0" err="1"/>
+              <a:t>B</a:t>
+            </a:r>
+            <a:r>
+              <a:rPr lang="en-US" altLang="zh-CN" sz="4700" dirty="0" err="1" smtClean="0"/>
+              <a:t>inarizes</a:t>
+            </a:r>
+            <a:r>
+              <a:rPr lang="zh-CN" altLang="en-US" sz="4700" dirty="0" smtClean="0"/>
+              <a:t> </a:t>
+            </a:r>
+            <a:r>
+              <a:rPr lang="en-US" altLang="zh-CN" sz="4700" dirty="0" smtClean="0"/>
+              <a:t>the</a:t>
+            </a:r>
+            <a:r>
+              <a:rPr lang="zh-CN" altLang="en-US" sz="4700" dirty="0" smtClean="0"/>
+              <a:t> </a:t>
+            </a:r>
+            <a:r>
+              <a:rPr lang="en-US" altLang="zh-CN" sz="4700" dirty="0" smtClean="0"/>
+              <a:t>target</a:t>
+            </a:r>
+            <a:r>
+              <a:rPr lang="zh-CN" altLang="en-US" sz="4700" dirty="0" smtClean="0"/>
+              <a:t> </a:t>
+            </a:r>
+            <a:r>
+              <a:rPr lang="en-US" altLang="zh-CN" sz="4700" dirty="0" smtClean="0"/>
+              <a:t>value</a:t>
+            </a:r>
+            <a:r>
+              <a:rPr lang="zh-CN" altLang="en-US" sz="4700" dirty="0" smtClean="0"/>
+              <a:t> </a:t>
+            </a:r>
+            <a:r>
+              <a:rPr lang="en-US" altLang="zh-CN" sz="4700" dirty="0" smtClean="0"/>
+              <a:t>(threshold</a:t>
+            </a:r>
+            <a:r>
+              <a:rPr lang="zh-CN" altLang="en-US" sz="4700" dirty="0" smtClean="0"/>
+              <a:t> </a:t>
+            </a:r>
+            <a:r>
+              <a:rPr lang="en-US" altLang="zh-CN" sz="4700" dirty="0" smtClean="0"/>
+              <a:t>=</a:t>
+            </a:r>
+            <a:r>
+              <a:rPr lang="zh-CN" altLang="en-US" sz="4700" dirty="0" smtClean="0"/>
+              <a:t> </a:t>
+            </a:r>
+            <a:r>
+              <a:rPr lang="en-US" altLang="zh-CN" sz="4700" dirty="0" smtClean="0"/>
+              <a:t>1400)</a:t>
+            </a:r>
+            <a:endParaRPr lang="zh-CN" altLang="en-US" sz="4700" dirty="0" smtClean="0"/>
+          </a:p>
+          <a:p>
+            <a:endParaRPr lang="zh-CN" altLang="en-US" sz="4700" dirty="0" smtClean="0"/>
+          </a:p>
+          <a:p>
+            <a:r>
+              <a:rPr lang="en-US" altLang="zh-CN" sz="4700" dirty="0" smtClean="0"/>
+              <a:t>Algorithms:</a:t>
+            </a:r>
+            <a:r>
+              <a:rPr lang="zh-CN" altLang="en-US" sz="4700" dirty="0" smtClean="0"/>
+              <a:t> </a:t>
+            </a:r>
+            <a:r>
+              <a:rPr lang="en-US" altLang="zh-CN" sz="4700" dirty="0" smtClean="0"/>
+              <a:t>SVM/</a:t>
+            </a:r>
+            <a:r>
+              <a:rPr lang="en-US" altLang="zh-CN" sz="4700" dirty="0" err="1" smtClean="0"/>
+              <a:t>kNN</a:t>
+            </a:r>
+            <a:r>
+              <a:rPr lang="en-US" altLang="zh-CN" sz="4700" dirty="0" smtClean="0"/>
+              <a:t>/NB/</a:t>
+            </a:r>
+            <a:r>
+              <a:rPr lang="en-US" altLang="zh-CN" sz="4700" dirty="0" err="1" smtClean="0"/>
+              <a:t>AdaBoost</a:t>
+            </a:r>
+            <a:r>
+              <a:rPr lang="en-US" altLang="zh-CN" sz="4700" dirty="0" smtClean="0"/>
+              <a:t>/RF</a:t>
+            </a:r>
+            <a:endParaRPr lang="zh-CN" altLang="en-US" sz="4700" dirty="0"/>
+          </a:p>
+          <a:p>
+            <a:endParaRPr lang="zh-CN" altLang="en-US" sz="4700" dirty="0" smtClean="0"/>
+          </a:p>
+          <a:p>
+            <a:r>
+              <a:rPr lang="en-US" altLang="zh-CN" sz="4700" dirty="0"/>
+              <a:t>B</a:t>
+            </a:r>
+            <a:r>
+              <a:rPr lang="en-US" altLang="zh-CN" sz="4700" dirty="0" smtClean="0"/>
+              <a:t>est:</a:t>
+            </a:r>
+            <a:r>
+              <a:rPr lang="zh-CN" altLang="en-US" sz="4700" dirty="0" smtClean="0"/>
+              <a:t> </a:t>
+            </a:r>
+            <a:r>
+              <a:rPr lang="en-US" altLang="zh-CN" sz="4700" dirty="0" smtClean="0"/>
+              <a:t>Random</a:t>
+            </a:r>
+            <a:r>
+              <a:rPr lang="zh-CN" altLang="en-US" sz="4700" dirty="0" smtClean="0"/>
+              <a:t> </a:t>
+            </a:r>
+            <a:r>
+              <a:rPr lang="en-US" altLang="zh-CN" sz="4700" dirty="0" smtClean="0"/>
+              <a:t>Forest</a:t>
+            </a:r>
+            <a:r>
+              <a:rPr lang="zh-CN" altLang="en-US" sz="4700" dirty="0" smtClean="0"/>
+              <a:t> </a:t>
+            </a:r>
+            <a:r>
+              <a:rPr lang="en-US" altLang="zh-CN" sz="4700" dirty="0" smtClean="0"/>
+              <a:t>(AUC=0.73)</a:t>
+            </a:r>
+            <a:endParaRPr lang="zh-CN" altLang="en-US" sz="4700" dirty="0" smtClean="0"/>
+          </a:p>
+          <a:p>
+            <a:endParaRPr lang="zh-CN" altLang="en-US" sz="2800" dirty="0"/>
+          </a:p>
+          <a:p>
             <a:endParaRPr lang="zh-CN" altLang="en-US" sz="2800" dirty="0" smtClean="0"/>
-          </a:p>
-          <a:p>
-            <a:endParaRPr lang="zh-CN" altLang="en-US" sz="2800" dirty="0" smtClean="0"/>
-          </a:p>
-          <a:p>
-            <a:endParaRPr lang="zh-CN" altLang="en-US" sz="2800" dirty="0"/>
-          </a:p>
-          <a:p>
-            <a:endParaRPr lang="zh-CN" altLang="en-US" sz="2800" dirty="0" smtClean="0"/>
-          </a:p>
-          <a:p>
-            <a:endParaRPr lang="zh-CN" altLang="en-US" sz="2800" dirty="0"/>
-          </a:p>
-          <a:p>
-            <a:endParaRPr lang="zh-CN" altLang="en-US" sz="2800" dirty="0" smtClean="0"/>
-          </a:p>
-          <a:p>
-            <a:endParaRPr lang="zh-CN" altLang="en-US" sz="2800" dirty="0"/>
-          </a:p>
-          <a:p>
-            <a:endParaRPr lang="zh-CN" altLang="en-US" sz="2800" dirty="0" smtClean="0"/>
-          </a:p>
-          <a:p>
-            <a:endParaRPr lang="zh-CN" altLang="en-US" sz="2800" dirty="0"/>
-          </a:p>
-          <a:p>
-            <a:endParaRPr lang="zh-CN" altLang="en-US" sz="2800" dirty="0" smtClean="0"/>
-          </a:p>
-          <a:p>
-            <a:endParaRPr lang="zh-CN" altLang="en-US" sz="2800" dirty="0" smtClean="0"/>
-          </a:p>
-          <a:p>
-            <a:endParaRPr lang="zh-CN" altLang="en-US" sz="2800" dirty="0"/>
-          </a:p>
-          <a:p>
-            <a:endParaRPr lang="zh-CN" altLang="en-US" sz="2800" dirty="0"/>
           </a:p>
           <a:p>
             <a:endParaRPr lang="zh-CN" altLang="en-US" sz="2800" dirty="0" smtClean="0"/>
@@ -9515,97 +10302,263 @@
         </p:nvSpPr>
         <p:spPr>
           <a:xfrm>
-            <a:off x="2589212" y="1413164"/>
+            <a:off x="2589212" y="1607128"/>
             <a:ext cx="8915400" cy="5444836"/>
           </a:xfrm>
         </p:spPr>
         <p:txBody>
           <a:bodyPr>
-            <a:normAutofit fontScale="55000" lnSpcReduction="20000"/>
+            <a:normAutofit fontScale="92500" lnSpcReduction="20000"/>
           </a:bodyPr>
           <a:lstStyle/>
           <a:p>
             <a:endParaRPr lang="zh-CN" altLang="en-US" sz="2800" dirty="0" smtClean="0"/>
           </a:p>
           <a:p>
+            <a:r>
+              <a:rPr lang="en-US" altLang="zh-CN" sz="2800" dirty="0" smtClean="0"/>
+              <a:t>Feature</a:t>
+            </a:r>
+            <a:r>
+              <a:rPr lang="zh-CN" altLang="en-US" sz="2800" dirty="0" smtClean="0"/>
+              <a:t> </a:t>
+            </a:r>
+            <a:r>
+              <a:rPr lang="en-US" altLang="zh-CN" sz="2800" dirty="0" smtClean="0"/>
+              <a:t>selection:</a:t>
+            </a:r>
+            <a:r>
+              <a:rPr lang="zh-CN" altLang="en-US" sz="2800" dirty="0" smtClean="0"/>
+              <a:t> </a:t>
+            </a:r>
+            <a:r>
+              <a:rPr lang="en-US" altLang="zh-CN" sz="2800" dirty="0" smtClean="0"/>
+              <a:t>PCA</a:t>
+            </a:r>
+            <a:r>
+              <a:rPr lang="zh-CN" altLang="en-US" sz="2800" dirty="0" smtClean="0"/>
+              <a:t> </a:t>
+            </a:r>
+            <a:r>
+              <a:rPr lang="en-US" altLang="zh-CN" sz="2800" dirty="0" smtClean="0"/>
+              <a:t>with</a:t>
+            </a:r>
+            <a:r>
+              <a:rPr lang="zh-CN" altLang="en-US" sz="2800" dirty="0" smtClean="0"/>
+              <a:t> </a:t>
+            </a:r>
+            <a:r>
+              <a:rPr lang="en-US" altLang="zh-CN" sz="2800" dirty="0" smtClean="0"/>
+              <a:t>filter</a:t>
+            </a:r>
+            <a:r>
+              <a:rPr lang="zh-CN" altLang="en-US" sz="2800" dirty="0" smtClean="0"/>
+              <a:t> </a:t>
+            </a:r>
+            <a:r>
+              <a:rPr lang="en-US" altLang="zh-CN" sz="2800" dirty="0" smtClean="0"/>
+              <a:t>methods</a:t>
+            </a:r>
             <a:endParaRPr lang="zh-CN" altLang="en-US" sz="2800" dirty="0" smtClean="0"/>
           </a:p>
           <a:p>
             <a:endParaRPr lang="zh-CN" altLang="en-US" sz="2800" dirty="0"/>
           </a:p>
           <a:p>
+            <a:r>
+              <a:rPr lang="en-US" altLang="zh-CN" sz="2800" dirty="0" err="1"/>
+              <a:t>Binarizes</a:t>
+            </a:r>
+            <a:r>
+              <a:rPr lang="zh-CN" altLang="en-US" sz="2800" dirty="0"/>
+              <a:t> </a:t>
+            </a:r>
+            <a:r>
+              <a:rPr lang="en-US" altLang="zh-CN" sz="2800" dirty="0"/>
+              <a:t>the</a:t>
+            </a:r>
+            <a:r>
+              <a:rPr lang="zh-CN" altLang="en-US" sz="2800" dirty="0"/>
+              <a:t> </a:t>
+            </a:r>
+            <a:r>
+              <a:rPr lang="en-US" altLang="zh-CN" sz="2800" dirty="0"/>
+              <a:t>target</a:t>
+            </a:r>
+            <a:r>
+              <a:rPr lang="zh-CN" altLang="en-US" sz="2800" dirty="0"/>
+              <a:t> </a:t>
+            </a:r>
+            <a:r>
+              <a:rPr lang="en-US" altLang="zh-CN" sz="2800" dirty="0"/>
+              <a:t>value</a:t>
+            </a:r>
+            <a:r>
+              <a:rPr lang="zh-CN" altLang="en-US" sz="2800" dirty="0"/>
+              <a:t> </a:t>
+            </a:r>
+            <a:r>
+              <a:rPr lang="en-US" altLang="zh-CN" sz="2800" dirty="0"/>
+              <a:t>(threshold</a:t>
+            </a:r>
+            <a:r>
+              <a:rPr lang="zh-CN" altLang="en-US" sz="2800" dirty="0"/>
+              <a:t> </a:t>
+            </a:r>
+            <a:r>
+              <a:rPr lang="en-US" altLang="zh-CN" sz="2800" dirty="0"/>
+              <a:t>=</a:t>
+            </a:r>
+            <a:r>
+              <a:rPr lang="zh-CN" altLang="en-US" sz="2800" dirty="0"/>
+              <a:t> </a:t>
+            </a:r>
+            <a:r>
+              <a:rPr lang="en-US" altLang="zh-CN" sz="2800" dirty="0"/>
+              <a:t>1400)</a:t>
+            </a:r>
+            <a:endParaRPr lang="zh-CN" altLang="en-US" sz="2800" dirty="0"/>
+          </a:p>
+          <a:p>
             <a:endParaRPr lang="zh-CN" altLang="en-US" sz="2800" dirty="0" smtClean="0"/>
           </a:p>
           <a:p>
+            <a:r>
+              <a:rPr lang="en-US" altLang="zh-CN" sz="2800" dirty="0" smtClean="0"/>
+              <a:t>Tests</a:t>
+            </a:r>
+            <a:r>
+              <a:rPr lang="zh-CN" altLang="en-US" sz="2800" dirty="0" smtClean="0"/>
+              <a:t> </a:t>
+            </a:r>
+            <a:r>
+              <a:rPr lang="en-US" altLang="zh-CN" sz="2800" dirty="0" smtClean="0"/>
+              <a:t>10</a:t>
+            </a:r>
+            <a:r>
+              <a:rPr lang="zh-CN" altLang="en-US" sz="2800" dirty="0" smtClean="0"/>
+              <a:t> </a:t>
+            </a:r>
+            <a:r>
+              <a:rPr lang="en-US" altLang="zh-CN" sz="2800" dirty="0" smtClean="0"/>
+              <a:t>ML</a:t>
+            </a:r>
+            <a:r>
+              <a:rPr lang="zh-CN" altLang="en-US" sz="2800" dirty="0" smtClean="0"/>
+              <a:t> </a:t>
+            </a:r>
+            <a:r>
+              <a:rPr lang="en-US" altLang="zh-CN" sz="2800" dirty="0" smtClean="0"/>
+              <a:t>Algorithms</a:t>
+            </a:r>
+            <a:r>
+              <a:rPr lang="zh-CN" altLang="en-US" sz="2800" dirty="0" smtClean="0"/>
+              <a:t> </a:t>
+            </a:r>
             <a:endParaRPr lang="zh-CN" altLang="en-US" sz="2800" dirty="0"/>
           </a:p>
           <a:p>
             <a:endParaRPr lang="zh-CN" altLang="en-US" sz="2800" dirty="0" smtClean="0"/>
           </a:p>
           <a:p>
+            <a:r>
+              <a:rPr lang="en-US" altLang="zh-CN" sz="2800" dirty="0"/>
+              <a:t>Best:</a:t>
+            </a:r>
+            <a:r>
+              <a:rPr lang="zh-CN" altLang="en-US" sz="2800" dirty="0"/>
+              <a:t> </a:t>
+            </a:r>
+            <a:r>
+              <a:rPr lang="en-US" altLang="zh-CN" sz="2800" dirty="0"/>
+              <a:t>Random</a:t>
+            </a:r>
+            <a:r>
+              <a:rPr lang="zh-CN" altLang="en-US" sz="2800" dirty="0"/>
+              <a:t> </a:t>
+            </a:r>
+            <a:r>
+              <a:rPr lang="en-US" altLang="zh-CN" sz="2800" dirty="0"/>
+              <a:t>Forest</a:t>
+            </a:r>
+            <a:r>
+              <a:rPr lang="zh-CN" altLang="en-US" sz="2800" dirty="0"/>
+              <a:t> </a:t>
+            </a:r>
+            <a:r>
+              <a:rPr lang="en-US" altLang="zh-CN" sz="2800" dirty="0" smtClean="0"/>
+              <a:t>(Accuracy=0.69)</a:t>
+            </a:r>
             <a:endParaRPr lang="zh-CN" altLang="en-US" sz="2800" dirty="0"/>
           </a:p>
           <a:p>
+            <a:endParaRPr lang="zh-CN" altLang="en-US" sz="2800" dirty="0"/>
+          </a:p>
+          <a:p>
             <a:endParaRPr lang="zh-CN" altLang="en-US" sz="2800" dirty="0" smtClean="0"/>
           </a:p>
           <a:p>
-            <a:endParaRPr lang="zh-CN" altLang="en-US" sz="2800" dirty="0"/>
-          </a:p>
-          <a:p>
-            <a:endParaRPr lang="zh-CN" altLang="en-US" sz="2800" dirty="0" smtClean="0"/>
-          </a:p>
-          <a:p>
-            <a:endParaRPr lang="zh-CN" altLang="en-US" sz="2800" dirty="0" smtClean="0"/>
-          </a:p>
-          <a:p>
-            <a:endParaRPr lang="zh-CN" altLang="en-US" sz="2800" dirty="0"/>
-          </a:p>
-          <a:p>
-            <a:endParaRPr lang="zh-CN" altLang="en-US" sz="2800" dirty="0"/>
-          </a:p>
-          <a:p>
-            <a:endParaRPr lang="zh-CN" altLang="en-US" sz="2800" dirty="0" smtClean="0"/>
-          </a:p>
-          <a:p>
-            <a:r>
-              <a:rPr lang="en-US" sz="3300" dirty="0" smtClean="0"/>
-              <a:t>K</a:t>
-            </a:r>
-            <a:r>
-              <a:rPr lang="en-US" sz="3300" dirty="0"/>
-              <a:t>. </a:t>
-            </a:r>
-            <a:r>
-              <a:rPr lang="en-US" sz="3300" dirty="0" err="1"/>
-              <a:t>Fernandes</a:t>
-            </a:r>
-            <a:r>
-              <a:rPr lang="en-US" sz="3300" dirty="0"/>
-              <a:t>, P. </a:t>
-            </a:r>
-            <a:r>
-              <a:rPr lang="en-US" sz="3300" dirty="0" err="1"/>
-              <a:t>Vinagre</a:t>
-            </a:r>
-            <a:r>
-              <a:rPr lang="en-US" sz="3300" dirty="0"/>
-              <a:t> and P. Cortez. </a:t>
-            </a:r>
-            <a:r>
-              <a:rPr lang="en-US" sz="3300" b="1" dirty="0"/>
-              <a:t>A Proactive Intelligent Decision Support System for Predicting the Popularity of Online News</a:t>
-            </a:r>
-            <a:r>
-              <a:rPr lang="en-US" sz="3300" dirty="0"/>
-              <a:t>. Proceedings of the 17th EPIA 2015 - Portuguese Conference on Artificial Intelligence, September, Coimbra, Portugal.</a:t>
-            </a:r>
-            <a:endParaRPr lang="zh-CN" altLang="en-US" sz="3300" dirty="0"/>
-          </a:p>
-          <a:p>
-            <a:pPr marL="0" indent="0">
-              <a:buNone/>
-            </a:pPr>
-            <a:endParaRPr lang="zh-CN" altLang="en-US" sz="3300" dirty="0" smtClean="0"/>
+            <a:r>
+              <a:rPr lang="en-US" altLang="zh-CN" sz="2100" dirty="0" smtClean="0"/>
+              <a:t>H.</a:t>
+            </a:r>
+            <a:r>
+              <a:rPr lang="zh-CN" altLang="en-US" sz="2100" dirty="0" smtClean="0"/>
+              <a:t> </a:t>
+            </a:r>
+            <a:r>
+              <a:rPr lang="en-US" altLang="zh-CN" sz="2100" dirty="0" smtClean="0"/>
+              <a:t>Ren,</a:t>
+            </a:r>
+            <a:r>
+              <a:rPr lang="zh-CN" altLang="en-US" sz="2100" dirty="0" smtClean="0"/>
+              <a:t> </a:t>
+            </a:r>
+            <a:r>
+              <a:rPr lang="en-US" altLang="zh-CN" sz="2100" dirty="0" smtClean="0"/>
+              <a:t>Q.</a:t>
+            </a:r>
+            <a:r>
+              <a:rPr lang="zh-CN" altLang="en-US" sz="2100" dirty="0" smtClean="0"/>
+              <a:t> </a:t>
+            </a:r>
+            <a:r>
+              <a:rPr lang="en-US" altLang="zh-CN" sz="2100" dirty="0" smtClean="0"/>
+              <a:t>Yang.</a:t>
+            </a:r>
+            <a:r>
+              <a:rPr lang="zh-CN" altLang="en-US" sz="2100" dirty="0" smtClean="0"/>
+              <a:t> </a:t>
+            </a:r>
+            <a:r>
+              <a:rPr lang="en-US" sz="2100" b="1" dirty="0" smtClean="0"/>
+              <a:t>Predicting </a:t>
+            </a:r>
+            <a:r>
+              <a:rPr lang="en-US" sz="2100" b="1" dirty="0"/>
+              <a:t>and Evaluating the Popularity of Online </a:t>
+            </a:r>
+            <a:r>
+              <a:rPr lang="en-US" sz="2100" b="1" dirty="0" smtClean="0"/>
+              <a:t>News</a:t>
+            </a:r>
+            <a:r>
+              <a:rPr lang="en-US" altLang="zh-CN" sz="2100" b="1" dirty="0" smtClean="0"/>
+              <a:t>.</a:t>
+            </a:r>
+            <a:r>
+              <a:rPr lang="zh-CN" altLang="en-US" sz="2100" b="1" dirty="0" smtClean="0"/>
+              <a:t> </a:t>
+            </a:r>
+            <a:r>
+              <a:rPr lang="en-US" altLang="zh-CN" sz="2100" dirty="0"/>
+              <a:t>http://</a:t>
+            </a:r>
+            <a:r>
+              <a:rPr lang="en-US" altLang="zh-CN" sz="2100" dirty="0" smtClean="0"/>
+              <a:t>cs229.stanford.edu/proj2015/328_report.pdf</a:t>
+            </a:r>
+            <a:endParaRPr lang="en-US" sz="2100" b="1" dirty="0"/>
           </a:p>
         </p:txBody>
       </p:sp>
@@ -9690,17 +10643,29 @@
           <a:p>
             <a:r>
               <a:rPr lang="en-US" sz="2800" dirty="0" smtClean="0"/>
-              <a:t>Support </a:t>
+              <a:t>Support Vector </a:t>
             </a:r>
             <a:r>
               <a:rPr lang="en-US" sz="2800" dirty="0" smtClean="0"/>
-              <a:t>Vector Machine</a:t>
-            </a:r>
-          </a:p>
-          <a:p>
-            <a:r>
-              <a:rPr lang="en-US" sz="2800" dirty="0" smtClean="0"/>
-              <a:t>Multi-layer Perceptron</a:t>
+              <a:t>Machine</a:t>
+            </a:r>
+            <a:endParaRPr lang="zh-CN" altLang="en-US" sz="2800" dirty="0" smtClean="0"/>
+          </a:p>
+          <a:p>
+            <a:endParaRPr lang="en-US" sz="2800" dirty="0" smtClean="0"/>
+          </a:p>
+          <a:p>
+            <a:r>
+              <a:rPr lang="en-US" altLang="zh-CN" sz="2800" dirty="0" smtClean="0"/>
+              <a:t>Random</a:t>
+            </a:r>
+            <a:r>
+              <a:rPr lang="zh-CN" altLang="en-US" sz="2800" dirty="0" smtClean="0"/>
+              <a:t> </a:t>
+            </a:r>
+            <a:r>
+              <a:rPr lang="en-US" altLang="zh-CN" sz="2800" dirty="0" smtClean="0"/>
+              <a:t>Forest</a:t>
             </a:r>
             <a:endParaRPr lang="en-US" sz="2800" dirty="0"/>
           </a:p>
@@ -9964,8 +10929,16 @@
           <a:lstStyle/>
           <a:p>
             <a:r>
-              <a:rPr lang="en-US" sz="4400" dirty="0" smtClean="0"/>
-              <a:t>Multilayer Perceptron</a:t>
+              <a:rPr lang="en-US" altLang="zh-CN" sz="4400" dirty="0" smtClean="0"/>
+              <a:t>Random</a:t>
+            </a:r>
+            <a:r>
+              <a:rPr lang="zh-CN" altLang="en-US" sz="4400" dirty="0" smtClean="0"/>
+              <a:t> </a:t>
+            </a:r>
+            <a:r>
+              <a:rPr lang="en-US" altLang="zh-CN" sz="4400" dirty="0" smtClean="0"/>
+              <a:t>Forest</a:t>
             </a:r>
             <a:endParaRPr lang="en-US" sz="4400" dirty="0"/>
           </a:p>
@@ -10044,244 +11017,12 @@
           <a:p>
             <a:r>
               <a:rPr lang="en-US" sz="2800" dirty="0"/>
-              <a:t>-L </a:t>
+              <a:t>-</a:t>
             </a:r>
             <a:r>
               <a:rPr lang="en-US" sz="2800" dirty="0" smtClean="0"/>
-              <a:t>0.6 </a:t>
-            </a:r>
-            <a:r>
-              <a:rPr lang="mr-IN" sz="2800" dirty="0"/>
-              <a:t>-</a:t>
-            </a:r>
-            <a:r>
-              <a:rPr lang="en-US" sz="2800" dirty="0"/>
-              <a:t>M 0.2 </a:t>
-            </a:r>
-            <a:r>
-              <a:rPr lang="mr-IN" sz="2800" dirty="0"/>
-              <a:t>-</a:t>
-            </a:r>
-            <a:r>
-              <a:rPr lang="en-US" sz="2800" dirty="0"/>
-              <a:t>N 500 </a:t>
-            </a:r>
-            <a:r>
-              <a:rPr lang="mr-IN" sz="2800" dirty="0"/>
-              <a:t>-</a:t>
-            </a:r>
-            <a:r>
-              <a:rPr lang="en-US" sz="2800" dirty="0"/>
-              <a:t>V 0 </a:t>
-            </a:r>
-            <a:r>
-              <a:rPr lang="mr-IN" sz="2800" dirty="0"/>
-              <a:t>-</a:t>
-            </a:r>
-            <a:r>
-              <a:rPr lang="en-US" sz="2800" dirty="0"/>
-              <a:t>S 0 </a:t>
-            </a:r>
-            <a:r>
-              <a:rPr lang="mr-IN" sz="2800" dirty="0"/>
-              <a:t>-</a:t>
-            </a:r>
-            <a:r>
-              <a:rPr lang="en-US" sz="2800" dirty="0"/>
-              <a:t>E 20 </a:t>
-            </a:r>
-            <a:r>
-              <a:rPr lang="mr-IN" sz="2800" dirty="0"/>
-              <a:t>-</a:t>
-            </a:r>
-            <a:r>
-              <a:rPr lang="en-US" sz="2800" dirty="0"/>
-              <a:t>H a</a:t>
-            </a:r>
-          </a:p>
-          <a:p>
-            <a:r>
-              <a:rPr lang="en-US" sz="2800" dirty="0"/>
-              <a:t>-L 0.3 </a:t>
-            </a:r>
-            <a:r>
-              <a:rPr lang="mr-IN" sz="2800" dirty="0"/>
-              <a:t>-</a:t>
-            </a:r>
-            <a:r>
-              <a:rPr lang="en-US" sz="2800" dirty="0"/>
-              <a:t>M 0.2 </a:t>
-            </a:r>
-            <a:r>
-              <a:rPr lang="mr-IN" sz="2800" dirty="0"/>
-              <a:t>-</a:t>
-            </a:r>
-            <a:r>
-              <a:rPr lang="en-US" sz="2800" dirty="0"/>
-              <a:t>N </a:t>
-            </a:r>
-            <a:r>
-              <a:rPr lang="en-US" sz="2800" dirty="0" smtClean="0"/>
-              <a:t>200 </a:t>
-            </a:r>
-            <a:r>
-              <a:rPr lang="mr-IN" sz="2800" dirty="0"/>
-              <a:t>-</a:t>
-            </a:r>
-            <a:r>
-              <a:rPr lang="en-US" sz="2800" dirty="0"/>
-              <a:t>V 0 </a:t>
-            </a:r>
-            <a:r>
-              <a:rPr lang="mr-IN" sz="2800" dirty="0"/>
-              <a:t>-</a:t>
-            </a:r>
-            <a:r>
-              <a:rPr lang="en-US" sz="2800" dirty="0"/>
-              <a:t>S 0 </a:t>
-            </a:r>
-            <a:r>
-              <a:rPr lang="mr-IN" sz="2800" dirty="0"/>
-              <a:t>-</a:t>
-            </a:r>
-            <a:r>
-              <a:rPr lang="en-US" sz="2800" dirty="0"/>
-              <a:t>E 20 </a:t>
-            </a:r>
-            <a:r>
-              <a:rPr lang="mr-IN" sz="2800" dirty="0"/>
-              <a:t>-</a:t>
-            </a:r>
-            <a:r>
-              <a:rPr lang="en-US" sz="2800" dirty="0"/>
-              <a:t>H a</a:t>
-            </a:r>
-          </a:p>
-          <a:p>
-            <a:r>
-              <a:rPr lang="en-US" sz="2800" dirty="0"/>
-              <a:t>-L 0.3 </a:t>
-            </a:r>
-            <a:r>
-              <a:rPr lang="mr-IN" sz="2800" dirty="0"/>
-              <a:t>-</a:t>
-            </a:r>
-            <a:r>
-              <a:rPr lang="en-US" sz="2800" dirty="0"/>
-              <a:t>M 0.2 </a:t>
-            </a:r>
-            <a:r>
-              <a:rPr lang="mr-IN" sz="2800" dirty="0"/>
-              <a:t>-</a:t>
-            </a:r>
-            <a:r>
-              <a:rPr lang="en-US" sz="2800" dirty="0"/>
-              <a:t>N </a:t>
-            </a:r>
-            <a:r>
-              <a:rPr lang="en-US" sz="2800" dirty="0" smtClean="0"/>
-              <a:t>500 </a:t>
-            </a:r>
-            <a:r>
-              <a:rPr lang="mr-IN" sz="2800" dirty="0"/>
-              <a:t>-</a:t>
-            </a:r>
-            <a:r>
-              <a:rPr lang="en-US" sz="2800" dirty="0"/>
-              <a:t>V 0 </a:t>
-            </a:r>
-            <a:r>
-              <a:rPr lang="mr-IN" sz="2800" dirty="0"/>
-              <a:t>-</a:t>
-            </a:r>
-            <a:r>
-              <a:rPr lang="en-US" sz="2800" dirty="0"/>
-              <a:t>S 0 </a:t>
-            </a:r>
-            <a:r>
-              <a:rPr lang="mr-IN" sz="2800" dirty="0"/>
-              <a:t>-</a:t>
-            </a:r>
-            <a:r>
-              <a:rPr lang="en-US" sz="2800" dirty="0"/>
-              <a:t>E </a:t>
-            </a:r>
-            <a:r>
-              <a:rPr lang="en-US" sz="2800" dirty="0" smtClean="0"/>
-              <a:t>10 </a:t>
-            </a:r>
-            <a:r>
-              <a:rPr lang="mr-IN" sz="2800" dirty="0"/>
-              <a:t>-</a:t>
-            </a:r>
-            <a:r>
-              <a:rPr lang="en-US" sz="2800" dirty="0"/>
-              <a:t>H a</a:t>
-            </a:r>
-          </a:p>
-          <a:p>
-            <a:r>
-              <a:rPr lang="en-US" sz="2800" dirty="0"/>
-              <a:t>-L 0.3 </a:t>
-            </a:r>
-            <a:r>
-              <a:rPr lang="mr-IN" sz="2800" dirty="0"/>
-              <a:t>-</a:t>
-            </a:r>
-            <a:r>
-              <a:rPr lang="en-US" sz="2800" dirty="0"/>
-              <a:t>M 0.2 </a:t>
-            </a:r>
-            <a:r>
-              <a:rPr lang="mr-IN" sz="2800" dirty="0"/>
-              <a:t>-</a:t>
-            </a:r>
-            <a:r>
-              <a:rPr lang="en-US" sz="2800" dirty="0"/>
-              <a:t>N </a:t>
-            </a:r>
-            <a:r>
-              <a:rPr lang="en-US" sz="2800" dirty="0" smtClean="0"/>
-              <a:t>500 </a:t>
-            </a:r>
-            <a:r>
-              <a:rPr lang="mr-IN" sz="2800" dirty="0"/>
-              <a:t>-</a:t>
-            </a:r>
-            <a:r>
-              <a:rPr lang="en-US" sz="2800" dirty="0"/>
-              <a:t>V 0 </a:t>
-            </a:r>
-            <a:r>
-              <a:rPr lang="mr-IN" sz="2800" dirty="0"/>
-              <a:t>-</a:t>
-            </a:r>
-            <a:r>
-              <a:rPr lang="en-US" sz="2800" dirty="0"/>
-              <a:t>S 0 </a:t>
-            </a:r>
-            <a:r>
-              <a:rPr lang="mr-IN" sz="2800" dirty="0"/>
-              <a:t>-</a:t>
-            </a:r>
-            <a:r>
-              <a:rPr lang="en-US" sz="2800" dirty="0"/>
-              <a:t>E </a:t>
-            </a:r>
-            <a:r>
-              <a:rPr lang="en-US" sz="2800" dirty="0" smtClean="0"/>
-              <a:t>30 </a:t>
-            </a:r>
-            <a:r>
-              <a:rPr lang="mr-IN" sz="2800" dirty="0"/>
-              <a:t>-</a:t>
-            </a:r>
-            <a:r>
-              <a:rPr lang="en-US" sz="2800" dirty="0"/>
-              <a:t>H a</a:t>
-            </a:r>
-          </a:p>
-          <a:p>
+              <a:t>L</a:t>
+            </a:r>
             <a:endParaRPr lang="en-US" sz="2800" dirty="0"/>
           </a:p>
         </p:txBody>
@@ -10345,27 +11086,6 @@
               <a:t>Clustering</a:t>
             </a:r>
             <a:endParaRPr lang="en-US" sz="4400" dirty="0"/>
-          </a:p>
-        </p:txBody>
-      </p:sp>
-      <p:sp>
-        <p:nvSpPr>
-          <p:cNvPr id="3" name="Content Placeholder 2"/>
-          <p:cNvSpPr>
-            <a:spLocks noGrp="1"/>
-          </p:cNvSpPr>
-          <p:nvPr>
-            <p:ph idx="1"/>
-          </p:nvPr>
-        </p:nvSpPr>
-        <p:spPr/>
-        <p:txBody>
-          <a:bodyPr>
-            <a:normAutofit/>
-          </a:bodyPr>
-          <a:lstStyle/>
-          <a:p>
-            <a:endParaRPr lang="en-US" sz="2600" baseline="-25000" dirty="0" smtClean="0"/>
           </a:p>
         </p:txBody>
       </p:sp>
@@ -10472,7 +11192,7 @@
       </p:sp>
       <p:sp>
         <p:nvSpPr>
-          <p:cNvPr id="5" name="Title 1"/>
+          <p:cNvPr id="6" name="Content Placeholder 2"/>
           <p:cNvSpPr txBox="1">
             <a:spLocks/>
           </p:cNvSpPr>
@@ -10480,112 +11200,258 @@
         </p:nvSpPr>
         <p:spPr>
           <a:xfrm>
-            <a:off x="5281659" y="6147647"/>
-            <a:ext cx="9083933" cy="578257"/>
+            <a:off x="2727758" y="2036618"/>
+            <a:ext cx="8915400" cy="3777622"/>
           </a:xfrm>
           <a:prstGeom prst="rect">
             <a:avLst/>
           </a:prstGeom>
         </p:spPr>
         <p:txBody>
-          <a:bodyPr vert="horz" lIns="91440" tIns="45720" rIns="91440" bIns="45720" rtlCol="0" anchor="t">
+          <a:bodyPr vert="horz" lIns="91440" tIns="45720" rIns="91440" bIns="45720" rtlCol="0">
             <a:normAutofit/>
           </a:bodyPr>
           <a:lstStyle>
-            <a:lvl1pPr algn="l" defTabSz="457200" rtl="0" eaLnBrk="1" latinLnBrk="0" hangingPunct="1">
+            <a:lvl1pPr marL="342900" indent="-342900" algn="l" defTabSz="457200" rtl="0" eaLnBrk="1" latinLnBrk="0" hangingPunct="1">
               <a:spcBef>
-                <a:spcPct val="0"/>
+                <a:spcPts val="1000"/>
               </a:spcBef>
-              <a:buNone/>
-              <a:defRPr sz="3600" kern="1200">
+              <a:spcAft>
+                <a:spcPts val="0"/>
+              </a:spcAft>
+              <a:buClr>
+                <a:schemeClr val="accent1"/>
+              </a:buClr>
+              <a:buFont typeface="Wingdings 3" charset="2"/>
+              <a:buChar char=""/>
+              <a:defRPr sz="1800" kern="1200">
                 <a:solidFill>
                   <a:schemeClr val="tx1">
-                    <a:lumMod val="85000"/>
-                    <a:lumOff val="15000"/>
+                    <a:lumMod val="75000"/>
+                    <a:lumOff val="25000"/>
                   </a:schemeClr>
                 </a:solidFill>
-                <a:latin typeface="+mj-lt"/>
-                <a:ea typeface="+mj-ea"/>
-                <a:cs typeface="+mj-cs"/>
+                <a:latin typeface="+mn-lt"/>
+                <a:ea typeface="+mn-ea"/>
+                <a:cs typeface="+mn-cs"/>
               </a:defRPr>
             </a:lvl1pPr>
-            <a:lvl2pPr eaLnBrk="1" hangingPunct="1">
-              <a:defRPr>
+            <a:lvl2pPr marL="742950" indent="-285750" algn="l" defTabSz="457200" rtl="0" eaLnBrk="1" latinLnBrk="0" hangingPunct="1">
+              <a:spcBef>
+                <a:spcPts val="1000"/>
+              </a:spcBef>
+              <a:spcAft>
+                <a:spcPts val="0"/>
+              </a:spcAft>
+              <a:buClr>
+                <a:schemeClr val="accent1"/>
+              </a:buClr>
+              <a:buFont typeface="Wingdings 3" charset="2"/>
+              <a:buChar char=""/>
+              <a:defRPr sz="1600" kern="1200">
                 <a:solidFill>
-                  <a:schemeClr val="tx2"/>
+                  <a:schemeClr val="tx1">
+                    <a:lumMod val="75000"/>
+                    <a:lumOff val="25000"/>
+                  </a:schemeClr>
                 </a:solidFill>
+                <a:latin typeface="+mn-lt"/>
+                <a:ea typeface="+mn-ea"/>
+                <a:cs typeface="+mn-cs"/>
               </a:defRPr>
             </a:lvl2pPr>
-            <a:lvl3pPr eaLnBrk="1" hangingPunct="1">
-              <a:defRPr>
+            <a:lvl3pPr marL="1143000" indent="-228600" algn="l" defTabSz="457200" rtl="0" eaLnBrk="1" latinLnBrk="0" hangingPunct="1">
+              <a:spcBef>
+                <a:spcPts val="1000"/>
+              </a:spcBef>
+              <a:spcAft>
+                <a:spcPts val="0"/>
+              </a:spcAft>
+              <a:buClr>
+                <a:schemeClr val="accent1"/>
+              </a:buClr>
+              <a:buFont typeface="Wingdings 3" charset="2"/>
+              <a:buChar char=""/>
+              <a:defRPr sz="1400" kern="1200">
                 <a:solidFill>
-                  <a:schemeClr val="tx2"/>
+                  <a:schemeClr val="tx1">
+                    <a:lumMod val="75000"/>
+                    <a:lumOff val="25000"/>
+                  </a:schemeClr>
                 </a:solidFill>
+                <a:latin typeface="+mn-lt"/>
+                <a:ea typeface="+mn-ea"/>
+                <a:cs typeface="+mn-cs"/>
               </a:defRPr>
             </a:lvl3pPr>
-            <a:lvl4pPr eaLnBrk="1" hangingPunct="1">
-              <a:defRPr>
+            <a:lvl4pPr marL="1600200" indent="-228600" algn="l" defTabSz="457200" rtl="0" eaLnBrk="1" latinLnBrk="0" hangingPunct="1">
+              <a:spcBef>
+                <a:spcPts val="1000"/>
+              </a:spcBef>
+              <a:spcAft>
+                <a:spcPts val="0"/>
+              </a:spcAft>
+              <a:buClr>
+                <a:schemeClr val="accent1"/>
+              </a:buClr>
+              <a:buFont typeface="Wingdings 3" charset="2"/>
+              <a:buChar char=""/>
+              <a:defRPr sz="1200" kern="1200">
                 <a:solidFill>
-                  <a:schemeClr val="tx2"/>
+                  <a:schemeClr val="tx1">
+                    <a:lumMod val="75000"/>
+                    <a:lumOff val="25000"/>
+                  </a:schemeClr>
                 </a:solidFill>
+                <a:latin typeface="+mn-lt"/>
+                <a:ea typeface="+mn-ea"/>
+                <a:cs typeface="+mn-cs"/>
               </a:defRPr>
             </a:lvl4pPr>
-            <a:lvl5pPr eaLnBrk="1" hangingPunct="1">
-              <a:defRPr>
+            <a:lvl5pPr marL="2057400" indent="-228600" algn="l" defTabSz="457200" rtl="0" eaLnBrk="1" latinLnBrk="0" hangingPunct="1">
+              <a:spcBef>
+                <a:spcPts val="1000"/>
+              </a:spcBef>
+              <a:spcAft>
+                <a:spcPts val="0"/>
+              </a:spcAft>
+              <a:buClr>
+                <a:schemeClr val="accent1"/>
+              </a:buClr>
+              <a:buFont typeface="Wingdings 3" charset="2"/>
+              <a:buChar char=""/>
+              <a:defRPr sz="1200" kern="1200">
                 <a:solidFill>
-                  <a:schemeClr val="tx2"/>
+                  <a:schemeClr val="tx1">
+                    <a:lumMod val="75000"/>
+                    <a:lumOff val="25000"/>
+                  </a:schemeClr>
                 </a:solidFill>
+                <a:latin typeface="+mn-lt"/>
+                <a:ea typeface="+mn-ea"/>
+                <a:cs typeface="+mn-cs"/>
               </a:defRPr>
             </a:lvl5pPr>
-            <a:lvl6pPr eaLnBrk="1" hangingPunct="1">
-              <a:defRPr>
+            <a:lvl6pPr marL="2514600" indent="-228600" algn="l" defTabSz="457200" rtl="0" eaLnBrk="1" latinLnBrk="0" hangingPunct="1">
+              <a:spcBef>
+                <a:spcPts val="1000"/>
+              </a:spcBef>
+              <a:spcAft>
+                <a:spcPts val="0"/>
+              </a:spcAft>
+              <a:buClr>
+                <a:schemeClr val="accent1"/>
+              </a:buClr>
+              <a:buFont typeface="Wingdings 3" charset="2"/>
+              <a:buChar char=""/>
+              <a:defRPr sz="1200" kern="1200">
                 <a:solidFill>
-                  <a:schemeClr val="tx2"/>
+                  <a:schemeClr val="tx1">
+                    <a:lumMod val="75000"/>
+                    <a:lumOff val="25000"/>
+                  </a:schemeClr>
                 </a:solidFill>
+                <a:latin typeface="+mn-lt"/>
+                <a:ea typeface="+mn-ea"/>
+                <a:cs typeface="+mn-cs"/>
               </a:defRPr>
             </a:lvl6pPr>
-            <a:lvl7pPr eaLnBrk="1" hangingPunct="1">
-              <a:defRPr>
+            <a:lvl7pPr marL="2971800" indent="-228600" algn="l" defTabSz="457200" rtl="0" eaLnBrk="1" latinLnBrk="0" hangingPunct="1">
+              <a:spcBef>
+                <a:spcPts val="1000"/>
+              </a:spcBef>
+              <a:spcAft>
+                <a:spcPts val="0"/>
+              </a:spcAft>
+              <a:buClr>
+                <a:schemeClr val="accent1"/>
+              </a:buClr>
+              <a:buFont typeface="Wingdings 3" charset="2"/>
+              <a:buChar char=""/>
+              <a:defRPr sz="1200" kern="1200">
                 <a:solidFill>
-                  <a:schemeClr val="tx2"/>
+                  <a:schemeClr val="tx1">
+                    <a:lumMod val="75000"/>
+                    <a:lumOff val="25000"/>
+                  </a:schemeClr>
                 </a:solidFill>
+                <a:latin typeface="+mn-lt"/>
+                <a:ea typeface="+mn-ea"/>
+                <a:cs typeface="+mn-cs"/>
               </a:defRPr>
             </a:lvl7pPr>
-            <a:lvl8pPr eaLnBrk="1" hangingPunct="1">
-              <a:defRPr>
+            <a:lvl8pPr marL="3429000" indent="-228600" algn="l" defTabSz="457200" rtl="0" eaLnBrk="1" latinLnBrk="0" hangingPunct="1">
+              <a:spcBef>
+                <a:spcPts val="1000"/>
+              </a:spcBef>
+              <a:spcAft>
+                <a:spcPts val="0"/>
+              </a:spcAft>
+              <a:buClr>
+                <a:schemeClr val="accent1"/>
+              </a:buClr>
+              <a:buFont typeface="Wingdings 3" charset="2"/>
+              <a:buChar char=""/>
+              <a:defRPr sz="1200" kern="1200">
                 <a:solidFill>
-                  <a:schemeClr val="tx2"/>
+                  <a:schemeClr val="tx1">
+                    <a:lumMod val="75000"/>
+                    <a:lumOff val="25000"/>
+                  </a:schemeClr>
                 </a:solidFill>
+                <a:latin typeface="+mn-lt"/>
+                <a:ea typeface="+mn-ea"/>
+                <a:cs typeface="+mn-cs"/>
               </a:defRPr>
             </a:lvl8pPr>
-            <a:lvl9pPr eaLnBrk="1" hangingPunct="1">
-              <a:defRPr>
+            <a:lvl9pPr marL="3886200" indent="-228600" algn="l" defTabSz="457200" rtl="0" eaLnBrk="1" latinLnBrk="0" hangingPunct="1">
+              <a:spcBef>
+                <a:spcPts val="1000"/>
+              </a:spcBef>
+              <a:spcAft>
+                <a:spcPts val="0"/>
+              </a:spcAft>
+              <a:buClr>
+                <a:schemeClr val="accent1"/>
+              </a:buClr>
+              <a:buFont typeface="Wingdings 3" charset="2"/>
+              <a:buChar char=""/>
+              <a:defRPr sz="1200" kern="1200">
                 <a:solidFill>
-                  <a:schemeClr val="tx2"/>
+                  <a:schemeClr val="tx1">
+                    <a:lumMod val="75000"/>
+                    <a:lumOff val="25000"/>
+                  </a:schemeClr>
                 </a:solidFill>
+                <a:latin typeface="+mn-lt"/>
+                <a:ea typeface="+mn-ea"/>
+                <a:cs typeface="+mn-cs"/>
               </a:defRPr>
             </a:lvl9pPr>
           </a:lstStyle>
           <a:p>
             <a:r>
-              <a:rPr lang="en-US" sz="1800" dirty="0"/>
-              <a:t>[*] https://</a:t>
-            </a:r>
-            <a:r>
-              <a:rPr lang="en-US" sz="1800" dirty="0" err="1"/>
-              <a:t>en.wikipedia.org</a:t>
-            </a:r>
-            <a:r>
-              <a:rPr lang="en-US" sz="1800" dirty="0"/>
-              <a:t>/wiki/Cross-validation_(statistics)</a:t>
-            </a:r>
+              <a:rPr lang="en-US" altLang="zh-CN" sz="2800" dirty="0" smtClean="0"/>
+              <a:t>K-Means</a:t>
+            </a:r>
+            <a:endParaRPr lang="zh-CN" altLang="en-US" sz="2800" dirty="0" smtClean="0"/>
+          </a:p>
+          <a:p>
+            <a:endParaRPr lang="zh-CN" altLang="en-US" sz="2800" dirty="0"/>
+          </a:p>
+          <a:p>
+            <a:r>
+              <a:rPr lang="en-US" altLang="zh-CN" sz="2800" dirty="0" smtClean="0"/>
+              <a:t>EM</a:t>
+            </a:r>
+            <a:endParaRPr lang="en-US" sz="2800" dirty="0"/>
           </a:p>
         </p:txBody>
       </p:sp>
     </p:spTree>
     <p:extLst>
       <p:ext uri="{BB962C8B-B14F-4D97-AF65-F5344CB8AC3E}">
-        <p14:creationId xmlns:p14="http://schemas.microsoft.com/office/powerpoint/2010/main" val="846790584"/>
+        <p14:creationId xmlns:p14="http://schemas.microsoft.com/office/powerpoint/2010/main" val="298501962"/>
       </p:ext>
     </p:extLst>
   </p:cSld>

--- a/PPTGroup10.pptx
+++ b/PPTGroup10.pptx
@@ -9497,11 +9497,7 @@
           <a:p>
             <a:r>
               <a:rPr lang="en-US" sz="2800" dirty="0"/>
-              <a:t>Number of attributes: </a:t>
-            </a:r>
-            <a:r>
-              <a:rPr lang="en-US" sz="2800" dirty="0"/>
-              <a:t>61 (58 predictive attributes, </a:t>
+              <a:t>Number of attributes: 61 (58 predictive attributes, </a:t>
             </a:r>
             <a:endParaRPr lang="zh-CN" altLang="en-US" sz="2800" dirty="0" smtClean="0"/>
           </a:p>
@@ -9525,7 +9521,6 @@
               <a:rPr lang="en-US" sz="2800" dirty="0"/>
               <a:t>non-predictive, 1 goal field) </a:t>
             </a:r>
-            <a:endParaRPr lang="en-US" sz="2800" dirty="0"/>
           </a:p>
           <a:p>
             <a:endParaRPr lang="en-US" sz="2800" dirty="0"/>
@@ -10643,11 +10638,7 @@
           <a:p>
             <a:r>
               <a:rPr lang="en-US" sz="2800" dirty="0" smtClean="0"/>
-              <a:t>Support Vector </a:t>
-            </a:r>
-            <a:r>
-              <a:rPr lang="en-US" sz="2800" dirty="0" smtClean="0"/>
-              <a:t>Machine</a:t>
+              <a:t>Support Vector Machine</a:t>
             </a:r>
             <a:endParaRPr lang="zh-CN" altLang="en-US" sz="2800" dirty="0" smtClean="0"/>
           </a:p>

--- a/PPTGroup10.pptx
+++ b/PPTGroup10.pptx
@@ -5,7 +5,7 @@
     <p:sldMasterId id="2147483648" r:id="rId1"/>
   </p:sldMasterIdLst>
   <p:notesMasterIdLst>
-    <p:notesMasterId r:id="rId14"/>
+    <p:notesMasterId r:id="rId19"/>
   </p:notesMasterIdLst>
   <p:sldIdLst>
     <p:sldId id="256" r:id="rId2"/>
@@ -13,13 +13,18 @@
     <p:sldId id="259" r:id="rId4"/>
     <p:sldId id="266" r:id="rId5"/>
     <p:sldId id="292" r:id="rId6"/>
-    <p:sldId id="262" r:id="rId7"/>
-    <p:sldId id="279" r:id="rId8"/>
-    <p:sldId id="269" r:id="rId9"/>
-    <p:sldId id="294" r:id="rId10"/>
-    <p:sldId id="295" r:id="rId11"/>
-    <p:sldId id="296" r:id="rId12"/>
-    <p:sldId id="293" r:id="rId13"/>
+    <p:sldId id="297" r:id="rId7"/>
+    <p:sldId id="299" r:id="rId8"/>
+    <p:sldId id="300" r:id="rId9"/>
+    <p:sldId id="301" r:id="rId10"/>
+    <p:sldId id="302" r:id="rId11"/>
+    <p:sldId id="262" r:id="rId12"/>
+    <p:sldId id="279" r:id="rId13"/>
+    <p:sldId id="269" r:id="rId14"/>
+    <p:sldId id="294" r:id="rId15"/>
+    <p:sldId id="295" r:id="rId16"/>
+    <p:sldId id="296" r:id="rId17"/>
+    <p:sldId id="293" r:id="rId18"/>
   </p:sldIdLst>
   <p:sldSz cx="12192000" cy="6858000"/>
   <p:notesSz cx="6858000" cy="9144000"/>
@@ -717,7 +722,7 @@
           <a:p>
             <a:fld id="{1C63729A-534C-874A-B073-5D3F38B81A78}" type="slidenum">
               <a:rPr lang="en-US" smtClean="0"/>
-              <a:t>8</a:t>
+              <a:t>13</a:t>
             </a:fld>
             <a:endParaRPr lang="en-US"/>
           </a:p>
@@ -801,7 +806,7 @@
           <a:p>
             <a:fld id="{1C63729A-534C-874A-B073-5D3F38B81A78}" type="slidenum">
               <a:rPr lang="en-US" smtClean="0"/>
-              <a:t>12</a:t>
+              <a:t>17</a:t>
             </a:fld>
             <a:endParaRPr lang="en-US"/>
           </a:p>
@@ -8509,8 +8514,608 @@
           <a:lstStyle/>
           <a:p>
             <a:r>
+              <a:rPr lang="en-US" sz="4400" dirty="0" smtClean="0"/>
+              <a:t>Evaluation</a:t>
+            </a:r>
+            <a:endParaRPr lang="en-US" sz="4400" dirty="0"/>
+          </a:p>
+        </p:txBody>
+      </p:sp>
+      <p:sp>
+        <p:nvSpPr>
+          <p:cNvPr id="3" name="Content Placeholder 2"/>
+          <p:cNvSpPr>
+            <a:spLocks noGrp="1"/>
+          </p:cNvSpPr>
+          <p:nvPr>
+            <p:ph idx="1"/>
+          </p:nvPr>
+        </p:nvSpPr>
+        <p:spPr/>
+        <p:txBody>
+          <a:bodyPr>
+            <a:normAutofit/>
+          </a:bodyPr>
+          <a:lstStyle/>
+          <a:p>
+            <a:r>
+              <a:rPr lang="en-US" sz="2800" dirty="0" smtClean="0"/>
+              <a:t>Prediction accuracy: </a:t>
+            </a:r>
+            <a:br>
+              <a:rPr lang="en-US" sz="2800" dirty="0" smtClean="0"/>
+            </a:br>
+            <a:r>
+              <a:rPr lang="en-US" sz="2800" dirty="0" smtClean="0"/>
+              <a:t>use known popularity</a:t>
+            </a:r>
+          </a:p>
+          <a:p>
+            <a:r>
+              <a:rPr lang="en-US" sz="2800" dirty="0" smtClean="0"/>
+              <a:t>Performance comparison: </a:t>
+            </a:r>
+            <a:br>
+              <a:rPr lang="en-US" sz="2800" dirty="0" smtClean="0"/>
+            </a:br>
+            <a:r>
+              <a:rPr lang="en-US" sz="2800" dirty="0" smtClean="0"/>
+              <a:t>compare prediction results with previous work</a:t>
+            </a:r>
+          </a:p>
+          <a:p>
+            <a:endParaRPr lang="en-US" sz="2800" dirty="0" smtClean="0"/>
+          </a:p>
+          <a:p>
+            <a:r>
+              <a:rPr lang="en-US" sz="2800" dirty="0" smtClean="0"/>
+              <a:t>Statistics analysis:</a:t>
+            </a:r>
+            <a:br>
+              <a:rPr lang="en-US" sz="2800" dirty="0" smtClean="0"/>
+            </a:br>
+            <a:r>
+              <a:rPr lang="en-US" sz="2800" dirty="0" smtClean="0"/>
+              <a:t>compare with statistical result about attributes</a:t>
+            </a:r>
+          </a:p>
+        </p:txBody>
+      </p:sp>
+    </p:spTree>
+    <p:extLst>
+      <p:ext uri="{BB962C8B-B14F-4D97-AF65-F5344CB8AC3E}">
+        <p14:creationId xmlns:p14="http://schemas.microsoft.com/office/powerpoint/2010/main" val="211397052"/>
+      </p:ext>
+    </p:extLst>
+  </p:cSld>
+  <p:clrMapOvr>
+    <a:masterClrMapping/>
+  </p:clrMapOvr>
+</p:sld>
+</file>
+
+<file path=ppt/slides/slide11.xml><?xml version="1.0" encoding="utf-8"?>
+<p:sld xmlns:a="http://schemas.openxmlformats.org/drawingml/2006/main" xmlns:r="http://schemas.openxmlformats.org/officeDocument/2006/relationships" xmlns:p="http://schemas.openxmlformats.org/presentationml/2006/main" show="0">
+  <p:cSld>
+    <p:spTree>
+      <p:nvGrpSpPr>
+        <p:cNvPr id="1" name=""/>
+        <p:cNvGrpSpPr/>
+        <p:nvPr/>
+      </p:nvGrpSpPr>
+      <p:grpSpPr>
+        <a:xfrm>
+          <a:off x="0" y="0"/>
+          <a:ext cx="0" cy="0"/>
+          <a:chOff x="0" y="0"/>
+          <a:chExt cx="0" cy="0"/>
+        </a:xfrm>
+      </p:grpSpPr>
+      <p:sp>
+        <p:nvSpPr>
+          <p:cNvPr id="2" name="Title 1"/>
+          <p:cNvSpPr>
+            <a:spLocks noGrp="1"/>
+          </p:cNvSpPr>
+          <p:nvPr>
+            <p:ph type="title"/>
+          </p:nvPr>
+        </p:nvSpPr>
+        <p:spPr/>
+        <p:txBody>
+          <a:bodyPr>
+            <a:normAutofit/>
+          </a:bodyPr>
+          <a:lstStyle/>
+          <a:p>
+            <a:r>
               <a:rPr lang="en-US" altLang="zh-CN" sz="4400" dirty="0" smtClean="0"/>
-              <a:t>K-Means</a:t>
+              <a:t>Classification</a:t>
+            </a:r>
+            <a:endParaRPr lang="en-US" sz="4400" dirty="0"/>
+          </a:p>
+        </p:txBody>
+      </p:sp>
+      <p:sp>
+        <p:nvSpPr>
+          <p:cNvPr id="3" name="Content Placeholder 2"/>
+          <p:cNvSpPr>
+            <a:spLocks noGrp="1"/>
+          </p:cNvSpPr>
+          <p:nvPr>
+            <p:ph idx="1"/>
+          </p:nvPr>
+        </p:nvSpPr>
+        <p:spPr/>
+        <p:txBody>
+          <a:bodyPr>
+            <a:normAutofit/>
+          </a:bodyPr>
+          <a:lstStyle/>
+          <a:p>
+            <a:r>
+              <a:rPr lang="en-US" sz="2800" dirty="0" smtClean="0"/>
+              <a:t>Support Vector Machine</a:t>
+            </a:r>
+            <a:endParaRPr lang="zh-CN" altLang="en-US" sz="2800" dirty="0" smtClean="0"/>
+          </a:p>
+          <a:p>
+            <a:endParaRPr lang="en-US" sz="2800" dirty="0" smtClean="0"/>
+          </a:p>
+          <a:p>
+            <a:r>
+              <a:rPr lang="en-US" altLang="zh-CN" sz="2800" dirty="0" smtClean="0"/>
+              <a:t>Random</a:t>
+            </a:r>
+            <a:r>
+              <a:rPr lang="zh-CN" altLang="en-US" sz="2800" dirty="0" smtClean="0"/>
+              <a:t> </a:t>
+            </a:r>
+            <a:r>
+              <a:rPr lang="en-US" altLang="zh-CN" sz="2800" dirty="0" smtClean="0"/>
+              <a:t>Forest</a:t>
+            </a:r>
+            <a:endParaRPr lang="en-US" sz="2800" dirty="0"/>
+          </a:p>
+        </p:txBody>
+      </p:sp>
+    </p:spTree>
+    <p:extLst>
+      <p:ext uri="{BB962C8B-B14F-4D97-AF65-F5344CB8AC3E}">
+        <p14:creationId xmlns:p14="http://schemas.microsoft.com/office/powerpoint/2010/main" val="446340713"/>
+      </p:ext>
+    </p:extLst>
+  </p:cSld>
+  <p:clrMapOvr>
+    <a:masterClrMapping/>
+  </p:clrMapOvr>
+  <mc:AlternateContent xmlns:mc="http://schemas.openxmlformats.org/markup-compatibility/2006">
+    <mc:Choice xmlns:p14="http://schemas.microsoft.com/office/powerpoint/2010/main" Requires="p14">
+      <p:transition spd="slow" p14:dur="2000"/>
+    </mc:Choice>
+    <mc:Fallback>
+      <p:transition spd="slow"/>
+    </mc:Fallback>
+  </mc:AlternateContent>
+  <p:timing>
+    <p:tnLst>
+      <p:par>
+        <p:cTn id="1" dur="indefinite" restart="never" nodeType="tmRoot"/>
+      </p:par>
+    </p:tnLst>
+  </p:timing>
+</p:sld>
+</file>
+
+<file path=ppt/slides/slide12.xml><?xml version="1.0" encoding="utf-8"?>
+<p:sld xmlns:a="http://schemas.openxmlformats.org/drawingml/2006/main" xmlns:r="http://schemas.openxmlformats.org/officeDocument/2006/relationships" xmlns:p="http://schemas.openxmlformats.org/presentationml/2006/main" show="0">
+  <p:cSld>
+    <p:spTree>
+      <p:nvGrpSpPr>
+        <p:cNvPr id="1" name=""/>
+        <p:cNvGrpSpPr/>
+        <p:nvPr/>
+      </p:nvGrpSpPr>
+      <p:grpSpPr>
+        <a:xfrm>
+          <a:off x="0" y="0"/>
+          <a:ext cx="0" cy="0"/>
+          <a:chOff x="0" y="0"/>
+          <a:chExt cx="0" cy="0"/>
+        </a:xfrm>
+      </p:grpSpPr>
+      <p:sp>
+        <p:nvSpPr>
+          <p:cNvPr id="2" name="Title 1"/>
+          <p:cNvSpPr>
+            <a:spLocks noGrp="1"/>
+          </p:cNvSpPr>
+          <p:nvPr>
+            <p:ph type="title"/>
+          </p:nvPr>
+        </p:nvSpPr>
+        <p:spPr/>
+        <p:txBody>
+          <a:bodyPr>
+            <a:normAutofit/>
+          </a:bodyPr>
+          <a:lstStyle/>
+          <a:p>
+            <a:r>
+              <a:rPr lang="en-US" sz="4400" dirty="0"/>
+              <a:t>Support Vector Machine</a:t>
+            </a:r>
+          </a:p>
+        </p:txBody>
+      </p:sp>
+      <p:sp>
+        <p:nvSpPr>
+          <p:cNvPr id="3" name="Content Placeholder 2"/>
+          <p:cNvSpPr>
+            <a:spLocks noGrp="1"/>
+          </p:cNvSpPr>
+          <p:nvPr>
+            <p:ph idx="1"/>
+          </p:nvPr>
+        </p:nvSpPr>
+        <p:spPr/>
+        <p:txBody>
+          <a:bodyPr>
+            <a:normAutofit/>
+          </a:bodyPr>
+          <a:lstStyle/>
+          <a:p>
+            <a:r>
+              <a:rPr lang="de-DE" sz="2800" dirty="0" smtClean="0"/>
+              <a:t>-</a:t>
+            </a:r>
+            <a:r>
+              <a:rPr lang="de-DE" sz="2800" dirty="0"/>
+              <a:t>C </a:t>
+            </a:r>
+            <a:r>
+              <a:rPr lang="de-DE" sz="2800" dirty="0" smtClean="0"/>
+              <a:t>0.5 </a:t>
+            </a:r>
+            <a:r>
+              <a:rPr lang="de-DE" sz="2800" dirty="0"/>
+              <a:t>-L 0.001 -P 1.0E-12 -K </a:t>
+            </a:r>
+            <a:r>
+              <a:rPr lang="de-DE" sz="2800" dirty="0" err="1"/>
+              <a:t>PolyKernel</a:t>
+            </a:r>
+            <a:r>
+              <a:rPr lang="de-DE" sz="2800" dirty="0"/>
+              <a:t> </a:t>
+            </a:r>
+          </a:p>
+          <a:p>
+            <a:r>
+              <a:rPr lang="de-DE" sz="2800" dirty="0" smtClean="0"/>
+              <a:t>-</a:t>
+            </a:r>
+            <a:r>
+              <a:rPr lang="de-DE" sz="2800" dirty="0"/>
+              <a:t>C </a:t>
+            </a:r>
+            <a:r>
+              <a:rPr lang="de-DE" sz="2800" dirty="0" smtClean="0"/>
+              <a:t>1.0 </a:t>
+            </a:r>
+            <a:r>
+              <a:rPr lang="de-DE" sz="2800" dirty="0"/>
+              <a:t>-L 0.001 -P 1.0E-12 -K </a:t>
+            </a:r>
+            <a:r>
+              <a:rPr lang="de-DE" sz="2800" dirty="0" err="1" smtClean="0"/>
+              <a:t>PolyKernel</a:t>
+            </a:r>
+            <a:endParaRPr lang="de-DE" sz="2800" dirty="0" smtClean="0"/>
+          </a:p>
+          <a:p>
+            <a:r>
+              <a:rPr lang="de-DE" sz="2800" dirty="0"/>
+              <a:t>-C </a:t>
+            </a:r>
+            <a:r>
+              <a:rPr lang="de-DE" sz="2800" dirty="0" smtClean="0"/>
+              <a:t>1.5 </a:t>
+            </a:r>
+            <a:r>
+              <a:rPr lang="de-DE" sz="2800" dirty="0"/>
+              <a:t>-L 0.001 -P 1.0E-12 -K </a:t>
+            </a:r>
+            <a:r>
+              <a:rPr lang="de-DE" sz="2800" dirty="0" err="1"/>
+              <a:t>PolyKernel</a:t>
+            </a:r>
+            <a:r>
+              <a:rPr lang="de-DE" sz="2800" dirty="0"/>
+              <a:t> </a:t>
+            </a:r>
+          </a:p>
+          <a:p>
+            <a:r>
+              <a:rPr lang="de-DE" sz="2800" dirty="0"/>
+              <a:t>-C 2.0 -L 0.001 -P 1.0E-12 -K </a:t>
+            </a:r>
+            <a:r>
+              <a:rPr lang="de-DE" sz="2800" dirty="0" err="1" smtClean="0"/>
+              <a:t>PolyKernel</a:t>
+            </a:r>
+            <a:endParaRPr lang="de-DE" sz="2800" dirty="0" smtClean="0"/>
+          </a:p>
+          <a:p>
+            <a:endParaRPr lang="de-DE" sz="2800" dirty="0"/>
+          </a:p>
+          <a:p>
+            <a:r>
+              <a:rPr lang="de-DE" sz="2800" dirty="0" smtClean="0"/>
+              <a:t>C </a:t>
+            </a:r>
+            <a:r>
+              <a:rPr lang="de-DE" sz="2800" dirty="0" err="1"/>
+              <a:t>means</a:t>
+            </a:r>
+            <a:r>
+              <a:rPr lang="de-DE" sz="2800" dirty="0"/>
+              <a:t> </a:t>
+            </a:r>
+            <a:r>
+              <a:rPr lang="de-DE" sz="2800" dirty="0" err="1" smtClean="0"/>
+              <a:t>complexity</a:t>
+            </a:r>
+            <a:r>
+              <a:rPr lang="de-DE" sz="2800" dirty="0" smtClean="0"/>
+              <a:t> </a:t>
+            </a:r>
+            <a:r>
+              <a:rPr lang="de-DE" sz="2800" dirty="0" err="1"/>
+              <a:t>parameter</a:t>
+            </a:r>
+            <a:r>
+              <a:rPr lang="de-DE" sz="2800" dirty="0"/>
+              <a:t> </a:t>
+            </a:r>
+          </a:p>
+          <a:p>
+            <a:pPr marL="0" indent="0">
+              <a:buNone/>
+            </a:pPr>
+            <a:endParaRPr lang="de-DE" sz="2800" dirty="0"/>
+          </a:p>
+          <a:p>
+            <a:endParaRPr lang="en-US" sz="2800" dirty="0"/>
+          </a:p>
+        </p:txBody>
+      </p:sp>
+    </p:spTree>
+    <p:extLst>
+      <p:ext uri="{BB962C8B-B14F-4D97-AF65-F5344CB8AC3E}">
+        <p14:creationId xmlns:p14="http://schemas.microsoft.com/office/powerpoint/2010/main" val="1389705387"/>
+      </p:ext>
+    </p:extLst>
+  </p:cSld>
+  <p:clrMapOvr>
+    <a:masterClrMapping/>
+  </p:clrMapOvr>
+  <mc:AlternateContent xmlns:mc="http://schemas.openxmlformats.org/markup-compatibility/2006">
+    <mc:Choice xmlns:p14="http://schemas.microsoft.com/office/powerpoint/2010/main" Requires="p14">
+      <p:transition spd="slow" p14:dur="2000"/>
+    </mc:Choice>
+    <mc:Fallback>
+      <p:transition spd="slow"/>
+    </mc:Fallback>
+  </mc:AlternateContent>
+  <p:timing>
+    <p:tnLst>
+      <p:par>
+        <p:cTn id="1" dur="indefinite" restart="never" nodeType="tmRoot"/>
+      </p:par>
+    </p:tnLst>
+  </p:timing>
+</p:sld>
+</file>
+
+<file path=ppt/slides/slide13.xml><?xml version="1.0" encoding="utf-8"?>
+<p:sld xmlns:a="http://schemas.openxmlformats.org/drawingml/2006/main" xmlns:r="http://schemas.openxmlformats.org/officeDocument/2006/relationships" xmlns:p="http://schemas.openxmlformats.org/presentationml/2006/main" show="0">
+  <p:cSld>
+    <p:spTree>
+      <p:nvGrpSpPr>
+        <p:cNvPr id="1" name=""/>
+        <p:cNvGrpSpPr/>
+        <p:nvPr/>
+      </p:nvGrpSpPr>
+      <p:grpSpPr>
+        <a:xfrm>
+          <a:off x="0" y="0"/>
+          <a:ext cx="0" cy="0"/>
+          <a:chOff x="0" y="0"/>
+          <a:chExt cx="0" cy="0"/>
+        </a:xfrm>
+      </p:grpSpPr>
+      <p:sp>
+        <p:nvSpPr>
+          <p:cNvPr id="2" name="Title 1"/>
+          <p:cNvSpPr>
+            <a:spLocks noGrp="1"/>
+          </p:cNvSpPr>
+          <p:nvPr>
+            <p:ph type="title"/>
+          </p:nvPr>
+        </p:nvSpPr>
+        <p:spPr/>
+        <p:txBody>
+          <a:bodyPr>
+            <a:normAutofit/>
+          </a:bodyPr>
+          <a:lstStyle/>
+          <a:p>
+            <a:r>
+              <a:rPr lang="en-US" altLang="zh-CN" sz="4400" dirty="0" smtClean="0"/>
+              <a:t>Random</a:t>
+            </a:r>
+            <a:r>
+              <a:rPr lang="zh-CN" altLang="en-US" sz="4400" dirty="0" smtClean="0"/>
+              <a:t> </a:t>
+            </a:r>
+            <a:r>
+              <a:rPr lang="en-US" altLang="zh-CN" sz="4400" dirty="0" smtClean="0"/>
+              <a:t>Forest</a:t>
+            </a:r>
+            <a:endParaRPr lang="en-US" sz="4400" dirty="0"/>
+          </a:p>
+        </p:txBody>
+      </p:sp>
+      <p:sp>
+        <p:nvSpPr>
+          <p:cNvPr id="3" name="Content Placeholder 2"/>
+          <p:cNvSpPr>
+            <a:spLocks noGrp="1"/>
+          </p:cNvSpPr>
+          <p:nvPr>
+            <p:ph idx="1"/>
+          </p:nvPr>
+        </p:nvSpPr>
+        <p:spPr/>
+        <p:txBody>
+          <a:bodyPr>
+            <a:normAutofit/>
+          </a:bodyPr>
+          <a:lstStyle/>
+          <a:p>
+            <a:r>
+              <a:rPr lang="en-US" sz="2800" dirty="0" smtClean="0"/>
+              <a:t>-L 0.3 </a:t>
+            </a:r>
+            <a:r>
+              <a:rPr lang="mr-IN" sz="2800" dirty="0" smtClean="0"/>
+              <a:t>-</a:t>
+            </a:r>
+            <a:r>
+              <a:rPr lang="en-US" sz="2800" dirty="0" smtClean="0"/>
+              <a:t>M 0.2 </a:t>
+            </a:r>
+            <a:r>
+              <a:rPr lang="mr-IN" sz="2800" dirty="0" smtClean="0"/>
+              <a:t>-</a:t>
+            </a:r>
+            <a:r>
+              <a:rPr lang="en-US" sz="2800" dirty="0" smtClean="0"/>
+              <a:t>N 500 </a:t>
+            </a:r>
+            <a:r>
+              <a:rPr lang="mr-IN" sz="2800" dirty="0" smtClean="0"/>
+              <a:t>-</a:t>
+            </a:r>
+            <a:r>
+              <a:rPr lang="en-US" sz="2800" dirty="0" smtClean="0"/>
+              <a:t>V 0 </a:t>
+            </a:r>
+            <a:r>
+              <a:rPr lang="mr-IN" sz="2800" dirty="0" smtClean="0"/>
+              <a:t>-</a:t>
+            </a:r>
+            <a:r>
+              <a:rPr lang="en-US" sz="2800" dirty="0" smtClean="0"/>
+              <a:t>S 0 </a:t>
+            </a:r>
+            <a:r>
+              <a:rPr lang="mr-IN" sz="2800" dirty="0" smtClean="0"/>
+              <a:t>-</a:t>
+            </a:r>
+            <a:r>
+              <a:rPr lang="en-US" sz="2800" dirty="0" smtClean="0"/>
+              <a:t>E 20 </a:t>
+            </a:r>
+            <a:r>
+              <a:rPr lang="mr-IN" sz="2800" dirty="0" smtClean="0"/>
+              <a:t>-</a:t>
+            </a:r>
+            <a:r>
+              <a:rPr lang="en-US" sz="2800" dirty="0" smtClean="0"/>
+              <a:t>H a</a:t>
+            </a:r>
+          </a:p>
+          <a:p>
+            <a:r>
+              <a:rPr lang="en-US" sz="2800" dirty="0"/>
+              <a:t>-</a:t>
+            </a:r>
+            <a:r>
+              <a:rPr lang="en-US" sz="2800" dirty="0" smtClean="0"/>
+              <a:t>L</a:t>
+            </a:r>
+            <a:endParaRPr lang="en-US" sz="2800" dirty="0"/>
+          </a:p>
+        </p:txBody>
+      </p:sp>
+    </p:spTree>
+    <p:extLst>
+      <p:ext uri="{BB962C8B-B14F-4D97-AF65-F5344CB8AC3E}">
+        <p14:creationId xmlns:p14="http://schemas.microsoft.com/office/powerpoint/2010/main" val="11614769"/>
+      </p:ext>
+    </p:extLst>
+  </p:cSld>
+  <p:clrMapOvr>
+    <a:masterClrMapping/>
+  </p:clrMapOvr>
+  <mc:AlternateContent xmlns:mc="http://schemas.openxmlformats.org/markup-compatibility/2006">
+    <mc:Choice xmlns:p14="http://schemas.microsoft.com/office/powerpoint/2010/main" Requires="p14">
+      <p:transition spd="slow" p14:dur="2000"/>
+    </mc:Choice>
+    <mc:Fallback>
+      <p:transition spd="slow"/>
+    </mc:Fallback>
+  </mc:AlternateContent>
+  <p:timing>
+    <p:tnLst>
+      <p:par>
+        <p:cTn id="1" dur="indefinite" restart="never" nodeType="tmRoot"/>
+      </p:par>
+    </p:tnLst>
+  </p:timing>
+</p:sld>
+</file>
+
+<file path=ppt/slides/slide14.xml><?xml version="1.0" encoding="utf-8"?>
+<p:sld xmlns:a="http://schemas.openxmlformats.org/drawingml/2006/main" xmlns:r="http://schemas.openxmlformats.org/officeDocument/2006/relationships" xmlns:p="http://schemas.openxmlformats.org/presentationml/2006/main" show="0">
+  <p:cSld>
+    <p:spTree>
+      <p:nvGrpSpPr>
+        <p:cNvPr id="1" name=""/>
+        <p:cNvGrpSpPr/>
+        <p:nvPr/>
+      </p:nvGrpSpPr>
+      <p:grpSpPr>
+        <a:xfrm>
+          <a:off x="0" y="0"/>
+          <a:ext cx="0" cy="0"/>
+          <a:chOff x="0" y="0"/>
+          <a:chExt cx="0" cy="0"/>
+        </a:xfrm>
+      </p:grpSpPr>
+      <p:sp>
+        <p:nvSpPr>
+          <p:cNvPr id="2" name="Title 1"/>
+          <p:cNvSpPr>
+            <a:spLocks noGrp="1"/>
+          </p:cNvSpPr>
+          <p:nvPr>
+            <p:ph type="title"/>
+          </p:nvPr>
+        </p:nvSpPr>
+        <p:spPr/>
+        <p:txBody>
+          <a:bodyPr>
+            <a:normAutofit/>
+          </a:bodyPr>
+          <a:lstStyle/>
+          <a:p>
+            <a:r>
+              <a:rPr lang="en-US" altLang="zh-CN" sz="4400" dirty="0" smtClean="0"/>
+              <a:t>Clustering</a:t>
             </a:r>
             <a:endParaRPr lang="en-US" sz="4400" dirty="0"/>
           </a:p>
@@ -8620,25 +9225,257 @@
       <p:sp>
         <p:nvSpPr>
           <p:cNvPr id="6" name="Content Placeholder 2"/>
-          <p:cNvSpPr>
-            <a:spLocks noGrp="1"/>
-          </p:cNvSpPr>
-          <p:nvPr>
-            <p:ph idx="1"/>
-          </p:nvPr>
+          <p:cNvSpPr txBox="1">
+            <a:spLocks/>
+          </p:cNvSpPr>
+          <p:nvPr/>
         </p:nvSpPr>
         <p:spPr>
           <a:xfrm>
-            <a:off x="2589212" y="2133600"/>
+            <a:off x="2727758" y="2036618"/>
             <a:ext cx="8915400" cy="3777622"/>
           </a:xfrm>
+          <a:prstGeom prst="rect">
+            <a:avLst/>
+          </a:prstGeom>
         </p:spPr>
         <p:txBody>
-          <a:bodyPr>
+          <a:bodyPr vert="horz" lIns="91440" tIns="45720" rIns="91440" bIns="45720" rtlCol="0">
             <a:normAutofit/>
           </a:bodyPr>
-          <a:lstStyle/>
-          <a:p>
+          <a:lstStyle>
+            <a:lvl1pPr marL="342900" indent="-342900" algn="l" defTabSz="457200" rtl="0" eaLnBrk="1" latinLnBrk="0" hangingPunct="1">
+              <a:spcBef>
+                <a:spcPts val="1000"/>
+              </a:spcBef>
+              <a:spcAft>
+                <a:spcPts val="0"/>
+              </a:spcAft>
+              <a:buClr>
+                <a:schemeClr val="accent1"/>
+              </a:buClr>
+              <a:buFont typeface="Wingdings 3" charset="2"/>
+              <a:buChar char=""/>
+              <a:defRPr sz="1800" kern="1200">
+                <a:solidFill>
+                  <a:schemeClr val="tx1">
+                    <a:lumMod val="75000"/>
+                    <a:lumOff val="25000"/>
+                  </a:schemeClr>
+                </a:solidFill>
+                <a:latin typeface="+mn-lt"/>
+                <a:ea typeface="+mn-ea"/>
+                <a:cs typeface="+mn-cs"/>
+              </a:defRPr>
+            </a:lvl1pPr>
+            <a:lvl2pPr marL="742950" indent="-285750" algn="l" defTabSz="457200" rtl="0" eaLnBrk="1" latinLnBrk="0" hangingPunct="1">
+              <a:spcBef>
+                <a:spcPts val="1000"/>
+              </a:spcBef>
+              <a:spcAft>
+                <a:spcPts val="0"/>
+              </a:spcAft>
+              <a:buClr>
+                <a:schemeClr val="accent1"/>
+              </a:buClr>
+              <a:buFont typeface="Wingdings 3" charset="2"/>
+              <a:buChar char=""/>
+              <a:defRPr sz="1600" kern="1200">
+                <a:solidFill>
+                  <a:schemeClr val="tx1">
+                    <a:lumMod val="75000"/>
+                    <a:lumOff val="25000"/>
+                  </a:schemeClr>
+                </a:solidFill>
+                <a:latin typeface="+mn-lt"/>
+                <a:ea typeface="+mn-ea"/>
+                <a:cs typeface="+mn-cs"/>
+              </a:defRPr>
+            </a:lvl2pPr>
+            <a:lvl3pPr marL="1143000" indent="-228600" algn="l" defTabSz="457200" rtl="0" eaLnBrk="1" latinLnBrk="0" hangingPunct="1">
+              <a:spcBef>
+                <a:spcPts val="1000"/>
+              </a:spcBef>
+              <a:spcAft>
+                <a:spcPts val="0"/>
+              </a:spcAft>
+              <a:buClr>
+                <a:schemeClr val="accent1"/>
+              </a:buClr>
+              <a:buFont typeface="Wingdings 3" charset="2"/>
+              <a:buChar char=""/>
+              <a:defRPr sz="1400" kern="1200">
+                <a:solidFill>
+                  <a:schemeClr val="tx1">
+                    <a:lumMod val="75000"/>
+                    <a:lumOff val="25000"/>
+                  </a:schemeClr>
+                </a:solidFill>
+                <a:latin typeface="+mn-lt"/>
+                <a:ea typeface="+mn-ea"/>
+                <a:cs typeface="+mn-cs"/>
+              </a:defRPr>
+            </a:lvl3pPr>
+            <a:lvl4pPr marL="1600200" indent="-228600" algn="l" defTabSz="457200" rtl="0" eaLnBrk="1" latinLnBrk="0" hangingPunct="1">
+              <a:spcBef>
+                <a:spcPts val="1000"/>
+              </a:spcBef>
+              <a:spcAft>
+                <a:spcPts val="0"/>
+              </a:spcAft>
+              <a:buClr>
+                <a:schemeClr val="accent1"/>
+              </a:buClr>
+              <a:buFont typeface="Wingdings 3" charset="2"/>
+              <a:buChar char=""/>
+              <a:defRPr sz="1200" kern="1200">
+                <a:solidFill>
+                  <a:schemeClr val="tx1">
+                    <a:lumMod val="75000"/>
+                    <a:lumOff val="25000"/>
+                  </a:schemeClr>
+                </a:solidFill>
+                <a:latin typeface="+mn-lt"/>
+                <a:ea typeface="+mn-ea"/>
+                <a:cs typeface="+mn-cs"/>
+              </a:defRPr>
+            </a:lvl4pPr>
+            <a:lvl5pPr marL="2057400" indent="-228600" algn="l" defTabSz="457200" rtl="0" eaLnBrk="1" latinLnBrk="0" hangingPunct="1">
+              <a:spcBef>
+                <a:spcPts val="1000"/>
+              </a:spcBef>
+              <a:spcAft>
+                <a:spcPts val="0"/>
+              </a:spcAft>
+              <a:buClr>
+                <a:schemeClr val="accent1"/>
+              </a:buClr>
+              <a:buFont typeface="Wingdings 3" charset="2"/>
+              <a:buChar char=""/>
+              <a:defRPr sz="1200" kern="1200">
+                <a:solidFill>
+                  <a:schemeClr val="tx1">
+                    <a:lumMod val="75000"/>
+                    <a:lumOff val="25000"/>
+                  </a:schemeClr>
+                </a:solidFill>
+                <a:latin typeface="+mn-lt"/>
+                <a:ea typeface="+mn-ea"/>
+                <a:cs typeface="+mn-cs"/>
+              </a:defRPr>
+            </a:lvl5pPr>
+            <a:lvl6pPr marL="2514600" indent="-228600" algn="l" defTabSz="457200" rtl="0" eaLnBrk="1" latinLnBrk="0" hangingPunct="1">
+              <a:spcBef>
+                <a:spcPts val="1000"/>
+              </a:spcBef>
+              <a:spcAft>
+                <a:spcPts val="0"/>
+              </a:spcAft>
+              <a:buClr>
+                <a:schemeClr val="accent1"/>
+              </a:buClr>
+              <a:buFont typeface="Wingdings 3" charset="2"/>
+              <a:buChar char=""/>
+              <a:defRPr sz="1200" kern="1200">
+                <a:solidFill>
+                  <a:schemeClr val="tx1">
+                    <a:lumMod val="75000"/>
+                    <a:lumOff val="25000"/>
+                  </a:schemeClr>
+                </a:solidFill>
+                <a:latin typeface="+mn-lt"/>
+                <a:ea typeface="+mn-ea"/>
+                <a:cs typeface="+mn-cs"/>
+              </a:defRPr>
+            </a:lvl6pPr>
+            <a:lvl7pPr marL="2971800" indent="-228600" algn="l" defTabSz="457200" rtl="0" eaLnBrk="1" latinLnBrk="0" hangingPunct="1">
+              <a:spcBef>
+                <a:spcPts val="1000"/>
+              </a:spcBef>
+              <a:spcAft>
+                <a:spcPts val="0"/>
+              </a:spcAft>
+              <a:buClr>
+                <a:schemeClr val="accent1"/>
+              </a:buClr>
+              <a:buFont typeface="Wingdings 3" charset="2"/>
+              <a:buChar char=""/>
+              <a:defRPr sz="1200" kern="1200">
+                <a:solidFill>
+                  <a:schemeClr val="tx1">
+                    <a:lumMod val="75000"/>
+                    <a:lumOff val="25000"/>
+                  </a:schemeClr>
+                </a:solidFill>
+                <a:latin typeface="+mn-lt"/>
+                <a:ea typeface="+mn-ea"/>
+                <a:cs typeface="+mn-cs"/>
+              </a:defRPr>
+            </a:lvl7pPr>
+            <a:lvl8pPr marL="3429000" indent="-228600" algn="l" defTabSz="457200" rtl="0" eaLnBrk="1" latinLnBrk="0" hangingPunct="1">
+              <a:spcBef>
+                <a:spcPts val="1000"/>
+              </a:spcBef>
+              <a:spcAft>
+                <a:spcPts val="0"/>
+              </a:spcAft>
+              <a:buClr>
+                <a:schemeClr val="accent1"/>
+              </a:buClr>
+              <a:buFont typeface="Wingdings 3" charset="2"/>
+              <a:buChar char=""/>
+              <a:defRPr sz="1200" kern="1200">
+                <a:solidFill>
+                  <a:schemeClr val="tx1">
+                    <a:lumMod val="75000"/>
+                    <a:lumOff val="25000"/>
+                  </a:schemeClr>
+                </a:solidFill>
+                <a:latin typeface="+mn-lt"/>
+                <a:ea typeface="+mn-ea"/>
+                <a:cs typeface="+mn-cs"/>
+              </a:defRPr>
+            </a:lvl8pPr>
+            <a:lvl9pPr marL="3886200" indent="-228600" algn="l" defTabSz="457200" rtl="0" eaLnBrk="1" latinLnBrk="0" hangingPunct="1">
+              <a:spcBef>
+                <a:spcPts val="1000"/>
+              </a:spcBef>
+              <a:spcAft>
+                <a:spcPts val="0"/>
+              </a:spcAft>
+              <a:buClr>
+                <a:schemeClr val="accent1"/>
+              </a:buClr>
+              <a:buFont typeface="Wingdings 3" charset="2"/>
+              <a:buChar char=""/>
+              <a:defRPr sz="1200" kern="1200">
+                <a:solidFill>
+                  <a:schemeClr val="tx1">
+                    <a:lumMod val="75000"/>
+                    <a:lumOff val="25000"/>
+                  </a:schemeClr>
+                </a:solidFill>
+                <a:latin typeface="+mn-lt"/>
+                <a:ea typeface="+mn-ea"/>
+                <a:cs typeface="+mn-cs"/>
+              </a:defRPr>
+            </a:lvl9pPr>
+          </a:lstStyle>
+          <a:p>
+            <a:r>
+              <a:rPr lang="en-US" altLang="zh-CN" sz="2800" dirty="0" smtClean="0"/>
+              <a:t>K-Means</a:t>
+            </a:r>
+            <a:endParaRPr lang="zh-CN" altLang="en-US" sz="2800" dirty="0" smtClean="0"/>
+          </a:p>
+          <a:p>
+            <a:endParaRPr lang="zh-CN" altLang="en-US" sz="2800" dirty="0"/>
+          </a:p>
+          <a:p>
+            <a:r>
+              <a:rPr lang="en-US" altLang="zh-CN" sz="2800" dirty="0" smtClean="0"/>
+              <a:t>EM</a:t>
+            </a:r>
             <a:endParaRPr lang="en-US" sz="2800" dirty="0"/>
           </a:p>
         </p:txBody>
@@ -8646,13 +9483,21 @@
     </p:spTree>
     <p:extLst>
       <p:ext uri="{BB962C8B-B14F-4D97-AF65-F5344CB8AC3E}">
-        <p14:creationId xmlns:p14="http://schemas.microsoft.com/office/powerpoint/2010/main" val="584522071"/>
+        <p14:creationId xmlns:p14="http://schemas.microsoft.com/office/powerpoint/2010/main" val="298501962"/>
       </p:ext>
     </p:extLst>
   </p:cSld>
   <p:clrMapOvr>
     <a:masterClrMapping/>
   </p:clrMapOvr>
+  <mc:AlternateContent xmlns:mc="http://schemas.openxmlformats.org/markup-compatibility/2006">
+    <mc:Choice xmlns:p14="http://schemas.microsoft.com/office/powerpoint/2010/main" Requires="p14">
+      <p:transition spd="slow" p14:dur="2000"/>
+    </mc:Choice>
+    <mc:Fallback>
+      <p:transition spd="slow"/>
+    </mc:Fallback>
+  </mc:AlternateContent>
   <p:timing>
     <p:tnLst>
       <p:par>
@@ -8663,8 +9508,8 @@
 </p:sld>
 </file>
 
-<file path=ppt/slides/slide11.xml><?xml version="1.0" encoding="utf-8"?>
-<p:sld xmlns:a="http://schemas.openxmlformats.org/drawingml/2006/main" xmlns:r="http://schemas.openxmlformats.org/officeDocument/2006/relationships" xmlns:p="http://schemas.openxmlformats.org/presentationml/2006/main">
+<file path=ppt/slides/slide15.xml><?xml version="1.0" encoding="utf-8"?>
+<p:sld xmlns:a="http://schemas.openxmlformats.org/drawingml/2006/main" xmlns:r="http://schemas.openxmlformats.org/officeDocument/2006/relationships" xmlns:p="http://schemas.openxmlformats.org/presentationml/2006/main" show="0">
   <p:cSld>
     <p:spTree>
       <p:nvGrpSpPr>
@@ -8699,7 +9544,7 @@
           <a:p>
             <a:r>
               <a:rPr lang="en-US" altLang="zh-CN" sz="4400" dirty="0" smtClean="0"/>
-              <a:t>EM</a:t>
+              <a:t>K-Means</a:t>
             </a:r>
             <a:endParaRPr lang="en-US" sz="4400" dirty="0"/>
           </a:p>
@@ -8835,13 +9680,21 @@
     </p:spTree>
     <p:extLst>
       <p:ext uri="{BB962C8B-B14F-4D97-AF65-F5344CB8AC3E}">
-        <p14:creationId xmlns:p14="http://schemas.microsoft.com/office/powerpoint/2010/main" val="413360099"/>
+        <p14:creationId xmlns:p14="http://schemas.microsoft.com/office/powerpoint/2010/main" val="584522071"/>
       </p:ext>
     </p:extLst>
   </p:cSld>
   <p:clrMapOvr>
     <a:masterClrMapping/>
   </p:clrMapOvr>
+  <mc:AlternateContent xmlns:mc="http://schemas.openxmlformats.org/markup-compatibility/2006">
+    <mc:Choice xmlns:p14="http://schemas.microsoft.com/office/powerpoint/2010/main" Requires="p14">
+      <p:transition spd="slow" p14:dur="2000"/>
+    </mc:Choice>
+    <mc:Fallback>
+      <p:transition spd="slow"/>
+    </mc:Fallback>
+  </mc:AlternateContent>
   <p:timing>
     <p:tnLst>
       <p:par>
@@ -8852,7 +9705,204 @@
 </p:sld>
 </file>
 
-<file path=ppt/slides/slide12.xml><?xml version="1.0" encoding="utf-8"?>
+<file path=ppt/slides/slide16.xml><?xml version="1.0" encoding="utf-8"?>
+<p:sld xmlns:a="http://schemas.openxmlformats.org/drawingml/2006/main" xmlns:r="http://schemas.openxmlformats.org/officeDocument/2006/relationships" xmlns:p="http://schemas.openxmlformats.org/presentationml/2006/main" show="0">
+  <p:cSld>
+    <p:spTree>
+      <p:nvGrpSpPr>
+        <p:cNvPr id="1" name=""/>
+        <p:cNvGrpSpPr/>
+        <p:nvPr/>
+      </p:nvGrpSpPr>
+      <p:grpSpPr>
+        <a:xfrm>
+          <a:off x="0" y="0"/>
+          <a:ext cx="0" cy="0"/>
+          <a:chOff x="0" y="0"/>
+          <a:chExt cx="0" cy="0"/>
+        </a:xfrm>
+      </p:grpSpPr>
+      <p:sp>
+        <p:nvSpPr>
+          <p:cNvPr id="2" name="Title 1"/>
+          <p:cNvSpPr>
+            <a:spLocks noGrp="1"/>
+          </p:cNvSpPr>
+          <p:nvPr>
+            <p:ph type="title"/>
+          </p:nvPr>
+        </p:nvSpPr>
+        <p:spPr/>
+        <p:txBody>
+          <a:bodyPr>
+            <a:normAutofit/>
+          </a:bodyPr>
+          <a:lstStyle/>
+          <a:p>
+            <a:r>
+              <a:rPr lang="en-US" altLang="zh-CN" sz="4400" dirty="0" smtClean="0"/>
+              <a:t>EM</a:t>
+            </a:r>
+            <a:endParaRPr lang="en-US" sz="4400" dirty="0"/>
+          </a:p>
+        </p:txBody>
+      </p:sp>
+      <p:sp>
+        <p:nvSpPr>
+          <p:cNvPr id="4" name="Title 1"/>
+          <p:cNvSpPr txBox="1">
+            <a:spLocks/>
+          </p:cNvSpPr>
+          <p:nvPr/>
+        </p:nvSpPr>
+        <p:spPr>
+          <a:xfrm flipV="1">
+            <a:off x="842683" y="5617628"/>
+            <a:ext cx="8877953" cy="1044388"/>
+          </a:xfrm>
+          <a:prstGeom prst="rect">
+            <a:avLst/>
+          </a:prstGeom>
+        </p:spPr>
+        <p:txBody>
+          <a:bodyPr vert="horz" lIns="91440" tIns="45720" rIns="91440" bIns="45720" rtlCol="0" anchor="t">
+            <a:normAutofit/>
+          </a:bodyPr>
+          <a:lstStyle>
+            <a:lvl1pPr algn="l" defTabSz="457200" rtl="0" eaLnBrk="1" latinLnBrk="0" hangingPunct="1">
+              <a:spcBef>
+                <a:spcPct val="0"/>
+              </a:spcBef>
+              <a:buNone/>
+              <a:defRPr sz="3600" kern="1200">
+                <a:solidFill>
+                  <a:schemeClr val="tx1">
+                    <a:lumMod val="85000"/>
+                    <a:lumOff val="15000"/>
+                  </a:schemeClr>
+                </a:solidFill>
+                <a:latin typeface="+mj-lt"/>
+                <a:ea typeface="+mj-ea"/>
+                <a:cs typeface="+mj-cs"/>
+              </a:defRPr>
+            </a:lvl1pPr>
+            <a:lvl2pPr eaLnBrk="1" hangingPunct="1">
+              <a:defRPr>
+                <a:solidFill>
+                  <a:schemeClr val="tx2"/>
+                </a:solidFill>
+              </a:defRPr>
+            </a:lvl2pPr>
+            <a:lvl3pPr eaLnBrk="1" hangingPunct="1">
+              <a:defRPr>
+                <a:solidFill>
+                  <a:schemeClr val="tx2"/>
+                </a:solidFill>
+              </a:defRPr>
+            </a:lvl3pPr>
+            <a:lvl4pPr eaLnBrk="1" hangingPunct="1">
+              <a:defRPr>
+                <a:solidFill>
+                  <a:schemeClr val="tx2"/>
+                </a:solidFill>
+              </a:defRPr>
+            </a:lvl4pPr>
+            <a:lvl5pPr eaLnBrk="1" hangingPunct="1">
+              <a:defRPr>
+                <a:solidFill>
+                  <a:schemeClr val="tx2"/>
+                </a:solidFill>
+              </a:defRPr>
+            </a:lvl5pPr>
+            <a:lvl6pPr eaLnBrk="1" hangingPunct="1">
+              <a:defRPr>
+                <a:solidFill>
+                  <a:schemeClr val="tx2"/>
+                </a:solidFill>
+              </a:defRPr>
+            </a:lvl6pPr>
+            <a:lvl7pPr eaLnBrk="1" hangingPunct="1">
+              <a:defRPr>
+                <a:solidFill>
+                  <a:schemeClr val="tx2"/>
+                </a:solidFill>
+              </a:defRPr>
+            </a:lvl7pPr>
+            <a:lvl8pPr eaLnBrk="1" hangingPunct="1">
+              <a:defRPr>
+                <a:solidFill>
+                  <a:schemeClr val="tx2"/>
+                </a:solidFill>
+              </a:defRPr>
+            </a:lvl8pPr>
+            <a:lvl9pPr eaLnBrk="1" hangingPunct="1">
+              <a:defRPr>
+                <a:solidFill>
+                  <a:schemeClr val="tx2"/>
+                </a:solidFill>
+              </a:defRPr>
+            </a:lvl9pPr>
+          </a:lstStyle>
+          <a:p>
+            <a:endParaRPr lang="en-US" sz="4400" dirty="0"/>
+          </a:p>
+        </p:txBody>
+      </p:sp>
+      <p:sp>
+        <p:nvSpPr>
+          <p:cNvPr id="6" name="Content Placeholder 2"/>
+          <p:cNvSpPr>
+            <a:spLocks noGrp="1"/>
+          </p:cNvSpPr>
+          <p:nvPr>
+            <p:ph idx="1"/>
+          </p:nvPr>
+        </p:nvSpPr>
+        <p:spPr>
+          <a:xfrm>
+            <a:off x="2589212" y="2133600"/>
+            <a:ext cx="8915400" cy="3777622"/>
+          </a:xfrm>
+        </p:spPr>
+        <p:txBody>
+          <a:bodyPr>
+            <a:normAutofit/>
+          </a:bodyPr>
+          <a:lstStyle/>
+          <a:p>
+            <a:endParaRPr lang="en-US" sz="2800" dirty="0"/>
+          </a:p>
+        </p:txBody>
+      </p:sp>
+    </p:spTree>
+    <p:extLst>
+      <p:ext uri="{BB962C8B-B14F-4D97-AF65-F5344CB8AC3E}">
+        <p14:creationId xmlns:p14="http://schemas.microsoft.com/office/powerpoint/2010/main" val="413360099"/>
+      </p:ext>
+    </p:extLst>
+  </p:cSld>
+  <p:clrMapOvr>
+    <a:masterClrMapping/>
+  </p:clrMapOvr>
+  <mc:AlternateContent xmlns:mc="http://schemas.openxmlformats.org/markup-compatibility/2006">
+    <mc:Choice xmlns:p14="http://schemas.microsoft.com/office/powerpoint/2010/main" Requires="p14">
+      <p:transition spd="slow" p14:dur="2000"/>
+    </mc:Choice>
+    <mc:Fallback>
+      <p:transition spd="slow"/>
+    </mc:Fallback>
+  </mc:AlternateContent>
+  <p:timing>
+    <p:tnLst>
+      <p:par>
+        <p:cTn id="1" dur="indefinite" restart="never" nodeType="tmRoot"/>
+      </p:par>
+    </p:tnLst>
+  </p:timing>
+</p:sld>
+</file>
+
+<file path=ppt/slides/slide17.xml><?xml version="1.0" encoding="utf-8"?>
 <p:sld xmlns:a="http://schemas.openxmlformats.org/drawingml/2006/main" xmlns:r="http://schemas.openxmlformats.org/officeDocument/2006/relationships" xmlns:p="http://schemas.openxmlformats.org/presentationml/2006/main" show="0">
   <p:cSld>
     <p:spTree>
@@ -10612,8 +11662,8 @@
           <a:lstStyle/>
           <a:p>
             <a:r>
-              <a:rPr lang="en-US" altLang="zh-CN" sz="4400" dirty="0" smtClean="0"/>
-              <a:t>Classification</a:t>
+              <a:rPr lang="en-US" sz="4400" dirty="0" smtClean="0"/>
+              <a:t>Highlights &amp; Originality</a:t>
             </a:r>
             <a:endParaRPr lang="en-US" sz="4400" dirty="0"/>
           </a:p>
@@ -10636,49 +11686,59 @@
           </a:bodyPr>
           <a:lstStyle/>
           <a:p>
+            <a:pPr marL="514350" indent="-514350">
+              <a:buFont typeface="+mj-lt"/>
+              <a:buAutoNum type="arabicPeriod"/>
+            </a:pPr>
             <a:r>
               <a:rPr lang="en-US" sz="2800" dirty="0" smtClean="0"/>
-              <a:t>Support Vector Machine</a:t>
-            </a:r>
-            <a:endParaRPr lang="zh-CN" altLang="en-US" sz="2800" dirty="0" smtClean="0"/>
-          </a:p>
-          <a:p>
+              <a:t>New method: Clustering for popularity prediction</a:t>
+            </a:r>
+          </a:p>
+          <a:p>
+            <a:pPr marL="514350" indent="-514350">
+              <a:buFont typeface="+mj-lt"/>
+              <a:buAutoNum type="arabicPeriod"/>
+            </a:pPr>
             <a:endParaRPr lang="en-US" sz="2800" dirty="0" smtClean="0"/>
           </a:p>
           <a:p>
-            <a:r>
-              <a:rPr lang="en-US" altLang="zh-CN" sz="2800" dirty="0" smtClean="0"/>
-              <a:t>Random</a:t>
-            </a:r>
-            <a:r>
-              <a:rPr lang="zh-CN" altLang="en-US" sz="2800" dirty="0" smtClean="0"/>
-              <a:t> </a:t>
-            </a:r>
-            <a:r>
-              <a:rPr lang="en-US" altLang="zh-CN" sz="2800" dirty="0" smtClean="0"/>
-              <a:t>Forest</a:t>
-            </a:r>
-            <a:endParaRPr lang="en-US" sz="2800" dirty="0"/>
+            <a:pPr marL="514350" indent="-514350">
+              <a:buFont typeface="+mj-lt"/>
+              <a:buAutoNum type="arabicPeriod"/>
+            </a:pPr>
+            <a:r>
+              <a:rPr lang="en-US" sz="2800" dirty="0" smtClean="0"/>
+              <a:t>New direction: How to become a top-hit more easily? </a:t>
+            </a:r>
+            <a:br>
+              <a:rPr lang="en-US" sz="2800" dirty="0" smtClean="0"/>
+            </a:br>
+            <a:r>
+              <a:rPr lang="en-US" sz="2800" dirty="0" smtClean="0"/>
+              <a:t>-&gt; </a:t>
+            </a:r>
+            <a:r>
+              <a:rPr lang="en-US" sz="2800" dirty="0"/>
+              <a:t>Known popularity, predict another attribute</a:t>
+            </a:r>
+            <a:r>
+              <a:rPr lang="en-US" sz="2800" dirty="0" smtClean="0"/>
+              <a:t>?</a:t>
+            </a:r>
           </a:p>
         </p:txBody>
       </p:sp>
     </p:spTree>
     <p:extLst>
       <p:ext uri="{BB962C8B-B14F-4D97-AF65-F5344CB8AC3E}">
-        <p14:creationId xmlns:p14="http://schemas.microsoft.com/office/powerpoint/2010/main" val="446340713"/>
+        <p14:creationId xmlns:p14="http://schemas.microsoft.com/office/powerpoint/2010/main" val="2062342225"/>
       </p:ext>
     </p:extLst>
   </p:cSld>
   <p:clrMapOvr>
     <a:masterClrMapping/>
   </p:clrMapOvr>
-  <p:timing>
-    <p:tnLst>
-      <p:par>
-        <p:cTn id="1" dur="indefinite" restart="never" nodeType="tmRoot"/>
-      </p:par>
-    </p:tnLst>
-  </p:timing>
 </p:sld>
 </file>
 
@@ -10717,9 +11777,10 @@
           <a:lstStyle/>
           <a:p>
             <a:r>
-              <a:rPr lang="en-US" sz="4400" dirty="0"/>
-              <a:t>Support Vector Machine</a:t>
-            </a:r>
+              <a:rPr lang="en-US" sz="4400" dirty="0" smtClean="0"/>
+              <a:t>Methods</a:t>
+            </a:r>
+            <a:endParaRPr lang="en-US" sz="4400" dirty="0"/>
           </a:p>
         </p:txBody>
       </p:sp>
@@ -10740,148 +11801,77 @@
           </a:bodyPr>
           <a:lstStyle/>
           <a:p>
-            <a:r>
-              <a:rPr lang="de-DE" sz="2800" dirty="0" smtClean="0"/>
-              <a:t>-</a:t>
-            </a:r>
-            <a:r>
-              <a:rPr lang="de-DE" sz="2800" dirty="0"/>
-              <a:t>C </a:t>
-            </a:r>
-            <a:r>
-              <a:rPr lang="de-DE" sz="2800" dirty="0" smtClean="0"/>
-              <a:t>0.5 </a:t>
-            </a:r>
-            <a:r>
-              <a:rPr lang="de-DE" sz="2800" dirty="0"/>
-              <a:t>-L 0.001 -P 1.0E-12 -K </a:t>
-            </a:r>
-            <a:r>
-              <a:rPr lang="de-DE" sz="2800" dirty="0" err="1"/>
-              <a:t>PolyKernel</a:t>
-            </a:r>
-            <a:r>
-              <a:rPr lang="de-DE" sz="2800" dirty="0"/>
-              <a:t> </a:t>
-            </a:r>
-          </a:p>
-          <a:p>
-            <a:r>
-              <a:rPr lang="de-DE" sz="2800" dirty="0" smtClean="0"/>
-              <a:t>-</a:t>
-            </a:r>
-            <a:r>
-              <a:rPr lang="de-DE" sz="2800" dirty="0"/>
-              <a:t>C </a:t>
-            </a:r>
-            <a:r>
-              <a:rPr lang="de-DE" sz="2800" dirty="0" smtClean="0"/>
-              <a:t>1.0 </a:t>
-            </a:r>
-            <a:r>
-              <a:rPr lang="de-DE" sz="2800" dirty="0"/>
-              <a:t>-L 0.001 -P 1.0E-12 -K </a:t>
-            </a:r>
-            <a:r>
-              <a:rPr lang="de-DE" sz="2800" dirty="0" err="1" smtClean="0"/>
-              <a:t>PolyKernel</a:t>
-            </a:r>
-            <a:endParaRPr lang="de-DE" sz="2800" dirty="0" smtClean="0"/>
-          </a:p>
-          <a:p>
-            <a:r>
-              <a:rPr lang="de-DE" sz="2800" dirty="0"/>
-              <a:t>-C </a:t>
-            </a:r>
-            <a:r>
-              <a:rPr lang="de-DE" sz="2800" dirty="0" smtClean="0"/>
-              <a:t>1.5 </a:t>
-            </a:r>
-            <a:r>
-              <a:rPr lang="de-DE" sz="2800" dirty="0"/>
-              <a:t>-L 0.001 -P 1.0E-12 -K </a:t>
-            </a:r>
-            <a:r>
-              <a:rPr lang="de-DE" sz="2800" dirty="0" err="1"/>
-              <a:t>PolyKernel</a:t>
-            </a:r>
-            <a:r>
-              <a:rPr lang="de-DE" sz="2800" dirty="0"/>
-              <a:t> </a:t>
-            </a:r>
-          </a:p>
-          <a:p>
-            <a:r>
-              <a:rPr lang="de-DE" sz="2800" dirty="0"/>
-              <a:t>-C 2.0 -L 0.001 -P 1.0E-12 -K </a:t>
-            </a:r>
-            <a:r>
-              <a:rPr lang="de-DE" sz="2800" dirty="0" err="1" smtClean="0"/>
-              <a:t>PolyKernel</a:t>
-            </a:r>
-            <a:endParaRPr lang="de-DE" sz="2800" dirty="0" smtClean="0"/>
-          </a:p>
-          <a:p>
-            <a:endParaRPr lang="de-DE" sz="2800" dirty="0"/>
-          </a:p>
-          <a:p>
-            <a:r>
-              <a:rPr lang="de-DE" sz="2800" dirty="0" smtClean="0"/>
-              <a:t>C </a:t>
-            </a:r>
-            <a:r>
-              <a:rPr lang="de-DE" sz="2800" dirty="0" err="1"/>
-              <a:t>means</a:t>
-            </a:r>
-            <a:r>
-              <a:rPr lang="de-DE" sz="2800" dirty="0"/>
-              <a:t> </a:t>
-            </a:r>
-            <a:r>
-              <a:rPr lang="de-DE" sz="2800" dirty="0" err="1" smtClean="0"/>
-              <a:t>complexity</a:t>
-            </a:r>
-            <a:r>
-              <a:rPr lang="de-DE" sz="2800" dirty="0" smtClean="0"/>
-              <a:t> </a:t>
-            </a:r>
-            <a:r>
-              <a:rPr lang="de-DE" sz="2800" dirty="0" err="1"/>
-              <a:t>parameter</a:t>
-            </a:r>
-            <a:r>
-              <a:rPr lang="de-DE" sz="2800" dirty="0"/>
-              <a:t> </a:t>
-            </a:r>
-          </a:p>
-          <a:p>
-            <a:pPr marL="0" indent="0">
-              <a:buNone/>
+            <a:pPr marL="514350" indent="-514350">
+              <a:buFont typeface="+mj-lt"/>
+              <a:buAutoNum type="arabicPeriod"/>
             </a:pPr>
-            <a:endParaRPr lang="de-DE" sz="2800" dirty="0"/>
-          </a:p>
-          <a:p>
-            <a:endParaRPr lang="en-US" sz="2800" dirty="0"/>
+            <a:r>
+              <a:rPr lang="en-US" sz="2800" dirty="0" smtClean="0"/>
+              <a:t>Clustering (</a:t>
+            </a:r>
+            <a:r>
+              <a:rPr lang="en-US" sz="2800" dirty="0"/>
+              <a:t>popularity </a:t>
+            </a:r>
+            <a:r>
+              <a:rPr lang="en-US" sz="2800" dirty="0" smtClean="0"/>
+              <a:t>prediction): </a:t>
+            </a:r>
+            <a:br>
+              <a:rPr lang="en-US" sz="2800" dirty="0" smtClean="0"/>
+            </a:br>
+            <a:r>
+              <a:rPr lang="en-US" sz="2800" dirty="0" smtClean="0"/>
+              <a:t>K-means</a:t>
+            </a:r>
+            <a:br>
+              <a:rPr lang="en-US" sz="2800" dirty="0" smtClean="0"/>
+            </a:br>
+            <a:r>
+              <a:rPr lang="en-US" sz="2800" dirty="0" smtClean="0"/>
+              <a:t>EM</a:t>
+            </a:r>
+            <a:br>
+              <a:rPr lang="en-US" sz="2800" dirty="0" smtClean="0"/>
+            </a:br>
+            <a:endParaRPr lang="en-US" sz="2800" dirty="0" smtClean="0"/>
+          </a:p>
+          <a:p>
+            <a:pPr marL="514350" indent="-514350">
+              <a:buFont typeface="+mj-lt"/>
+              <a:buAutoNum type="arabicPeriod"/>
+            </a:pPr>
+            <a:r>
+              <a:rPr lang="en-US" sz="2800" dirty="0" smtClean="0"/>
+              <a:t>Classification (known popularity): </a:t>
+            </a:r>
+            <a:br>
+              <a:rPr lang="en-US" sz="2800" dirty="0" smtClean="0"/>
+            </a:br>
+            <a:r>
+              <a:rPr lang="en-US" sz="2800" dirty="0" smtClean="0"/>
+              <a:t>SVM</a:t>
+            </a:r>
+            <a:br>
+              <a:rPr lang="en-US" sz="2800" dirty="0" smtClean="0"/>
+            </a:br>
+            <a:r>
+              <a:rPr lang="en-US" sz="2800" dirty="0" smtClean="0"/>
+              <a:t>Random Forest</a:t>
+            </a:r>
           </a:p>
         </p:txBody>
       </p:sp>
     </p:spTree>
     <p:extLst>
       <p:ext uri="{BB962C8B-B14F-4D97-AF65-F5344CB8AC3E}">
-        <p14:creationId xmlns:p14="http://schemas.microsoft.com/office/powerpoint/2010/main" val="1389705387"/>
+        <p14:creationId xmlns:p14="http://schemas.microsoft.com/office/powerpoint/2010/main" val="645592166"/>
       </p:ext>
     </p:extLst>
   </p:cSld>
   <p:clrMapOvr>
     <a:masterClrMapping/>
   </p:clrMapOvr>
-  <p:timing>
-    <p:tnLst>
-      <p:par>
-        <p:cTn id="1" dur="indefinite" restart="never" nodeType="tmRoot"/>
-      </p:par>
-    </p:tnLst>
-  </p:timing>
 </p:sld>
 </file>
 
@@ -10915,21 +11905,20 @@
         <p:spPr/>
         <p:txBody>
           <a:bodyPr>
-            <a:normAutofit/>
+            <a:normAutofit fontScale="90000"/>
           </a:bodyPr>
           <a:lstStyle/>
           <a:p>
             <a:r>
-              <a:rPr lang="en-US" altLang="zh-CN" sz="4400" dirty="0" smtClean="0"/>
-              <a:t>Random</a:t>
-            </a:r>
-            <a:r>
-              <a:rPr lang="zh-CN" altLang="en-US" sz="4400" dirty="0" smtClean="0"/>
-              <a:t> </a:t>
-            </a:r>
-            <a:r>
-              <a:rPr lang="en-US" altLang="zh-CN" sz="4400" dirty="0" smtClean="0"/>
-              <a:t>Forest</a:t>
+              <a:rPr lang="en-US" sz="4400" dirty="0" smtClean="0"/>
+              <a:t>Data Preprocessing</a:t>
+            </a:r>
+            <a:br>
+              <a:rPr lang="en-US" sz="4400" dirty="0" smtClean="0"/>
+            </a:br>
+            <a:r>
+              <a:rPr lang="en-US" sz="4400" dirty="0" smtClean="0"/>
+              <a:t>(Known popularity)</a:t>
             </a:r>
             <a:endParaRPr lang="en-US" sz="4400" dirty="0"/>
           </a:p>
@@ -10952,89 +11941,68 @@
           </a:bodyPr>
           <a:lstStyle/>
           <a:p>
+            <a:pPr marL="514350" indent="-514350">
+              <a:buFont typeface="+mj-lt"/>
+              <a:buAutoNum type="arabicPeriod"/>
+            </a:pPr>
             <a:r>
               <a:rPr lang="en-US" sz="2800" dirty="0" smtClean="0"/>
-              <a:t>-L 0.3 </a:t>
-            </a:r>
-            <a:r>
-              <a:rPr lang="mr-IN" sz="2800" dirty="0" smtClean="0"/>
-              <a:t>-</a:t>
-            </a:r>
-            <a:r>
+              <a:t>Turn ”popularity” from Class into Attribute</a:t>
+            </a:r>
+            <a:br>
               <a:rPr lang="en-US" sz="2800" dirty="0" smtClean="0"/>
-              <a:t>M 0.2 </a:t>
-            </a:r>
-            <a:r>
-              <a:rPr lang="mr-IN" sz="2800" dirty="0" smtClean="0"/>
-              <a:t>-</a:t>
-            </a:r>
+            </a:br>
+            <a:endParaRPr lang="en-US" sz="2800" dirty="0" smtClean="0"/>
+          </a:p>
+          <a:p>
+            <a:pPr marL="514350" indent="-514350">
+              <a:buFont typeface="+mj-lt"/>
+              <a:buAutoNum type="arabicPeriod"/>
+            </a:pPr>
             <a:r>
               <a:rPr lang="en-US" sz="2800" dirty="0" smtClean="0"/>
-              <a:t>N 500 </a:t>
-            </a:r>
-            <a:r>
-              <a:rPr lang="mr-IN" sz="2800" dirty="0" smtClean="0"/>
-              <a:t>-</a:t>
+              <a:t>Turn ONE TYPE of the </a:t>
+            </a:r>
+            <a:r>
+              <a:rPr lang="en-US" sz="2800" dirty="0"/>
+              <a:t>A</a:t>
             </a:r>
             <a:r>
               <a:rPr lang="en-US" sz="2800" dirty="0" smtClean="0"/>
-              <a:t>V 0 </a:t>
-            </a:r>
-            <a:r>
-              <a:rPr lang="mr-IN" sz="2800" dirty="0" smtClean="0"/>
-              <a:t>-</a:t>
-            </a:r>
-            <a:r>
+              <a:t>ttributes into Class</a:t>
+            </a:r>
+            <a:br>
               <a:rPr lang="en-US" sz="2800" dirty="0" smtClean="0"/>
-              <a:t>S 0 </a:t>
-            </a:r>
-            <a:r>
-              <a:rPr lang="mr-IN" sz="2800" dirty="0" smtClean="0"/>
-              <a:t>-</a:t>
+            </a:br>
+            <a:r>
+              <a:rPr lang="en-US" sz="2800" dirty="0" err="1" smtClean="0"/>
+              <a:t>eg</a:t>
             </a:r>
             <a:r>
               <a:rPr lang="en-US" sz="2800" dirty="0" smtClean="0"/>
-              <a:t>E 20 </a:t>
-            </a:r>
-            <a:r>
-              <a:rPr lang="mr-IN" sz="2800" dirty="0" smtClean="0"/>
-              <a:t>-</a:t>
+              <a:t>. </a:t>
+            </a:r>
+            <a:r>
+              <a:rPr lang="en-US" sz="2800" dirty="0" err="1" smtClean="0"/>
+              <a:t>weekday_is</a:t>
             </a:r>
             <a:r>
               <a:rPr lang="en-US" sz="2800" dirty="0" smtClean="0"/>
-              <a:t>H a</a:t>
-            </a:r>
-          </a:p>
-          <a:p>
-            <a:r>
-              <a:rPr lang="en-US" sz="2800" dirty="0"/>
-              <a:t>-</a:t>
-            </a:r>
-            <a:r>
-              <a:rPr lang="en-US" sz="2800" dirty="0" smtClean="0"/>
-              <a:t>L</a:t>
-            </a:r>
-            <a:endParaRPr lang="en-US" sz="2800" dirty="0"/>
+              <a:t>_*: when is the best time to publish a top hit?</a:t>
+            </a:r>
           </a:p>
         </p:txBody>
       </p:sp>
     </p:spTree>
     <p:extLst>
       <p:ext uri="{BB962C8B-B14F-4D97-AF65-F5344CB8AC3E}">
-        <p14:creationId xmlns:p14="http://schemas.microsoft.com/office/powerpoint/2010/main" val="11614769"/>
+        <p14:creationId xmlns:p14="http://schemas.microsoft.com/office/powerpoint/2010/main" val="1860577718"/>
       </p:ext>
     </p:extLst>
   </p:cSld>
   <p:clrMapOvr>
     <a:masterClrMapping/>
   </p:clrMapOvr>
-  <p:timing>
-    <p:tnLst>
-      <p:par>
-        <p:cTn id="1" dur="indefinite" restart="never" nodeType="tmRoot"/>
-      </p:par>
-    </p:tnLst>
-  </p:timing>
 </p:sld>
 </file>
 
@@ -11073,8 +12041,8 @@
           <a:lstStyle/>
           <a:p>
             <a:r>
-              <a:rPr lang="en-US" altLang="zh-CN" sz="4400" dirty="0" smtClean="0"/>
-              <a:t>Clustering</a:t>
+              <a:rPr lang="en-US" sz="4400" dirty="0" smtClean="0"/>
+              <a:t>Challenge</a:t>
             </a:r>
             <a:endParaRPr lang="en-US" sz="4400" dirty="0"/>
           </a:p>
@@ -11082,380 +12050,48 @@
       </p:sp>
       <p:sp>
         <p:nvSpPr>
-          <p:cNvPr id="4" name="Title 1"/>
-          <p:cNvSpPr txBox="1">
-            <a:spLocks/>
-          </p:cNvSpPr>
-          <p:nvPr/>
-        </p:nvSpPr>
-        <p:spPr>
-          <a:xfrm flipV="1">
-            <a:off x="842683" y="5617628"/>
-            <a:ext cx="8877953" cy="1044388"/>
-          </a:xfrm>
-          <a:prstGeom prst="rect">
-            <a:avLst/>
-          </a:prstGeom>
-        </p:spPr>
-        <p:txBody>
-          <a:bodyPr vert="horz" lIns="91440" tIns="45720" rIns="91440" bIns="45720" rtlCol="0" anchor="t">
+          <p:cNvPr id="3" name="Content Placeholder 2"/>
+          <p:cNvSpPr>
+            <a:spLocks noGrp="1"/>
+          </p:cNvSpPr>
+          <p:nvPr>
+            <p:ph idx="1"/>
+          </p:nvPr>
+        </p:nvSpPr>
+        <p:spPr/>
+        <p:txBody>
+          <a:bodyPr>
             <a:normAutofit/>
           </a:bodyPr>
-          <a:lstStyle>
-            <a:lvl1pPr algn="l" defTabSz="457200" rtl="0" eaLnBrk="1" latinLnBrk="0" hangingPunct="1">
-              <a:spcBef>
-                <a:spcPct val="0"/>
-              </a:spcBef>
-              <a:buNone/>
-              <a:defRPr sz="3600" kern="1200">
-                <a:solidFill>
-                  <a:schemeClr val="tx1">
-                    <a:lumMod val="85000"/>
-                    <a:lumOff val="15000"/>
-                  </a:schemeClr>
-                </a:solidFill>
-                <a:latin typeface="+mj-lt"/>
-                <a:ea typeface="+mj-ea"/>
-                <a:cs typeface="+mj-cs"/>
-              </a:defRPr>
-            </a:lvl1pPr>
-            <a:lvl2pPr eaLnBrk="1" hangingPunct="1">
-              <a:defRPr>
-                <a:solidFill>
-                  <a:schemeClr val="tx2"/>
-                </a:solidFill>
-              </a:defRPr>
-            </a:lvl2pPr>
-            <a:lvl3pPr eaLnBrk="1" hangingPunct="1">
-              <a:defRPr>
-                <a:solidFill>
-                  <a:schemeClr val="tx2"/>
-                </a:solidFill>
-              </a:defRPr>
-            </a:lvl3pPr>
-            <a:lvl4pPr eaLnBrk="1" hangingPunct="1">
-              <a:defRPr>
-                <a:solidFill>
-                  <a:schemeClr val="tx2"/>
-                </a:solidFill>
-              </a:defRPr>
-            </a:lvl4pPr>
-            <a:lvl5pPr eaLnBrk="1" hangingPunct="1">
-              <a:defRPr>
-                <a:solidFill>
-                  <a:schemeClr val="tx2"/>
-                </a:solidFill>
-              </a:defRPr>
-            </a:lvl5pPr>
-            <a:lvl6pPr eaLnBrk="1" hangingPunct="1">
-              <a:defRPr>
-                <a:solidFill>
-                  <a:schemeClr val="tx2"/>
-                </a:solidFill>
-              </a:defRPr>
-            </a:lvl6pPr>
-            <a:lvl7pPr eaLnBrk="1" hangingPunct="1">
-              <a:defRPr>
-                <a:solidFill>
-                  <a:schemeClr val="tx2"/>
-                </a:solidFill>
-              </a:defRPr>
-            </a:lvl7pPr>
-            <a:lvl8pPr eaLnBrk="1" hangingPunct="1">
-              <a:defRPr>
-                <a:solidFill>
-                  <a:schemeClr val="tx2"/>
-                </a:solidFill>
-              </a:defRPr>
-            </a:lvl8pPr>
-            <a:lvl9pPr eaLnBrk="1" hangingPunct="1">
-              <a:defRPr>
-                <a:solidFill>
-                  <a:schemeClr val="tx2"/>
-                </a:solidFill>
-              </a:defRPr>
-            </a:lvl9pPr>
-          </a:lstStyle>
-          <a:p>
-            <a:endParaRPr lang="en-US" sz="4400" dirty="0"/>
-          </a:p>
-        </p:txBody>
-      </p:sp>
-      <p:sp>
-        <p:nvSpPr>
-          <p:cNvPr id="6" name="Content Placeholder 2"/>
-          <p:cNvSpPr txBox="1">
-            <a:spLocks/>
-          </p:cNvSpPr>
-          <p:nvPr/>
-        </p:nvSpPr>
-        <p:spPr>
-          <a:xfrm>
-            <a:off x="2727758" y="2036618"/>
-            <a:ext cx="8915400" cy="3777622"/>
-          </a:xfrm>
-          <a:prstGeom prst="rect">
-            <a:avLst/>
-          </a:prstGeom>
-        </p:spPr>
-        <p:txBody>
-          <a:bodyPr vert="horz" lIns="91440" tIns="45720" rIns="91440" bIns="45720" rtlCol="0">
-            <a:normAutofit/>
-          </a:bodyPr>
-          <a:lstStyle>
-            <a:lvl1pPr marL="342900" indent="-342900" algn="l" defTabSz="457200" rtl="0" eaLnBrk="1" latinLnBrk="0" hangingPunct="1">
-              <a:spcBef>
-                <a:spcPts val="1000"/>
-              </a:spcBef>
-              <a:spcAft>
-                <a:spcPts val="0"/>
-              </a:spcAft>
-              <a:buClr>
-                <a:schemeClr val="accent1"/>
-              </a:buClr>
-              <a:buFont typeface="Wingdings 3" charset="2"/>
-              <a:buChar char=""/>
-              <a:defRPr sz="1800" kern="1200">
-                <a:solidFill>
-                  <a:schemeClr val="tx1">
-                    <a:lumMod val="75000"/>
-                    <a:lumOff val="25000"/>
-                  </a:schemeClr>
-                </a:solidFill>
-                <a:latin typeface="+mn-lt"/>
-                <a:ea typeface="+mn-ea"/>
-                <a:cs typeface="+mn-cs"/>
-              </a:defRPr>
-            </a:lvl1pPr>
-            <a:lvl2pPr marL="742950" indent="-285750" algn="l" defTabSz="457200" rtl="0" eaLnBrk="1" latinLnBrk="0" hangingPunct="1">
-              <a:spcBef>
-                <a:spcPts val="1000"/>
-              </a:spcBef>
-              <a:spcAft>
-                <a:spcPts val="0"/>
-              </a:spcAft>
-              <a:buClr>
-                <a:schemeClr val="accent1"/>
-              </a:buClr>
-              <a:buFont typeface="Wingdings 3" charset="2"/>
-              <a:buChar char=""/>
-              <a:defRPr sz="1600" kern="1200">
-                <a:solidFill>
-                  <a:schemeClr val="tx1">
-                    <a:lumMod val="75000"/>
-                    <a:lumOff val="25000"/>
-                  </a:schemeClr>
-                </a:solidFill>
-                <a:latin typeface="+mn-lt"/>
-                <a:ea typeface="+mn-ea"/>
-                <a:cs typeface="+mn-cs"/>
-              </a:defRPr>
-            </a:lvl2pPr>
-            <a:lvl3pPr marL="1143000" indent="-228600" algn="l" defTabSz="457200" rtl="0" eaLnBrk="1" latinLnBrk="0" hangingPunct="1">
-              <a:spcBef>
-                <a:spcPts val="1000"/>
-              </a:spcBef>
-              <a:spcAft>
-                <a:spcPts val="0"/>
-              </a:spcAft>
-              <a:buClr>
-                <a:schemeClr val="accent1"/>
-              </a:buClr>
-              <a:buFont typeface="Wingdings 3" charset="2"/>
-              <a:buChar char=""/>
-              <a:defRPr sz="1400" kern="1200">
-                <a:solidFill>
-                  <a:schemeClr val="tx1">
-                    <a:lumMod val="75000"/>
-                    <a:lumOff val="25000"/>
-                  </a:schemeClr>
-                </a:solidFill>
-                <a:latin typeface="+mn-lt"/>
-                <a:ea typeface="+mn-ea"/>
-                <a:cs typeface="+mn-cs"/>
-              </a:defRPr>
-            </a:lvl3pPr>
-            <a:lvl4pPr marL="1600200" indent="-228600" algn="l" defTabSz="457200" rtl="0" eaLnBrk="1" latinLnBrk="0" hangingPunct="1">
-              <a:spcBef>
-                <a:spcPts val="1000"/>
-              </a:spcBef>
-              <a:spcAft>
-                <a:spcPts val="0"/>
-              </a:spcAft>
-              <a:buClr>
-                <a:schemeClr val="accent1"/>
-              </a:buClr>
-              <a:buFont typeface="Wingdings 3" charset="2"/>
-              <a:buChar char=""/>
-              <a:defRPr sz="1200" kern="1200">
-                <a:solidFill>
-                  <a:schemeClr val="tx1">
-                    <a:lumMod val="75000"/>
-                    <a:lumOff val="25000"/>
-                  </a:schemeClr>
-                </a:solidFill>
-                <a:latin typeface="+mn-lt"/>
-                <a:ea typeface="+mn-ea"/>
-                <a:cs typeface="+mn-cs"/>
-              </a:defRPr>
-            </a:lvl4pPr>
-            <a:lvl5pPr marL="2057400" indent="-228600" algn="l" defTabSz="457200" rtl="0" eaLnBrk="1" latinLnBrk="0" hangingPunct="1">
-              <a:spcBef>
-                <a:spcPts val="1000"/>
-              </a:spcBef>
-              <a:spcAft>
-                <a:spcPts val="0"/>
-              </a:spcAft>
-              <a:buClr>
-                <a:schemeClr val="accent1"/>
-              </a:buClr>
-              <a:buFont typeface="Wingdings 3" charset="2"/>
-              <a:buChar char=""/>
-              <a:defRPr sz="1200" kern="1200">
-                <a:solidFill>
-                  <a:schemeClr val="tx1">
-                    <a:lumMod val="75000"/>
-                    <a:lumOff val="25000"/>
-                  </a:schemeClr>
-                </a:solidFill>
-                <a:latin typeface="+mn-lt"/>
-                <a:ea typeface="+mn-ea"/>
-                <a:cs typeface="+mn-cs"/>
-              </a:defRPr>
-            </a:lvl5pPr>
-            <a:lvl6pPr marL="2514600" indent="-228600" algn="l" defTabSz="457200" rtl="0" eaLnBrk="1" latinLnBrk="0" hangingPunct="1">
-              <a:spcBef>
-                <a:spcPts val="1000"/>
-              </a:spcBef>
-              <a:spcAft>
-                <a:spcPts val="0"/>
-              </a:spcAft>
-              <a:buClr>
-                <a:schemeClr val="accent1"/>
-              </a:buClr>
-              <a:buFont typeface="Wingdings 3" charset="2"/>
-              <a:buChar char=""/>
-              <a:defRPr sz="1200" kern="1200">
-                <a:solidFill>
-                  <a:schemeClr val="tx1">
-                    <a:lumMod val="75000"/>
-                    <a:lumOff val="25000"/>
-                  </a:schemeClr>
-                </a:solidFill>
-                <a:latin typeface="+mn-lt"/>
-                <a:ea typeface="+mn-ea"/>
-                <a:cs typeface="+mn-cs"/>
-              </a:defRPr>
-            </a:lvl6pPr>
-            <a:lvl7pPr marL="2971800" indent="-228600" algn="l" defTabSz="457200" rtl="0" eaLnBrk="1" latinLnBrk="0" hangingPunct="1">
-              <a:spcBef>
-                <a:spcPts val="1000"/>
-              </a:spcBef>
-              <a:spcAft>
-                <a:spcPts val="0"/>
-              </a:spcAft>
-              <a:buClr>
-                <a:schemeClr val="accent1"/>
-              </a:buClr>
-              <a:buFont typeface="Wingdings 3" charset="2"/>
-              <a:buChar char=""/>
-              <a:defRPr sz="1200" kern="1200">
-                <a:solidFill>
-                  <a:schemeClr val="tx1">
-                    <a:lumMod val="75000"/>
-                    <a:lumOff val="25000"/>
-                  </a:schemeClr>
-                </a:solidFill>
-                <a:latin typeface="+mn-lt"/>
-                <a:ea typeface="+mn-ea"/>
-                <a:cs typeface="+mn-cs"/>
-              </a:defRPr>
-            </a:lvl7pPr>
-            <a:lvl8pPr marL="3429000" indent="-228600" algn="l" defTabSz="457200" rtl="0" eaLnBrk="1" latinLnBrk="0" hangingPunct="1">
-              <a:spcBef>
-                <a:spcPts val="1000"/>
-              </a:spcBef>
-              <a:spcAft>
-                <a:spcPts val="0"/>
-              </a:spcAft>
-              <a:buClr>
-                <a:schemeClr val="accent1"/>
-              </a:buClr>
-              <a:buFont typeface="Wingdings 3" charset="2"/>
-              <a:buChar char=""/>
-              <a:defRPr sz="1200" kern="1200">
-                <a:solidFill>
-                  <a:schemeClr val="tx1">
-                    <a:lumMod val="75000"/>
-                    <a:lumOff val="25000"/>
-                  </a:schemeClr>
-                </a:solidFill>
-                <a:latin typeface="+mn-lt"/>
-                <a:ea typeface="+mn-ea"/>
-                <a:cs typeface="+mn-cs"/>
-              </a:defRPr>
-            </a:lvl8pPr>
-            <a:lvl9pPr marL="3886200" indent="-228600" algn="l" defTabSz="457200" rtl="0" eaLnBrk="1" latinLnBrk="0" hangingPunct="1">
-              <a:spcBef>
-                <a:spcPts val="1000"/>
-              </a:spcBef>
-              <a:spcAft>
-                <a:spcPts val="0"/>
-              </a:spcAft>
-              <a:buClr>
-                <a:schemeClr val="accent1"/>
-              </a:buClr>
-              <a:buFont typeface="Wingdings 3" charset="2"/>
-              <a:buChar char=""/>
-              <a:defRPr sz="1200" kern="1200">
-                <a:solidFill>
-                  <a:schemeClr val="tx1">
-                    <a:lumMod val="75000"/>
-                    <a:lumOff val="25000"/>
-                  </a:schemeClr>
-                </a:solidFill>
-                <a:latin typeface="+mn-lt"/>
-                <a:ea typeface="+mn-ea"/>
-                <a:cs typeface="+mn-cs"/>
-              </a:defRPr>
-            </a:lvl9pPr>
-          </a:lstStyle>
-          <a:p>
-            <a:r>
-              <a:rPr lang="en-US" altLang="zh-CN" sz="2800" dirty="0" smtClean="0"/>
-              <a:t>K-Means</a:t>
-            </a:r>
-            <a:endParaRPr lang="zh-CN" altLang="en-US" sz="2800" dirty="0" smtClean="0"/>
-          </a:p>
-          <a:p>
-            <a:endParaRPr lang="zh-CN" altLang="en-US" sz="2800" dirty="0"/>
-          </a:p>
-          <a:p>
-            <a:r>
-              <a:rPr lang="en-US" altLang="zh-CN" sz="2800" dirty="0" smtClean="0"/>
-              <a:t>EM</a:t>
-            </a:r>
-            <a:endParaRPr lang="en-US" sz="2800" dirty="0"/>
+          <a:lstStyle/>
+          <a:p>
+            <a:r>
+              <a:rPr lang="en-US" sz="2800" dirty="0" smtClean="0"/>
+              <a:t>Make reasonable use of unsupervised method (clustering) to solve problem</a:t>
+            </a:r>
+            <a:br>
+              <a:rPr lang="en-US" sz="2800" dirty="0" smtClean="0"/>
+            </a:br>
+            <a:endParaRPr lang="en-US" sz="2800" dirty="0" smtClean="0"/>
+          </a:p>
+          <a:p>
+            <a:r>
+              <a:rPr lang="en-US" sz="2800" dirty="0" smtClean="0"/>
+              <a:t>Put more weights on popularity than on unmodified attributes</a:t>
+            </a:r>
           </a:p>
         </p:txBody>
       </p:sp>
     </p:spTree>
     <p:extLst>
       <p:ext uri="{BB962C8B-B14F-4D97-AF65-F5344CB8AC3E}">
-        <p14:creationId xmlns:p14="http://schemas.microsoft.com/office/powerpoint/2010/main" val="298501962"/>
+        <p14:creationId xmlns:p14="http://schemas.microsoft.com/office/powerpoint/2010/main" val="1592007845"/>
       </p:ext>
     </p:extLst>
   </p:cSld>
   <p:clrMapOvr>
     <a:masterClrMapping/>
   </p:clrMapOvr>
-  <p:timing>
-    <p:tnLst>
-      <p:par>
-        <p:cTn id="1" dur="indefinite" restart="never" nodeType="tmRoot"/>
-      </p:par>
-    </p:tnLst>
-  </p:timing>
 </p:sld>
 </file>
 

--- a/PPTGroup10.pptx
+++ b/PPTGroup10.pptx
@@ -213,7 +213,7 @@
           <a:p>
             <a:fld id="{921DB55A-F66E-884C-A409-CC81ACA880E7}" type="datetimeFigureOut">
               <a:rPr lang="en-US" smtClean="0"/>
-              <a:t>3/2/17</a:t>
+              <a:t>3/3/17</a:t>
             </a:fld>
             <a:endParaRPr lang="en-US"/>
           </a:p>
@@ -1014,7 +1014,7 @@
             <a:fld id="{B61BEF0D-F0BB-DE4B-95CE-6DB70DBA9567}" type="datetimeFigureOut">
               <a:rPr lang="en-US" dirty="0"/>
               <a:pPr/>
-              <a:t>3/2/17</a:t>
+              <a:t>3/3/17</a:t>
             </a:fld>
             <a:endParaRPr lang="en-US" dirty="0"/>
           </a:p>
@@ -1349,7 +1349,7 @@
             <a:fld id="{B61BEF0D-F0BB-DE4B-95CE-6DB70DBA9567}" type="datetimeFigureOut">
               <a:rPr lang="en-US" dirty="0"/>
               <a:pPr/>
-              <a:t>3/2/17</a:t>
+              <a:t>3/3/17</a:t>
             </a:fld>
             <a:endParaRPr lang="en-US" dirty="0"/>
           </a:p>
@@ -1747,7 +1747,7 @@
             <a:fld id="{B61BEF0D-F0BB-DE4B-95CE-6DB70DBA9567}" type="datetimeFigureOut">
               <a:rPr lang="en-US" dirty="0"/>
               <a:pPr/>
-              <a:t>3/2/17</a:t>
+              <a:t>3/3/17</a:t>
             </a:fld>
             <a:endParaRPr lang="en-US" dirty="0"/>
           </a:p>
@@ -2080,7 +2080,7 @@
             <a:fld id="{B61BEF0D-F0BB-DE4B-95CE-6DB70DBA9567}" type="datetimeFigureOut">
               <a:rPr lang="en-US" dirty="0"/>
               <a:pPr/>
-              <a:t>3/2/17</a:t>
+              <a:t>3/3/17</a:t>
             </a:fld>
             <a:endParaRPr lang="en-US" dirty="0"/>
           </a:p>
@@ -2397,7 +2397,7 @@
             <a:fld id="{B61BEF0D-F0BB-DE4B-95CE-6DB70DBA9567}" type="datetimeFigureOut">
               <a:rPr lang="en-US" dirty="0"/>
               <a:pPr/>
-              <a:t>3/2/17</a:t>
+              <a:t>3/3/17</a:t>
             </a:fld>
             <a:endParaRPr lang="en-US" dirty="0"/>
           </a:p>
@@ -2790,7 +2790,7 @@
             <a:fld id="{B61BEF0D-F0BB-DE4B-95CE-6DB70DBA9567}" type="datetimeFigureOut">
               <a:rPr lang="en-US" dirty="0"/>
               <a:pPr/>
-              <a:t>3/2/17</a:t>
+              <a:t>3/3/17</a:t>
             </a:fld>
             <a:endParaRPr lang="en-US" dirty="0"/>
           </a:p>
@@ -3044,7 +3044,7 @@
             <a:fld id="{B61BEF0D-F0BB-DE4B-95CE-6DB70DBA9567}" type="datetimeFigureOut">
               <a:rPr lang="en-US" dirty="0"/>
               <a:pPr/>
-              <a:t>3/2/17</a:t>
+              <a:t>3/3/17</a:t>
             </a:fld>
             <a:endParaRPr lang="en-US" dirty="0"/>
           </a:p>
@@ -3303,7 +3303,7 @@
             <a:fld id="{B61BEF0D-F0BB-DE4B-95CE-6DB70DBA9567}" type="datetimeFigureOut">
               <a:rPr lang="en-US" dirty="0"/>
               <a:pPr/>
-              <a:t>3/2/17</a:t>
+              <a:t>3/3/17</a:t>
             </a:fld>
             <a:endParaRPr lang="en-US" dirty="0"/>
           </a:p>
@@ -3562,7 +3562,7 @@
             <a:fld id="{B61BEF0D-F0BB-DE4B-95CE-6DB70DBA9567}" type="datetimeFigureOut">
               <a:rPr lang="en-US" dirty="0"/>
               <a:pPr/>
-              <a:t>3/2/17</a:t>
+              <a:t>3/3/17</a:t>
             </a:fld>
             <a:endParaRPr lang="en-US" dirty="0"/>
           </a:p>
@@ -3888,7 +3888,7 @@
             <a:fld id="{B61BEF0D-F0BB-DE4B-95CE-6DB70DBA9567}" type="datetimeFigureOut">
               <a:rPr lang="en-US" dirty="0"/>
               <a:pPr/>
-              <a:t>3/2/17</a:t>
+              <a:t>3/3/17</a:t>
             </a:fld>
             <a:endParaRPr lang="en-US" dirty="0"/>
           </a:p>
@@ -4208,7 +4208,7 @@
             <a:fld id="{B61BEF0D-F0BB-DE4B-95CE-6DB70DBA9567}" type="datetimeFigureOut">
               <a:rPr lang="en-US" dirty="0"/>
               <a:pPr/>
-              <a:t>3/2/17</a:t>
+              <a:t>3/3/17</a:t>
             </a:fld>
             <a:endParaRPr lang="en-US" dirty="0"/>
           </a:p>
@@ -4662,7 +4662,7 @@
             <a:fld id="{B61BEF0D-F0BB-DE4B-95CE-6DB70DBA9567}" type="datetimeFigureOut">
               <a:rPr lang="en-US" dirty="0"/>
               <a:pPr/>
-              <a:t>3/2/17</a:t>
+              <a:t>3/3/17</a:t>
             </a:fld>
             <a:endParaRPr lang="en-US" dirty="0"/>
           </a:p>
@@ -4864,7 +4864,7 @@
             <a:fld id="{B61BEF0D-F0BB-DE4B-95CE-6DB70DBA9567}" type="datetimeFigureOut">
               <a:rPr lang="en-US" dirty="0"/>
               <a:pPr/>
-              <a:t>3/2/17</a:t>
+              <a:t>3/3/17</a:t>
             </a:fld>
             <a:endParaRPr lang="en-US" dirty="0"/>
           </a:p>
@@ -5038,7 +5038,7 @@
             <a:fld id="{B61BEF0D-F0BB-DE4B-95CE-6DB70DBA9567}" type="datetimeFigureOut">
               <a:rPr lang="en-US" dirty="0"/>
               <a:pPr/>
-              <a:t>3/2/17</a:t>
+              <a:t>3/3/17</a:t>
             </a:fld>
             <a:endParaRPr lang="en-US" dirty="0"/>
           </a:p>
@@ -5368,7 +5368,7 @@
             <a:fld id="{B61BEF0D-F0BB-DE4B-95CE-6DB70DBA9567}" type="datetimeFigureOut">
               <a:rPr lang="en-US" dirty="0"/>
               <a:pPr/>
-              <a:t>3/2/17</a:t>
+              <a:t>3/3/17</a:t>
             </a:fld>
             <a:endParaRPr lang="en-US" dirty="0"/>
           </a:p>
@@ -5710,7 +5710,7 @@
             <a:fld id="{B61BEF0D-F0BB-DE4B-95CE-6DB70DBA9567}" type="datetimeFigureOut">
               <a:rPr lang="en-US" dirty="0"/>
               <a:pPr/>
-              <a:t>3/2/17</a:t>
+              <a:t>3/3/17</a:t>
             </a:fld>
             <a:endParaRPr lang="en-US" dirty="0"/>
           </a:p>
@@ -7824,7 +7824,7 @@
             <a:fld id="{B61BEF0D-F0BB-DE4B-95CE-6DB70DBA9567}" type="datetimeFigureOut">
               <a:rPr lang="en-US" dirty="0"/>
               <a:pPr/>
-              <a:t>3/2/17</a:t>
+              <a:t>3/3/17</a:t>
             </a:fld>
             <a:endParaRPr lang="en-US" dirty="0"/>
           </a:p>
@@ -10225,7 +10225,7 @@
         <p:spPr/>
         <p:txBody>
           <a:bodyPr>
-            <a:normAutofit/>
+            <a:normAutofit fontScale="92500" lnSpcReduction="20000"/>
           </a:bodyPr>
           <a:lstStyle/>
           <a:p>
@@ -10395,7 +10395,26 @@
               <a:rPr lang="en-US" altLang="zh-CN" sz="2800" dirty="0" smtClean="0">
                 <a:sym typeface="Wingdings"/>
               </a:rPr>
-              <a:t>etc.)</a:t>
+              <a:t>etc</a:t>
+            </a:r>
+            <a:r>
+              <a:rPr lang="en-US" altLang="zh-CN" sz="2800" dirty="0" smtClean="0">
+                <a:sym typeface="Wingdings"/>
+              </a:rPr>
+              <a:t>.)</a:t>
+            </a:r>
+          </a:p>
+          <a:p>
+            <a:endParaRPr lang="en-US" altLang="zh-CN" sz="2800" dirty="0">
+              <a:sym typeface="Wingdings"/>
+            </a:endParaRPr>
+          </a:p>
+          <a:p>
+            <a:r>
+              <a:rPr lang="en-US" altLang="zh-CN" sz="2800" dirty="0" smtClean="0">
+                <a:sym typeface="Wingdings"/>
+              </a:rPr>
+              <a:t>How to become a top hit?</a:t>
             </a:r>
             <a:endParaRPr lang="zh-CN" altLang="en-US" sz="2800" dirty="0" smtClean="0">
               <a:sym typeface="Wingdings"/>

--- a/PPTGroup10.pptx
+++ b/PPTGroup10.pptx
@@ -213,7 +213,7 @@
           <a:p>
             <a:fld id="{921DB55A-F66E-884C-A409-CC81ACA880E7}" type="datetimeFigureOut">
               <a:rPr lang="en-US" smtClean="0"/>
-              <a:t>3/3/17</a:t>
+              <a:t>3/21/17</a:t>
             </a:fld>
             <a:endParaRPr lang="en-US"/>
           </a:p>
@@ -525,6 +525,35 @@
           <a:bodyPr/>
           <a:lstStyle/>
           <a:p>
+            <a:pPr marL="228600" indent="-228600">
+              <a:buAutoNum type="arabicPeriod"/>
+            </a:pPr>
+            <a:r>
+              <a:rPr lang="en-US" dirty="0" smtClean="0"/>
+              <a:t>a bunch of anti-virus</a:t>
+            </a:r>
+            <a:r>
+              <a:rPr lang="en-US" baseline="0" dirty="0" smtClean="0"/>
+              <a:t> software, detecting malicious apps/binaries</a:t>
+            </a:r>
+          </a:p>
+          <a:p>
+            <a:pPr marL="228600" indent="-228600">
+              <a:buAutoNum type="arabicPeriod"/>
+            </a:pPr>
+            <a:r>
+              <a:rPr lang="en-US" baseline="0" dirty="0" smtClean="0"/>
+              <a:t>No interested in detecting , but</a:t>
+            </a:r>
+          </a:p>
+          <a:p>
+            <a:pPr marL="228600" indent="-228600">
+              <a:buAutoNum type="arabicPeriod"/>
+            </a:pPr>
+            <a:r>
+              <a:rPr lang="en-US" baseline="0" dirty="0" smtClean="0"/>
+              <a:t>However, to learn how to evade detection, first, </a:t>
+            </a:r>
             <a:endParaRPr lang="en-US" dirty="0"/>
           </a:p>
         </p:txBody>
@@ -546,7 +575,7 @@
           <a:p>
             <a:fld id="{1C63729A-534C-874A-B073-5D3F38B81A78}" type="slidenum">
               <a:rPr lang="en-US" smtClean="0"/>
-              <a:t>4</a:t>
+              <a:t>2</a:t>
             </a:fld>
             <a:endParaRPr lang="en-US"/>
           </a:p>
@@ -555,7 +584,7 @@
     </p:spTree>
     <p:extLst>
       <p:ext uri="{BB962C8B-B14F-4D97-AF65-F5344CB8AC3E}">
-        <p14:creationId xmlns:p14="http://schemas.microsoft.com/office/powerpoint/2010/main" val="1846938652"/>
+        <p14:creationId xmlns:p14="http://schemas.microsoft.com/office/powerpoint/2010/main" val="150517567"/>
       </p:ext>
     </p:extLst>
   </p:cSld>
@@ -609,6 +638,24 @@
           <a:bodyPr/>
           <a:lstStyle/>
           <a:p>
+            <a:r>
+              <a:rPr lang="en-US" dirty="0" smtClean="0"/>
+              <a:t>NO many</a:t>
+            </a:r>
+            <a:r>
+              <a:rPr lang="en-US" baseline="0" dirty="0" smtClean="0"/>
+              <a:t> </a:t>
+            </a:r>
+            <a:r>
+              <a:rPr lang="en-US" dirty="0" smtClean="0"/>
+              <a:t>dataset we</a:t>
+            </a:r>
+            <a:r>
+              <a:rPr lang="en-US" baseline="0" dirty="0" smtClean="0"/>
+              <a:t> can find.</a:t>
+            </a:r>
+          </a:p>
+          <a:p>
             <a:endParaRPr lang="en-US" dirty="0"/>
           </a:p>
         </p:txBody>
@@ -630,7 +677,7 @@
           <a:p>
             <a:fld id="{1C63729A-534C-874A-B073-5D3F38B81A78}" type="slidenum">
               <a:rPr lang="en-US" smtClean="0"/>
-              <a:t>5</a:t>
+              <a:t>3</a:t>
             </a:fld>
             <a:endParaRPr lang="en-US"/>
           </a:p>
@@ -639,7 +686,7 @@
     </p:spTree>
     <p:extLst>
       <p:ext uri="{BB962C8B-B14F-4D97-AF65-F5344CB8AC3E}">
-        <p14:creationId xmlns:p14="http://schemas.microsoft.com/office/powerpoint/2010/main" val="1186452551"/>
+        <p14:creationId xmlns:p14="http://schemas.microsoft.com/office/powerpoint/2010/main" val="1887658390"/>
       </p:ext>
     </p:extLst>
   </p:cSld>
@@ -693,6 +740,174 @@
           <a:bodyPr/>
           <a:lstStyle/>
           <a:p>
+            <a:endParaRPr lang="en-US" dirty="0"/>
+          </a:p>
+        </p:txBody>
+      </p:sp>
+      <p:sp>
+        <p:nvSpPr>
+          <p:cNvPr id="4" name="Slide Number Placeholder 3"/>
+          <p:cNvSpPr>
+            <a:spLocks noGrp="1"/>
+          </p:cNvSpPr>
+          <p:nvPr>
+            <p:ph type="sldNum" sz="quarter" idx="10"/>
+          </p:nvPr>
+        </p:nvSpPr>
+        <p:spPr/>
+        <p:txBody>
+          <a:bodyPr/>
+          <a:lstStyle/>
+          <a:p>
+            <a:fld id="{1C63729A-534C-874A-B073-5D3F38B81A78}" type="slidenum">
+              <a:rPr lang="en-US" smtClean="0"/>
+              <a:t>4</a:t>
+            </a:fld>
+            <a:endParaRPr lang="en-US"/>
+          </a:p>
+        </p:txBody>
+      </p:sp>
+    </p:spTree>
+    <p:extLst>
+      <p:ext uri="{BB962C8B-B14F-4D97-AF65-F5344CB8AC3E}">
+        <p14:creationId xmlns:p14="http://schemas.microsoft.com/office/powerpoint/2010/main" val="1846938652"/>
+      </p:ext>
+    </p:extLst>
+  </p:cSld>
+  <p:clrMapOvr>
+    <a:masterClrMapping/>
+  </p:clrMapOvr>
+</p:notes>
+</file>
+
+<file path=ppt/notesSlides/notesSlide4.xml><?xml version="1.0" encoding="utf-8"?>
+<p:notes xmlns:a="http://schemas.openxmlformats.org/drawingml/2006/main" xmlns:r="http://schemas.openxmlformats.org/officeDocument/2006/relationships" xmlns:p="http://schemas.openxmlformats.org/presentationml/2006/main">
+  <p:cSld>
+    <p:spTree>
+      <p:nvGrpSpPr>
+        <p:cNvPr id="1" name=""/>
+        <p:cNvGrpSpPr/>
+        <p:nvPr/>
+      </p:nvGrpSpPr>
+      <p:grpSpPr>
+        <a:xfrm>
+          <a:off x="0" y="0"/>
+          <a:ext cx="0" cy="0"/>
+          <a:chOff x="0" y="0"/>
+          <a:chExt cx="0" cy="0"/>
+        </a:xfrm>
+      </p:grpSpPr>
+      <p:sp>
+        <p:nvSpPr>
+          <p:cNvPr id="2" name="Slide Image Placeholder 1"/>
+          <p:cNvSpPr>
+            <a:spLocks noGrp="1" noRot="1" noChangeAspect="1"/>
+          </p:cNvSpPr>
+          <p:nvPr>
+            <p:ph type="sldImg"/>
+          </p:nvPr>
+        </p:nvSpPr>
+        <p:spPr/>
+      </p:sp>
+      <p:sp>
+        <p:nvSpPr>
+          <p:cNvPr id="3" name="Notes Placeholder 2"/>
+          <p:cNvSpPr>
+            <a:spLocks noGrp="1"/>
+          </p:cNvSpPr>
+          <p:nvPr>
+            <p:ph type="body" idx="1"/>
+          </p:nvPr>
+        </p:nvSpPr>
+        <p:spPr/>
+        <p:txBody>
+          <a:bodyPr/>
+          <a:lstStyle/>
+          <a:p>
+            <a:endParaRPr lang="en-US" dirty="0"/>
+          </a:p>
+        </p:txBody>
+      </p:sp>
+      <p:sp>
+        <p:nvSpPr>
+          <p:cNvPr id="4" name="Slide Number Placeholder 3"/>
+          <p:cNvSpPr>
+            <a:spLocks noGrp="1"/>
+          </p:cNvSpPr>
+          <p:nvPr>
+            <p:ph type="sldNum" sz="quarter" idx="10"/>
+          </p:nvPr>
+        </p:nvSpPr>
+        <p:spPr/>
+        <p:txBody>
+          <a:bodyPr/>
+          <a:lstStyle/>
+          <a:p>
+            <a:fld id="{1C63729A-534C-874A-B073-5D3F38B81A78}" type="slidenum">
+              <a:rPr lang="en-US" smtClean="0"/>
+              <a:t>5</a:t>
+            </a:fld>
+            <a:endParaRPr lang="en-US"/>
+          </a:p>
+        </p:txBody>
+      </p:sp>
+    </p:spTree>
+    <p:extLst>
+      <p:ext uri="{BB962C8B-B14F-4D97-AF65-F5344CB8AC3E}">
+        <p14:creationId xmlns:p14="http://schemas.microsoft.com/office/powerpoint/2010/main" val="1186452551"/>
+      </p:ext>
+    </p:extLst>
+  </p:cSld>
+  <p:clrMapOvr>
+    <a:masterClrMapping/>
+  </p:clrMapOvr>
+</p:notes>
+</file>
+
+<file path=ppt/notesSlides/notesSlide5.xml><?xml version="1.0" encoding="utf-8"?>
+<p:notes xmlns:a="http://schemas.openxmlformats.org/drawingml/2006/main" xmlns:r="http://schemas.openxmlformats.org/officeDocument/2006/relationships" xmlns:p="http://schemas.openxmlformats.org/presentationml/2006/main">
+  <p:cSld>
+    <p:spTree>
+      <p:nvGrpSpPr>
+        <p:cNvPr id="1" name=""/>
+        <p:cNvGrpSpPr/>
+        <p:nvPr/>
+      </p:nvGrpSpPr>
+      <p:grpSpPr>
+        <a:xfrm>
+          <a:off x="0" y="0"/>
+          <a:ext cx="0" cy="0"/>
+          <a:chOff x="0" y="0"/>
+          <a:chExt cx="0" cy="0"/>
+        </a:xfrm>
+      </p:grpSpPr>
+      <p:sp>
+        <p:nvSpPr>
+          <p:cNvPr id="2" name="Slide Image Placeholder 1"/>
+          <p:cNvSpPr>
+            <a:spLocks noGrp="1" noRot="1" noChangeAspect="1"/>
+          </p:cNvSpPr>
+          <p:nvPr>
+            <p:ph type="sldImg"/>
+          </p:nvPr>
+        </p:nvSpPr>
+        <p:spPr/>
+      </p:sp>
+      <p:sp>
+        <p:nvSpPr>
+          <p:cNvPr id="3" name="Notes Placeholder 2"/>
+          <p:cNvSpPr>
+            <a:spLocks noGrp="1"/>
+          </p:cNvSpPr>
+          <p:nvPr>
+            <p:ph type="body" idx="1"/>
+          </p:nvPr>
+        </p:nvSpPr>
+        <p:spPr/>
+        <p:txBody>
+          <a:bodyPr/>
+          <a:lstStyle/>
+          <a:p>
             <a:r>
               <a:rPr lang="en-US" dirty="0" smtClean="0"/>
               <a:t>Only change one parameter at</a:t>
@@ -741,7 +956,7 @@
 </p:notes>
 </file>
 
-<file path=ppt/notesSlides/notesSlide4.xml><?xml version="1.0" encoding="utf-8"?>
+<file path=ppt/notesSlides/notesSlide6.xml><?xml version="1.0" encoding="utf-8"?>
 <p:notes xmlns:a="http://schemas.openxmlformats.org/drawingml/2006/main" xmlns:r="http://schemas.openxmlformats.org/officeDocument/2006/relationships" xmlns:p="http://schemas.openxmlformats.org/presentationml/2006/main">
   <p:cSld>
     <p:spTree>
@@ -1014,7 +1229,7 @@
             <a:fld id="{B61BEF0D-F0BB-DE4B-95CE-6DB70DBA9567}" type="datetimeFigureOut">
               <a:rPr lang="en-US" dirty="0"/>
               <a:pPr/>
-              <a:t>3/3/17</a:t>
+              <a:t>3/21/17</a:t>
             </a:fld>
             <a:endParaRPr lang="en-US" dirty="0"/>
           </a:p>
@@ -1349,7 +1564,7 @@
             <a:fld id="{B61BEF0D-F0BB-DE4B-95CE-6DB70DBA9567}" type="datetimeFigureOut">
               <a:rPr lang="en-US" dirty="0"/>
               <a:pPr/>
-              <a:t>3/3/17</a:t>
+              <a:t>3/21/17</a:t>
             </a:fld>
             <a:endParaRPr lang="en-US" dirty="0"/>
           </a:p>
@@ -1747,7 +1962,7 @@
             <a:fld id="{B61BEF0D-F0BB-DE4B-95CE-6DB70DBA9567}" type="datetimeFigureOut">
               <a:rPr lang="en-US" dirty="0"/>
               <a:pPr/>
-              <a:t>3/3/17</a:t>
+              <a:t>3/21/17</a:t>
             </a:fld>
             <a:endParaRPr lang="en-US" dirty="0"/>
           </a:p>
@@ -2080,7 +2295,7 @@
             <a:fld id="{B61BEF0D-F0BB-DE4B-95CE-6DB70DBA9567}" type="datetimeFigureOut">
               <a:rPr lang="en-US" dirty="0"/>
               <a:pPr/>
-              <a:t>3/3/17</a:t>
+              <a:t>3/21/17</a:t>
             </a:fld>
             <a:endParaRPr lang="en-US" dirty="0"/>
           </a:p>
@@ -2397,7 +2612,7 @@
             <a:fld id="{B61BEF0D-F0BB-DE4B-95CE-6DB70DBA9567}" type="datetimeFigureOut">
               <a:rPr lang="en-US" dirty="0"/>
               <a:pPr/>
-              <a:t>3/3/17</a:t>
+              <a:t>3/21/17</a:t>
             </a:fld>
             <a:endParaRPr lang="en-US" dirty="0"/>
           </a:p>
@@ -2790,7 +3005,7 @@
             <a:fld id="{B61BEF0D-F0BB-DE4B-95CE-6DB70DBA9567}" type="datetimeFigureOut">
               <a:rPr lang="en-US" dirty="0"/>
               <a:pPr/>
-              <a:t>3/3/17</a:t>
+              <a:t>3/21/17</a:t>
             </a:fld>
             <a:endParaRPr lang="en-US" dirty="0"/>
           </a:p>
@@ -3044,7 +3259,7 @@
             <a:fld id="{B61BEF0D-F0BB-DE4B-95CE-6DB70DBA9567}" type="datetimeFigureOut">
               <a:rPr lang="en-US" dirty="0"/>
               <a:pPr/>
-              <a:t>3/3/17</a:t>
+              <a:t>3/21/17</a:t>
             </a:fld>
             <a:endParaRPr lang="en-US" dirty="0"/>
           </a:p>
@@ -3303,7 +3518,7 @@
             <a:fld id="{B61BEF0D-F0BB-DE4B-95CE-6DB70DBA9567}" type="datetimeFigureOut">
               <a:rPr lang="en-US" dirty="0"/>
               <a:pPr/>
-              <a:t>3/3/17</a:t>
+              <a:t>3/21/17</a:t>
             </a:fld>
             <a:endParaRPr lang="en-US" dirty="0"/>
           </a:p>
@@ -3562,7 +3777,7 @@
             <a:fld id="{B61BEF0D-F0BB-DE4B-95CE-6DB70DBA9567}" type="datetimeFigureOut">
               <a:rPr lang="en-US" dirty="0"/>
               <a:pPr/>
-              <a:t>3/3/17</a:t>
+              <a:t>3/21/17</a:t>
             </a:fld>
             <a:endParaRPr lang="en-US" dirty="0"/>
           </a:p>
@@ -3888,7 +4103,7 @@
             <a:fld id="{B61BEF0D-F0BB-DE4B-95CE-6DB70DBA9567}" type="datetimeFigureOut">
               <a:rPr lang="en-US" dirty="0"/>
               <a:pPr/>
-              <a:t>3/3/17</a:t>
+              <a:t>3/21/17</a:t>
             </a:fld>
             <a:endParaRPr lang="en-US" dirty="0"/>
           </a:p>
@@ -4208,7 +4423,7 @@
             <a:fld id="{B61BEF0D-F0BB-DE4B-95CE-6DB70DBA9567}" type="datetimeFigureOut">
               <a:rPr lang="en-US" dirty="0"/>
               <a:pPr/>
-              <a:t>3/3/17</a:t>
+              <a:t>3/21/17</a:t>
             </a:fld>
             <a:endParaRPr lang="en-US" dirty="0"/>
           </a:p>
@@ -4662,7 +4877,7 @@
             <a:fld id="{B61BEF0D-F0BB-DE4B-95CE-6DB70DBA9567}" type="datetimeFigureOut">
               <a:rPr lang="en-US" dirty="0"/>
               <a:pPr/>
-              <a:t>3/3/17</a:t>
+              <a:t>3/21/17</a:t>
             </a:fld>
             <a:endParaRPr lang="en-US" dirty="0"/>
           </a:p>
@@ -4864,7 +5079,7 @@
             <a:fld id="{B61BEF0D-F0BB-DE4B-95CE-6DB70DBA9567}" type="datetimeFigureOut">
               <a:rPr lang="en-US" dirty="0"/>
               <a:pPr/>
-              <a:t>3/3/17</a:t>
+              <a:t>3/21/17</a:t>
             </a:fld>
             <a:endParaRPr lang="en-US" dirty="0"/>
           </a:p>
@@ -5038,7 +5253,7 @@
             <a:fld id="{B61BEF0D-F0BB-DE4B-95CE-6DB70DBA9567}" type="datetimeFigureOut">
               <a:rPr lang="en-US" dirty="0"/>
               <a:pPr/>
-              <a:t>3/3/17</a:t>
+              <a:t>3/21/17</a:t>
             </a:fld>
             <a:endParaRPr lang="en-US" dirty="0"/>
           </a:p>
@@ -5368,7 +5583,7 @@
             <a:fld id="{B61BEF0D-F0BB-DE4B-95CE-6DB70DBA9567}" type="datetimeFigureOut">
               <a:rPr lang="en-US" dirty="0"/>
               <a:pPr/>
-              <a:t>3/3/17</a:t>
+              <a:t>3/21/17</a:t>
             </a:fld>
             <a:endParaRPr lang="en-US" dirty="0"/>
           </a:p>
@@ -5710,7 +5925,7 @@
             <a:fld id="{B61BEF0D-F0BB-DE4B-95CE-6DB70DBA9567}" type="datetimeFigureOut">
               <a:rPr lang="en-US" dirty="0"/>
               <a:pPr/>
-              <a:t>3/3/17</a:t>
+              <a:t>3/21/17</a:t>
             </a:fld>
             <a:endParaRPr lang="en-US" dirty="0"/>
           </a:p>
@@ -7824,7 +8039,7 @@
             <a:fld id="{B61BEF0D-F0BB-DE4B-95CE-6DB70DBA9567}" type="datetimeFigureOut">
               <a:rPr lang="en-US" dirty="0"/>
               <a:pPr/>
-              <a:t>3/3/17</a:t>
+              <a:t>3/21/17</a:t>
             </a:fld>
             <a:endParaRPr lang="en-US" dirty="0"/>
           </a:p>
@@ -8350,8 +8565,8 @@
         </p:nvSpPr>
         <p:spPr>
           <a:xfrm>
-            <a:off x="2494166" y="1516157"/>
-            <a:ext cx="9386478" cy="2262781"/>
+            <a:off x="1884218" y="1516157"/>
+            <a:ext cx="9996426" cy="2262781"/>
           </a:xfrm>
         </p:spPr>
         <p:txBody>
@@ -8363,59 +8578,7 @@
             <a:pPr algn="ctr"/>
             <a:r>
               <a:rPr lang="en-US" altLang="zh-CN" sz="4400" dirty="0" smtClean="0"/>
-              <a:t>Predicting</a:t>
-            </a:r>
-            <a:r>
-              <a:rPr lang="zh-CN" altLang="en-US" sz="4400" dirty="0" smtClean="0"/>
-              <a:t> </a:t>
-            </a:r>
-            <a:r>
-              <a:rPr lang="en-US" altLang="zh-CN" sz="4400" dirty="0" smtClean="0"/>
-              <a:t>Online</a:t>
-            </a:r>
-            <a:r>
-              <a:rPr lang="zh-CN" altLang="en-US" sz="4400" dirty="0" smtClean="0"/>
-              <a:t> </a:t>
-            </a:r>
-            <a:r>
-              <a:rPr lang="en-US" altLang="zh-CN" sz="4400" dirty="0" smtClean="0"/>
-              <a:t>News</a:t>
-            </a:r>
-            <a:r>
-              <a:rPr lang="zh-CN" altLang="en-US" sz="4400" dirty="0" smtClean="0"/>
-              <a:t> </a:t>
-            </a:r>
-            <a:r>
-              <a:rPr lang="en-US" altLang="zh-CN" sz="4400" dirty="0" smtClean="0"/>
-              <a:t>Popularity:</a:t>
-            </a:r>
-            <a:r>
-              <a:rPr lang="zh-CN" altLang="en-US" sz="4400" dirty="0" smtClean="0"/>
-              <a:t> </a:t>
-            </a:r>
-            <a:r>
-              <a:rPr lang="en-US" altLang="zh-CN" sz="4400" dirty="0" smtClean="0"/>
-              <a:t>Classification</a:t>
-            </a:r>
-            <a:r>
-              <a:rPr lang="zh-CN" altLang="en-US" sz="4400" dirty="0" smtClean="0"/>
-              <a:t> </a:t>
-            </a:r>
-            <a:r>
-              <a:rPr lang="en-US" altLang="zh-CN" sz="4400" dirty="0" smtClean="0"/>
-              <a:t>and</a:t>
-            </a:r>
-            <a:r>
-              <a:rPr lang="zh-CN" altLang="en-US" sz="4400" dirty="0" smtClean="0"/>
-              <a:t> </a:t>
-            </a:r>
-            <a:r>
-              <a:rPr lang="en-US" altLang="zh-CN" sz="4400" dirty="0" smtClean="0"/>
-              <a:t>Clustering</a:t>
-            </a:r>
-            <a:r>
-              <a:rPr lang="zh-CN" altLang="en-US" sz="4400" dirty="0" smtClean="0"/>
-              <a:t> </a:t>
+              <a:t>Evading the Machine Learning Detector: A Virus’ Perspective</a:t>
             </a:r>
             <a:endParaRPr lang="en-US" sz="4400" dirty="0"/>
           </a:p>
@@ -10222,10 +10385,15 @@
             <p:ph idx="1"/>
           </p:nvPr>
         </p:nvSpPr>
-        <p:spPr/>
+        <p:spPr>
+          <a:xfrm>
+            <a:off x="1563976" y="4293064"/>
+            <a:ext cx="10628024" cy="3777622"/>
+          </a:xfrm>
+        </p:spPr>
         <p:txBody>
           <a:bodyPr>
-            <a:normAutofit fontScale="92500" lnSpcReduction="20000"/>
+            <a:normAutofit/>
           </a:bodyPr>
           <a:lstStyle/>
           <a:p>
@@ -10234,56 +10402,22 @@
           <a:p>
             <a:r>
               <a:rPr lang="en-US" altLang="zh-CN" sz="2800" dirty="0" smtClean="0"/>
-              <a:t>Predicting</a:t>
-            </a:r>
-            <a:r>
-              <a:rPr lang="zh-CN" altLang="en-US" sz="2800" dirty="0" smtClean="0"/>
-              <a:t> </a:t>
-            </a:r>
+              <a:t>How should a virus disguise itself to fool the detector?</a:t>
+            </a:r>
+          </a:p>
+          <a:p>
+            <a:endParaRPr lang="en-US" altLang="zh-CN" sz="2800" dirty="0"/>
+          </a:p>
+          <a:p>
             <a:r>
               <a:rPr lang="en-US" altLang="zh-CN" sz="2800" dirty="0" smtClean="0"/>
-              <a:t>online</a:t>
-            </a:r>
-            <a:r>
-              <a:rPr lang="zh-CN" altLang="en-US" sz="2800" dirty="0" smtClean="0"/>
-              <a:t> </a:t>
-            </a:r>
-            <a:r>
-              <a:rPr lang="en-US" altLang="zh-CN" sz="2800" dirty="0" smtClean="0"/>
-              <a:t>news</a:t>
-            </a:r>
-            <a:r>
-              <a:rPr lang="zh-CN" altLang="en-US" sz="2800" dirty="0" smtClean="0"/>
-              <a:t> </a:t>
-            </a:r>
-            <a:r>
-              <a:rPr lang="en-US" altLang="zh-CN" sz="2800" dirty="0" smtClean="0"/>
-              <a:t>popularity</a:t>
-            </a:r>
-            <a:r>
-              <a:rPr lang="zh-CN" altLang="en-US" sz="2800" dirty="0" smtClean="0"/>
-              <a:t> </a:t>
-            </a:r>
-            <a:r>
-              <a:rPr lang="en-US" altLang="zh-CN" sz="2800" dirty="0" smtClean="0"/>
-              <a:t>(no.</a:t>
-            </a:r>
-            <a:r>
-              <a:rPr lang="zh-CN" altLang="en-US" sz="2800" dirty="0" smtClean="0"/>
-              <a:t> </a:t>
-            </a:r>
-            <a:r>
-              <a:rPr lang="en-US" altLang="zh-CN" sz="2800" dirty="0" smtClean="0"/>
-              <a:t>of</a:t>
-            </a:r>
-            <a:r>
-              <a:rPr lang="zh-CN" altLang="en-US" sz="2800" dirty="0" smtClean="0"/>
-              <a:t> </a:t>
-            </a:r>
-            <a:r>
-              <a:rPr lang="en-US" altLang="zh-CN" sz="2800" dirty="0" smtClean="0"/>
-              <a:t>shares)</a:t>
-            </a:r>
+              <a:t>What are the important features of malicious executables?</a:t>
+            </a:r>
+          </a:p>
+          <a:p>
+            <a:endParaRPr lang="en-US" altLang="zh-CN" sz="2800" dirty="0"/>
+          </a:p>
+          <a:p>
             <a:endParaRPr lang="zh-CN" altLang="en-US" sz="2800" dirty="0" smtClean="0"/>
           </a:p>
           <a:p>
@@ -10293,134 +10427,6 @@
             <a:endParaRPr lang="zh-CN" altLang="en-US" sz="2800" dirty="0"/>
           </a:p>
           <a:p>
-            <a:r>
-              <a:rPr lang="en-US" altLang="zh-CN" sz="2800" dirty="0" smtClean="0"/>
-              <a:t>Traditional:</a:t>
-            </a:r>
-            <a:r>
-              <a:rPr lang="zh-CN" altLang="en-US" sz="2800" dirty="0" smtClean="0"/>
-              <a:t> </a:t>
-            </a:r>
-            <a:r>
-              <a:rPr lang="en-US" altLang="zh-CN" sz="2800" dirty="0" smtClean="0"/>
-              <a:t>Classification</a:t>
-            </a:r>
-            <a:r>
-              <a:rPr lang="zh-CN" altLang="en-US" sz="2800" dirty="0" smtClean="0"/>
-              <a:t> </a:t>
-            </a:r>
-            <a:r>
-              <a:rPr lang="en-US" altLang="zh-CN" sz="2800" dirty="0" smtClean="0"/>
-              <a:t>(SVM,</a:t>
-            </a:r>
-            <a:r>
-              <a:rPr lang="zh-CN" altLang="en-US" sz="2800" dirty="0" smtClean="0"/>
-              <a:t> </a:t>
-            </a:r>
-            <a:r>
-              <a:rPr lang="en-US" altLang="zh-CN" sz="2800" dirty="0" err="1" smtClean="0"/>
-              <a:t>kNN</a:t>
-            </a:r>
-            <a:r>
-              <a:rPr lang="en-US" altLang="zh-CN" sz="2800" dirty="0" smtClean="0"/>
-              <a:t>,</a:t>
-            </a:r>
-            <a:r>
-              <a:rPr lang="zh-CN" altLang="en-US" sz="2800" dirty="0" smtClean="0"/>
-              <a:t> </a:t>
-            </a:r>
-            <a:r>
-              <a:rPr lang="en-US" altLang="zh-CN" sz="2800" dirty="0" smtClean="0"/>
-              <a:t>etc.)</a:t>
-            </a:r>
-            <a:endParaRPr lang="zh-CN" altLang="en-US" sz="2800" dirty="0">
-              <a:sym typeface="Wingdings"/>
-            </a:endParaRPr>
-          </a:p>
-          <a:p>
-            <a:endParaRPr lang="zh-CN" altLang="en-US" sz="2800" dirty="0" smtClean="0">
-              <a:sym typeface="Wingdings"/>
-            </a:endParaRPr>
-          </a:p>
-          <a:p>
-            <a:r>
-              <a:rPr lang="en-US" altLang="zh-CN" sz="2800" dirty="0" smtClean="0">
-                <a:sym typeface="Wingdings"/>
-              </a:rPr>
-              <a:t>New:</a:t>
-            </a:r>
-            <a:r>
-              <a:rPr lang="zh-CN" altLang="en-US" sz="2800" dirty="0" smtClean="0">
-                <a:sym typeface="Wingdings"/>
-              </a:rPr>
-              <a:t> </a:t>
-            </a:r>
-            <a:r>
-              <a:rPr lang="en-US" altLang="zh-CN" sz="2800" dirty="0" smtClean="0">
-                <a:sym typeface="Wingdings"/>
-              </a:rPr>
-              <a:t>Clustering</a:t>
-            </a:r>
-            <a:r>
-              <a:rPr lang="zh-CN" altLang="en-US" sz="2800" dirty="0" smtClean="0">
-                <a:sym typeface="Wingdings"/>
-              </a:rPr>
-              <a:t> </a:t>
-            </a:r>
-            <a:r>
-              <a:rPr lang="en-US" altLang="zh-CN" sz="2800" dirty="0" smtClean="0">
-                <a:sym typeface="Wingdings"/>
-              </a:rPr>
-              <a:t>(K-means,</a:t>
-            </a:r>
-            <a:r>
-              <a:rPr lang="zh-CN" altLang="en-US" sz="2800" dirty="0" smtClean="0">
-                <a:sym typeface="Wingdings"/>
-              </a:rPr>
-              <a:t> </a:t>
-            </a:r>
-            <a:r>
-              <a:rPr lang="en-US" altLang="zh-CN" sz="2800" dirty="0" smtClean="0">
-                <a:sym typeface="Wingdings"/>
-              </a:rPr>
-              <a:t>EM,</a:t>
-            </a:r>
-            <a:r>
-              <a:rPr lang="zh-CN" altLang="en-US" sz="2800" dirty="0" smtClean="0">
-                <a:sym typeface="Wingdings"/>
-              </a:rPr>
-              <a:t> </a:t>
-            </a:r>
-            <a:r>
-              <a:rPr lang="en-US" altLang="zh-CN" sz="2800" dirty="0" smtClean="0">
-                <a:sym typeface="Wingdings"/>
-              </a:rPr>
-              <a:t>etc</a:t>
-            </a:r>
-            <a:r>
-              <a:rPr lang="en-US" altLang="zh-CN" sz="2800" dirty="0" smtClean="0">
-                <a:sym typeface="Wingdings"/>
-              </a:rPr>
-              <a:t>.)</a:t>
-            </a:r>
-          </a:p>
-          <a:p>
-            <a:endParaRPr lang="en-US" altLang="zh-CN" sz="2800" dirty="0">
-              <a:sym typeface="Wingdings"/>
-            </a:endParaRPr>
-          </a:p>
-          <a:p>
-            <a:r>
-              <a:rPr lang="en-US" altLang="zh-CN" sz="2800" dirty="0" smtClean="0">
-                <a:sym typeface="Wingdings"/>
-              </a:rPr>
-              <a:t>How to become a top hit?</a:t>
-            </a:r>
-            <a:endParaRPr lang="zh-CN" altLang="en-US" sz="2800" dirty="0" smtClean="0">
-              <a:sym typeface="Wingdings"/>
-            </a:endParaRPr>
-          </a:p>
-          <a:p>
             <a:endParaRPr lang="zh-CN" altLang="en-US" sz="2800" dirty="0">
               <a:sym typeface="Wingdings"/>
             </a:endParaRPr>
@@ -10433,6 +10439,36 @@
           </a:p>
         </p:txBody>
       </p:sp>
+      <p:pic>
+        <p:nvPicPr>
+          <p:cNvPr id="4" name="Picture 3"/>
+          <p:cNvPicPr>
+            <a:picLocks noChangeAspect="1"/>
+          </p:cNvPicPr>
+          <p:nvPr/>
+        </p:nvPicPr>
+        <p:blipFill>
+          <a:blip r:embed="rId3">
+            <a:extLst>
+              <a:ext uri="{28A0092B-C50C-407E-A947-70E740481C1C}">
+                <a14:useLocalDpi xmlns:a14="http://schemas.microsoft.com/office/drawing/2010/main" val="0"/>
+              </a:ext>
+            </a:extLst>
+          </a:blip>
+          <a:stretch>
+            <a:fillRect/>
+          </a:stretch>
+        </p:blipFill>
+        <p:spPr>
+          <a:xfrm>
+            <a:off x="3768705" y="1497637"/>
+            <a:ext cx="6002824" cy="3241169"/>
+          </a:xfrm>
+          <a:prstGeom prst="rect">
+            <a:avLst/>
+          </a:prstGeom>
+        </p:spPr>
+      </p:pic>
     </p:spTree>
     <p:extLst>
       <p:ext uri="{BB962C8B-B14F-4D97-AF65-F5344CB8AC3E}">
@@ -10446,9 +10482,210 @@
   <p:timing>
     <p:tnLst>
       <p:par>
-        <p:cTn id="1" dur="indefinite" restart="never" nodeType="tmRoot"/>
+        <p:cTn id="1" dur="indefinite" restart="never" nodeType="tmRoot">
+          <p:childTnLst>
+            <p:seq concurrent="1" nextAc="seek">
+              <p:cTn id="2" dur="indefinite" nodeType="mainSeq">
+                <p:childTnLst>
+                  <p:par>
+                    <p:cTn id="3" fill="hold">
+                      <p:stCondLst>
+                        <p:cond delay="indefinite"/>
+                      </p:stCondLst>
+                      <p:childTnLst>
+                        <p:par>
+                          <p:cTn id="4" fill="hold">
+                            <p:stCondLst>
+                              <p:cond delay="0"/>
+                            </p:stCondLst>
+                            <p:childTnLst>
+                              <p:par>
+                                <p:cTn id="5" presetID="9" presetClass="entr" presetSubtype="0" fill="hold" nodeType="clickEffect">
+                                  <p:stCondLst>
+                                    <p:cond delay="0"/>
+                                  </p:stCondLst>
+                                  <p:childTnLst>
+                                    <p:set>
+                                      <p:cBhvr>
+                                        <p:cTn id="6" dur="1" fill="hold">
+                                          <p:stCondLst>
+                                            <p:cond delay="0"/>
+                                          </p:stCondLst>
+                                        </p:cTn>
+                                        <p:tgtEl>
+                                          <p:spTgt spid="4"/>
+                                        </p:tgtEl>
+                                        <p:attrNameLst>
+                                          <p:attrName>style.visibility</p:attrName>
+                                        </p:attrNameLst>
+                                      </p:cBhvr>
+                                      <p:to>
+                                        <p:strVal val="visible"/>
+                                      </p:to>
+                                    </p:set>
+                                    <p:animEffect transition="in" filter="dissolve">
+                                      <p:cBhvr>
+                                        <p:cTn id="7" dur="500"/>
+                                        <p:tgtEl>
+                                          <p:spTgt spid="4"/>
+                                        </p:tgtEl>
+                                      </p:cBhvr>
+                                    </p:animEffect>
+                                  </p:childTnLst>
+                                </p:cTn>
+                              </p:par>
+                            </p:childTnLst>
+                          </p:cTn>
+                        </p:par>
+                      </p:childTnLst>
+                    </p:cTn>
+                  </p:par>
+                  <p:par>
+                    <p:cTn id="8" fill="hold">
+                      <p:stCondLst>
+                        <p:cond delay="indefinite"/>
+                      </p:stCondLst>
+                      <p:childTnLst>
+                        <p:par>
+                          <p:cTn id="9" fill="hold">
+                            <p:stCondLst>
+                              <p:cond delay="0"/>
+                            </p:stCondLst>
+                            <p:childTnLst>
+                              <p:par>
+                                <p:cTn id="10" presetID="5" presetClass="entr" presetSubtype="10" fill="hold" grpId="0" nodeType="clickEffect">
+                                  <p:stCondLst>
+                                    <p:cond delay="0"/>
+                                  </p:stCondLst>
+                                  <p:childTnLst>
+                                    <p:set>
+                                      <p:cBhvr>
+                                        <p:cTn id="11" dur="1" fill="hold">
+                                          <p:stCondLst>
+                                            <p:cond delay="0"/>
+                                          </p:stCondLst>
+                                        </p:cTn>
+                                        <p:tgtEl>
+                                          <p:spTgt spid="3">
+                                            <p:txEl>
+                                              <p:pRg st="1" end="1"/>
+                                            </p:txEl>
+                                          </p:spTgt>
+                                        </p:tgtEl>
+                                        <p:attrNameLst>
+                                          <p:attrName>style.visibility</p:attrName>
+                                        </p:attrNameLst>
+                                      </p:cBhvr>
+                                      <p:to>
+                                        <p:strVal val="visible"/>
+                                      </p:to>
+                                    </p:set>
+                                    <p:animEffect transition="in" filter="checkerboard(across)">
+                                      <p:cBhvr>
+                                        <p:cTn id="12" dur="500"/>
+                                        <p:tgtEl>
+                                          <p:spTgt spid="3">
+                                            <p:txEl>
+                                              <p:pRg st="1" end="1"/>
+                                            </p:txEl>
+                                          </p:spTgt>
+                                        </p:tgtEl>
+                                      </p:cBhvr>
+                                    </p:animEffect>
+                                  </p:childTnLst>
+                                </p:cTn>
+                              </p:par>
+                            </p:childTnLst>
+                          </p:cTn>
+                        </p:par>
+                      </p:childTnLst>
+                    </p:cTn>
+                  </p:par>
+                  <p:par>
+                    <p:cTn id="13" fill="hold">
+                      <p:stCondLst>
+                        <p:cond delay="indefinite"/>
+                      </p:stCondLst>
+                      <p:childTnLst>
+                        <p:par>
+                          <p:cTn id="14" fill="hold">
+                            <p:stCondLst>
+                              <p:cond delay="0"/>
+                            </p:stCondLst>
+                            <p:childTnLst>
+                              <p:par>
+                                <p:cTn id="15" presetID="5" presetClass="entr" presetSubtype="10" fill="hold" grpId="0" nodeType="clickEffect">
+                                  <p:stCondLst>
+                                    <p:cond delay="0"/>
+                                  </p:stCondLst>
+                                  <p:childTnLst>
+                                    <p:set>
+                                      <p:cBhvr>
+                                        <p:cTn id="16" dur="1" fill="hold">
+                                          <p:stCondLst>
+                                            <p:cond delay="0"/>
+                                          </p:stCondLst>
+                                        </p:cTn>
+                                        <p:tgtEl>
+                                          <p:spTgt spid="3">
+                                            <p:txEl>
+                                              <p:pRg st="3" end="3"/>
+                                            </p:txEl>
+                                          </p:spTgt>
+                                        </p:tgtEl>
+                                        <p:attrNameLst>
+                                          <p:attrName>style.visibility</p:attrName>
+                                        </p:attrNameLst>
+                                      </p:cBhvr>
+                                      <p:to>
+                                        <p:strVal val="visible"/>
+                                      </p:to>
+                                    </p:set>
+                                    <p:animEffect transition="in" filter="checkerboard(across)">
+                                      <p:cBhvr>
+                                        <p:cTn id="17" dur="500"/>
+                                        <p:tgtEl>
+                                          <p:spTgt spid="3">
+                                            <p:txEl>
+                                              <p:pRg st="3" end="3"/>
+                                            </p:txEl>
+                                          </p:spTgt>
+                                        </p:tgtEl>
+                                      </p:cBhvr>
+                                    </p:animEffect>
+                                  </p:childTnLst>
+                                </p:cTn>
+                              </p:par>
+                            </p:childTnLst>
+                          </p:cTn>
+                        </p:par>
+                      </p:childTnLst>
+                    </p:cTn>
+                  </p:par>
+                </p:childTnLst>
+              </p:cTn>
+              <p:prevCondLst>
+                <p:cond evt="onPrev" delay="0">
+                  <p:tgtEl>
+                    <p:sldTgt/>
+                  </p:tgtEl>
+                </p:cond>
+              </p:prevCondLst>
+              <p:nextCondLst>
+                <p:cond evt="onNext" delay="0">
+                  <p:tgtEl>
+                    <p:sldTgt/>
+                  </p:tgtEl>
+                </p:cond>
+              </p:nextCondLst>
+            </p:seq>
+          </p:childTnLst>
+        </p:cTn>
       </p:par>
     </p:tnLst>
+    <p:bldLst>
+      <p:bldP spid="3" grpId="0" build="p"/>
+    </p:bldLst>
   </p:timing>
 </p:sld>
 </file>
@@ -10488,20 +10725,12 @@
           <a:lstStyle/>
           <a:p>
             <a:r>
-              <a:rPr lang="en-US" sz="4400" dirty="0"/>
-              <a:t>Online News </a:t>
-            </a:r>
-            <a:r>
               <a:rPr lang="en-US" sz="4400" dirty="0" smtClean="0"/>
-              <a:t>Popularity</a:t>
-            </a:r>
-            <a:r>
-              <a:rPr lang="zh-CN" altLang="en-US" sz="4400" dirty="0" smtClean="0"/>
-              <a:t> </a:t>
+              <a:t>Malicious Executable</a:t>
             </a:r>
             <a:r>
               <a:rPr lang="en-US" sz="4400" dirty="0" smtClean="0"/>
-              <a:t>Dataset</a:t>
+              <a:t> Dataset</a:t>
             </a:r>
             <a:endParaRPr lang="en-US" sz="4400" dirty="0"/>
           </a:p>
@@ -10525,7 +10754,7 @@
         </p:spPr>
         <p:txBody>
           <a:bodyPr>
-            <a:normAutofit fontScale="92500"/>
+            <a:normAutofit/>
           </a:bodyPr>
           <a:lstStyle/>
           <a:p>
@@ -10539,89 +10768,85 @@
             </a:r>
             <a:r>
               <a:rPr lang="en-US" sz="2800" dirty="0"/>
-              <a:t>retrieved from UCI ML repository</a:t>
-            </a:r>
+              <a:t>retrieved from UCI ML </a:t>
+            </a:r>
+            <a:r>
+              <a:rPr lang="en-US" sz="2800" dirty="0" smtClean="0"/>
+              <a:t>repository</a:t>
+            </a:r>
+          </a:p>
+          <a:p>
+            <a:endParaRPr lang="en-US" sz="2800" dirty="0" smtClean="0"/>
+          </a:p>
+          <a:p>
+            <a:r>
+              <a:rPr lang="en-US" altLang="zh-CN" sz="2800" dirty="0"/>
+              <a:t>500 hex </a:t>
+            </a:r>
+            <a:r>
+              <a:rPr lang="en-US" altLang="zh-CN" sz="2800" dirty="0" smtClean="0"/>
+              <a:t>features, 13 </a:t>
+            </a:r>
+            <a:r>
+              <a:rPr lang="en-US" altLang="zh-CN" sz="2800" dirty="0"/>
+              <a:t>DLL </a:t>
+            </a:r>
+            <a:r>
+              <a:rPr lang="en-US" altLang="zh-CN" sz="2800" dirty="0" smtClean="0"/>
+              <a:t>features</a:t>
+            </a:r>
+            <a:endParaRPr lang="en-US" sz="2800" dirty="0" smtClean="0"/>
+          </a:p>
+          <a:p>
+            <a:endParaRPr lang="en-US" sz="2800" dirty="0"/>
+          </a:p>
+          <a:p>
+            <a:endParaRPr lang="en-US" sz="2800" dirty="0"/>
           </a:p>
           <a:p>
             <a:endParaRPr lang="zh-CN" altLang="en-US" sz="2800" dirty="0" smtClean="0"/>
           </a:p>
           <a:p>
-            <a:r>
-              <a:rPr lang="en-US" altLang="zh-CN" sz="2800" dirty="0" smtClean="0"/>
-              <a:t>Number </a:t>
-            </a:r>
-            <a:r>
-              <a:rPr lang="en-US" altLang="zh-CN" sz="2800" dirty="0"/>
-              <a:t>of instances: </a:t>
-            </a:r>
-            <a:r>
-              <a:rPr lang="fi-FI" sz="2800" dirty="0"/>
-              <a:t>39797</a:t>
-            </a:r>
-            <a:endParaRPr lang="en-US" altLang="zh-CN" sz="2800" dirty="0"/>
-          </a:p>
-          <a:p>
             <a:endParaRPr lang="en-US" sz="2800" dirty="0"/>
           </a:p>
           <a:p>
-            <a:r>
-              <a:rPr lang="en-US" sz="2800" dirty="0"/>
-              <a:t>Number of attributes: 61 (58 predictive attributes, </a:t>
-            </a:r>
-            <a:endParaRPr lang="zh-CN" altLang="en-US" sz="2800" dirty="0" smtClean="0"/>
-          </a:p>
-          <a:p>
-            <a:pPr marL="0" indent="0">
-              <a:buNone/>
-            </a:pPr>
-            <a:r>
-              <a:rPr lang="zh-CN" altLang="en-US" sz="2800" dirty="0"/>
-              <a:t>	</a:t>
-            </a:r>
-            <a:r>
-              <a:rPr lang="zh-CN" altLang="en-US" sz="2800" dirty="0" smtClean="0"/>
-              <a:t>							  </a:t>
-            </a:r>
-            <a:r>
-              <a:rPr lang="en-US" sz="2800" dirty="0" smtClean="0"/>
-              <a:t>2 </a:t>
-            </a:r>
-            <a:r>
-              <a:rPr lang="en-US" sz="2800" dirty="0"/>
-              <a:t>non-predictive, 1 goal field) </a:t>
-            </a:r>
+            <a:endParaRPr lang="en-US" sz="2800" dirty="0" smtClean="0"/>
           </a:p>
           <a:p>
             <a:endParaRPr lang="en-US" sz="2800" dirty="0"/>
           </a:p>
           <a:p>
-            <a:r>
-              <a:rPr lang="en-US" sz="2800" dirty="0"/>
-              <a:t>Attribute info: </a:t>
-            </a:r>
-            <a:r>
-              <a:rPr lang="en-US" altLang="zh-CN" sz="2800" dirty="0" smtClean="0"/>
-              <a:t>Integer/Real</a:t>
-            </a:r>
             <a:endParaRPr lang="en-US" sz="2800" dirty="0"/>
           </a:p>
           <a:p>
             <a:endParaRPr lang="en-US" sz="2800" dirty="0"/>
           </a:p>
-          <a:p>
-            <a:endParaRPr lang="en-US" sz="2800" dirty="0" smtClean="0"/>
-          </a:p>
-          <a:p>
-            <a:endParaRPr lang="en-US" sz="2800" dirty="0"/>
-          </a:p>
-          <a:p>
-            <a:endParaRPr lang="en-US" sz="2800" dirty="0"/>
-          </a:p>
-          <a:p>
-            <a:endParaRPr lang="en-US" sz="2800" dirty="0"/>
-          </a:p>
-        </p:txBody>
-      </p:sp>
+        </p:txBody>
+      </p:sp>
+      <p:pic>
+        <p:nvPicPr>
+          <p:cNvPr id="5" name="Picture 4"/>
+          <p:cNvPicPr>
+            <a:picLocks noChangeAspect="1"/>
+          </p:cNvPicPr>
+          <p:nvPr/>
+        </p:nvPicPr>
+        <p:blipFill>
+          <a:blip r:embed="rId3"/>
+          <a:stretch>
+            <a:fillRect/>
+          </a:stretch>
+        </p:blipFill>
+        <p:spPr>
+          <a:xfrm>
+            <a:off x="2427847" y="4512496"/>
+            <a:ext cx="9764153" cy="1411193"/>
+          </a:xfrm>
+          <a:prstGeom prst="rect">
+            <a:avLst/>
+          </a:prstGeom>
+        </p:spPr>
+      </p:pic>
     </p:spTree>
     <p:extLst>
       <p:ext uri="{BB962C8B-B14F-4D97-AF65-F5344CB8AC3E}">
@@ -10788,11 +11013,7 @@
                                           </p:stCondLst>
                                         </p:cTn>
                                         <p:tgtEl>
-                                          <p:spTgt spid="3">
-                                            <p:txEl>
-                                              <p:pRg st="4" end="4"/>
-                                            </p:txEl>
-                                          </p:spTgt>
+                                          <p:spTgt spid="5"/>
                                         </p:tgtEl>
                                         <p:attrNameLst>
                                           <p:attrName>style.visibility</p:attrName>
@@ -10806,133 +11027,7 @@
                                       <p:cBhvr>
                                         <p:cTn id="17" dur="500"/>
                                         <p:tgtEl>
-                                          <p:spTgt spid="3">
-                                            <p:txEl>
-                                              <p:pRg st="4" end="4"/>
-                                            </p:txEl>
-                                          </p:spTgt>
-                                        </p:tgtEl>
-                                      </p:cBhvr>
-                                    </p:animEffect>
-                                  </p:childTnLst>
-                                </p:cTn>
-                              </p:par>
-                            </p:childTnLst>
-                          </p:cTn>
-                        </p:par>
-                      </p:childTnLst>
-                    </p:cTn>
-                  </p:par>
-                  <p:par>
-                    <p:cTn id="18" fill="hold">
-                      <p:stCondLst>
-                        <p:cond delay="indefinite"/>
-                      </p:stCondLst>
-                      <p:childTnLst>
-                        <p:par>
-                          <p:cTn id="19" fill="hold">
-                            <p:stCondLst>
-                              <p:cond delay="0"/>
-                            </p:stCondLst>
-                            <p:childTnLst>
-                              <p:par>
-                                <p:cTn id="20" presetID="9" presetClass="entr" presetSubtype="0" fill="hold" nodeType="clickEffect">
-                                  <p:stCondLst>
-                                    <p:cond delay="0"/>
-                                  </p:stCondLst>
-                                  <p:childTnLst>
-                                    <p:set>
-                                      <p:cBhvr>
-                                        <p:cTn id="21" dur="1" fill="hold">
-                                          <p:stCondLst>
-                                            <p:cond delay="0"/>
-                                          </p:stCondLst>
-                                        </p:cTn>
-                                        <p:tgtEl>
-                                          <p:spTgt spid="3">
-                                            <p:txEl>
-                                              <p:pRg st="5" end="5"/>
-                                            </p:txEl>
-                                          </p:spTgt>
-                                        </p:tgtEl>
-                                        <p:attrNameLst>
-                                          <p:attrName>style.visibility</p:attrName>
-                                        </p:attrNameLst>
-                                      </p:cBhvr>
-                                      <p:to>
-                                        <p:strVal val="visible"/>
-                                      </p:to>
-                                    </p:set>
-                                    <p:animEffect transition="in" filter="dissolve">
-                                      <p:cBhvr>
-                                        <p:cTn id="22" dur="500"/>
-                                        <p:tgtEl>
-                                          <p:spTgt spid="3">
-                                            <p:txEl>
-                                              <p:pRg st="5" end="5"/>
-                                            </p:txEl>
-                                          </p:spTgt>
-                                        </p:tgtEl>
-                                      </p:cBhvr>
-                                    </p:animEffect>
-                                  </p:childTnLst>
-                                </p:cTn>
-                              </p:par>
-                            </p:childTnLst>
-                          </p:cTn>
-                        </p:par>
-                      </p:childTnLst>
-                    </p:cTn>
-                  </p:par>
-                  <p:par>
-                    <p:cTn id="23" fill="hold">
-                      <p:stCondLst>
-                        <p:cond delay="indefinite"/>
-                      </p:stCondLst>
-                      <p:childTnLst>
-                        <p:par>
-                          <p:cTn id="24" fill="hold">
-                            <p:stCondLst>
-                              <p:cond delay="0"/>
-                            </p:stCondLst>
-                            <p:childTnLst>
-                              <p:par>
-                                <p:cTn id="25" presetID="9" presetClass="entr" presetSubtype="0" fill="hold" nodeType="clickEffect">
-                                  <p:stCondLst>
-                                    <p:cond delay="0"/>
-                                  </p:stCondLst>
-                                  <p:childTnLst>
-                                    <p:set>
-                                      <p:cBhvr>
-                                        <p:cTn id="26" dur="1" fill="hold">
-                                          <p:stCondLst>
-                                            <p:cond delay="0"/>
-                                          </p:stCondLst>
-                                        </p:cTn>
-                                        <p:tgtEl>
-                                          <p:spTgt spid="3">
-                                            <p:txEl>
-                                              <p:pRg st="7" end="7"/>
-                                            </p:txEl>
-                                          </p:spTgt>
-                                        </p:tgtEl>
-                                        <p:attrNameLst>
-                                          <p:attrName>style.visibility</p:attrName>
-                                        </p:attrNameLst>
-                                      </p:cBhvr>
-                                      <p:to>
-                                        <p:strVal val="visible"/>
-                                      </p:to>
-                                    </p:set>
-                                    <p:animEffect transition="in" filter="dissolve">
-                                      <p:cBhvr>
-                                        <p:cTn id="27" dur="500"/>
-                                        <p:tgtEl>
-                                          <p:spTgt spid="3">
-                                            <p:txEl>
-                                              <p:pRg st="7" end="7"/>
-                                            </p:txEl>
-                                          </p:spTgt>
+                                          <p:spTgt spid="5"/>
                                         </p:tgtEl>
                                       </p:cBhvr>
                                     </p:animEffect>
@@ -11032,258 +11127,144 @@
         </p:nvSpPr>
         <p:spPr>
           <a:xfrm>
-            <a:off x="2589212" y="1270827"/>
+            <a:off x="2589212" y="1450121"/>
             <a:ext cx="8915400" cy="5587173"/>
           </a:xfrm>
         </p:spPr>
         <p:txBody>
           <a:bodyPr>
-            <a:normAutofit fontScale="55000" lnSpcReduction="20000"/>
+            <a:normAutofit/>
           </a:bodyPr>
           <a:lstStyle/>
+          <a:p>
+            <a:r>
+              <a:rPr lang="en-US" altLang="zh-CN" sz="2800" dirty="0" smtClean="0"/>
+              <a:t>N-gram Feature</a:t>
+            </a:r>
+          </a:p>
+          <a:p>
+            <a:pPr lvl="1"/>
+            <a:r>
+              <a:rPr lang="it-IT" sz="2800" dirty="0"/>
+              <a:t> </a:t>
+            </a:r>
+            <a:r>
+              <a:rPr lang="it-IT" sz="2800" dirty="0" smtClean="0"/>
+              <a:t>a1b2c3d4e5  </a:t>
+            </a:r>
+            <a:r>
+              <a:rPr lang="it-IT" sz="2800" dirty="0" smtClean="0">
+                <a:sym typeface="Wingdings"/>
+              </a:rPr>
+              <a:t> 4-gram: </a:t>
+            </a:r>
+            <a:r>
+              <a:rPr lang="it-IT" sz="2400" dirty="0" smtClean="0"/>
+              <a:t>a1b2c3d4 &amp; b2c3d4e5</a:t>
+            </a:r>
+          </a:p>
+          <a:p>
+            <a:pPr marL="457200" lvl="1" indent="0">
+              <a:buNone/>
+            </a:pPr>
+            <a:endParaRPr lang="zh-CN" altLang="en-US" sz="2600" dirty="0" smtClean="0"/>
+          </a:p>
+          <a:p>
+            <a:r>
+              <a:rPr lang="en-US" altLang="zh-CN" sz="2800" dirty="0" smtClean="0"/>
+              <a:t>Binary/Assembly/DLL N-gram Feature Set</a:t>
+            </a:r>
+          </a:p>
+          <a:p>
+            <a:endParaRPr lang="en-US" altLang="zh-CN" sz="2800" dirty="0"/>
+          </a:p>
+          <a:p>
+            <a:r>
+              <a:rPr lang="en-US" altLang="zh-CN" sz="2800" dirty="0" smtClean="0"/>
+              <a:t>Best 500 features for each set based on Gain</a:t>
+            </a:r>
+          </a:p>
           <a:p>
             <a:pPr marL="0" indent="0">
               <a:buNone/>
             </a:pPr>
-            <a:endParaRPr lang="zh-CN" altLang="en-US" sz="4700" dirty="0" smtClean="0"/>
-          </a:p>
-          <a:p>
-            <a:r>
-              <a:rPr lang="en-US" altLang="zh-CN" sz="4700" dirty="0"/>
-              <a:t>C</a:t>
-            </a:r>
-            <a:r>
-              <a:rPr lang="en-US" altLang="zh-CN" sz="4700" dirty="0" smtClean="0"/>
-              <a:t>reates</a:t>
-            </a:r>
-            <a:r>
-              <a:rPr lang="zh-CN" altLang="en-US" sz="4700" dirty="0" smtClean="0"/>
-              <a:t> </a:t>
-            </a:r>
-            <a:r>
-              <a:rPr lang="en-US" altLang="zh-CN" sz="4700" dirty="0" smtClean="0"/>
-              <a:t>the</a:t>
-            </a:r>
-            <a:r>
-              <a:rPr lang="zh-CN" altLang="en-US" sz="4700" dirty="0" smtClean="0"/>
-              <a:t> </a:t>
-            </a:r>
-            <a:r>
-              <a:rPr lang="en-US" altLang="zh-CN" sz="4700" dirty="0" smtClean="0"/>
-              <a:t>dataset</a:t>
-            </a:r>
-            <a:r>
-              <a:rPr lang="zh-CN" altLang="en-US" sz="4700" dirty="0" smtClean="0"/>
-              <a:t> </a:t>
-            </a:r>
-            <a:r>
-              <a:rPr lang="en-US" altLang="zh-CN" sz="4700" dirty="0" smtClean="0"/>
-              <a:t>(constructs</a:t>
-            </a:r>
-            <a:r>
-              <a:rPr lang="zh-CN" altLang="en-US" sz="4700" dirty="0" smtClean="0"/>
-              <a:t> </a:t>
-            </a:r>
-            <a:r>
-              <a:rPr lang="en-US" altLang="zh-CN" sz="4700" dirty="0" smtClean="0"/>
-              <a:t>all</a:t>
-            </a:r>
-            <a:r>
-              <a:rPr lang="zh-CN" altLang="en-US" sz="4700" dirty="0" smtClean="0"/>
-              <a:t> </a:t>
-            </a:r>
-            <a:r>
-              <a:rPr lang="en-US" altLang="zh-CN" sz="4700" dirty="0" smtClean="0"/>
-              <a:t>features)</a:t>
-            </a:r>
-            <a:endParaRPr lang="zh-CN" altLang="en-US" sz="4700" dirty="0" smtClean="0"/>
-          </a:p>
-          <a:p>
-            <a:endParaRPr lang="zh-CN" altLang="en-US" sz="4700" dirty="0"/>
-          </a:p>
-          <a:p>
-            <a:r>
-              <a:rPr lang="en-US" altLang="zh-CN" sz="4700" dirty="0" err="1"/>
-              <a:t>B</a:t>
-            </a:r>
-            <a:r>
-              <a:rPr lang="en-US" altLang="zh-CN" sz="4700" dirty="0" err="1" smtClean="0"/>
-              <a:t>inarizes</a:t>
-            </a:r>
-            <a:r>
-              <a:rPr lang="zh-CN" altLang="en-US" sz="4700" dirty="0" smtClean="0"/>
-              <a:t> </a:t>
-            </a:r>
-            <a:r>
-              <a:rPr lang="en-US" altLang="zh-CN" sz="4700" dirty="0" smtClean="0"/>
-              <a:t>the</a:t>
-            </a:r>
-            <a:r>
-              <a:rPr lang="zh-CN" altLang="en-US" sz="4700" dirty="0" smtClean="0"/>
-              <a:t> </a:t>
-            </a:r>
-            <a:r>
-              <a:rPr lang="en-US" altLang="zh-CN" sz="4700" dirty="0" smtClean="0"/>
-              <a:t>target</a:t>
-            </a:r>
-            <a:r>
-              <a:rPr lang="zh-CN" altLang="en-US" sz="4700" dirty="0" smtClean="0"/>
-              <a:t> </a:t>
-            </a:r>
-            <a:r>
-              <a:rPr lang="en-US" altLang="zh-CN" sz="4700" dirty="0" smtClean="0"/>
-              <a:t>value</a:t>
-            </a:r>
-            <a:r>
-              <a:rPr lang="zh-CN" altLang="en-US" sz="4700" dirty="0" smtClean="0"/>
-              <a:t> </a:t>
-            </a:r>
-            <a:r>
-              <a:rPr lang="en-US" altLang="zh-CN" sz="4700" dirty="0" smtClean="0"/>
-              <a:t>(threshold</a:t>
-            </a:r>
-            <a:r>
-              <a:rPr lang="zh-CN" altLang="en-US" sz="4700" dirty="0" smtClean="0"/>
-              <a:t> </a:t>
-            </a:r>
-            <a:r>
-              <a:rPr lang="en-US" altLang="zh-CN" sz="4700" dirty="0" smtClean="0"/>
-              <a:t>=</a:t>
-            </a:r>
-            <a:r>
-              <a:rPr lang="zh-CN" altLang="en-US" sz="4700" dirty="0" smtClean="0"/>
-              <a:t> </a:t>
-            </a:r>
-            <a:r>
-              <a:rPr lang="en-US" altLang="zh-CN" sz="4700" dirty="0" smtClean="0"/>
-              <a:t>1400)</a:t>
-            </a:r>
-            <a:endParaRPr lang="zh-CN" altLang="en-US" sz="4700" dirty="0" smtClean="0"/>
-          </a:p>
-          <a:p>
-            <a:endParaRPr lang="zh-CN" altLang="en-US" sz="4700" dirty="0" smtClean="0"/>
-          </a:p>
-          <a:p>
-            <a:r>
-              <a:rPr lang="en-US" altLang="zh-CN" sz="4700" dirty="0" smtClean="0"/>
-              <a:t>Algorithms:</a:t>
-            </a:r>
-            <a:r>
-              <a:rPr lang="zh-CN" altLang="en-US" sz="4700" dirty="0" smtClean="0"/>
-              <a:t> </a:t>
-            </a:r>
-            <a:r>
-              <a:rPr lang="en-US" altLang="zh-CN" sz="4700" dirty="0" smtClean="0"/>
-              <a:t>SVM/</a:t>
-            </a:r>
-            <a:r>
-              <a:rPr lang="en-US" altLang="zh-CN" sz="4700" dirty="0" err="1" smtClean="0"/>
-              <a:t>kNN</a:t>
-            </a:r>
-            <a:r>
-              <a:rPr lang="en-US" altLang="zh-CN" sz="4700" dirty="0" smtClean="0"/>
-              <a:t>/NB/</a:t>
-            </a:r>
-            <a:r>
-              <a:rPr lang="en-US" altLang="zh-CN" sz="4700" dirty="0" err="1" smtClean="0"/>
-              <a:t>AdaBoost</a:t>
-            </a:r>
-            <a:r>
-              <a:rPr lang="en-US" altLang="zh-CN" sz="4700" dirty="0" smtClean="0"/>
-              <a:t>/RF</a:t>
-            </a:r>
-            <a:endParaRPr lang="zh-CN" altLang="en-US" sz="4700" dirty="0"/>
-          </a:p>
-          <a:p>
-            <a:endParaRPr lang="zh-CN" altLang="en-US" sz="4700" dirty="0" smtClean="0"/>
-          </a:p>
-          <a:p>
-            <a:r>
-              <a:rPr lang="en-US" altLang="zh-CN" sz="4700" dirty="0"/>
-              <a:t>B</a:t>
-            </a:r>
-            <a:r>
-              <a:rPr lang="en-US" altLang="zh-CN" sz="4700" dirty="0" smtClean="0"/>
-              <a:t>est:</a:t>
-            </a:r>
-            <a:r>
-              <a:rPr lang="zh-CN" altLang="en-US" sz="4700" dirty="0" smtClean="0"/>
-              <a:t> </a:t>
-            </a:r>
-            <a:r>
-              <a:rPr lang="en-US" altLang="zh-CN" sz="4700" dirty="0" smtClean="0"/>
-              <a:t>Random</a:t>
-            </a:r>
-            <a:r>
-              <a:rPr lang="zh-CN" altLang="en-US" sz="4700" dirty="0" smtClean="0"/>
-              <a:t> </a:t>
-            </a:r>
-            <a:r>
-              <a:rPr lang="en-US" altLang="zh-CN" sz="4700" dirty="0" smtClean="0"/>
-              <a:t>Forest</a:t>
-            </a:r>
-            <a:r>
-              <a:rPr lang="zh-CN" altLang="en-US" sz="4700" dirty="0" smtClean="0"/>
-              <a:t> </a:t>
-            </a:r>
-            <a:r>
-              <a:rPr lang="en-US" altLang="zh-CN" sz="4700" dirty="0" smtClean="0"/>
-              <a:t>(AUC=0.73)</a:t>
-            </a:r>
-            <a:endParaRPr lang="zh-CN" altLang="en-US" sz="4700" dirty="0" smtClean="0"/>
-          </a:p>
-          <a:p>
-            <a:endParaRPr lang="zh-CN" altLang="en-US" sz="2800" dirty="0"/>
-          </a:p>
-          <a:p>
-            <a:endParaRPr lang="zh-CN" altLang="en-US" sz="2800" dirty="0" smtClean="0"/>
-          </a:p>
-          <a:p>
-            <a:endParaRPr lang="zh-CN" altLang="en-US" sz="2800" dirty="0" smtClean="0"/>
-          </a:p>
-          <a:p>
-            <a:r>
-              <a:rPr lang="en-US" sz="3300" dirty="0" smtClean="0"/>
-              <a:t>K</a:t>
-            </a:r>
-            <a:r>
-              <a:rPr lang="en-US" sz="3300" dirty="0"/>
-              <a:t>. </a:t>
-            </a:r>
-            <a:r>
-              <a:rPr lang="en-US" sz="3300" dirty="0" err="1"/>
-              <a:t>Fernandes</a:t>
-            </a:r>
-            <a:r>
-              <a:rPr lang="en-US" sz="3300" dirty="0"/>
-              <a:t>, P. </a:t>
-            </a:r>
-            <a:r>
-              <a:rPr lang="en-US" sz="3300" dirty="0" err="1"/>
-              <a:t>Vinagre</a:t>
-            </a:r>
-            <a:r>
-              <a:rPr lang="en-US" sz="3300" dirty="0"/>
-              <a:t> and P. Cortez. </a:t>
-            </a:r>
-            <a:r>
-              <a:rPr lang="en-US" sz="3300" b="1" dirty="0"/>
-              <a:t>A Proactive Intelligent Decision Support System for Predicting the Popularity of Online News</a:t>
-            </a:r>
-            <a:r>
-              <a:rPr lang="en-US" sz="3300" dirty="0"/>
-              <a:t>. Proceedings of the 17th EPIA 2015 - Portuguese Conference on Artificial Intelligence, September, Coimbra, Portugal.</a:t>
-            </a:r>
-            <a:endParaRPr lang="zh-CN" altLang="en-US" sz="3300" dirty="0"/>
+            <a:endParaRPr lang="en-US" altLang="zh-CN" sz="2800" dirty="0" smtClean="0"/>
           </a:p>
           <a:p>
             <a:pPr marL="0" indent="0">
               <a:buNone/>
             </a:pPr>
-            <a:endParaRPr lang="zh-CN" altLang="en-US" sz="3300" dirty="0" smtClean="0"/>
-          </a:p>
-        </p:txBody>
-      </p:sp>
+            <a:endParaRPr lang="zh-CN" altLang="en-US" sz="2800" dirty="0" smtClean="0"/>
+          </a:p>
+          <a:p>
+            <a:r>
+              <a:rPr lang="en-US" sz="1700" dirty="0" err="1"/>
+              <a:t>Masud</a:t>
+            </a:r>
+            <a:r>
+              <a:rPr lang="en-US" sz="1700" dirty="0"/>
+              <a:t>, Mohammad M., </a:t>
+            </a:r>
+            <a:r>
+              <a:rPr lang="en-US" sz="1700" dirty="0" err="1"/>
+              <a:t>Latifur</a:t>
+            </a:r>
+            <a:r>
+              <a:rPr lang="en-US" sz="1700" dirty="0"/>
+              <a:t> Khan, and </a:t>
+            </a:r>
+            <a:r>
+              <a:rPr lang="en-US" sz="1700" dirty="0" err="1"/>
+              <a:t>Bhavani</a:t>
+            </a:r>
+            <a:r>
+              <a:rPr lang="en-US" sz="1700" dirty="0"/>
+              <a:t> </a:t>
+            </a:r>
+            <a:r>
+              <a:rPr lang="en-US" sz="1700" dirty="0" err="1"/>
+              <a:t>Thuraisingham</a:t>
+            </a:r>
+            <a:r>
+              <a:rPr lang="en-US" sz="1700" dirty="0"/>
+              <a:t>. "</a:t>
+            </a:r>
+            <a:r>
+              <a:rPr lang="en-US" sz="1700" b="1" dirty="0"/>
+              <a:t>A hybrid model to detect malicious executables</a:t>
+            </a:r>
+            <a:r>
+              <a:rPr lang="en-US" sz="1700" dirty="0"/>
+              <a:t>." Communications, 2007. ICC'07. IEEE International Conference on. IEEE, 2007.</a:t>
+            </a:r>
+            <a:endParaRPr lang="zh-CN" altLang="en-US" sz="1700" dirty="0" smtClean="0"/>
+          </a:p>
+        </p:txBody>
+      </p:sp>
+      <p:pic>
+        <p:nvPicPr>
+          <p:cNvPr id="5" name="Picture 4"/>
+          <p:cNvPicPr>
+            <a:picLocks noChangeAspect="1"/>
+          </p:cNvPicPr>
+          <p:nvPr/>
+        </p:nvPicPr>
+        <p:blipFill>
+          <a:blip r:embed="rId3"/>
+          <a:stretch>
+            <a:fillRect/>
+          </a:stretch>
+        </p:blipFill>
+        <p:spPr>
+          <a:xfrm>
+            <a:off x="3675530" y="4830056"/>
+            <a:ext cx="6097868" cy="871124"/>
+          </a:xfrm>
+          <a:prstGeom prst="rect">
+            <a:avLst/>
+          </a:prstGeom>
+        </p:spPr>
+      </p:pic>
     </p:spTree>
     <p:extLst>
       <p:ext uri="{BB962C8B-B14F-4D97-AF65-F5344CB8AC3E}">
@@ -11297,9 +11278,375 @@
   <p:timing>
     <p:tnLst>
       <p:par>
-        <p:cTn id="1" dur="indefinite" restart="never" nodeType="tmRoot"/>
+        <p:cTn id="1" dur="indefinite" restart="never" nodeType="tmRoot">
+          <p:childTnLst>
+            <p:seq concurrent="1" nextAc="seek">
+              <p:cTn id="2" dur="indefinite" nodeType="mainSeq">
+                <p:childTnLst>
+                  <p:par>
+                    <p:cTn id="3" fill="hold">
+                      <p:stCondLst>
+                        <p:cond delay="indefinite"/>
+                      </p:stCondLst>
+                      <p:childTnLst>
+                        <p:par>
+                          <p:cTn id="4" fill="hold">
+                            <p:stCondLst>
+                              <p:cond delay="0"/>
+                            </p:stCondLst>
+                            <p:childTnLst>
+                              <p:par>
+                                <p:cTn id="5" presetID="9" presetClass="entr" presetSubtype="0" fill="hold" grpId="0" nodeType="clickEffect">
+                                  <p:stCondLst>
+                                    <p:cond delay="0"/>
+                                  </p:stCondLst>
+                                  <p:childTnLst>
+                                    <p:set>
+                                      <p:cBhvr>
+                                        <p:cTn id="6" dur="1" fill="hold">
+                                          <p:stCondLst>
+                                            <p:cond delay="0"/>
+                                          </p:stCondLst>
+                                        </p:cTn>
+                                        <p:tgtEl>
+                                          <p:spTgt spid="3">
+                                            <p:txEl>
+                                              <p:pRg st="0" end="0"/>
+                                            </p:txEl>
+                                          </p:spTgt>
+                                        </p:tgtEl>
+                                        <p:attrNameLst>
+                                          <p:attrName>style.visibility</p:attrName>
+                                        </p:attrNameLst>
+                                      </p:cBhvr>
+                                      <p:to>
+                                        <p:strVal val="visible"/>
+                                      </p:to>
+                                    </p:set>
+                                    <p:animEffect transition="in" filter="dissolve">
+                                      <p:cBhvr>
+                                        <p:cTn id="7" dur="500"/>
+                                        <p:tgtEl>
+                                          <p:spTgt spid="3">
+                                            <p:txEl>
+                                              <p:pRg st="0" end="0"/>
+                                            </p:txEl>
+                                          </p:spTgt>
+                                        </p:tgtEl>
+                                      </p:cBhvr>
+                                    </p:animEffect>
+                                  </p:childTnLst>
+                                </p:cTn>
+                              </p:par>
+                              <p:par>
+                                <p:cTn id="8" presetID="9" presetClass="entr" presetSubtype="0" fill="hold" grpId="0" nodeType="withEffect">
+                                  <p:stCondLst>
+                                    <p:cond delay="0"/>
+                                  </p:stCondLst>
+                                  <p:childTnLst>
+                                    <p:set>
+                                      <p:cBhvr>
+                                        <p:cTn id="9" dur="1" fill="hold">
+                                          <p:stCondLst>
+                                            <p:cond delay="0"/>
+                                          </p:stCondLst>
+                                        </p:cTn>
+                                        <p:tgtEl>
+                                          <p:spTgt spid="3">
+                                            <p:txEl>
+                                              <p:pRg st="1" end="1"/>
+                                            </p:txEl>
+                                          </p:spTgt>
+                                        </p:tgtEl>
+                                        <p:attrNameLst>
+                                          <p:attrName>style.visibility</p:attrName>
+                                        </p:attrNameLst>
+                                      </p:cBhvr>
+                                      <p:to>
+                                        <p:strVal val="visible"/>
+                                      </p:to>
+                                    </p:set>
+                                    <p:animEffect transition="in" filter="dissolve">
+                                      <p:cBhvr>
+                                        <p:cTn id="10" dur="500"/>
+                                        <p:tgtEl>
+                                          <p:spTgt spid="3">
+                                            <p:txEl>
+                                              <p:pRg st="1" end="1"/>
+                                            </p:txEl>
+                                          </p:spTgt>
+                                        </p:tgtEl>
+                                      </p:cBhvr>
+                                    </p:animEffect>
+                                  </p:childTnLst>
+                                </p:cTn>
+                              </p:par>
+                            </p:childTnLst>
+                          </p:cTn>
+                        </p:par>
+                      </p:childTnLst>
+                    </p:cTn>
+                  </p:par>
+                  <p:par>
+                    <p:cTn id="11" fill="hold">
+                      <p:stCondLst>
+                        <p:cond delay="indefinite"/>
+                      </p:stCondLst>
+                      <p:childTnLst>
+                        <p:par>
+                          <p:cTn id="12" fill="hold">
+                            <p:stCondLst>
+                              <p:cond delay="0"/>
+                            </p:stCondLst>
+                            <p:childTnLst>
+                              <p:par>
+                                <p:cTn id="13" presetID="9" presetClass="entr" presetSubtype="0" fill="hold" grpId="0" nodeType="clickEffect">
+                                  <p:stCondLst>
+                                    <p:cond delay="0"/>
+                                  </p:stCondLst>
+                                  <p:childTnLst>
+                                    <p:set>
+                                      <p:cBhvr>
+                                        <p:cTn id="14" dur="1" fill="hold">
+                                          <p:stCondLst>
+                                            <p:cond delay="0"/>
+                                          </p:stCondLst>
+                                        </p:cTn>
+                                        <p:tgtEl>
+                                          <p:spTgt spid="3">
+                                            <p:txEl>
+                                              <p:pRg st="3" end="3"/>
+                                            </p:txEl>
+                                          </p:spTgt>
+                                        </p:tgtEl>
+                                        <p:attrNameLst>
+                                          <p:attrName>style.visibility</p:attrName>
+                                        </p:attrNameLst>
+                                      </p:cBhvr>
+                                      <p:to>
+                                        <p:strVal val="visible"/>
+                                      </p:to>
+                                    </p:set>
+                                    <p:animEffect transition="in" filter="dissolve">
+                                      <p:cBhvr>
+                                        <p:cTn id="15" dur="500"/>
+                                        <p:tgtEl>
+                                          <p:spTgt spid="3">
+                                            <p:txEl>
+                                              <p:pRg st="3" end="3"/>
+                                            </p:txEl>
+                                          </p:spTgt>
+                                        </p:tgtEl>
+                                      </p:cBhvr>
+                                    </p:animEffect>
+                                  </p:childTnLst>
+                                </p:cTn>
+                              </p:par>
+                            </p:childTnLst>
+                          </p:cTn>
+                        </p:par>
+                      </p:childTnLst>
+                    </p:cTn>
+                  </p:par>
+                  <p:par>
+                    <p:cTn id="16" fill="hold">
+                      <p:stCondLst>
+                        <p:cond delay="indefinite"/>
+                      </p:stCondLst>
+                      <p:childTnLst>
+                        <p:par>
+                          <p:cTn id="17" fill="hold">
+                            <p:stCondLst>
+                              <p:cond delay="0"/>
+                            </p:stCondLst>
+                            <p:childTnLst>
+                              <p:par>
+                                <p:cTn id="18" presetID="9" presetClass="entr" presetSubtype="0" fill="hold" grpId="0" nodeType="clickEffect">
+                                  <p:stCondLst>
+                                    <p:cond delay="0"/>
+                                  </p:stCondLst>
+                                  <p:childTnLst>
+                                    <p:set>
+                                      <p:cBhvr>
+                                        <p:cTn id="19" dur="1" fill="hold">
+                                          <p:stCondLst>
+                                            <p:cond delay="0"/>
+                                          </p:stCondLst>
+                                        </p:cTn>
+                                        <p:tgtEl>
+                                          <p:spTgt spid="3">
+                                            <p:txEl>
+                                              <p:pRg st="5" end="5"/>
+                                            </p:txEl>
+                                          </p:spTgt>
+                                        </p:tgtEl>
+                                        <p:attrNameLst>
+                                          <p:attrName>style.visibility</p:attrName>
+                                        </p:attrNameLst>
+                                      </p:cBhvr>
+                                      <p:to>
+                                        <p:strVal val="visible"/>
+                                      </p:to>
+                                    </p:set>
+                                    <p:animEffect transition="in" filter="dissolve">
+                                      <p:cBhvr>
+                                        <p:cTn id="20" dur="500"/>
+                                        <p:tgtEl>
+                                          <p:spTgt spid="3">
+                                            <p:txEl>
+                                              <p:pRg st="5" end="5"/>
+                                            </p:txEl>
+                                          </p:spTgt>
+                                        </p:tgtEl>
+                                      </p:cBhvr>
+                                    </p:animEffect>
+                                  </p:childTnLst>
+                                </p:cTn>
+                              </p:par>
+                            </p:childTnLst>
+                          </p:cTn>
+                        </p:par>
+                      </p:childTnLst>
+                    </p:cTn>
+                  </p:par>
+                  <p:par>
+                    <p:cTn id="21" fill="hold">
+                      <p:stCondLst>
+                        <p:cond delay="indefinite"/>
+                      </p:stCondLst>
+                      <p:childTnLst>
+                        <p:par>
+                          <p:cTn id="22" fill="hold">
+                            <p:stCondLst>
+                              <p:cond delay="0"/>
+                            </p:stCondLst>
+                            <p:childTnLst>
+                              <p:par>
+                                <p:cTn id="23" presetID="9" presetClass="entr" presetSubtype="0" fill="hold" grpId="0" nodeType="clickEffect">
+                                  <p:stCondLst>
+                                    <p:cond delay="0"/>
+                                  </p:stCondLst>
+                                  <p:childTnLst>
+                                    <p:set>
+                                      <p:cBhvr>
+                                        <p:cTn id="24" dur="1" fill="hold">
+                                          <p:stCondLst>
+                                            <p:cond delay="0"/>
+                                          </p:stCondLst>
+                                        </p:cTn>
+                                        <p:tgtEl>
+                                          <p:spTgt spid="3">
+                                            <p:txEl>
+                                              <p:pRg st="8" end="8"/>
+                                            </p:txEl>
+                                          </p:spTgt>
+                                        </p:tgtEl>
+                                        <p:attrNameLst>
+                                          <p:attrName>style.visibility</p:attrName>
+                                        </p:attrNameLst>
+                                      </p:cBhvr>
+                                      <p:to>
+                                        <p:strVal val="visible"/>
+                                      </p:to>
+                                    </p:set>
+                                    <p:animEffect transition="in" filter="dissolve">
+                                      <p:cBhvr>
+                                        <p:cTn id="25" dur="500"/>
+                                        <p:tgtEl>
+                                          <p:spTgt spid="3">
+                                            <p:txEl>
+                                              <p:pRg st="8" end="8"/>
+                                            </p:txEl>
+                                          </p:spTgt>
+                                        </p:tgtEl>
+                                      </p:cBhvr>
+                                    </p:animEffect>
+                                  </p:childTnLst>
+                                </p:cTn>
+                              </p:par>
+                            </p:childTnLst>
+                          </p:cTn>
+                        </p:par>
+                      </p:childTnLst>
+                    </p:cTn>
+                  </p:par>
+                  <p:par>
+                    <p:cTn id="26" fill="hold">
+                      <p:stCondLst>
+                        <p:cond delay="indefinite"/>
+                      </p:stCondLst>
+                      <p:childTnLst>
+                        <p:par>
+                          <p:cTn id="27" fill="hold">
+                            <p:stCondLst>
+                              <p:cond delay="0"/>
+                            </p:stCondLst>
+                            <p:childTnLst>
+                              <p:par>
+                                <p:cTn id="28" presetID="9" presetClass="entr" presetSubtype="0" fill="hold" nodeType="clickEffect">
+                                  <p:stCondLst>
+                                    <p:cond delay="0"/>
+                                  </p:stCondLst>
+                                  <p:childTnLst>
+                                    <p:set>
+                                      <p:cBhvr>
+                                        <p:cTn id="29" dur="1" fill="hold">
+                                          <p:stCondLst>
+                                            <p:cond delay="0"/>
+                                          </p:stCondLst>
+                                        </p:cTn>
+                                        <p:tgtEl>
+                                          <p:spTgt spid="5"/>
+                                        </p:tgtEl>
+                                        <p:attrNameLst>
+                                          <p:attrName>style.visibility</p:attrName>
+                                        </p:attrNameLst>
+                                      </p:cBhvr>
+                                      <p:to>
+                                        <p:strVal val="visible"/>
+                                      </p:to>
+                                    </p:set>
+                                    <p:animEffect transition="in" filter="dissolve">
+                                      <p:cBhvr>
+                                        <p:cTn id="30" dur="500"/>
+                                        <p:tgtEl>
+                                          <p:spTgt spid="5"/>
+                                        </p:tgtEl>
+                                      </p:cBhvr>
+                                    </p:animEffect>
+                                  </p:childTnLst>
+                                </p:cTn>
+                              </p:par>
+                            </p:childTnLst>
+                          </p:cTn>
+                        </p:par>
+                      </p:childTnLst>
+                    </p:cTn>
+                  </p:par>
+                </p:childTnLst>
+              </p:cTn>
+              <p:prevCondLst>
+                <p:cond evt="onPrev" delay="0">
+                  <p:tgtEl>
+                    <p:sldTgt/>
+                  </p:tgtEl>
+                </p:cond>
+              </p:prevCondLst>
+              <p:nextCondLst>
+                <p:cond evt="onNext" delay="0">
+                  <p:tgtEl>
+                    <p:sldTgt/>
+                  </p:tgtEl>
+                </p:cond>
+              </p:nextCondLst>
+            </p:seq>
+          </p:childTnLst>
+        </p:cTn>
       </p:par>
     </p:tnLst>
+    <p:bldLst>
+      <p:bldP spid="3" grpId="0" uiExpand="1" build="p"/>
+    </p:bldLst>
   </p:timing>
 </p:sld>
 </file>

--- a/PPTGroup10.pptx
+++ b/PPTGroup10.pptx
@@ -5,7 +5,7 @@
     <p:sldMasterId id="2147483648" r:id="rId1"/>
   </p:sldMasterIdLst>
   <p:notesMasterIdLst>
-    <p:notesMasterId r:id="rId19"/>
+    <p:notesMasterId r:id="rId13"/>
   </p:notesMasterIdLst>
   <p:sldIdLst>
     <p:sldId id="256" r:id="rId2"/>
@@ -19,12 +19,6 @@
     <p:sldId id="301" r:id="rId10"/>
     <p:sldId id="302" r:id="rId11"/>
     <p:sldId id="262" r:id="rId12"/>
-    <p:sldId id="279" r:id="rId13"/>
-    <p:sldId id="269" r:id="rId14"/>
-    <p:sldId id="294" r:id="rId15"/>
-    <p:sldId id="295" r:id="rId16"/>
-    <p:sldId id="296" r:id="rId17"/>
-    <p:sldId id="293" r:id="rId18"/>
   </p:sldIdLst>
   <p:sldSz cx="12192000" cy="6858000"/>
   <p:notesSz cx="6858000" cy="9144000"/>
@@ -855,182 +849,6 @@
     <p:extLst>
       <p:ext uri="{BB962C8B-B14F-4D97-AF65-F5344CB8AC3E}">
         <p14:creationId xmlns:p14="http://schemas.microsoft.com/office/powerpoint/2010/main" val="1186452551"/>
-      </p:ext>
-    </p:extLst>
-  </p:cSld>
-  <p:clrMapOvr>
-    <a:masterClrMapping/>
-  </p:clrMapOvr>
-</p:notes>
-</file>
-
-<file path=ppt/notesSlides/notesSlide5.xml><?xml version="1.0" encoding="utf-8"?>
-<p:notes xmlns:a="http://schemas.openxmlformats.org/drawingml/2006/main" xmlns:r="http://schemas.openxmlformats.org/officeDocument/2006/relationships" xmlns:p="http://schemas.openxmlformats.org/presentationml/2006/main">
-  <p:cSld>
-    <p:spTree>
-      <p:nvGrpSpPr>
-        <p:cNvPr id="1" name=""/>
-        <p:cNvGrpSpPr/>
-        <p:nvPr/>
-      </p:nvGrpSpPr>
-      <p:grpSpPr>
-        <a:xfrm>
-          <a:off x="0" y="0"/>
-          <a:ext cx="0" cy="0"/>
-          <a:chOff x="0" y="0"/>
-          <a:chExt cx="0" cy="0"/>
-        </a:xfrm>
-      </p:grpSpPr>
-      <p:sp>
-        <p:nvSpPr>
-          <p:cNvPr id="2" name="Slide Image Placeholder 1"/>
-          <p:cNvSpPr>
-            <a:spLocks noGrp="1" noRot="1" noChangeAspect="1"/>
-          </p:cNvSpPr>
-          <p:nvPr>
-            <p:ph type="sldImg"/>
-          </p:nvPr>
-        </p:nvSpPr>
-        <p:spPr/>
-      </p:sp>
-      <p:sp>
-        <p:nvSpPr>
-          <p:cNvPr id="3" name="Notes Placeholder 2"/>
-          <p:cNvSpPr>
-            <a:spLocks noGrp="1"/>
-          </p:cNvSpPr>
-          <p:nvPr>
-            <p:ph type="body" idx="1"/>
-          </p:nvPr>
-        </p:nvSpPr>
-        <p:spPr/>
-        <p:txBody>
-          <a:bodyPr/>
-          <a:lstStyle/>
-          <a:p>
-            <a:r>
-              <a:rPr lang="en-US" dirty="0" smtClean="0"/>
-              <a:t>Only change one parameter at</a:t>
-            </a:r>
-            <a:r>
-              <a:rPr lang="en-US" baseline="0" dirty="0" smtClean="0"/>
-              <a:t> a time to see its effect.</a:t>
-            </a:r>
-            <a:endParaRPr lang="en-US" dirty="0"/>
-          </a:p>
-        </p:txBody>
-      </p:sp>
-      <p:sp>
-        <p:nvSpPr>
-          <p:cNvPr id="4" name="Slide Number Placeholder 3"/>
-          <p:cNvSpPr>
-            <a:spLocks noGrp="1"/>
-          </p:cNvSpPr>
-          <p:nvPr>
-            <p:ph type="sldNum" sz="quarter" idx="10"/>
-          </p:nvPr>
-        </p:nvSpPr>
-        <p:spPr/>
-        <p:txBody>
-          <a:bodyPr/>
-          <a:lstStyle/>
-          <a:p>
-            <a:fld id="{1C63729A-534C-874A-B073-5D3F38B81A78}" type="slidenum">
-              <a:rPr lang="en-US" smtClean="0"/>
-              <a:t>13</a:t>
-            </a:fld>
-            <a:endParaRPr lang="en-US"/>
-          </a:p>
-        </p:txBody>
-      </p:sp>
-    </p:spTree>
-    <p:extLst>
-      <p:ext uri="{BB962C8B-B14F-4D97-AF65-F5344CB8AC3E}">
-        <p14:creationId xmlns:p14="http://schemas.microsoft.com/office/powerpoint/2010/main" val="1583550923"/>
-      </p:ext>
-    </p:extLst>
-  </p:cSld>
-  <p:clrMapOvr>
-    <a:masterClrMapping/>
-  </p:clrMapOvr>
-</p:notes>
-</file>
-
-<file path=ppt/notesSlides/notesSlide6.xml><?xml version="1.0" encoding="utf-8"?>
-<p:notes xmlns:a="http://schemas.openxmlformats.org/drawingml/2006/main" xmlns:r="http://schemas.openxmlformats.org/officeDocument/2006/relationships" xmlns:p="http://schemas.openxmlformats.org/presentationml/2006/main">
-  <p:cSld>
-    <p:spTree>
-      <p:nvGrpSpPr>
-        <p:cNvPr id="1" name=""/>
-        <p:cNvGrpSpPr/>
-        <p:nvPr/>
-      </p:nvGrpSpPr>
-      <p:grpSpPr>
-        <a:xfrm>
-          <a:off x="0" y="0"/>
-          <a:ext cx="0" cy="0"/>
-          <a:chOff x="0" y="0"/>
-          <a:chExt cx="0" cy="0"/>
-        </a:xfrm>
-      </p:grpSpPr>
-      <p:sp>
-        <p:nvSpPr>
-          <p:cNvPr id="2" name="Slide Image Placeholder 1"/>
-          <p:cNvSpPr>
-            <a:spLocks noGrp="1" noRot="1" noChangeAspect="1"/>
-          </p:cNvSpPr>
-          <p:nvPr>
-            <p:ph type="sldImg"/>
-          </p:nvPr>
-        </p:nvSpPr>
-        <p:spPr/>
-      </p:sp>
-      <p:sp>
-        <p:nvSpPr>
-          <p:cNvPr id="3" name="Notes Placeholder 2"/>
-          <p:cNvSpPr>
-            <a:spLocks noGrp="1"/>
-          </p:cNvSpPr>
-          <p:nvPr>
-            <p:ph type="body" idx="1"/>
-          </p:nvPr>
-        </p:nvSpPr>
-        <p:spPr/>
-        <p:txBody>
-          <a:bodyPr/>
-          <a:lstStyle/>
-          <a:p>
-            <a:endParaRPr lang="en-US" dirty="0"/>
-          </a:p>
-        </p:txBody>
-      </p:sp>
-      <p:sp>
-        <p:nvSpPr>
-          <p:cNvPr id="4" name="Slide Number Placeholder 3"/>
-          <p:cNvSpPr>
-            <a:spLocks noGrp="1"/>
-          </p:cNvSpPr>
-          <p:nvPr>
-            <p:ph type="sldNum" sz="quarter" idx="10"/>
-          </p:nvPr>
-        </p:nvSpPr>
-        <p:spPr/>
-        <p:txBody>
-          <a:bodyPr/>
-          <a:lstStyle/>
-          <a:p>
-            <a:fld id="{1C63729A-534C-874A-B073-5D3F38B81A78}" type="slidenum">
-              <a:rPr lang="en-US" smtClean="0"/>
-              <a:t>17</a:t>
-            </a:fld>
-            <a:endParaRPr lang="en-US"/>
-          </a:p>
-        </p:txBody>
-      </p:sp>
-    </p:spTree>
-    <p:extLst>
-      <p:ext uri="{BB962C8B-B14F-4D97-AF65-F5344CB8AC3E}">
-        <p14:creationId xmlns:p14="http://schemas.microsoft.com/office/powerpoint/2010/main" val="1272469786"/>
       </p:ext>
     </p:extLst>
   </p:cSld>
@@ -8870,1469 +8688,6 @@
 </p:sld>
 </file>
 
-<file path=ppt/slides/slide12.xml><?xml version="1.0" encoding="utf-8"?>
-<p:sld xmlns:a="http://schemas.openxmlformats.org/drawingml/2006/main" xmlns:r="http://schemas.openxmlformats.org/officeDocument/2006/relationships" xmlns:p="http://schemas.openxmlformats.org/presentationml/2006/main" show="0">
-  <p:cSld>
-    <p:spTree>
-      <p:nvGrpSpPr>
-        <p:cNvPr id="1" name=""/>
-        <p:cNvGrpSpPr/>
-        <p:nvPr/>
-      </p:nvGrpSpPr>
-      <p:grpSpPr>
-        <a:xfrm>
-          <a:off x="0" y="0"/>
-          <a:ext cx="0" cy="0"/>
-          <a:chOff x="0" y="0"/>
-          <a:chExt cx="0" cy="0"/>
-        </a:xfrm>
-      </p:grpSpPr>
-      <p:sp>
-        <p:nvSpPr>
-          <p:cNvPr id="2" name="Title 1"/>
-          <p:cNvSpPr>
-            <a:spLocks noGrp="1"/>
-          </p:cNvSpPr>
-          <p:nvPr>
-            <p:ph type="title"/>
-          </p:nvPr>
-        </p:nvSpPr>
-        <p:spPr/>
-        <p:txBody>
-          <a:bodyPr>
-            <a:normAutofit/>
-          </a:bodyPr>
-          <a:lstStyle/>
-          <a:p>
-            <a:r>
-              <a:rPr lang="en-US" sz="4400" dirty="0"/>
-              <a:t>Support Vector Machine</a:t>
-            </a:r>
-          </a:p>
-        </p:txBody>
-      </p:sp>
-      <p:sp>
-        <p:nvSpPr>
-          <p:cNvPr id="3" name="Content Placeholder 2"/>
-          <p:cNvSpPr>
-            <a:spLocks noGrp="1"/>
-          </p:cNvSpPr>
-          <p:nvPr>
-            <p:ph idx="1"/>
-          </p:nvPr>
-        </p:nvSpPr>
-        <p:spPr/>
-        <p:txBody>
-          <a:bodyPr>
-            <a:normAutofit/>
-          </a:bodyPr>
-          <a:lstStyle/>
-          <a:p>
-            <a:r>
-              <a:rPr lang="de-DE" sz="2800" dirty="0" smtClean="0"/>
-              <a:t>-</a:t>
-            </a:r>
-            <a:r>
-              <a:rPr lang="de-DE" sz="2800" dirty="0"/>
-              <a:t>C </a:t>
-            </a:r>
-            <a:r>
-              <a:rPr lang="de-DE" sz="2800" dirty="0" smtClean="0"/>
-              <a:t>0.5 </a:t>
-            </a:r>
-            <a:r>
-              <a:rPr lang="de-DE" sz="2800" dirty="0"/>
-              <a:t>-L 0.001 -P 1.0E-12 -K </a:t>
-            </a:r>
-            <a:r>
-              <a:rPr lang="de-DE" sz="2800" dirty="0" err="1"/>
-              <a:t>PolyKernel</a:t>
-            </a:r>
-            <a:r>
-              <a:rPr lang="de-DE" sz="2800" dirty="0"/>
-              <a:t> </a:t>
-            </a:r>
-          </a:p>
-          <a:p>
-            <a:r>
-              <a:rPr lang="de-DE" sz="2800" dirty="0" smtClean="0"/>
-              <a:t>-</a:t>
-            </a:r>
-            <a:r>
-              <a:rPr lang="de-DE" sz="2800" dirty="0"/>
-              <a:t>C </a:t>
-            </a:r>
-            <a:r>
-              <a:rPr lang="de-DE" sz="2800" dirty="0" smtClean="0"/>
-              <a:t>1.0 </a:t>
-            </a:r>
-            <a:r>
-              <a:rPr lang="de-DE" sz="2800" dirty="0"/>
-              <a:t>-L 0.001 -P 1.0E-12 -K </a:t>
-            </a:r>
-            <a:r>
-              <a:rPr lang="de-DE" sz="2800" dirty="0" err="1" smtClean="0"/>
-              <a:t>PolyKernel</a:t>
-            </a:r>
-            <a:endParaRPr lang="de-DE" sz="2800" dirty="0" smtClean="0"/>
-          </a:p>
-          <a:p>
-            <a:r>
-              <a:rPr lang="de-DE" sz="2800" dirty="0"/>
-              <a:t>-C </a:t>
-            </a:r>
-            <a:r>
-              <a:rPr lang="de-DE" sz="2800" dirty="0" smtClean="0"/>
-              <a:t>1.5 </a:t>
-            </a:r>
-            <a:r>
-              <a:rPr lang="de-DE" sz="2800" dirty="0"/>
-              <a:t>-L 0.001 -P 1.0E-12 -K </a:t>
-            </a:r>
-            <a:r>
-              <a:rPr lang="de-DE" sz="2800" dirty="0" err="1"/>
-              <a:t>PolyKernel</a:t>
-            </a:r>
-            <a:r>
-              <a:rPr lang="de-DE" sz="2800" dirty="0"/>
-              <a:t> </a:t>
-            </a:r>
-          </a:p>
-          <a:p>
-            <a:r>
-              <a:rPr lang="de-DE" sz="2800" dirty="0"/>
-              <a:t>-C 2.0 -L 0.001 -P 1.0E-12 -K </a:t>
-            </a:r>
-            <a:r>
-              <a:rPr lang="de-DE" sz="2800" dirty="0" err="1" smtClean="0"/>
-              <a:t>PolyKernel</a:t>
-            </a:r>
-            <a:endParaRPr lang="de-DE" sz="2800" dirty="0" smtClean="0"/>
-          </a:p>
-          <a:p>
-            <a:endParaRPr lang="de-DE" sz="2800" dirty="0"/>
-          </a:p>
-          <a:p>
-            <a:r>
-              <a:rPr lang="de-DE" sz="2800" dirty="0" smtClean="0"/>
-              <a:t>C </a:t>
-            </a:r>
-            <a:r>
-              <a:rPr lang="de-DE" sz="2800" dirty="0" err="1"/>
-              <a:t>means</a:t>
-            </a:r>
-            <a:r>
-              <a:rPr lang="de-DE" sz="2800" dirty="0"/>
-              <a:t> </a:t>
-            </a:r>
-            <a:r>
-              <a:rPr lang="de-DE" sz="2800" dirty="0" err="1" smtClean="0"/>
-              <a:t>complexity</a:t>
-            </a:r>
-            <a:r>
-              <a:rPr lang="de-DE" sz="2800" dirty="0" smtClean="0"/>
-              <a:t> </a:t>
-            </a:r>
-            <a:r>
-              <a:rPr lang="de-DE" sz="2800" dirty="0" err="1"/>
-              <a:t>parameter</a:t>
-            </a:r>
-            <a:r>
-              <a:rPr lang="de-DE" sz="2800" dirty="0"/>
-              <a:t> </a:t>
-            </a:r>
-          </a:p>
-          <a:p>
-            <a:pPr marL="0" indent="0">
-              <a:buNone/>
-            </a:pPr>
-            <a:endParaRPr lang="de-DE" sz="2800" dirty="0"/>
-          </a:p>
-          <a:p>
-            <a:endParaRPr lang="en-US" sz="2800" dirty="0"/>
-          </a:p>
-        </p:txBody>
-      </p:sp>
-    </p:spTree>
-    <p:extLst>
-      <p:ext uri="{BB962C8B-B14F-4D97-AF65-F5344CB8AC3E}">
-        <p14:creationId xmlns:p14="http://schemas.microsoft.com/office/powerpoint/2010/main" val="1389705387"/>
-      </p:ext>
-    </p:extLst>
-  </p:cSld>
-  <p:clrMapOvr>
-    <a:masterClrMapping/>
-  </p:clrMapOvr>
-  <mc:AlternateContent xmlns:mc="http://schemas.openxmlformats.org/markup-compatibility/2006">
-    <mc:Choice xmlns:p14="http://schemas.microsoft.com/office/powerpoint/2010/main" Requires="p14">
-      <p:transition spd="slow" p14:dur="2000"/>
-    </mc:Choice>
-    <mc:Fallback>
-      <p:transition spd="slow"/>
-    </mc:Fallback>
-  </mc:AlternateContent>
-  <p:timing>
-    <p:tnLst>
-      <p:par>
-        <p:cTn id="1" dur="indefinite" restart="never" nodeType="tmRoot"/>
-      </p:par>
-    </p:tnLst>
-  </p:timing>
-</p:sld>
-</file>
-
-<file path=ppt/slides/slide13.xml><?xml version="1.0" encoding="utf-8"?>
-<p:sld xmlns:a="http://schemas.openxmlformats.org/drawingml/2006/main" xmlns:r="http://schemas.openxmlformats.org/officeDocument/2006/relationships" xmlns:p="http://schemas.openxmlformats.org/presentationml/2006/main" show="0">
-  <p:cSld>
-    <p:spTree>
-      <p:nvGrpSpPr>
-        <p:cNvPr id="1" name=""/>
-        <p:cNvGrpSpPr/>
-        <p:nvPr/>
-      </p:nvGrpSpPr>
-      <p:grpSpPr>
-        <a:xfrm>
-          <a:off x="0" y="0"/>
-          <a:ext cx="0" cy="0"/>
-          <a:chOff x="0" y="0"/>
-          <a:chExt cx="0" cy="0"/>
-        </a:xfrm>
-      </p:grpSpPr>
-      <p:sp>
-        <p:nvSpPr>
-          <p:cNvPr id="2" name="Title 1"/>
-          <p:cNvSpPr>
-            <a:spLocks noGrp="1"/>
-          </p:cNvSpPr>
-          <p:nvPr>
-            <p:ph type="title"/>
-          </p:nvPr>
-        </p:nvSpPr>
-        <p:spPr/>
-        <p:txBody>
-          <a:bodyPr>
-            <a:normAutofit/>
-          </a:bodyPr>
-          <a:lstStyle/>
-          <a:p>
-            <a:r>
-              <a:rPr lang="en-US" altLang="zh-CN" sz="4400" dirty="0" smtClean="0"/>
-              <a:t>Random</a:t>
-            </a:r>
-            <a:r>
-              <a:rPr lang="zh-CN" altLang="en-US" sz="4400" dirty="0" smtClean="0"/>
-              <a:t> </a:t>
-            </a:r>
-            <a:r>
-              <a:rPr lang="en-US" altLang="zh-CN" sz="4400" dirty="0" smtClean="0"/>
-              <a:t>Forest</a:t>
-            </a:r>
-            <a:endParaRPr lang="en-US" sz="4400" dirty="0"/>
-          </a:p>
-        </p:txBody>
-      </p:sp>
-      <p:sp>
-        <p:nvSpPr>
-          <p:cNvPr id="3" name="Content Placeholder 2"/>
-          <p:cNvSpPr>
-            <a:spLocks noGrp="1"/>
-          </p:cNvSpPr>
-          <p:nvPr>
-            <p:ph idx="1"/>
-          </p:nvPr>
-        </p:nvSpPr>
-        <p:spPr/>
-        <p:txBody>
-          <a:bodyPr>
-            <a:normAutofit/>
-          </a:bodyPr>
-          <a:lstStyle/>
-          <a:p>
-            <a:r>
-              <a:rPr lang="en-US" sz="2800" dirty="0" smtClean="0"/>
-              <a:t>-L 0.3 </a:t>
-            </a:r>
-            <a:r>
-              <a:rPr lang="mr-IN" sz="2800" dirty="0" smtClean="0"/>
-              <a:t>-</a:t>
-            </a:r>
-            <a:r>
-              <a:rPr lang="en-US" sz="2800" dirty="0" smtClean="0"/>
-              <a:t>M 0.2 </a:t>
-            </a:r>
-            <a:r>
-              <a:rPr lang="mr-IN" sz="2800" dirty="0" smtClean="0"/>
-              <a:t>-</a:t>
-            </a:r>
-            <a:r>
-              <a:rPr lang="en-US" sz="2800" dirty="0" smtClean="0"/>
-              <a:t>N 500 </a:t>
-            </a:r>
-            <a:r>
-              <a:rPr lang="mr-IN" sz="2800" dirty="0" smtClean="0"/>
-              <a:t>-</a:t>
-            </a:r>
-            <a:r>
-              <a:rPr lang="en-US" sz="2800" dirty="0" smtClean="0"/>
-              <a:t>V 0 </a:t>
-            </a:r>
-            <a:r>
-              <a:rPr lang="mr-IN" sz="2800" dirty="0" smtClean="0"/>
-              <a:t>-</a:t>
-            </a:r>
-            <a:r>
-              <a:rPr lang="en-US" sz="2800" dirty="0" smtClean="0"/>
-              <a:t>S 0 </a:t>
-            </a:r>
-            <a:r>
-              <a:rPr lang="mr-IN" sz="2800" dirty="0" smtClean="0"/>
-              <a:t>-</a:t>
-            </a:r>
-            <a:r>
-              <a:rPr lang="en-US" sz="2800" dirty="0" smtClean="0"/>
-              <a:t>E 20 </a:t>
-            </a:r>
-            <a:r>
-              <a:rPr lang="mr-IN" sz="2800" dirty="0" smtClean="0"/>
-              <a:t>-</a:t>
-            </a:r>
-            <a:r>
-              <a:rPr lang="en-US" sz="2800" dirty="0" smtClean="0"/>
-              <a:t>H a</a:t>
-            </a:r>
-          </a:p>
-          <a:p>
-            <a:r>
-              <a:rPr lang="en-US" sz="2800" dirty="0"/>
-              <a:t>-</a:t>
-            </a:r>
-            <a:r>
-              <a:rPr lang="en-US" sz="2800" dirty="0" smtClean="0"/>
-              <a:t>L</a:t>
-            </a:r>
-            <a:endParaRPr lang="en-US" sz="2800" dirty="0"/>
-          </a:p>
-        </p:txBody>
-      </p:sp>
-    </p:spTree>
-    <p:extLst>
-      <p:ext uri="{BB962C8B-B14F-4D97-AF65-F5344CB8AC3E}">
-        <p14:creationId xmlns:p14="http://schemas.microsoft.com/office/powerpoint/2010/main" val="11614769"/>
-      </p:ext>
-    </p:extLst>
-  </p:cSld>
-  <p:clrMapOvr>
-    <a:masterClrMapping/>
-  </p:clrMapOvr>
-  <mc:AlternateContent xmlns:mc="http://schemas.openxmlformats.org/markup-compatibility/2006">
-    <mc:Choice xmlns:p14="http://schemas.microsoft.com/office/powerpoint/2010/main" Requires="p14">
-      <p:transition spd="slow" p14:dur="2000"/>
-    </mc:Choice>
-    <mc:Fallback>
-      <p:transition spd="slow"/>
-    </mc:Fallback>
-  </mc:AlternateContent>
-  <p:timing>
-    <p:tnLst>
-      <p:par>
-        <p:cTn id="1" dur="indefinite" restart="never" nodeType="tmRoot"/>
-      </p:par>
-    </p:tnLst>
-  </p:timing>
-</p:sld>
-</file>
-
-<file path=ppt/slides/slide14.xml><?xml version="1.0" encoding="utf-8"?>
-<p:sld xmlns:a="http://schemas.openxmlformats.org/drawingml/2006/main" xmlns:r="http://schemas.openxmlformats.org/officeDocument/2006/relationships" xmlns:p="http://schemas.openxmlformats.org/presentationml/2006/main" show="0">
-  <p:cSld>
-    <p:spTree>
-      <p:nvGrpSpPr>
-        <p:cNvPr id="1" name=""/>
-        <p:cNvGrpSpPr/>
-        <p:nvPr/>
-      </p:nvGrpSpPr>
-      <p:grpSpPr>
-        <a:xfrm>
-          <a:off x="0" y="0"/>
-          <a:ext cx="0" cy="0"/>
-          <a:chOff x="0" y="0"/>
-          <a:chExt cx="0" cy="0"/>
-        </a:xfrm>
-      </p:grpSpPr>
-      <p:sp>
-        <p:nvSpPr>
-          <p:cNvPr id="2" name="Title 1"/>
-          <p:cNvSpPr>
-            <a:spLocks noGrp="1"/>
-          </p:cNvSpPr>
-          <p:nvPr>
-            <p:ph type="title"/>
-          </p:nvPr>
-        </p:nvSpPr>
-        <p:spPr/>
-        <p:txBody>
-          <a:bodyPr>
-            <a:normAutofit/>
-          </a:bodyPr>
-          <a:lstStyle/>
-          <a:p>
-            <a:r>
-              <a:rPr lang="en-US" altLang="zh-CN" sz="4400" dirty="0" smtClean="0"/>
-              <a:t>Clustering</a:t>
-            </a:r>
-            <a:endParaRPr lang="en-US" sz="4400" dirty="0"/>
-          </a:p>
-        </p:txBody>
-      </p:sp>
-      <p:sp>
-        <p:nvSpPr>
-          <p:cNvPr id="4" name="Title 1"/>
-          <p:cNvSpPr txBox="1">
-            <a:spLocks/>
-          </p:cNvSpPr>
-          <p:nvPr/>
-        </p:nvSpPr>
-        <p:spPr>
-          <a:xfrm flipV="1">
-            <a:off x="842683" y="5617628"/>
-            <a:ext cx="8877953" cy="1044388"/>
-          </a:xfrm>
-          <a:prstGeom prst="rect">
-            <a:avLst/>
-          </a:prstGeom>
-        </p:spPr>
-        <p:txBody>
-          <a:bodyPr vert="horz" lIns="91440" tIns="45720" rIns="91440" bIns="45720" rtlCol="0" anchor="t">
-            <a:normAutofit/>
-          </a:bodyPr>
-          <a:lstStyle>
-            <a:lvl1pPr algn="l" defTabSz="457200" rtl="0" eaLnBrk="1" latinLnBrk="0" hangingPunct="1">
-              <a:spcBef>
-                <a:spcPct val="0"/>
-              </a:spcBef>
-              <a:buNone/>
-              <a:defRPr sz="3600" kern="1200">
-                <a:solidFill>
-                  <a:schemeClr val="tx1">
-                    <a:lumMod val="85000"/>
-                    <a:lumOff val="15000"/>
-                  </a:schemeClr>
-                </a:solidFill>
-                <a:latin typeface="+mj-lt"/>
-                <a:ea typeface="+mj-ea"/>
-                <a:cs typeface="+mj-cs"/>
-              </a:defRPr>
-            </a:lvl1pPr>
-            <a:lvl2pPr eaLnBrk="1" hangingPunct="1">
-              <a:defRPr>
-                <a:solidFill>
-                  <a:schemeClr val="tx2"/>
-                </a:solidFill>
-              </a:defRPr>
-            </a:lvl2pPr>
-            <a:lvl3pPr eaLnBrk="1" hangingPunct="1">
-              <a:defRPr>
-                <a:solidFill>
-                  <a:schemeClr val="tx2"/>
-                </a:solidFill>
-              </a:defRPr>
-            </a:lvl3pPr>
-            <a:lvl4pPr eaLnBrk="1" hangingPunct="1">
-              <a:defRPr>
-                <a:solidFill>
-                  <a:schemeClr val="tx2"/>
-                </a:solidFill>
-              </a:defRPr>
-            </a:lvl4pPr>
-            <a:lvl5pPr eaLnBrk="1" hangingPunct="1">
-              <a:defRPr>
-                <a:solidFill>
-                  <a:schemeClr val="tx2"/>
-                </a:solidFill>
-              </a:defRPr>
-            </a:lvl5pPr>
-            <a:lvl6pPr eaLnBrk="1" hangingPunct="1">
-              <a:defRPr>
-                <a:solidFill>
-                  <a:schemeClr val="tx2"/>
-                </a:solidFill>
-              </a:defRPr>
-            </a:lvl6pPr>
-            <a:lvl7pPr eaLnBrk="1" hangingPunct="1">
-              <a:defRPr>
-                <a:solidFill>
-                  <a:schemeClr val="tx2"/>
-                </a:solidFill>
-              </a:defRPr>
-            </a:lvl7pPr>
-            <a:lvl8pPr eaLnBrk="1" hangingPunct="1">
-              <a:defRPr>
-                <a:solidFill>
-                  <a:schemeClr val="tx2"/>
-                </a:solidFill>
-              </a:defRPr>
-            </a:lvl8pPr>
-            <a:lvl9pPr eaLnBrk="1" hangingPunct="1">
-              <a:defRPr>
-                <a:solidFill>
-                  <a:schemeClr val="tx2"/>
-                </a:solidFill>
-              </a:defRPr>
-            </a:lvl9pPr>
-          </a:lstStyle>
-          <a:p>
-            <a:endParaRPr lang="en-US" sz="4400" dirty="0"/>
-          </a:p>
-        </p:txBody>
-      </p:sp>
-      <p:sp>
-        <p:nvSpPr>
-          <p:cNvPr id="6" name="Content Placeholder 2"/>
-          <p:cNvSpPr txBox="1">
-            <a:spLocks/>
-          </p:cNvSpPr>
-          <p:nvPr/>
-        </p:nvSpPr>
-        <p:spPr>
-          <a:xfrm>
-            <a:off x="2727758" y="2036618"/>
-            <a:ext cx="8915400" cy="3777622"/>
-          </a:xfrm>
-          <a:prstGeom prst="rect">
-            <a:avLst/>
-          </a:prstGeom>
-        </p:spPr>
-        <p:txBody>
-          <a:bodyPr vert="horz" lIns="91440" tIns="45720" rIns="91440" bIns="45720" rtlCol="0">
-            <a:normAutofit/>
-          </a:bodyPr>
-          <a:lstStyle>
-            <a:lvl1pPr marL="342900" indent="-342900" algn="l" defTabSz="457200" rtl="0" eaLnBrk="1" latinLnBrk="0" hangingPunct="1">
-              <a:spcBef>
-                <a:spcPts val="1000"/>
-              </a:spcBef>
-              <a:spcAft>
-                <a:spcPts val="0"/>
-              </a:spcAft>
-              <a:buClr>
-                <a:schemeClr val="accent1"/>
-              </a:buClr>
-              <a:buFont typeface="Wingdings 3" charset="2"/>
-              <a:buChar char=""/>
-              <a:defRPr sz="1800" kern="1200">
-                <a:solidFill>
-                  <a:schemeClr val="tx1">
-                    <a:lumMod val="75000"/>
-                    <a:lumOff val="25000"/>
-                  </a:schemeClr>
-                </a:solidFill>
-                <a:latin typeface="+mn-lt"/>
-                <a:ea typeface="+mn-ea"/>
-                <a:cs typeface="+mn-cs"/>
-              </a:defRPr>
-            </a:lvl1pPr>
-            <a:lvl2pPr marL="742950" indent="-285750" algn="l" defTabSz="457200" rtl="0" eaLnBrk="1" latinLnBrk="0" hangingPunct="1">
-              <a:spcBef>
-                <a:spcPts val="1000"/>
-              </a:spcBef>
-              <a:spcAft>
-                <a:spcPts val="0"/>
-              </a:spcAft>
-              <a:buClr>
-                <a:schemeClr val="accent1"/>
-              </a:buClr>
-              <a:buFont typeface="Wingdings 3" charset="2"/>
-              <a:buChar char=""/>
-              <a:defRPr sz="1600" kern="1200">
-                <a:solidFill>
-                  <a:schemeClr val="tx1">
-                    <a:lumMod val="75000"/>
-                    <a:lumOff val="25000"/>
-                  </a:schemeClr>
-                </a:solidFill>
-                <a:latin typeface="+mn-lt"/>
-                <a:ea typeface="+mn-ea"/>
-                <a:cs typeface="+mn-cs"/>
-              </a:defRPr>
-            </a:lvl2pPr>
-            <a:lvl3pPr marL="1143000" indent="-228600" algn="l" defTabSz="457200" rtl="0" eaLnBrk="1" latinLnBrk="0" hangingPunct="1">
-              <a:spcBef>
-                <a:spcPts val="1000"/>
-              </a:spcBef>
-              <a:spcAft>
-                <a:spcPts val="0"/>
-              </a:spcAft>
-              <a:buClr>
-                <a:schemeClr val="accent1"/>
-              </a:buClr>
-              <a:buFont typeface="Wingdings 3" charset="2"/>
-              <a:buChar char=""/>
-              <a:defRPr sz="1400" kern="1200">
-                <a:solidFill>
-                  <a:schemeClr val="tx1">
-                    <a:lumMod val="75000"/>
-                    <a:lumOff val="25000"/>
-                  </a:schemeClr>
-                </a:solidFill>
-                <a:latin typeface="+mn-lt"/>
-                <a:ea typeface="+mn-ea"/>
-                <a:cs typeface="+mn-cs"/>
-              </a:defRPr>
-            </a:lvl3pPr>
-            <a:lvl4pPr marL="1600200" indent="-228600" algn="l" defTabSz="457200" rtl="0" eaLnBrk="1" latinLnBrk="0" hangingPunct="1">
-              <a:spcBef>
-                <a:spcPts val="1000"/>
-              </a:spcBef>
-              <a:spcAft>
-                <a:spcPts val="0"/>
-              </a:spcAft>
-              <a:buClr>
-                <a:schemeClr val="accent1"/>
-              </a:buClr>
-              <a:buFont typeface="Wingdings 3" charset="2"/>
-              <a:buChar char=""/>
-              <a:defRPr sz="1200" kern="1200">
-                <a:solidFill>
-                  <a:schemeClr val="tx1">
-                    <a:lumMod val="75000"/>
-                    <a:lumOff val="25000"/>
-                  </a:schemeClr>
-                </a:solidFill>
-                <a:latin typeface="+mn-lt"/>
-                <a:ea typeface="+mn-ea"/>
-                <a:cs typeface="+mn-cs"/>
-              </a:defRPr>
-            </a:lvl4pPr>
-            <a:lvl5pPr marL="2057400" indent="-228600" algn="l" defTabSz="457200" rtl="0" eaLnBrk="1" latinLnBrk="0" hangingPunct="1">
-              <a:spcBef>
-                <a:spcPts val="1000"/>
-              </a:spcBef>
-              <a:spcAft>
-                <a:spcPts val="0"/>
-              </a:spcAft>
-              <a:buClr>
-                <a:schemeClr val="accent1"/>
-              </a:buClr>
-              <a:buFont typeface="Wingdings 3" charset="2"/>
-              <a:buChar char=""/>
-              <a:defRPr sz="1200" kern="1200">
-                <a:solidFill>
-                  <a:schemeClr val="tx1">
-                    <a:lumMod val="75000"/>
-                    <a:lumOff val="25000"/>
-                  </a:schemeClr>
-                </a:solidFill>
-                <a:latin typeface="+mn-lt"/>
-                <a:ea typeface="+mn-ea"/>
-                <a:cs typeface="+mn-cs"/>
-              </a:defRPr>
-            </a:lvl5pPr>
-            <a:lvl6pPr marL="2514600" indent="-228600" algn="l" defTabSz="457200" rtl="0" eaLnBrk="1" latinLnBrk="0" hangingPunct="1">
-              <a:spcBef>
-                <a:spcPts val="1000"/>
-              </a:spcBef>
-              <a:spcAft>
-                <a:spcPts val="0"/>
-              </a:spcAft>
-              <a:buClr>
-                <a:schemeClr val="accent1"/>
-              </a:buClr>
-              <a:buFont typeface="Wingdings 3" charset="2"/>
-              <a:buChar char=""/>
-              <a:defRPr sz="1200" kern="1200">
-                <a:solidFill>
-                  <a:schemeClr val="tx1">
-                    <a:lumMod val="75000"/>
-                    <a:lumOff val="25000"/>
-                  </a:schemeClr>
-                </a:solidFill>
-                <a:latin typeface="+mn-lt"/>
-                <a:ea typeface="+mn-ea"/>
-                <a:cs typeface="+mn-cs"/>
-              </a:defRPr>
-            </a:lvl6pPr>
-            <a:lvl7pPr marL="2971800" indent="-228600" algn="l" defTabSz="457200" rtl="0" eaLnBrk="1" latinLnBrk="0" hangingPunct="1">
-              <a:spcBef>
-                <a:spcPts val="1000"/>
-              </a:spcBef>
-              <a:spcAft>
-                <a:spcPts val="0"/>
-              </a:spcAft>
-              <a:buClr>
-                <a:schemeClr val="accent1"/>
-              </a:buClr>
-              <a:buFont typeface="Wingdings 3" charset="2"/>
-              <a:buChar char=""/>
-              <a:defRPr sz="1200" kern="1200">
-                <a:solidFill>
-                  <a:schemeClr val="tx1">
-                    <a:lumMod val="75000"/>
-                    <a:lumOff val="25000"/>
-                  </a:schemeClr>
-                </a:solidFill>
-                <a:latin typeface="+mn-lt"/>
-                <a:ea typeface="+mn-ea"/>
-                <a:cs typeface="+mn-cs"/>
-              </a:defRPr>
-            </a:lvl7pPr>
-            <a:lvl8pPr marL="3429000" indent="-228600" algn="l" defTabSz="457200" rtl="0" eaLnBrk="1" latinLnBrk="0" hangingPunct="1">
-              <a:spcBef>
-                <a:spcPts val="1000"/>
-              </a:spcBef>
-              <a:spcAft>
-                <a:spcPts val="0"/>
-              </a:spcAft>
-              <a:buClr>
-                <a:schemeClr val="accent1"/>
-              </a:buClr>
-              <a:buFont typeface="Wingdings 3" charset="2"/>
-              <a:buChar char=""/>
-              <a:defRPr sz="1200" kern="1200">
-                <a:solidFill>
-                  <a:schemeClr val="tx1">
-                    <a:lumMod val="75000"/>
-                    <a:lumOff val="25000"/>
-                  </a:schemeClr>
-                </a:solidFill>
-                <a:latin typeface="+mn-lt"/>
-                <a:ea typeface="+mn-ea"/>
-                <a:cs typeface="+mn-cs"/>
-              </a:defRPr>
-            </a:lvl8pPr>
-            <a:lvl9pPr marL="3886200" indent="-228600" algn="l" defTabSz="457200" rtl="0" eaLnBrk="1" latinLnBrk="0" hangingPunct="1">
-              <a:spcBef>
-                <a:spcPts val="1000"/>
-              </a:spcBef>
-              <a:spcAft>
-                <a:spcPts val="0"/>
-              </a:spcAft>
-              <a:buClr>
-                <a:schemeClr val="accent1"/>
-              </a:buClr>
-              <a:buFont typeface="Wingdings 3" charset="2"/>
-              <a:buChar char=""/>
-              <a:defRPr sz="1200" kern="1200">
-                <a:solidFill>
-                  <a:schemeClr val="tx1">
-                    <a:lumMod val="75000"/>
-                    <a:lumOff val="25000"/>
-                  </a:schemeClr>
-                </a:solidFill>
-                <a:latin typeface="+mn-lt"/>
-                <a:ea typeface="+mn-ea"/>
-                <a:cs typeface="+mn-cs"/>
-              </a:defRPr>
-            </a:lvl9pPr>
-          </a:lstStyle>
-          <a:p>
-            <a:r>
-              <a:rPr lang="en-US" altLang="zh-CN" sz="2800" dirty="0" smtClean="0"/>
-              <a:t>K-Means</a:t>
-            </a:r>
-            <a:endParaRPr lang="zh-CN" altLang="en-US" sz="2800" dirty="0" smtClean="0"/>
-          </a:p>
-          <a:p>
-            <a:endParaRPr lang="zh-CN" altLang="en-US" sz="2800" dirty="0"/>
-          </a:p>
-          <a:p>
-            <a:r>
-              <a:rPr lang="en-US" altLang="zh-CN" sz="2800" dirty="0" smtClean="0"/>
-              <a:t>EM</a:t>
-            </a:r>
-            <a:endParaRPr lang="en-US" sz="2800" dirty="0"/>
-          </a:p>
-        </p:txBody>
-      </p:sp>
-    </p:spTree>
-    <p:extLst>
-      <p:ext uri="{BB962C8B-B14F-4D97-AF65-F5344CB8AC3E}">
-        <p14:creationId xmlns:p14="http://schemas.microsoft.com/office/powerpoint/2010/main" val="298501962"/>
-      </p:ext>
-    </p:extLst>
-  </p:cSld>
-  <p:clrMapOvr>
-    <a:masterClrMapping/>
-  </p:clrMapOvr>
-  <mc:AlternateContent xmlns:mc="http://schemas.openxmlformats.org/markup-compatibility/2006">
-    <mc:Choice xmlns:p14="http://schemas.microsoft.com/office/powerpoint/2010/main" Requires="p14">
-      <p:transition spd="slow" p14:dur="2000"/>
-    </mc:Choice>
-    <mc:Fallback>
-      <p:transition spd="slow"/>
-    </mc:Fallback>
-  </mc:AlternateContent>
-  <p:timing>
-    <p:tnLst>
-      <p:par>
-        <p:cTn id="1" dur="indefinite" restart="never" nodeType="tmRoot"/>
-      </p:par>
-    </p:tnLst>
-  </p:timing>
-</p:sld>
-</file>
-
-<file path=ppt/slides/slide15.xml><?xml version="1.0" encoding="utf-8"?>
-<p:sld xmlns:a="http://schemas.openxmlformats.org/drawingml/2006/main" xmlns:r="http://schemas.openxmlformats.org/officeDocument/2006/relationships" xmlns:p="http://schemas.openxmlformats.org/presentationml/2006/main" show="0">
-  <p:cSld>
-    <p:spTree>
-      <p:nvGrpSpPr>
-        <p:cNvPr id="1" name=""/>
-        <p:cNvGrpSpPr/>
-        <p:nvPr/>
-      </p:nvGrpSpPr>
-      <p:grpSpPr>
-        <a:xfrm>
-          <a:off x="0" y="0"/>
-          <a:ext cx="0" cy="0"/>
-          <a:chOff x="0" y="0"/>
-          <a:chExt cx="0" cy="0"/>
-        </a:xfrm>
-      </p:grpSpPr>
-      <p:sp>
-        <p:nvSpPr>
-          <p:cNvPr id="2" name="Title 1"/>
-          <p:cNvSpPr>
-            <a:spLocks noGrp="1"/>
-          </p:cNvSpPr>
-          <p:nvPr>
-            <p:ph type="title"/>
-          </p:nvPr>
-        </p:nvSpPr>
-        <p:spPr/>
-        <p:txBody>
-          <a:bodyPr>
-            <a:normAutofit/>
-          </a:bodyPr>
-          <a:lstStyle/>
-          <a:p>
-            <a:r>
-              <a:rPr lang="en-US" altLang="zh-CN" sz="4400" dirty="0" smtClean="0"/>
-              <a:t>K-Means</a:t>
-            </a:r>
-            <a:endParaRPr lang="en-US" sz="4400" dirty="0"/>
-          </a:p>
-        </p:txBody>
-      </p:sp>
-      <p:sp>
-        <p:nvSpPr>
-          <p:cNvPr id="4" name="Title 1"/>
-          <p:cNvSpPr txBox="1">
-            <a:spLocks/>
-          </p:cNvSpPr>
-          <p:nvPr/>
-        </p:nvSpPr>
-        <p:spPr>
-          <a:xfrm flipV="1">
-            <a:off x="842683" y="5617628"/>
-            <a:ext cx="8877953" cy="1044388"/>
-          </a:xfrm>
-          <a:prstGeom prst="rect">
-            <a:avLst/>
-          </a:prstGeom>
-        </p:spPr>
-        <p:txBody>
-          <a:bodyPr vert="horz" lIns="91440" tIns="45720" rIns="91440" bIns="45720" rtlCol="0" anchor="t">
-            <a:normAutofit/>
-          </a:bodyPr>
-          <a:lstStyle>
-            <a:lvl1pPr algn="l" defTabSz="457200" rtl="0" eaLnBrk="1" latinLnBrk="0" hangingPunct="1">
-              <a:spcBef>
-                <a:spcPct val="0"/>
-              </a:spcBef>
-              <a:buNone/>
-              <a:defRPr sz="3600" kern="1200">
-                <a:solidFill>
-                  <a:schemeClr val="tx1">
-                    <a:lumMod val="85000"/>
-                    <a:lumOff val="15000"/>
-                  </a:schemeClr>
-                </a:solidFill>
-                <a:latin typeface="+mj-lt"/>
-                <a:ea typeface="+mj-ea"/>
-                <a:cs typeface="+mj-cs"/>
-              </a:defRPr>
-            </a:lvl1pPr>
-            <a:lvl2pPr eaLnBrk="1" hangingPunct="1">
-              <a:defRPr>
-                <a:solidFill>
-                  <a:schemeClr val="tx2"/>
-                </a:solidFill>
-              </a:defRPr>
-            </a:lvl2pPr>
-            <a:lvl3pPr eaLnBrk="1" hangingPunct="1">
-              <a:defRPr>
-                <a:solidFill>
-                  <a:schemeClr val="tx2"/>
-                </a:solidFill>
-              </a:defRPr>
-            </a:lvl3pPr>
-            <a:lvl4pPr eaLnBrk="1" hangingPunct="1">
-              <a:defRPr>
-                <a:solidFill>
-                  <a:schemeClr val="tx2"/>
-                </a:solidFill>
-              </a:defRPr>
-            </a:lvl4pPr>
-            <a:lvl5pPr eaLnBrk="1" hangingPunct="1">
-              <a:defRPr>
-                <a:solidFill>
-                  <a:schemeClr val="tx2"/>
-                </a:solidFill>
-              </a:defRPr>
-            </a:lvl5pPr>
-            <a:lvl6pPr eaLnBrk="1" hangingPunct="1">
-              <a:defRPr>
-                <a:solidFill>
-                  <a:schemeClr val="tx2"/>
-                </a:solidFill>
-              </a:defRPr>
-            </a:lvl6pPr>
-            <a:lvl7pPr eaLnBrk="1" hangingPunct="1">
-              <a:defRPr>
-                <a:solidFill>
-                  <a:schemeClr val="tx2"/>
-                </a:solidFill>
-              </a:defRPr>
-            </a:lvl7pPr>
-            <a:lvl8pPr eaLnBrk="1" hangingPunct="1">
-              <a:defRPr>
-                <a:solidFill>
-                  <a:schemeClr val="tx2"/>
-                </a:solidFill>
-              </a:defRPr>
-            </a:lvl8pPr>
-            <a:lvl9pPr eaLnBrk="1" hangingPunct="1">
-              <a:defRPr>
-                <a:solidFill>
-                  <a:schemeClr val="tx2"/>
-                </a:solidFill>
-              </a:defRPr>
-            </a:lvl9pPr>
-          </a:lstStyle>
-          <a:p>
-            <a:endParaRPr lang="en-US" sz="4400" dirty="0"/>
-          </a:p>
-        </p:txBody>
-      </p:sp>
-      <p:sp>
-        <p:nvSpPr>
-          <p:cNvPr id="6" name="Content Placeholder 2"/>
-          <p:cNvSpPr>
-            <a:spLocks noGrp="1"/>
-          </p:cNvSpPr>
-          <p:nvPr>
-            <p:ph idx="1"/>
-          </p:nvPr>
-        </p:nvSpPr>
-        <p:spPr>
-          <a:xfrm>
-            <a:off x="2589212" y="2133600"/>
-            <a:ext cx="8915400" cy="3777622"/>
-          </a:xfrm>
-        </p:spPr>
-        <p:txBody>
-          <a:bodyPr>
-            <a:normAutofit/>
-          </a:bodyPr>
-          <a:lstStyle/>
-          <a:p>
-            <a:endParaRPr lang="en-US" sz="2800" dirty="0"/>
-          </a:p>
-        </p:txBody>
-      </p:sp>
-    </p:spTree>
-    <p:extLst>
-      <p:ext uri="{BB962C8B-B14F-4D97-AF65-F5344CB8AC3E}">
-        <p14:creationId xmlns:p14="http://schemas.microsoft.com/office/powerpoint/2010/main" val="584522071"/>
-      </p:ext>
-    </p:extLst>
-  </p:cSld>
-  <p:clrMapOvr>
-    <a:masterClrMapping/>
-  </p:clrMapOvr>
-  <mc:AlternateContent xmlns:mc="http://schemas.openxmlformats.org/markup-compatibility/2006">
-    <mc:Choice xmlns:p14="http://schemas.microsoft.com/office/powerpoint/2010/main" Requires="p14">
-      <p:transition spd="slow" p14:dur="2000"/>
-    </mc:Choice>
-    <mc:Fallback>
-      <p:transition spd="slow"/>
-    </mc:Fallback>
-  </mc:AlternateContent>
-  <p:timing>
-    <p:tnLst>
-      <p:par>
-        <p:cTn id="1" dur="indefinite" restart="never" nodeType="tmRoot"/>
-      </p:par>
-    </p:tnLst>
-  </p:timing>
-</p:sld>
-</file>
-
-<file path=ppt/slides/slide16.xml><?xml version="1.0" encoding="utf-8"?>
-<p:sld xmlns:a="http://schemas.openxmlformats.org/drawingml/2006/main" xmlns:r="http://schemas.openxmlformats.org/officeDocument/2006/relationships" xmlns:p="http://schemas.openxmlformats.org/presentationml/2006/main" show="0">
-  <p:cSld>
-    <p:spTree>
-      <p:nvGrpSpPr>
-        <p:cNvPr id="1" name=""/>
-        <p:cNvGrpSpPr/>
-        <p:nvPr/>
-      </p:nvGrpSpPr>
-      <p:grpSpPr>
-        <a:xfrm>
-          <a:off x="0" y="0"/>
-          <a:ext cx="0" cy="0"/>
-          <a:chOff x="0" y="0"/>
-          <a:chExt cx="0" cy="0"/>
-        </a:xfrm>
-      </p:grpSpPr>
-      <p:sp>
-        <p:nvSpPr>
-          <p:cNvPr id="2" name="Title 1"/>
-          <p:cNvSpPr>
-            <a:spLocks noGrp="1"/>
-          </p:cNvSpPr>
-          <p:nvPr>
-            <p:ph type="title"/>
-          </p:nvPr>
-        </p:nvSpPr>
-        <p:spPr/>
-        <p:txBody>
-          <a:bodyPr>
-            <a:normAutofit/>
-          </a:bodyPr>
-          <a:lstStyle/>
-          <a:p>
-            <a:r>
-              <a:rPr lang="en-US" altLang="zh-CN" sz="4400" dirty="0" smtClean="0"/>
-              <a:t>EM</a:t>
-            </a:r>
-            <a:endParaRPr lang="en-US" sz="4400" dirty="0"/>
-          </a:p>
-        </p:txBody>
-      </p:sp>
-      <p:sp>
-        <p:nvSpPr>
-          <p:cNvPr id="4" name="Title 1"/>
-          <p:cNvSpPr txBox="1">
-            <a:spLocks/>
-          </p:cNvSpPr>
-          <p:nvPr/>
-        </p:nvSpPr>
-        <p:spPr>
-          <a:xfrm flipV="1">
-            <a:off x="842683" y="5617628"/>
-            <a:ext cx="8877953" cy="1044388"/>
-          </a:xfrm>
-          <a:prstGeom prst="rect">
-            <a:avLst/>
-          </a:prstGeom>
-        </p:spPr>
-        <p:txBody>
-          <a:bodyPr vert="horz" lIns="91440" tIns="45720" rIns="91440" bIns="45720" rtlCol="0" anchor="t">
-            <a:normAutofit/>
-          </a:bodyPr>
-          <a:lstStyle>
-            <a:lvl1pPr algn="l" defTabSz="457200" rtl="0" eaLnBrk="1" latinLnBrk="0" hangingPunct="1">
-              <a:spcBef>
-                <a:spcPct val="0"/>
-              </a:spcBef>
-              <a:buNone/>
-              <a:defRPr sz="3600" kern="1200">
-                <a:solidFill>
-                  <a:schemeClr val="tx1">
-                    <a:lumMod val="85000"/>
-                    <a:lumOff val="15000"/>
-                  </a:schemeClr>
-                </a:solidFill>
-                <a:latin typeface="+mj-lt"/>
-                <a:ea typeface="+mj-ea"/>
-                <a:cs typeface="+mj-cs"/>
-              </a:defRPr>
-            </a:lvl1pPr>
-            <a:lvl2pPr eaLnBrk="1" hangingPunct="1">
-              <a:defRPr>
-                <a:solidFill>
-                  <a:schemeClr val="tx2"/>
-                </a:solidFill>
-              </a:defRPr>
-            </a:lvl2pPr>
-            <a:lvl3pPr eaLnBrk="1" hangingPunct="1">
-              <a:defRPr>
-                <a:solidFill>
-                  <a:schemeClr val="tx2"/>
-                </a:solidFill>
-              </a:defRPr>
-            </a:lvl3pPr>
-            <a:lvl4pPr eaLnBrk="1" hangingPunct="1">
-              <a:defRPr>
-                <a:solidFill>
-                  <a:schemeClr val="tx2"/>
-                </a:solidFill>
-              </a:defRPr>
-            </a:lvl4pPr>
-            <a:lvl5pPr eaLnBrk="1" hangingPunct="1">
-              <a:defRPr>
-                <a:solidFill>
-                  <a:schemeClr val="tx2"/>
-                </a:solidFill>
-              </a:defRPr>
-            </a:lvl5pPr>
-            <a:lvl6pPr eaLnBrk="1" hangingPunct="1">
-              <a:defRPr>
-                <a:solidFill>
-                  <a:schemeClr val="tx2"/>
-                </a:solidFill>
-              </a:defRPr>
-            </a:lvl6pPr>
-            <a:lvl7pPr eaLnBrk="1" hangingPunct="1">
-              <a:defRPr>
-                <a:solidFill>
-                  <a:schemeClr val="tx2"/>
-                </a:solidFill>
-              </a:defRPr>
-            </a:lvl7pPr>
-            <a:lvl8pPr eaLnBrk="1" hangingPunct="1">
-              <a:defRPr>
-                <a:solidFill>
-                  <a:schemeClr val="tx2"/>
-                </a:solidFill>
-              </a:defRPr>
-            </a:lvl8pPr>
-            <a:lvl9pPr eaLnBrk="1" hangingPunct="1">
-              <a:defRPr>
-                <a:solidFill>
-                  <a:schemeClr val="tx2"/>
-                </a:solidFill>
-              </a:defRPr>
-            </a:lvl9pPr>
-          </a:lstStyle>
-          <a:p>
-            <a:endParaRPr lang="en-US" sz="4400" dirty="0"/>
-          </a:p>
-        </p:txBody>
-      </p:sp>
-      <p:sp>
-        <p:nvSpPr>
-          <p:cNvPr id="6" name="Content Placeholder 2"/>
-          <p:cNvSpPr>
-            <a:spLocks noGrp="1"/>
-          </p:cNvSpPr>
-          <p:nvPr>
-            <p:ph idx="1"/>
-          </p:nvPr>
-        </p:nvSpPr>
-        <p:spPr>
-          <a:xfrm>
-            <a:off x="2589212" y="2133600"/>
-            <a:ext cx="8915400" cy="3777622"/>
-          </a:xfrm>
-        </p:spPr>
-        <p:txBody>
-          <a:bodyPr>
-            <a:normAutofit/>
-          </a:bodyPr>
-          <a:lstStyle/>
-          <a:p>
-            <a:endParaRPr lang="en-US" sz="2800" dirty="0"/>
-          </a:p>
-        </p:txBody>
-      </p:sp>
-    </p:spTree>
-    <p:extLst>
-      <p:ext uri="{BB962C8B-B14F-4D97-AF65-F5344CB8AC3E}">
-        <p14:creationId xmlns:p14="http://schemas.microsoft.com/office/powerpoint/2010/main" val="413360099"/>
-      </p:ext>
-    </p:extLst>
-  </p:cSld>
-  <p:clrMapOvr>
-    <a:masterClrMapping/>
-  </p:clrMapOvr>
-  <mc:AlternateContent xmlns:mc="http://schemas.openxmlformats.org/markup-compatibility/2006">
-    <mc:Choice xmlns:p14="http://schemas.microsoft.com/office/powerpoint/2010/main" Requires="p14">
-      <p:transition spd="slow" p14:dur="2000"/>
-    </mc:Choice>
-    <mc:Fallback>
-      <p:transition spd="slow"/>
-    </mc:Fallback>
-  </mc:AlternateContent>
-  <p:timing>
-    <p:tnLst>
-      <p:par>
-        <p:cTn id="1" dur="indefinite" restart="never" nodeType="tmRoot"/>
-      </p:par>
-    </p:tnLst>
-  </p:timing>
-</p:sld>
-</file>
-
-<file path=ppt/slides/slide17.xml><?xml version="1.0" encoding="utf-8"?>
-<p:sld xmlns:a="http://schemas.openxmlformats.org/drawingml/2006/main" xmlns:r="http://schemas.openxmlformats.org/officeDocument/2006/relationships" xmlns:p="http://schemas.openxmlformats.org/presentationml/2006/main" show="0">
-  <p:cSld>
-    <p:spTree>
-      <p:nvGrpSpPr>
-        <p:cNvPr id="1" name=""/>
-        <p:cNvGrpSpPr/>
-        <p:nvPr/>
-      </p:nvGrpSpPr>
-      <p:grpSpPr>
-        <a:xfrm>
-          <a:off x="0" y="0"/>
-          <a:ext cx="0" cy="0"/>
-          <a:chOff x="0" y="0"/>
-          <a:chExt cx="0" cy="0"/>
-        </a:xfrm>
-      </p:grpSpPr>
-      <p:sp>
-        <p:nvSpPr>
-          <p:cNvPr id="2" name="Title 1"/>
-          <p:cNvSpPr>
-            <a:spLocks noGrp="1"/>
-          </p:cNvSpPr>
-          <p:nvPr>
-            <p:ph type="title"/>
-          </p:nvPr>
-        </p:nvSpPr>
-        <p:spPr/>
-        <p:txBody>
-          <a:bodyPr>
-            <a:normAutofit/>
-          </a:bodyPr>
-          <a:lstStyle/>
-          <a:p>
-            <a:r>
-              <a:rPr lang="en-US" altLang="zh-CN" sz="4400" dirty="0" smtClean="0"/>
-              <a:t>Other</a:t>
-            </a:r>
-            <a:r>
-              <a:rPr lang="zh-CN" altLang="en-US" sz="4400" dirty="0" smtClean="0"/>
-              <a:t> </a:t>
-            </a:r>
-            <a:r>
-              <a:rPr lang="en-US" altLang="zh-CN" sz="4400" dirty="0" smtClean="0"/>
-              <a:t>thoughts</a:t>
-            </a:r>
-            <a:endParaRPr lang="en-US" sz="4400" dirty="0"/>
-          </a:p>
-        </p:txBody>
-      </p:sp>
-      <p:sp>
-        <p:nvSpPr>
-          <p:cNvPr id="3" name="Content Placeholder 2"/>
-          <p:cNvSpPr>
-            <a:spLocks noGrp="1"/>
-          </p:cNvSpPr>
-          <p:nvPr>
-            <p:ph idx="1"/>
-          </p:nvPr>
-        </p:nvSpPr>
-        <p:spPr>
-          <a:xfrm>
-            <a:off x="2589212" y="1413164"/>
-            <a:ext cx="8915400" cy="5444836"/>
-          </a:xfrm>
-        </p:spPr>
-        <p:txBody>
-          <a:bodyPr>
-            <a:normAutofit/>
-          </a:bodyPr>
-          <a:lstStyle/>
-          <a:p>
-            <a:endParaRPr lang="zh-CN" altLang="en-US" sz="2800" dirty="0" smtClean="0"/>
-          </a:p>
-          <a:p>
-            <a:r>
-              <a:rPr lang="en-US" altLang="zh-CN" sz="2800" dirty="0" smtClean="0"/>
-              <a:t>Put</a:t>
-            </a:r>
-            <a:r>
-              <a:rPr lang="zh-CN" altLang="en-US" sz="2800" dirty="0" smtClean="0"/>
-              <a:t> </a:t>
-            </a:r>
-            <a:r>
-              <a:rPr lang="en-US" altLang="zh-CN" sz="2800" dirty="0" smtClean="0"/>
-              <a:t>target</a:t>
-            </a:r>
-            <a:r>
-              <a:rPr lang="zh-CN" altLang="en-US" sz="2800" dirty="0" smtClean="0"/>
-              <a:t> </a:t>
-            </a:r>
-            <a:r>
-              <a:rPr lang="en-US" altLang="zh-CN" sz="2800" dirty="0" smtClean="0"/>
-              <a:t>as</a:t>
-            </a:r>
-            <a:r>
-              <a:rPr lang="zh-CN" altLang="en-US" sz="2800" dirty="0" smtClean="0"/>
-              <a:t> </a:t>
-            </a:r>
-            <a:r>
-              <a:rPr lang="en-US" altLang="zh-CN" sz="2800" dirty="0" smtClean="0"/>
-              <a:t>an</a:t>
-            </a:r>
-            <a:r>
-              <a:rPr lang="zh-CN" altLang="en-US" sz="2800" dirty="0" smtClean="0"/>
-              <a:t> </a:t>
-            </a:r>
-            <a:r>
-              <a:rPr lang="en-US" altLang="zh-CN" sz="2800" dirty="0" smtClean="0"/>
-              <a:t>attribute,</a:t>
-            </a:r>
-            <a:r>
-              <a:rPr lang="zh-CN" altLang="en-US" sz="2800" dirty="0" smtClean="0"/>
-              <a:t> </a:t>
-            </a:r>
-            <a:r>
-              <a:rPr lang="en-US" altLang="zh-CN" sz="2800" dirty="0" smtClean="0"/>
-              <a:t>and</a:t>
-            </a:r>
-            <a:r>
-              <a:rPr lang="zh-CN" altLang="en-US" sz="2800" dirty="0" smtClean="0"/>
-              <a:t> </a:t>
-            </a:r>
-            <a:r>
-              <a:rPr lang="en-US" altLang="zh-CN" sz="2800" dirty="0" smtClean="0"/>
-              <a:t>put</a:t>
-            </a:r>
-            <a:r>
-              <a:rPr lang="zh-CN" altLang="en-US" sz="2800" dirty="0" smtClean="0"/>
-              <a:t> </a:t>
-            </a:r>
-            <a:r>
-              <a:rPr lang="en-US" altLang="zh-CN" sz="2800" dirty="0" smtClean="0"/>
-              <a:t>another</a:t>
-            </a:r>
-            <a:r>
-              <a:rPr lang="zh-CN" altLang="en-US" sz="2800" dirty="0" smtClean="0"/>
-              <a:t> </a:t>
-            </a:r>
-            <a:r>
-              <a:rPr lang="en-US" altLang="zh-CN" sz="2800" dirty="0" smtClean="0"/>
-              <a:t>feature</a:t>
-            </a:r>
-            <a:r>
-              <a:rPr lang="zh-CN" altLang="en-US" sz="2800" dirty="0" smtClean="0"/>
-              <a:t> </a:t>
-            </a:r>
-            <a:r>
-              <a:rPr lang="en-US" altLang="zh-CN" sz="2800" dirty="0" smtClean="0"/>
-              <a:t>as</a:t>
-            </a:r>
-            <a:r>
-              <a:rPr lang="zh-CN" altLang="en-US" sz="2800" dirty="0" smtClean="0"/>
-              <a:t> </a:t>
-            </a:r>
-            <a:r>
-              <a:rPr lang="en-US" altLang="zh-CN" sz="2800" dirty="0" smtClean="0"/>
-              <a:t>our</a:t>
-            </a:r>
-            <a:r>
-              <a:rPr lang="zh-CN" altLang="en-US" sz="2800" dirty="0" smtClean="0"/>
-              <a:t> </a:t>
-            </a:r>
-            <a:r>
-              <a:rPr lang="en-US" altLang="zh-CN" sz="2800" dirty="0" smtClean="0"/>
-              <a:t>target</a:t>
-            </a:r>
-            <a:r>
-              <a:rPr lang="zh-CN" altLang="en-US" sz="2800" dirty="0" smtClean="0"/>
-              <a:t> </a:t>
-            </a:r>
-            <a:r>
-              <a:rPr lang="en-US" altLang="zh-CN" sz="2800" dirty="0" smtClean="0"/>
-              <a:t>(e.g.</a:t>
-            </a:r>
-            <a:r>
-              <a:rPr lang="zh-CN" altLang="en-US" sz="2800" dirty="0" smtClean="0"/>
-              <a:t> </a:t>
-            </a:r>
-            <a:r>
-              <a:rPr lang="en-US" altLang="zh-CN" sz="2800" dirty="0" smtClean="0"/>
-              <a:t>“</a:t>
-            </a:r>
-            <a:r>
-              <a:rPr lang="en-US" altLang="zh-CN" sz="2800" dirty="0" err="1" smtClean="0"/>
-              <a:t>data_channel</a:t>
-            </a:r>
-            <a:r>
-              <a:rPr lang="en-US" altLang="zh-CN" sz="2800" dirty="0" smtClean="0"/>
-              <a:t>”)</a:t>
-            </a:r>
-            <a:endParaRPr lang="zh-CN" altLang="en-US" sz="2800" dirty="0" smtClean="0"/>
-          </a:p>
-          <a:p>
-            <a:endParaRPr lang="zh-CN" altLang="en-US" sz="2800" dirty="0"/>
-          </a:p>
-          <a:p>
-            <a:endParaRPr lang="zh-CN" altLang="en-US" sz="2800" dirty="0" smtClean="0"/>
-          </a:p>
-          <a:p>
-            <a:endParaRPr lang="zh-CN" altLang="en-US" sz="2800" dirty="0"/>
-          </a:p>
-          <a:p>
-            <a:endParaRPr lang="zh-CN" altLang="en-US" sz="2800" dirty="0" smtClean="0"/>
-          </a:p>
-          <a:p>
-            <a:endParaRPr lang="zh-CN" altLang="en-US" sz="2800" dirty="0"/>
-          </a:p>
-          <a:p>
-            <a:endParaRPr lang="zh-CN" altLang="en-US" sz="2800" dirty="0" smtClean="0"/>
-          </a:p>
-          <a:p>
-            <a:endParaRPr lang="zh-CN" altLang="en-US" sz="2800" dirty="0"/>
-          </a:p>
-          <a:p>
-            <a:endParaRPr lang="zh-CN" altLang="en-US" sz="2800" dirty="0" smtClean="0"/>
-          </a:p>
-          <a:p>
-            <a:endParaRPr lang="zh-CN" altLang="en-US" sz="2800" dirty="0"/>
-          </a:p>
-          <a:p>
-            <a:endParaRPr lang="zh-CN" altLang="en-US" sz="2800" dirty="0" smtClean="0"/>
-          </a:p>
-          <a:p>
-            <a:endParaRPr lang="zh-CN" altLang="en-US" sz="2800" dirty="0" smtClean="0"/>
-          </a:p>
-          <a:p>
-            <a:endParaRPr lang="zh-CN" altLang="en-US" sz="2800" dirty="0"/>
-          </a:p>
-          <a:p>
-            <a:endParaRPr lang="zh-CN" altLang="en-US" sz="2800" dirty="0"/>
-          </a:p>
-          <a:p>
-            <a:endParaRPr lang="zh-CN" altLang="en-US" sz="2800" dirty="0" smtClean="0"/>
-          </a:p>
-          <a:p>
-            <a:endParaRPr lang="zh-CN" altLang="en-US" sz="3300" dirty="0" smtClean="0"/>
-          </a:p>
-        </p:txBody>
-      </p:sp>
-    </p:spTree>
-    <p:extLst>
-      <p:ext uri="{BB962C8B-B14F-4D97-AF65-F5344CB8AC3E}">
-        <p14:creationId xmlns:p14="http://schemas.microsoft.com/office/powerpoint/2010/main" val="1012502954"/>
-      </p:ext>
-    </p:extLst>
-  </p:cSld>
-  <p:clrMapOvr>
-    <a:masterClrMapping/>
-  </p:clrMapOvr>
-  <mc:AlternateContent xmlns:mc="http://schemas.openxmlformats.org/markup-compatibility/2006">
-    <mc:Choice xmlns:p14="http://schemas.microsoft.com/office/powerpoint/2010/main" Requires="p14">
-      <p:transition spd="slow" p14:dur="2000"/>
-    </mc:Choice>
-    <mc:Fallback>
-      <p:transition spd="slow"/>
-    </mc:Fallback>
-  </mc:AlternateContent>
-  <p:timing>
-    <p:tnLst>
-      <p:par>
-        <p:cTn id="1" dur="indefinite" restart="never" nodeType="tmRoot"/>
-      </p:par>
-    </p:tnLst>
-  </p:timing>
-</p:sld>
-</file>
-
 <file path=ppt/slides/slide2.xml><?xml version="1.0" encoding="utf-8"?>
 <p:sld xmlns:a="http://schemas.openxmlformats.org/drawingml/2006/main" xmlns:r="http://schemas.openxmlformats.org/officeDocument/2006/relationships" xmlns:p="http://schemas.openxmlformats.org/presentationml/2006/main">
   <p:cSld>
@@ -10748,7 +9103,7 @@
         </p:nvSpPr>
         <p:spPr>
           <a:xfrm>
-            <a:off x="2589212" y="2133599"/>
+            <a:off x="2306389" y="1607336"/>
             <a:ext cx="8915400" cy="4184073"/>
           </a:xfrm>
         </p:spPr>
@@ -10774,6 +9129,12 @@
               <a:rPr lang="en-US" sz="2800" dirty="0" smtClean="0"/>
               <a:t>repository</a:t>
             </a:r>
+          </a:p>
+          <a:p>
+            <a:endParaRPr lang="en-US" sz="2800" dirty="0"/>
+          </a:p>
+          <a:p>
+            <a:endParaRPr lang="en-US" sz="2800" dirty="0" smtClean="0"/>
           </a:p>
           <a:p>
             <a:endParaRPr lang="en-US" sz="2800" dirty="0" smtClean="0"/>
@@ -10839,8 +9200,56 @@
         </p:blipFill>
         <p:spPr>
           <a:xfrm>
-            <a:off x="2427847" y="4512496"/>
+            <a:off x="2427847" y="2289770"/>
             <a:ext cx="9764153" cy="1411193"/>
+          </a:xfrm>
+          <a:prstGeom prst="rect">
+            <a:avLst/>
+          </a:prstGeom>
+        </p:spPr>
+      </p:pic>
+      <p:pic>
+        <p:nvPicPr>
+          <p:cNvPr id="6" name="Picture 5"/>
+          <p:cNvPicPr>
+            <a:picLocks noChangeAspect="1"/>
+          </p:cNvPicPr>
+          <p:nvPr/>
+        </p:nvPicPr>
+        <p:blipFill>
+          <a:blip r:embed="rId4"/>
+          <a:stretch>
+            <a:fillRect/>
+          </a:stretch>
+        </p:blipFill>
+        <p:spPr>
+          <a:xfrm>
+            <a:off x="1740743" y="4457700"/>
+            <a:ext cx="4425267" cy="2337672"/>
+          </a:xfrm>
+          <a:prstGeom prst="rect">
+            <a:avLst/>
+          </a:prstGeom>
+        </p:spPr>
+      </p:pic>
+      <p:pic>
+        <p:nvPicPr>
+          <p:cNvPr id="8" name="Picture 7"/>
+          <p:cNvPicPr>
+            <a:picLocks noChangeAspect="1"/>
+          </p:cNvPicPr>
+          <p:nvPr/>
+        </p:nvPicPr>
+        <p:blipFill>
+          <a:blip r:embed="rId5"/>
+          <a:stretch>
+            <a:fillRect/>
+          </a:stretch>
+        </p:blipFill>
+        <p:spPr>
+          <a:xfrm>
+            <a:off x="6480272" y="4661647"/>
+            <a:ext cx="5711728" cy="2004874"/>
           </a:xfrm>
           <a:prstGeom prst="rect">
             <a:avLst/>
@@ -10952,11 +9361,7 @@
                                           </p:stCondLst>
                                         </p:cTn>
                                         <p:tgtEl>
-                                          <p:spTgt spid="3">
-                                            <p:txEl>
-                                              <p:pRg st="2" end="2"/>
-                                            </p:txEl>
-                                          </p:spTgt>
+                                          <p:spTgt spid="5"/>
                                         </p:tgtEl>
                                         <p:attrNameLst>
                                           <p:attrName>style.visibility</p:attrName>
@@ -10970,11 +9375,7 @@
                                       <p:cBhvr>
                                         <p:cTn id="12" dur="500"/>
                                         <p:tgtEl>
-                                          <p:spTgt spid="3">
-                                            <p:txEl>
-                                              <p:pRg st="2" end="2"/>
-                                            </p:txEl>
-                                          </p:spTgt>
+                                          <p:spTgt spid="5"/>
                                         </p:tgtEl>
                                       </p:cBhvr>
                                     </p:animEffect>
@@ -11013,7 +9414,11 @@
                                           </p:stCondLst>
                                         </p:cTn>
                                         <p:tgtEl>
-                                          <p:spTgt spid="5"/>
+                                          <p:spTgt spid="3">
+                                            <p:txEl>
+                                              <p:pRg st="4" end="4"/>
+                                            </p:txEl>
+                                          </p:spTgt>
                                         </p:tgtEl>
                                         <p:attrNameLst>
                                           <p:attrName>style.visibility</p:attrName>
@@ -11027,7 +9432,117 @@
                                       <p:cBhvr>
                                         <p:cTn id="17" dur="500"/>
                                         <p:tgtEl>
-                                          <p:spTgt spid="5"/>
+                                          <p:spTgt spid="3">
+                                            <p:txEl>
+                                              <p:pRg st="4" end="4"/>
+                                            </p:txEl>
+                                          </p:spTgt>
+                                        </p:tgtEl>
+                                      </p:cBhvr>
+                                    </p:animEffect>
+                                  </p:childTnLst>
+                                </p:cTn>
+                              </p:par>
+                            </p:childTnLst>
+                          </p:cTn>
+                        </p:par>
+                      </p:childTnLst>
+                    </p:cTn>
+                  </p:par>
+                  <p:par>
+                    <p:cTn id="18" fill="hold">
+                      <p:stCondLst>
+                        <p:cond delay="indefinite"/>
+                      </p:stCondLst>
+                      <p:childTnLst>
+                        <p:par>
+                          <p:cTn id="19" fill="hold">
+                            <p:stCondLst>
+                              <p:cond delay="0"/>
+                            </p:stCondLst>
+                            <p:childTnLst>
+                              <p:par>
+                                <p:cTn id="20" presetID="9" presetClass="entr" presetSubtype="0" fill="hold" nodeType="clickEffect">
+                                  <p:stCondLst>
+                                    <p:cond delay="0"/>
+                                  </p:stCondLst>
+                                  <p:childTnLst>
+                                    <p:set>
+                                      <p:cBhvr>
+                                        <p:cTn id="21" dur="1" fill="hold">
+                                          <p:stCondLst>
+                                            <p:cond delay="0"/>
+                                          </p:stCondLst>
+                                        </p:cTn>
+                                        <p:tgtEl>
+                                          <p:spTgt spid="6"/>
+                                        </p:tgtEl>
+                                        <p:attrNameLst>
+                                          <p:attrName>style.visibility</p:attrName>
+                                        </p:attrNameLst>
+                                      </p:cBhvr>
+                                      <p:to>
+                                        <p:strVal val="visible"/>
+                                      </p:to>
+                                    </p:set>
+                                    <p:animEffect transition="in" filter="dissolve">
+                                      <p:cBhvr>
+                                        <p:cTn id="22" dur="500"/>
+                                        <p:tgtEl>
+                                          <p:spTgt spid="6"/>
+                                        </p:tgtEl>
+                                      </p:cBhvr>
+                                    </p:animEffect>
+                                  </p:childTnLst>
+                                </p:cTn>
+                              </p:par>
+                            </p:childTnLst>
+                          </p:cTn>
+                        </p:par>
+                      </p:childTnLst>
+                    </p:cTn>
+                  </p:par>
+                  <p:par>
+                    <p:cTn id="23" fill="hold">
+                      <p:stCondLst>
+                        <p:cond delay="indefinite"/>
+                      </p:stCondLst>
+                      <p:childTnLst>
+                        <p:par>
+                          <p:cTn id="24" fill="hold">
+                            <p:stCondLst>
+                              <p:cond delay="0"/>
+                            </p:stCondLst>
+                            <p:childTnLst>
+                              <p:par>
+                                <p:cTn id="25" presetID="9" presetClass="entr" presetSubtype="0" fill="hold" nodeType="clickEffect">
+                                  <p:stCondLst>
+                                    <p:cond delay="0"/>
+                                  </p:stCondLst>
+                                  <p:childTnLst>
+                                    <p:set>
+                                      <p:cBhvr>
+                                        <p:cTn id="26" dur="1" fill="hold">
+                                          <p:stCondLst>
+                                            <p:cond delay="0"/>
+                                          </p:stCondLst>
+                                        </p:cTn>
+                                        <p:tgtEl>
+                                          <p:spTgt spid="8"/>
+                                        </p:tgtEl>
+                                        <p:attrNameLst>
+                                          <p:attrName>style.visibility</p:attrName>
+                                        </p:attrNameLst>
+                                      </p:cBhvr>
+                                      <p:to>
+                                        <p:strVal val="visible"/>
+                                      </p:to>
+                                    </p:set>
+                                    <p:animEffect transition="in" filter="dissolve">
+                                      <p:cBhvr>
+                                        <p:cTn id="27" dur="500"/>
+                                        <p:tgtEl>
+                                          <p:spTgt spid="8"/>
                                         </p:tgtEl>
                                       </p:cBhvr>
                                     </p:animEffect>
@@ -11133,7 +9648,7 @@
         </p:spPr>
         <p:txBody>
           <a:bodyPr>
-            <a:normAutofit/>
+            <a:normAutofit lnSpcReduction="10000"/>
           </a:bodyPr>
           <a:lstStyle/>
           <a:p>
@@ -11150,23 +9665,18 @@
             </a:r>
             <a:r>
               <a:rPr lang="it-IT" sz="2800" dirty="0" smtClean="0"/>
-              <a:t>a1b2c3d4e5  </a:t>
+              <a:t>a1b2c3d4  </a:t>
             </a:r>
             <a:r>
               <a:rPr lang="it-IT" sz="2800" dirty="0" smtClean="0">
                 <a:sym typeface="Wingdings"/>
               </a:rPr>
-              <a:t> 4-gram: </a:t>
+              <a:t> 3-gram: </a:t>
             </a:r>
             <a:r>
               <a:rPr lang="it-IT" sz="2400" dirty="0" smtClean="0"/>
-              <a:t>a1b2c3d4 &amp; b2c3d4e5</a:t>
-            </a:r>
-          </a:p>
-          <a:p>
-            <a:pPr marL="457200" lvl="1" indent="0">
-              <a:buNone/>
-            </a:pPr>
+              <a:t>a1b2c3 &amp; b2c3d4</a:t>
+            </a:r>
             <a:endParaRPr lang="zh-CN" altLang="en-US" sz="2600" dirty="0" smtClean="0"/>
           </a:p>
           <a:p>
@@ -11174,9 +9684,47 @@
               <a:rPr lang="en-US" altLang="zh-CN" sz="2800" dirty="0" smtClean="0"/>
               <a:t>Binary/Assembly/DLL N-gram Feature Set</a:t>
             </a:r>
-          </a:p>
-          <a:p>
-            <a:endParaRPr lang="en-US" altLang="zh-CN" sz="2800" dirty="0"/>
+            <a:endParaRPr lang="zh-CN" altLang="en-US" sz="2800" dirty="0" smtClean="0"/>
+          </a:p>
+          <a:p>
+            <a:pPr lvl="1"/>
+            <a:r>
+              <a:rPr lang="en-US" altLang="zh-CN" sz="2600" dirty="0" smtClean="0"/>
+              <a:t>Hybrid</a:t>
+            </a:r>
+            <a:r>
+              <a:rPr lang="zh-CN" altLang="en-US" sz="2600" dirty="0" smtClean="0"/>
+              <a:t> </a:t>
+            </a:r>
+            <a:r>
+              <a:rPr lang="en-US" altLang="zh-CN" sz="2600" dirty="0" smtClean="0"/>
+              <a:t>model:</a:t>
+            </a:r>
+            <a:r>
+              <a:rPr lang="zh-CN" altLang="en-US" sz="2600" dirty="0" smtClean="0"/>
+              <a:t> </a:t>
+            </a:r>
+            <a:r>
+              <a:rPr lang="en-US" altLang="zh-CN" sz="2600" dirty="0" smtClean="0"/>
+              <a:t>Combine</a:t>
+            </a:r>
+            <a:r>
+              <a:rPr lang="zh-CN" altLang="en-US" sz="2600" dirty="0" smtClean="0"/>
+              <a:t> </a:t>
+            </a:r>
+            <a:r>
+              <a:rPr lang="en-US" altLang="zh-CN" sz="2600" dirty="0" smtClean="0"/>
+              <a:t>the</a:t>
+            </a:r>
+            <a:r>
+              <a:rPr lang="zh-CN" altLang="en-US" sz="2600" dirty="0" smtClean="0"/>
+              <a:t> </a:t>
+            </a:r>
+            <a:r>
+              <a:rPr lang="en-US" altLang="zh-CN" sz="2600" dirty="0" smtClean="0"/>
+              <a:t>three</a:t>
+            </a:r>
+            <a:endParaRPr lang="en-US" altLang="zh-CN" sz="2600" dirty="0"/>
           </a:p>
           <a:p>
             <a:r>
@@ -11185,10 +9733,21 @@
             </a:r>
           </a:p>
           <a:p>
-            <a:pPr marL="0" indent="0">
-              <a:buNone/>
-            </a:pPr>
+            <a:endParaRPr lang="en-US" altLang="zh-CN" sz="2800" dirty="0"/>
+          </a:p>
+          <a:p>
             <a:endParaRPr lang="en-US" altLang="zh-CN" sz="2800" dirty="0" smtClean="0"/>
+          </a:p>
+          <a:p>
+            <a:r>
+              <a:rPr lang="en-US" altLang="zh-CN" sz="2800" dirty="0" smtClean="0"/>
+              <a:t>Algorithm: </a:t>
+            </a:r>
+            <a:r>
+              <a:rPr lang="en-US" altLang="zh-CN" sz="2800" dirty="0" err="1" smtClean="0"/>
+              <a:t>libSVM</a:t>
+            </a:r>
+            <a:endParaRPr lang="en-US" altLang="zh-CN" sz="2800" dirty="0"/>
           </a:p>
           <a:p>
             <a:pPr marL="0" indent="0">
@@ -11257,7 +9816,7 @@
         </p:blipFill>
         <p:spPr>
           <a:xfrm>
-            <a:off x="3675530" y="4830056"/>
+            <a:off x="3639672" y="4035585"/>
             <a:ext cx="6097868" cy="871124"/>
           </a:xfrm>
           <a:prstGeom prst="rect">
@@ -11415,6 +9974,49 @@
                                         <p:tgtEl>
                                           <p:spTgt spid="3">
                                             <p:txEl>
+                                              <p:pRg st="2" end="2"/>
+                                            </p:txEl>
+                                          </p:spTgt>
+                                        </p:tgtEl>
+                                        <p:attrNameLst>
+                                          <p:attrName>style.visibility</p:attrName>
+                                        </p:attrNameLst>
+                                      </p:cBhvr>
+                                      <p:to>
+                                        <p:strVal val="visible"/>
+                                      </p:to>
+                                    </p:set>
+                                    <p:animEffect transition="in" filter="dissolve">
+                                      <p:cBhvr>
+                                        <p:cTn id="15" dur="500"/>
+                                        <p:tgtEl>
+                                          <p:spTgt spid="3">
+                                            <p:txEl>
+                                              <p:pRg st="2" end="2"/>
+                                            </p:txEl>
+                                          </p:spTgt>
+                                        </p:tgtEl>
+                                      </p:cBhvr>
+                                    </p:animEffect>
+                                  </p:childTnLst>
+                                </p:cTn>
+                              </p:par>
+                              <p:par>
+                                <p:cTn id="16" presetID="9" presetClass="entr" presetSubtype="0" fill="hold" grpId="0" nodeType="withEffect">
+                                  <p:stCondLst>
+                                    <p:cond delay="0"/>
+                                  </p:stCondLst>
+                                  <p:childTnLst>
+                                    <p:set>
+                                      <p:cBhvr>
+                                        <p:cTn id="17" dur="1" fill="hold">
+                                          <p:stCondLst>
+                                            <p:cond delay="0"/>
+                                          </p:stCondLst>
+                                        </p:cTn>
+                                        <p:tgtEl>
+                                          <p:spTgt spid="3">
+                                            <p:txEl>
                                               <p:pRg st="3" end="3"/>
                                             </p:txEl>
                                           </p:spTgt>
@@ -11429,7 +10031,7 @@
                                     </p:set>
                                     <p:animEffect transition="in" filter="dissolve">
                                       <p:cBhvr>
-                                        <p:cTn id="15" dur="500"/>
+                                        <p:cTn id="18" dur="500"/>
                                         <p:tgtEl>
                                           <p:spTgt spid="3">
                                             <p:txEl>
@@ -11449,26 +10051,26 @@
                     </p:cTn>
                   </p:par>
                   <p:par>
-                    <p:cTn id="16" fill="hold">
+                    <p:cTn id="19" fill="hold">
                       <p:stCondLst>
                         <p:cond delay="indefinite"/>
                       </p:stCondLst>
                       <p:childTnLst>
                         <p:par>
-                          <p:cTn id="17" fill="hold">
+                          <p:cTn id="20" fill="hold">
                             <p:stCondLst>
                               <p:cond delay="0"/>
                             </p:stCondLst>
                             <p:childTnLst>
                               <p:par>
-                                <p:cTn id="18" presetID="9" presetClass="entr" presetSubtype="0" fill="hold" grpId="0" nodeType="clickEffect">
+                                <p:cTn id="21" presetID="9" presetClass="entr" presetSubtype="0" fill="hold" grpId="0" nodeType="clickEffect">
                                   <p:stCondLst>
                                     <p:cond delay="0"/>
                                   </p:stCondLst>
                                   <p:childTnLst>
                                     <p:set>
                                       <p:cBhvr>
-                                        <p:cTn id="19" dur="1" fill="hold">
+                                        <p:cTn id="22" dur="1" fill="hold">
                                           <p:stCondLst>
                                             <p:cond delay="0"/>
                                           </p:stCondLst>
@@ -11476,7 +10078,7 @@
                                         <p:tgtEl>
                                           <p:spTgt spid="3">
                                             <p:txEl>
-                                              <p:pRg st="5" end="5"/>
+                                              <p:pRg st="4" end="4"/>
                                             </p:txEl>
                                           </p:spTgt>
                                         </p:tgtEl>
@@ -11490,11 +10092,11 @@
                                     </p:set>
                                     <p:animEffect transition="in" filter="dissolve">
                                       <p:cBhvr>
-                                        <p:cTn id="20" dur="500"/>
+                                        <p:cTn id="23" dur="500"/>
                                         <p:tgtEl>
                                           <p:spTgt spid="3">
                                             <p:txEl>
-                                              <p:pRg st="5" end="5"/>
+                                              <p:pRg st="4" end="4"/>
                                             </p:txEl>
                                           </p:spTgt>
                                         </p:tgtEl>
@@ -11510,26 +10112,26 @@
                     </p:cTn>
                   </p:par>
                   <p:par>
-                    <p:cTn id="21" fill="hold">
+                    <p:cTn id="24" fill="hold">
                       <p:stCondLst>
                         <p:cond delay="indefinite"/>
                       </p:stCondLst>
                       <p:childTnLst>
                         <p:par>
-                          <p:cTn id="22" fill="hold">
+                          <p:cTn id="25" fill="hold">
                             <p:stCondLst>
                               <p:cond delay="0"/>
                             </p:stCondLst>
                             <p:childTnLst>
                               <p:par>
-                                <p:cTn id="23" presetID="9" presetClass="entr" presetSubtype="0" fill="hold" grpId="0" nodeType="clickEffect">
+                                <p:cTn id="26" presetID="9" presetClass="entr" presetSubtype="0" fill="hold" grpId="0" nodeType="clickEffect">
                                   <p:stCondLst>
                                     <p:cond delay="0"/>
                                   </p:stCondLst>
                                   <p:childTnLst>
                                     <p:set>
                                       <p:cBhvr>
-                                        <p:cTn id="24" dur="1" fill="hold">
+                                        <p:cTn id="27" dur="1" fill="hold">
                                           <p:stCondLst>
                                             <p:cond delay="0"/>
                                           </p:stCondLst>
@@ -11537,7 +10139,7 @@
                                         <p:tgtEl>
                                           <p:spTgt spid="3">
                                             <p:txEl>
-                                              <p:pRg st="8" end="8"/>
+                                              <p:pRg st="7" end="7"/>
                                             </p:txEl>
                                           </p:spTgt>
                                         </p:tgtEl>
@@ -11551,11 +10153,11 @@
                                     </p:set>
                                     <p:animEffect transition="in" filter="dissolve">
                                       <p:cBhvr>
-                                        <p:cTn id="25" dur="500"/>
+                                        <p:cTn id="28" dur="500"/>
                                         <p:tgtEl>
                                           <p:spTgt spid="3">
                                             <p:txEl>
-                                              <p:pRg st="8" end="8"/>
+                                              <p:pRg st="7" end="7"/>
                                             </p:txEl>
                                           </p:spTgt>
                                         </p:tgtEl>
@@ -11571,26 +10173,87 @@
                     </p:cTn>
                   </p:par>
                   <p:par>
-                    <p:cTn id="26" fill="hold">
+                    <p:cTn id="29" fill="hold">
                       <p:stCondLst>
                         <p:cond delay="indefinite"/>
                       </p:stCondLst>
                       <p:childTnLst>
                         <p:par>
-                          <p:cTn id="27" fill="hold">
+                          <p:cTn id="30" fill="hold">
                             <p:stCondLst>
                               <p:cond delay="0"/>
                             </p:stCondLst>
                             <p:childTnLst>
                               <p:par>
-                                <p:cTn id="28" presetID="9" presetClass="entr" presetSubtype="0" fill="hold" nodeType="clickEffect">
+                                <p:cTn id="31" presetID="9" presetClass="entr" presetSubtype="0" fill="hold" grpId="0" nodeType="clickEffect">
                                   <p:stCondLst>
                                     <p:cond delay="0"/>
                                   </p:stCondLst>
                                   <p:childTnLst>
                                     <p:set>
                                       <p:cBhvr>
-                                        <p:cTn id="29" dur="1" fill="hold">
+                                        <p:cTn id="32" dur="1" fill="hold">
+                                          <p:stCondLst>
+                                            <p:cond delay="0"/>
+                                          </p:stCondLst>
+                                        </p:cTn>
+                                        <p:tgtEl>
+                                          <p:spTgt spid="3">
+                                            <p:txEl>
+                                              <p:pRg st="9" end="9"/>
+                                            </p:txEl>
+                                          </p:spTgt>
+                                        </p:tgtEl>
+                                        <p:attrNameLst>
+                                          <p:attrName>style.visibility</p:attrName>
+                                        </p:attrNameLst>
+                                      </p:cBhvr>
+                                      <p:to>
+                                        <p:strVal val="visible"/>
+                                      </p:to>
+                                    </p:set>
+                                    <p:animEffect transition="in" filter="dissolve">
+                                      <p:cBhvr>
+                                        <p:cTn id="33" dur="500"/>
+                                        <p:tgtEl>
+                                          <p:spTgt spid="3">
+                                            <p:txEl>
+                                              <p:pRg st="9" end="9"/>
+                                            </p:txEl>
+                                          </p:spTgt>
+                                        </p:tgtEl>
+                                      </p:cBhvr>
+                                    </p:animEffect>
+                                  </p:childTnLst>
+                                </p:cTn>
+                              </p:par>
+                            </p:childTnLst>
+                          </p:cTn>
+                        </p:par>
+                      </p:childTnLst>
+                    </p:cTn>
+                  </p:par>
+                  <p:par>
+                    <p:cTn id="34" fill="hold">
+                      <p:stCondLst>
+                        <p:cond delay="indefinite"/>
+                      </p:stCondLst>
+                      <p:childTnLst>
+                        <p:par>
+                          <p:cTn id="35" fill="hold">
+                            <p:stCondLst>
+                              <p:cond delay="0"/>
+                            </p:stCondLst>
+                            <p:childTnLst>
+                              <p:par>
+                                <p:cTn id="36" presetID="9" presetClass="entr" presetSubtype="0" fill="hold" nodeType="clickEffect">
+                                  <p:stCondLst>
+                                    <p:cond delay="0"/>
+                                  </p:stCondLst>
+                                  <p:childTnLst>
+                                    <p:set>
+                                      <p:cBhvr>
+                                        <p:cTn id="37" dur="1" fill="hold">
                                           <p:stCondLst>
                                             <p:cond delay="0"/>
                                           </p:stCondLst>
@@ -11608,7 +10271,7 @@
                                     </p:set>
                                     <p:animEffect transition="in" filter="dissolve">
                                       <p:cBhvr>
-                                        <p:cTn id="30" dur="500"/>
+                                        <p:cTn id="38" dur="500"/>
                                         <p:tgtEl>
                                           <p:spTgt spid="5"/>
                                         </p:tgtEl>
@@ -11719,16 +10382,19 @@
         </p:spPr>
         <p:txBody>
           <a:bodyPr>
-            <a:normAutofit fontScale="92500" lnSpcReduction="20000"/>
+            <a:normAutofit/>
           </a:bodyPr>
           <a:lstStyle/>
           <a:p>
-            <a:endParaRPr lang="zh-CN" altLang="en-US" sz="2800" dirty="0" smtClean="0"/>
-          </a:p>
-          <a:p>
             <a:r>
               <a:rPr lang="en-US" altLang="zh-CN" sz="2800" dirty="0" smtClean="0"/>
-              <a:t>Feature</a:t>
+              <a:t>Features: DLLs/GNU Strings/Byte Sequence(hex)</a:t>
+            </a:r>
+          </a:p>
+          <a:p>
+            <a:r>
+              <a:rPr lang="en-US" altLang="zh-CN" sz="2800" dirty="0" smtClean="0"/>
+              <a:t>Algorithm:</a:t>
             </a:r>
             <a:r>
               <a:rPr lang="zh-CN" altLang="en-US" sz="2800" dirty="0" smtClean="0"/>
@@ -11736,7 +10402,14 @@
             </a:r>
             <a:r>
               <a:rPr lang="en-US" altLang="zh-CN" sz="2800" dirty="0" smtClean="0"/>
-              <a:t>selection:</a:t>
+              <a:t>RIPPER/NB/Multi-NB</a:t>
+            </a:r>
+            <a:endParaRPr lang="en-US" altLang="zh-CN" sz="2800" dirty="0"/>
+          </a:p>
+          <a:p>
+            <a:r>
+              <a:rPr lang="en-US" altLang="zh-CN" sz="2800" dirty="0" smtClean="0"/>
+              <a:t>Best:</a:t>
             </a:r>
             <a:r>
               <a:rPr lang="zh-CN" altLang="en-US" sz="2800" dirty="0" smtClean="0"/>
@@ -11744,7 +10417,7 @@
             </a:r>
             <a:r>
               <a:rPr lang="en-US" altLang="zh-CN" sz="2800" dirty="0" smtClean="0"/>
-              <a:t>PCA</a:t>
+              <a:t>Multi-NB</a:t>
             </a:r>
             <a:r>
               <a:rPr lang="zh-CN" altLang="en-US" sz="2800" dirty="0" smtClean="0"/>
@@ -11752,23 +10425,7 @@
             </a:r>
             <a:r>
               <a:rPr lang="en-US" altLang="zh-CN" sz="2800" dirty="0" smtClean="0"/>
-              <a:t>with</a:t>
-            </a:r>
-            <a:r>
-              <a:rPr lang="zh-CN" altLang="en-US" sz="2800" dirty="0" smtClean="0"/>
-              <a:t> </a:t>
-            </a:r>
-            <a:r>
-              <a:rPr lang="en-US" altLang="zh-CN" sz="2800" dirty="0" smtClean="0"/>
-              <a:t>filter</a:t>
-            </a:r>
-            <a:r>
-              <a:rPr lang="zh-CN" altLang="en-US" sz="2800" dirty="0" smtClean="0"/>
-              <a:t> </a:t>
-            </a:r>
-            <a:r>
-              <a:rPr lang="en-US" altLang="zh-CN" sz="2800" dirty="0" smtClean="0"/>
-              <a:t>methods</a:t>
+              <a:t>(97.76%)</a:t>
             </a:r>
             <a:endParaRPr lang="zh-CN" altLang="en-US" sz="2800" dirty="0" smtClean="0"/>
           </a:p>
@@ -11776,203 +10433,66 @@
             <a:endParaRPr lang="zh-CN" altLang="en-US" sz="2800" dirty="0"/>
           </a:p>
           <a:p>
-            <a:r>
-              <a:rPr lang="en-US" altLang="zh-CN" sz="2800" dirty="0" err="1"/>
-              <a:t>Binarizes</a:t>
-            </a:r>
-            <a:r>
-              <a:rPr lang="zh-CN" altLang="en-US" sz="2800" dirty="0"/>
-              <a:t> </a:t>
-            </a:r>
-            <a:r>
-              <a:rPr lang="en-US" altLang="zh-CN" sz="2800" dirty="0"/>
-              <a:t>the</a:t>
-            </a:r>
-            <a:r>
-              <a:rPr lang="zh-CN" altLang="en-US" sz="2800" dirty="0"/>
-              <a:t> </a:t>
-            </a:r>
-            <a:r>
-              <a:rPr lang="en-US" altLang="zh-CN" sz="2800" dirty="0"/>
-              <a:t>target</a:t>
-            </a:r>
-            <a:r>
-              <a:rPr lang="zh-CN" altLang="en-US" sz="2800" dirty="0"/>
-              <a:t> </a:t>
-            </a:r>
-            <a:r>
-              <a:rPr lang="en-US" altLang="zh-CN" sz="2800" dirty="0"/>
-              <a:t>value</a:t>
-            </a:r>
-            <a:r>
-              <a:rPr lang="zh-CN" altLang="en-US" sz="2800" dirty="0"/>
-              <a:t> </a:t>
-            </a:r>
-            <a:r>
-              <a:rPr lang="en-US" altLang="zh-CN" sz="2800" dirty="0"/>
-              <a:t>(threshold</a:t>
-            </a:r>
-            <a:r>
-              <a:rPr lang="zh-CN" altLang="en-US" sz="2800" dirty="0"/>
-              <a:t> </a:t>
-            </a:r>
-            <a:r>
-              <a:rPr lang="en-US" altLang="zh-CN" sz="2800" dirty="0"/>
-              <a:t>=</a:t>
-            </a:r>
-            <a:r>
-              <a:rPr lang="zh-CN" altLang="en-US" sz="2800" dirty="0"/>
-              <a:t> </a:t>
-            </a:r>
-            <a:r>
-              <a:rPr lang="en-US" altLang="zh-CN" sz="2800" dirty="0"/>
-              <a:t>1400)</a:t>
-            </a:r>
+            <a:endParaRPr lang="zh-CN" altLang="en-US" sz="2800" dirty="0" smtClean="0"/>
+          </a:p>
+          <a:p>
             <a:endParaRPr lang="zh-CN" altLang="en-US" sz="2800" dirty="0"/>
           </a:p>
           <a:p>
             <a:endParaRPr lang="zh-CN" altLang="en-US" sz="2800" dirty="0" smtClean="0"/>
           </a:p>
           <a:p>
-            <a:r>
-              <a:rPr lang="en-US" altLang="zh-CN" sz="2800" dirty="0" smtClean="0"/>
-              <a:t>Tests</a:t>
-            </a:r>
-            <a:r>
-              <a:rPr lang="zh-CN" altLang="en-US" sz="2800" dirty="0" smtClean="0"/>
-              <a:t> </a:t>
-            </a:r>
-            <a:r>
-              <a:rPr lang="en-US" altLang="zh-CN" sz="2800" dirty="0" smtClean="0"/>
-              <a:t>10</a:t>
-            </a:r>
-            <a:r>
-              <a:rPr lang="zh-CN" altLang="en-US" sz="2800" dirty="0" smtClean="0"/>
-              <a:t> </a:t>
-            </a:r>
-            <a:r>
-              <a:rPr lang="en-US" altLang="zh-CN" sz="2800" dirty="0" smtClean="0"/>
-              <a:t>ML</a:t>
-            </a:r>
-            <a:r>
-              <a:rPr lang="zh-CN" altLang="en-US" sz="2800" dirty="0" smtClean="0"/>
-              <a:t> </a:t>
-            </a:r>
-            <a:r>
-              <a:rPr lang="en-US" altLang="zh-CN" sz="2800" dirty="0" smtClean="0"/>
-              <a:t>Algorithms</a:t>
-            </a:r>
-            <a:r>
-              <a:rPr lang="zh-CN" altLang="en-US" sz="2800" dirty="0" smtClean="0"/>
-              <a:t> </a:t>
-            </a:r>
-            <a:endParaRPr lang="zh-CN" altLang="en-US" sz="2800" dirty="0"/>
-          </a:p>
-          <a:p>
             <a:endParaRPr lang="zh-CN" altLang="en-US" sz="2800" dirty="0" smtClean="0"/>
           </a:p>
           <a:p>
             <a:r>
-              <a:rPr lang="en-US" altLang="zh-CN" sz="2800" dirty="0"/>
-              <a:t>Best:</a:t>
-            </a:r>
-            <a:r>
-              <a:rPr lang="zh-CN" altLang="en-US" sz="2800" dirty="0"/>
-              <a:t> </a:t>
-            </a:r>
-            <a:r>
-              <a:rPr lang="en-US" altLang="zh-CN" sz="2800" dirty="0"/>
-              <a:t>Random</a:t>
-            </a:r>
-            <a:r>
-              <a:rPr lang="zh-CN" altLang="en-US" sz="2800" dirty="0"/>
-              <a:t> </a:t>
-            </a:r>
-            <a:r>
-              <a:rPr lang="en-US" altLang="zh-CN" sz="2800" dirty="0"/>
-              <a:t>Forest</a:t>
-            </a:r>
-            <a:r>
-              <a:rPr lang="zh-CN" altLang="en-US" sz="2800" dirty="0"/>
-              <a:t> </a:t>
-            </a:r>
-            <a:r>
-              <a:rPr lang="en-US" altLang="zh-CN" sz="2800" dirty="0" smtClean="0"/>
-              <a:t>(Accuracy=0.69)</a:t>
-            </a:r>
-            <a:endParaRPr lang="zh-CN" altLang="en-US" sz="2800" dirty="0"/>
-          </a:p>
-          <a:p>
-            <a:endParaRPr lang="zh-CN" altLang="en-US" sz="2800" dirty="0"/>
-          </a:p>
-          <a:p>
-            <a:endParaRPr lang="zh-CN" altLang="en-US" sz="2800" dirty="0" smtClean="0"/>
-          </a:p>
-          <a:p>
-            <a:r>
-              <a:rPr lang="en-US" altLang="zh-CN" sz="2100" dirty="0" smtClean="0"/>
-              <a:t>H.</a:t>
-            </a:r>
-            <a:r>
-              <a:rPr lang="zh-CN" altLang="en-US" sz="2100" dirty="0" smtClean="0"/>
-              <a:t> </a:t>
-            </a:r>
-            <a:r>
-              <a:rPr lang="en-US" altLang="zh-CN" sz="2100" dirty="0" smtClean="0"/>
-              <a:t>Ren,</a:t>
-            </a:r>
-            <a:r>
-              <a:rPr lang="zh-CN" altLang="en-US" sz="2100" dirty="0" smtClean="0"/>
-              <a:t> </a:t>
-            </a:r>
-            <a:r>
-              <a:rPr lang="en-US" altLang="zh-CN" sz="2100" dirty="0" smtClean="0"/>
-              <a:t>Q.</a:t>
-            </a:r>
-            <a:r>
-              <a:rPr lang="zh-CN" altLang="en-US" sz="2100" dirty="0" smtClean="0"/>
-              <a:t> </a:t>
-            </a:r>
-            <a:r>
-              <a:rPr lang="en-US" altLang="zh-CN" sz="2100" dirty="0" smtClean="0"/>
-              <a:t>Yang.</a:t>
-            </a:r>
-            <a:r>
-              <a:rPr lang="zh-CN" altLang="en-US" sz="2100" dirty="0" smtClean="0"/>
-              <a:t> </a:t>
-            </a:r>
-            <a:r>
-              <a:rPr lang="en-US" sz="2100" b="1" dirty="0" smtClean="0"/>
-              <a:t>Predicting </a:t>
-            </a:r>
-            <a:r>
-              <a:rPr lang="en-US" sz="2100" b="1" dirty="0"/>
-              <a:t>and Evaluating the Popularity of Online </a:t>
-            </a:r>
-            <a:r>
-              <a:rPr lang="en-US" sz="2100" b="1" dirty="0" smtClean="0"/>
-              <a:t>News</a:t>
-            </a:r>
-            <a:r>
-              <a:rPr lang="en-US" altLang="zh-CN" sz="2100" b="1" dirty="0" smtClean="0"/>
-              <a:t>.</a:t>
-            </a:r>
-            <a:r>
-              <a:rPr lang="zh-CN" altLang="en-US" sz="2100" b="1" dirty="0" smtClean="0"/>
-              <a:t> </a:t>
-            </a:r>
-            <a:r>
-              <a:rPr lang="en-US" altLang="zh-CN" sz="2100" dirty="0"/>
-              <a:t>http://</a:t>
-            </a:r>
-            <a:r>
-              <a:rPr lang="en-US" altLang="zh-CN" sz="2100" dirty="0" smtClean="0"/>
-              <a:t>cs229.stanford.edu/proj2015/328_report.pdf</a:t>
-            </a:r>
-            <a:endParaRPr lang="en-US" sz="2100" b="1" dirty="0"/>
-          </a:p>
-        </p:txBody>
-      </p:sp>
+              <a:rPr lang="en-US" sz="1600" dirty="0"/>
+              <a:t>Schultz, Matthew G., et al. "</a:t>
+            </a:r>
+            <a:r>
+              <a:rPr lang="en-US" sz="1600" b="1" dirty="0"/>
+              <a:t>Data mining methods for detection of new malicious executables</a:t>
+            </a:r>
+            <a:r>
+              <a:rPr lang="en-US" sz="1600" dirty="0"/>
+              <a:t>." </a:t>
+            </a:r>
+            <a:r>
+              <a:rPr lang="en-US" sz="1600" i="1" dirty="0"/>
+              <a:t>Security and Privacy, 2001. S&amp;P 2001. Proceedings. 2001 IEEE Symposium on</a:t>
+            </a:r>
+            <a:r>
+              <a:rPr lang="en-US" sz="1600" dirty="0"/>
+              <a:t>. IEEE, 2001.</a:t>
+            </a:r>
+            <a:endParaRPr lang="en-US" sz="1600" b="1" dirty="0"/>
+          </a:p>
+        </p:txBody>
+      </p:sp>
+      <p:pic>
+        <p:nvPicPr>
+          <p:cNvPr id="4" name="Picture 3"/>
+          <p:cNvPicPr>
+            <a:picLocks noChangeAspect="1"/>
+          </p:cNvPicPr>
+          <p:nvPr/>
+        </p:nvPicPr>
+        <p:blipFill>
+          <a:blip r:embed="rId3"/>
+          <a:stretch>
+            <a:fillRect/>
+          </a:stretch>
+        </p:blipFill>
+        <p:spPr>
+          <a:xfrm>
+            <a:off x="2725924" y="3307158"/>
+            <a:ext cx="8641976" cy="2665358"/>
+          </a:xfrm>
+          <a:prstGeom prst="rect">
+            <a:avLst/>
+          </a:prstGeom>
+        </p:spPr>
+      </p:pic>
     </p:spTree>
     <p:extLst>
       <p:ext uri="{BB962C8B-B14F-4D97-AF65-F5344CB8AC3E}">
@@ -11983,18 +10503,349 @@
   <p:clrMapOvr>
     <a:masterClrMapping/>
   </p:clrMapOvr>
+  <mc:AlternateContent xmlns:mc="http://schemas.openxmlformats.org/markup-compatibility/2006">
+    <mc:Choice xmlns:p14="http://schemas.microsoft.com/office/powerpoint/2010/main" Requires="p14">
+      <p:transition spd="slow" p14:dur="2000"/>
+    </mc:Choice>
+    <mc:Fallback>
+      <p:transition spd="slow"/>
+    </mc:Fallback>
+  </mc:AlternateContent>
   <p:timing>
     <p:tnLst>
       <p:par>
-        <p:cTn id="1" dur="indefinite" restart="never" nodeType="tmRoot"/>
+        <p:cTn id="1" dur="indefinite" restart="never" nodeType="tmRoot">
+          <p:childTnLst>
+            <p:seq concurrent="1" nextAc="seek">
+              <p:cTn id="2" dur="indefinite" nodeType="mainSeq">
+                <p:childTnLst>
+                  <p:par>
+                    <p:cTn id="3" fill="hold">
+                      <p:stCondLst>
+                        <p:cond delay="indefinite"/>
+                      </p:stCondLst>
+                      <p:childTnLst>
+                        <p:par>
+                          <p:cTn id="4" fill="hold">
+                            <p:stCondLst>
+                              <p:cond delay="0"/>
+                            </p:stCondLst>
+                            <p:childTnLst>
+                              <p:par>
+                                <p:cTn id="5" presetID="9" presetClass="entr" presetSubtype="0" fill="hold" grpId="0" nodeType="clickEffect">
+                                  <p:stCondLst>
+                                    <p:cond delay="0"/>
+                                  </p:stCondLst>
+                                  <p:childTnLst>
+                                    <p:set>
+                                      <p:cBhvr>
+                                        <p:cTn id="6" dur="1" fill="hold">
+                                          <p:stCondLst>
+                                            <p:cond delay="0"/>
+                                          </p:stCondLst>
+                                        </p:cTn>
+                                        <p:tgtEl>
+                                          <p:spTgt spid="3">
+                                            <p:txEl>
+                                              <p:pRg st="8" end="8"/>
+                                            </p:txEl>
+                                          </p:spTgt>
+                                        </p:tgtEl>
+                                        <p:attrNameLst>
+                                          <p:attrName>style.visibility</p:attrName>
+                                        </p:attrNameLst>
+                                      </p:cBhvr>
+                                      <p:to>
+                                        <p:strVal val="visible"/>
+                                      </p:to>
+                                    </p:set>
+                                    <p:animEffect transition="in" filter="dissolve">
+                                      <p:cBhvr>
+                                        <p:cTn id="7" dur="500"/>
+                                        <p:tgtEl>
+                                          <p:spTgt spid="3">
+                                            <p:txEl>
+                                              <p:pRg st="8" end="8"/>
+                                            </p:txEl>
+                                          </p:spTgt>
+                                        </p:tgtEl>
+                                      </p:cBhvr>
+                                    </p:animEffect>
+                                  </p:childTnLst>
+                                </p:cTn>
+                              </p:par>
+                            </p:childTnLst>
+                          </p:cTn>
+                        </p:par>
+                      </p:childTnLst>
+                    </p:cTn>
+                  </p:par>
+                  <p:par>
+                    <p:cTn id="8" fill="hold">
+                      <p:stCondLst>
+                        <p:cond delay="indefinite"/>
+                      </p:stCondLst>
+                      <p:childTnLst>
+                        <p:par>
+                          <p:cTn id="9" fill="hold">
+                            <p:stCondLst>
+                              <p:cond delay="0"/>
+                            </p:stCondLst>
+                            <p:childTnLst>
+                              <p:par>
+                                <p:cTn id="10" presetID="9" presetClass="entr" presetSubtype="0" fill="hold" grpId="0" nodeType="clickEffect">
+                                  <p:stCondLst>
+                                    <p:cond delay="0"/>
+                                  </p:stCondLst>
+                                  <p:childTnLst>
+                                    <p:set>
+                                      <p:cBhvr>
+                                        <p:cTn id="11" dur="1" fill="hold">
+                                          <p:stCondLst>
+                                            <p:cond delay="0"/>
+                                          </p:stCondLst>
+                                        </p:cTn>
+                                        <p:tgtEl>
+                                          <p:spTgt spid="3">
+                                            <p:txEl>
+                                              <p:pRg st="0" end="0"/>
+                                            </p:txEl>
+                                          </p:spTgt>
+                                        </p:tgtEl>
+                                        <p:attrNameLst>
+                                          <p:attrName>style.visibility</p:attrName>
+                                        </p:attrNameLst>
+                                      </p:cBhvr>
+                                      <p:to>
+                                        <p:strVal val="visible"/>
+                                      </p:to>
+                                    </p:set>
+                                    <p:animEffect transition="in" filter="dissolve">
+                                      <p:cBhvr>
+                                        <p:cTn id="12" dur="500"/>
+                                        <p:tgtEl>
+                                          <p:spTgt spid="3">
+                                            <p:txEl>
+                                              <p:pRg st="0" end="0"/>
+                                            </p:txEl>
+                                          </p:spTgt>
+                                        </p:tgtEl>
+                                      </p:cBhvr>
+                                    </p:animEffect>
+                                  </p:childTnLst>
+                                </p:cTn>
+                              </p:par>
+                            </p:childTnLst>
+                          </p:cTn>
+                        </p:par>
+                      </p:childTnLst>
+                    </p:cTn>
+                  </p:par>
+                  <p:par>
+                    <p:cTn id="13" fill="hold">
+                      <p:stCondLst>
+                        <p:cond delay="indefinite"/>
+                      </p:stCondLst>
+                      <p:childTnLst>
+                        <p:par>
+                          <p:cTn id="14" fill="hold">
+                            <p:stCondLst>
+                              <p:cond delay="0"/>
+                            </p:stCondLst>
+                            <p:childTnLst>
+                              <p:par>
+                                <p:cTn id="15" presetID="9" presetClass="entr" presetSubtype="0" fill="hold" grpId="0" nodeType="clickEffect">
+                                  <p:stCondLst>
+                                    <p:cond delay="0"/>
+                                  </p:stCondLst>
+                                  <p:childTnLst>
+                                    <p:set>
+                                      <p:cBhvr>
+                                        <p:cTn id="16" dur="1" fill="hold">
+                                          <p:stCondLst>
+                                            <p:cond delay="0"/>
+                                          </p:stCondLst>
+                                        </p:cTn>
+                                        <p:tgtEl>
+                                          <p:spTgt spid="3">
+                                            <p:txEl>
+                                              <p:pRg st="1" end="1"/>
+                                            </p:txEl>
+                                          </p:spTgt>
+                                        </p:tgtEl>
+                                        <p:attrNameLst>
+                                          <p:attrName>style.visibility</p:attrName>
+                                        </p:attrNameLst>
+                                      </p:cBhvr>
+                                      <p:to>
+                                        <p:strVal val="visible"/>
+                                      </p:to>
+                                    </p:set>
+                                    <p:animEffect transition="in" filter="dissolve">
+                                      <p:cBhvr>
+                                        <p:cTn id="17" dur="500"/>
+                                        <p:tgtEl>
+                                          <p:spTgt spid="3">
+                                            <p:txEl>
+                                              <p:pRg st="1" end="1"/>
+                                            </p:txEl>
+                                          </p:spTgt>
+                                        </p:tgtEl>
+                                      </p:cBhvr>
+                                    </p:animEffect>
+                                  </p:childTnLst>
+                                </p:cTn>
+                              </p:par>
+                            </p:childTnLst>
+                          </p:cTn>
+                        </p:par>
+                      </p:childTnLst>
+                    </p:cTn>
+                  </p:par>
+                  <p:par>
+                    <p:cTn id="18" fill="hold">
+                      <p:stCondLst>
+                        <p:cond delay="indefinite"/>
+                      </p:stCondLst>
+                      <p:childTnLst>
+                        <p:par>
+                          <p:cTn id="19" fill="hold">
+                            <p:stCondLst>
+                              <p:cond delay="0"/>
+                            </p:stCondLst>
+                            <p:childTnLst>
+                              <p:par>
+                                <p:cTn id="20" presetID="9" presetClass="entr" presetSubtype="0" fill="hold" grpId="0" nodeType="clickEffect">
+                                  <p:stCondLst>
+                                    <p:cond delay="0"/>
+                                  </p:stCondLst>
+                                  <p:childTnLst>
+                                    <p:set>
+                                      <p:cBhvr>
+                                        <p:cTn id="21" dur="1" fill="hold">
+                                          <p:stCondLst>
+                                            <p:cond delay="0"/>
+                                          </p:stCondLst>
+                                        </p:cTn>
+                                        <p:tgtEl>
+                                          <p:spTgt spid="3">
+                                            <p:txEl>
+                                              <p:pRg st="2" end="2"/>
+                                            </p:txEl>
+                                          </p:spTgt>
+                                        </p:tgtEl>
+                                        <p:attrNameLst>
+                                          <p:attrName>style.visibility</p:attrName>
+                                        </p:attrNameLst>
+                                      </p:cBhvr>
+                                      <p:to>
+                                        <p:strVal val="visible"/>
+                                      </p:to>
+                                    </p:set>
+                                    <p:animEffect transition="in" filter="dissolve">
+                                      <p:cBhvr>
+                                        <p:cTn id="22" dur="500"/>
+                                        <p:tgtEl>
+                                          <p:spTgt spid="3">
+                                            <p:txEl>
+                                              <p:pRg st="2" end="2"/>
+                                            </p:txEl>
+                                          </p:spTgt>
+                                        </p:tgtEl>
+                                      </p:cBhvr>
+                                    </p:animEffect>
+                                  </p:childTnLst>
+                                </p:cTn>
+                              </p:par>
+                            </p:childTnLst>
+                          </p:cTn>
+                        </p:par>
+                      </p:childTnLst>
+                    </p:cTn>
+                  </p:par>
+                  <p:par>
+                    <p:cTn id="23" fill="hold">
+                      <p:stCondLst>
+                        <p:cond delay="indefinite"/>
+                      </p:stCondLst>
+                      <p:childTnLst>
+                        <p:par>
+                          <p:cTn id="24" fill="hold">
+                            <p:stCondLst>
+                              <p:cond delay="0"/>
+                            </p:stCondLst>
+                            <p:childTnLst>
+                              <p:par>
+                                <p:cTn id="25" presetID="9" presetClass="entr" presetSubtype="0" fill="hold" nodeType="clickEffect">
+                                  <p:stCondLst>
+                                    <p:cond delay="0"/>
+                                  </p:stCondLst>
+                                  <p:childTnLst>
+                                    <p:set>
+                                      <p:cBhvr>
+                                        <p:cTn id="26" dur="1" fill="hold">
+                                          <p:stCondLst>
+                                            <p:cond delay="0"/>
+                                          </p:stCondLst>
+                                        </p:cTn>
+                                        <p:tgtEl>
+                                          <p:spTgt spid="4"/>
+                                        </p:tgtEl>
+                                        <p:attrNameLst>
+                                          <p:attrName>style.visibility</p:attrName>
+                                        </p:attrNameLst>
+                                      </p:cBhvr>
+                                      <p:to>
+                                        <p:strVal val="visible"/>
+                                      </p:to>
+                                    </p:set>
+                                    <p:animEffect transition="in" filter="dissolve">
+                                      <p:cBhvr>
+                                        <p:cTn id="27" dur="500"/>
+                                        <p:tgtEl>
+                                          <p:spTgt spid="4"/>
+                                        </p:tgtEl>
+                                      </p:cBhvr>
+                                    </p:animEffect>
+                                  </p:childTnLst>
+                                </p:cTn>
+                              </p:par>
+                            </p:childTnLst>
+                          </p:cTn>
+                        </p:par>
+                      </p:childTnLst>
+                    </p:cTn>
+                  </p:par>
+                </p:childTnLst>
+              </p:cTn>
+              <p:prevCondLst>
+                <p:cond evt="onPrev" delay="0">
+                  <p:tgtEl>
+                    <p:sldTgt/>
+                  </p:tgtEl>
+                </p:cond>
+              </p:prevCondLst>
+              <p:nextCondLst>
+                <p:cond evt="onNext" delay="0">
+                  <p:tgtEl>
+                    <p:sldTgt/>
+                  </p:tgtEl>
+                </p:cond>
+              </p:nextCondLst>
+            </p:seq>
+          </p:childTnLst>
+        </p:cTn>
       </p:par>
     </p:tnLst>
+    <p:bldLst>
+      <p:bldP spid="3" grpId="0" uiExpand="1" build="p"/>
+    </p:bldLst>
   </p:timing>
 </p:sld>
 </file>
 
 <file path=ppt/slides/slide6.xml><?xml version="1.0" encoding="utf-8"?>
-<p:sld xmlns:a="http://schemas.openxmlformats.org/drawingml/2006/main" xmlns:r="http://schemas.openxmlformats.org/officeDocument/2006/relationships" xmlns:p="http://schemas.openxmlformats.org/presentationml/2006/main">
+<p:sld xmlns:a="http://schemas.openxmlformats.org/drawingml/2006/main" xmlns:r="http://schemas.openxmlformats.org/officeDocument/2006/relationships" xmlns:p="http://schemas.openxmlformats.org/presentationml/2006/main" show="0">
   <p:cSld>
     <p:spTree>
       <p:nvGrpSpPr>
@@ -12105,6 +10956,21 @@
   <p:clrMapOvr>
     <a:masterClrMapping/>
   </p:clrMapOvr>
+  <mc:AlternateContent xmlns:mc="http://schemas.openxmlformats.org/markup-compatibility/2006">
+    <mc:Choice xmlns:p14="http://schemas.microsoft.com/office/powerpoint/2010/main" Requires="p14">
+      <p:transition spd="slow" p14:dur="2000"/>
+    </mc:Choice>
+    <mc:Fallback>
+      <p:transition spd="slow"/>
+    </mc:Fallback>
+  </mc:AlternateContent>
+  <p:timing>
+    <p:tnLst>
+      <p:par>
+        <p:cTn id="1" dur="indefinite" restart="never" nodeType="tmRoot"/>
+      </p:par>
+    </p:tnLst>
+  </p:timing>
 </p:sld>
 </file>
 
@@ -12152,82 +11018,328 @@
       </p:sp>
       <p:sp>
         <p:nvSpPr>
-          <p:cNvPr id="3" name="Content Placeholder 2"/>
-          <p:cNvSpPr>
-            <a:spLocks noGrp="1"/>
-          </p:cNvSpPr>
-          <p:nvPr>
-            <p:ph idx="1"/>
-          </p:nvPr>
-        </p:nvSpPr>
-        <p:spPr/>
-        <p:txBody>
-          <a:bodyPr>
+          <p:cNvPr id="4" name="Content Placeholder 2"/>
+          <p:cNvSpPr txBox="1">
+            <a:spLocks/>
+          </p:cNvSpPr>
+          <p:nvPr/>
+        </p:nvSpPr>
+        <p:spPr>
+          <a:xfrm>
+            <a:off x="2589212" y="2259106"/>
+            <a:ext cx="8915400" cy="3777622"/>
+          </a:xfrm>
+          <a:prstGeom prst="rect">
+            <a:avLst/>
+          </a:prstGeom>
+        </p:spPr>
+        <p:txBody>
+          <a:bodyPr vert="horz" lIns="91440" tIns="45720" rIns="91440" bIns="45720" rtlCol="0">
             <a:normAutofit/>
           </a:bodyPr>
-          <a:lstStyle/>
-          <a:p>
-            <a:pPr marL="514350" indent="-514350">
-              <a:buFont typeface="+mj-lt"/>
-              <a:buAutoNum type="arabicPeriod"/>
-            </a:pPr>
+          <a:lstStyle>
+            <a:lvl1pPr marL="342900" indent="-342900" algn="l" defTabSz="457200" rtl="0" eaLnBrk="1" latinLnBrk="0" hangingPunct="1">
+              <a:spcBef>
+                <a:spcPts val="1000"/>
+              </a:spcBef>
+              <a:spcAft>
+                <a:spcPts val="0"/>
+              </a:spcAft>
+              <a:buClr>
+                <a:schemeClr val="accent1"/>
+              </a:buClr>
+              <a:buFont typeface="Wingdings 3" charset="2"/>
+              <a:buChar char=""/>
+              <a:defRPr sz="1800" kern="1200">
+                <a:solidFill>
+                  <a:schemeClr val="tx1">
+                    <a:lumMod val="75000"/>
+                    <a:lumOff val="25000"/>
+                  </a:schemeClr>
+                </a:solidFill>
+                <a:latin typeface="+mn-lt"/>
+                <a:ea typeface="+mn-ea"/>
+                <a:cs typeface="+mn-cs"/>
+              </a:defRPr>
+            </a:lvl1pPr>
+            <a:lvl2pPr marL="742950" indent="-285750" algn="l" defTabSz="457200" rtl="0" eaLnBrk="1" latinLnBrk="0" hangingPunct="1">
+              <a:spcBef>
+                <a:spcPts val="1000"/>
+              </a:spcBef>
+              <a:spcAft>
+                <a:spcPts val="0"/>
+              </a:spcAft>
+              <a:buClr>
+                <a:schemeClr val="accent1"/>
+              </a:buClr>
+              <a:buFont typeface="Wingdings 3" charset="2"/>
+              <a:buChar char=""/>
+              <a:defRPr sz="1600" kern="1200">
+                <a:solidFill>
+                  <a:schemeClr val="tx1">
+                    <a:lumMod val="75000"/>
+                    <a:lumOff val="25000"/>
+                  </a:schemeClr>
+                </a:solidFill>
+                <a:latin typeface="+mn-lt"/>
+                <a:ea typeface="+mn-ea"/>
+                <a:cs typeface="+mn-cs"/>
+              </a:defRPr>
+            </a:lvl2pPr>
+            <a:lvl3pPr marL="1143000" indent="-228600" algn="l" defTabSz="457200" rtl="0" eaLnBrk="1" latinLnBrk="0" hangingPunct="1">
+              <a:spcBef>
+                <a:spcPts val="1000"/>
+              </a:spcBef>
+              <a:spcAft>
+                <a:spcPts val="0"/>
+              </a:spcAft>
+              <a:buClr>
+                <a:schemeClr val="accent1"/>
+              </a:buClr>
+              <a:buFont typeface="Wingdings 3" charset="2"/>
+              <a:buChar char=""/>
+              <a:defRPr sz="1400" kern="1200">
+                <a:solidFill>
+                  <a:schemeClr val="tx1">
+                    <a:lumMod val="75000"/>
+                    <a:lumOff val="25000"/>
+                  </a:schemeClr>
+                </a:solidFill>
+                <a:latin typeface="+mn-lt"/>
+                <a:ea typeface="+mn-ea"/>
+                <a:cs typeface="+mn-cs"/>
+              </a:defRPr>
+            </a:lvl3pPr>
+            <a:lvl4pPr marL="1600200" indent="-228600" algn="l" defTabSz="457200" rtl="0" eaLnBrk="1" latinLnBrk="0" hangingPunct="1">
+              <a:spcBef>
+                <a:spcPts val="1000"/>
+              </a:spcBef>
+              <a:spcAft>
+                <a:spcPts val="0"/>
+              </a:spcAft>
+              <a:buClr>
+                <a:schemeClr val="accent1"/>
+              </a:buClr>
+              <a:buFont typeface="Wingdings 3" charset="2"/>
+              <a:buChar char=""/>
+              <a:defRPr sz="1200" kern="1200">
+                <a:solidFill>
+                  <a:schemeClr val="tx1">
+                    <a:lumMod val="75000"/>
+                    <a:lumOff val="25000"/>
+                  </a:schemeClr>
+                </a:solidFill>
+                <a:latin typeface="+mn-lt"/>
+                <a:ea typeface="+mn-ea"/>
+                <a:cs typeface="+mn-cs"/>
+              </a:defRPr>
+            </a:lvl4pPr>
+            <a:lvl5pPr marL="2057400" indent="-228600" algn="l" defTabSz="457200" rtl="0" eaLnBrk="1" latinLnBrk="0" hangingPunct="1">
+              <a:spcBef>
+                <a:spcPts val="1000"/>
+              </a:spcBef>
+              <a:spcAft>
+                <a:spcPts val="0"/>
+              </a:spcAft>
+              <a:buClr>
+                <a:schemeClr val="accent1"/>
+              </a:buClr>
+              <a:buFont typeface="Wingdings 3" charset="2"/>
+              <a:buChar char=""/>
+              <a:defRPr sz="1200" kern="1200">
+                <a:solidFill>
+                  <a:schemeClr val="tx1">
+                    <a:lumMod val="75000"/>
+                    <a:lumOff val="25000"/>
+                  </a:schemeClr>
+                </a:solidFill>
+                <a:latin typeface="+mn-lt"/>
+                <a:ea typeface="+mn-ea"/>
+                <a:cs typeface="+mn-cs"/>
+              </a:defRPr>
+            </a:lvl5pPr>
+            <a:lvl6pPr marL="2514600" indent="-228600" algn="l" defTabSz="457200" rtl="0" eaLnBrk="1" latinLnBrk="0" hangingPunct="1">
+              <a:spcBef>
+                <a:spcPts val="1000"/>
+              </a:spcBef>
+              <a:spcAft>
+                <a:spcPts val="0"/>
+              </a:spcAft>
+              <a:buClr>
+                <a:schemeClr val="accent1"/>
+              </a:buClr>
+              <a:buFont typeface="Wingdings 3" charset="2"/>
+              <a:buChar char=""/>
+              <a:defRPr sz="1200" kern="1200">
+                <a:solidFill>
+                  <a:schemeClr val="tx1">
+                    <a:lumMod val="75000"/>
+                    <a:lumOff val="25000"/>
+                  </a:schemeClr>
+                </a:solidFill>
+                <a:latin typeface="+mn-lt"/>
+                <a:ea typeface="+mn-ea"/>
+                <a:cs typeface="+mn-cs"/>
+              </a:defRPr>
+            </a:lvl6pPr>
+            <a:lvl7pPr marL="2971800" indent="-228600" algn="l" defTabSz="457200" rtl="0" eaLnBrk="1" latinLnBrk="0" hangingPunct="1">
+              <a:spcBef>
+                <a:spcPts val="1000"/>
+              </a:spcBef>
+              <a:spcAft>
+                <a:spcPts val="0"/>
+              </a:spcAft>
+              <a:buClr>
+                <a:schemeClr val="accent1"/>
+              </a:buClr>
+              <a:buFont typeface="Wingdings 3" charset="2"/>
+              <a:buChar char=""/>
+              <a:defRPr sz="1200" kern="1200">
+                <a:solidFill>
+                  <a:schemeClr val="tx1">
+                    <a:lumMod val="75000"/>
+                    <a:lumOff val="25000"/>
+                  </a:schemeClr>
+                </a:solidFill>
+                <a:latin typeface="+mn-lt"/>
+                <a:ea typeface="+mn-ea"/>
+                <a:cs typeface="+mn-cs"/>
+              </a:defRPr>
+            </a:lvl7pPr>
+            <a:lvl8pPr marL="3429000" indent="-228600" algn="l" defTabSz="457200" rtl="0" eaLnBrk="1" latinLnBrk="0" hangingPunct="1">
+              <a:spcBef>
+                <a:spcPts val="1000"/>
+              </a:spcBef>
+              <a:spcAft>
+                <a:spcPts val="0"/>
+              </a:spcAft>
+              <a:buClr>
+                <a:schemeClr val="accent1"/>
+              </a:buClr>
+              <a:buFont typeface="Wingdings 3" charset="2"/>
+              <a:buChar char=""/>
+              <a:defRPr sz="1200" kern="1200">
+                <a:solidFill>
+                  <a:schemeClr val="tx1">
+                    <a:lumMod val="75000"/>
+                    <a:lumOff val="25000"/>
+                  </a:schemeClr>
+                </a:solidFill>
+                <a:latin typeface="+mn-lt"/>
+                <a:ea typeface="+mn-ea"/>
+                <a:cs typeface="+mn-cs"/>
+              </a:defRPr>
+            </a:lvl8pPr>
+            <a:lvl9pPr marL="3886200" indent="-228600" algn="l" defTabSz="457200" rtl="0" eaLnBrk="1" latinLnBrk="0" hangingPunct="1">
+              <a:spcBef>
+                <a:spcPts val="1000"/>
+              </a:spcBef>
+              <a:spcAft>
+                <a:spcPts val="0"/>
+              </a:spcAft>
+              <a:buClr>
+                <a:schemeClr val="accent1"/>
+              </a:buClr>
+              <a:buFont typeface="Wingdings 3" charset="2"/>
+              <a:buChar char=""/>
+              <a:defRPr sz="1200" kern="1200">
+                <a:solidFill>
+                  <a:schemeClr val="tx1">
+                    <a:lumMod val="75000"/>
+                    <a:lumOff val="25000"/>
+                  </a:schemeClr>
+                </a:solidFill>
+                <a:latin typeface="+mn-lt"/>
+                <a:ea typeface="+mn-ea"/>
+                <a:cs typeface="+mn-cs"/>
+              </a:defRPr>
+            </a:lvl9pPr>
+          </a:lstStyle>
+          <a:p>
             <a:r>
               <a:rPr lang="en-US" sz="2800" dirty="0" smtClean="0"/>
-              <a:t>Clustering (</a:t>
-            </a:r>
-            <a:r>
-              <a:rPr lang="en-US" sz="2800" dirty="0"/>
-              <a:t>popularity </a:t>
+              <a:t>Use WEKA + </a:t>
+            </a:r>
+            <a:r>
+              <a:rPr lang="en-US" sz="2800" dirty="0" err="1" smtClean="0"/>
+              <a:t>libSVM</a:t>
             </a:r>
             <a:r>
               <a:rPr lang="en-US" sz="2800" dirty="0" smtClean="0"/>
-              <a:t>prediction): </a:t>
-            </a:r>
-            <a:br>
+              <a:t> to </a:t>
+            </a:r>
+            <a:r>
+              <a:rPr lang="en-US" altLang="zh-CN" sz="2800" dirty="0" smtClean="0"/>
+              <a:t>train</a:t>
+            </a:r>
+            <a:r>
+              <a:rPr lang="zh-CN" altLang="en-US" sz="2800" dirty="0" smtClean="0"/>
+              <a:t> </a:t>
+            </a:r>
+            <a:r>
               <a:rPr lang="en-US" sz="2800" dirty="0" smtClean="0"/>
-            </a:br>
+              <a:t>a model</a:t>
+            </a:r>
+          </a:p>
+          <a:p>
+            <a:endParaRPr lang="en-US" sz="2800" dirty="0"/>
+          </a:p>
+          <a:p>
             <a:r>
               <a:rPr lang="en-US" sz="2800" dirty="0" smtClean="0"/>
-              <a:t>K-means</a:t>
-            </a:r>
-            <a:br>
+              <a:t>Generate new </a:t>
+            </a:r>
+            <a:r>
+              <a:rPr lang="en-US" altLang="zh-CN" sz="2800" dirty="0" smtClean="0"/>
+              <a:t>virus</a:t>
+            </a:r>
+            <a:r>
+              <a:rPr lang="zh-CN" altLang="en-US" sz="2800" dirty="0" smtClean="0"/>
+              <a:t> </a:t>
+            </a:r>
+            <a:r>
               <a:rPr lang="en-US" sz="2800" dirty="0" smtClean="0"/>
-            </a:br>
-            <a:r>
-              <a:rPr lang="en-US" sz="2800" dirty="0" smtClean="0"/>
-              <a:t>EM</a:t>
-            </a:r>
-            <a:br>
-              <a:rPr lang="en-US" sz="2800" dirty="0" smtClean="0"/>
-            </a:br>
+              <a:t>data points and test</a:t>
+            </a:r>
+          </a:p>
+          <a:p>
+            <a:endParaRPr lang="en-US" sz="2800" dirty="0"/>
+          </a:p>
+          <a:p>
             <a:endParaRPr lang="en-US" sz="2800" dirty="0" smtClean="0"/>
           </a:p>
-          <a:p>
-            <a:pPr marL="514350" indent="-514350">
-              <a:buFont typeface="+mj-lt"/>
-              <a:buAutoNum type="arabicPeriod"/>
-            </a:pPr>
-            <a:r>
-              <a:rPr lang="en-US" sz="2800" dirty="0" smtClean="0"/>
-              <a:t>Classification (known popularity): </a:t>
-            </a:r>
-            <a:br>
-              <a:rPr lang="en-US" sz="2800" dirty="0" smtClean="0"/>
-            </a:br>
-            <a:r>
-              <a:rPr lang="en-US" sz="2800" dirty="0" smtClean="0"/>
-              <a:t>SVM</a:t>
-            </a:r>
-            <a:br>
-              <a:rPr lang="en-US" sz="2800" dirty="0" smtClean="0"/>
-            </a:br>
-            <a:r>
-              <a:rPr lang="en-US" sz="2800" dirty="0" smtClean="0"/>
-              <a:t>Random Forest</a:t>
-            </a:r>
-          </a:p>
-        </p:txBody>
-      </p:sp>
+        </p:txBody>
+      </p:sp>
+      <p:pic>
+        <p:nvPicPr>
+          <p:cNvPr id="8" name="Picture 7"/>
+          <p:cNvPicPr>
+            <a:picLocks noChangeAspect="1"/>
+          </p:cNvPicPr>
+          <p:nvPr/>
+        </p:nvPicPr>
+        <p:blipFill>
+          <a:blip r:embed="rId2">
+            <a:extLst>
+              <a:ext uri="{28A0092B-C50C-407E-A947-70E740481C1C}">
+                <a14:useLocalDpi xmlns:a14="http://schemas.microsoft.com/office/drawing/2010/main" val="0"/>
+              </a:ext>
+            </a:extLst>
+          </a:blip>
+          <a:stretch>
+            <a:fillRect/>
+          </a:stretch>
+        </p:blipFill>
+        <p:spPr>
+          <a:xfrm>
+            <a:off x="9654989" y="2259106"/>
+            <a:ext cx="1508760" cy="792480"/>
+          </a:xfrm>
+          <a:prstGeom prst="rect">
+            <a:avLst/>
+          </a:prstGeom>
+        </p:spPr>
+      </p:pic>
     </p:spTree>
     <p:extLst>
       <p:ext uri="{BB962C8B-B14F-4D97-AF65-F5344CB8AC3E}">
@@ -12238,6 +11350,13 @@
   <p:clrMapOvr>
     <a:masterClrMapping/>
   </p:clrMapOvr>
+  <p:timing>
+    <p:tnLst>
+      <p:par>
+        <p:cTn id="1" dur="indefinite" restart="never" nodeType="tmRoot"/>
+      </p:par>
+    </p:tnLst>
+  </p:timing>
 </p:sld>
 </file>
 
@@ -12369,6 +11488,13 @@
   <p:clrMapOvr>
     <a:masterClrMapping/>
   </p:clrMapOvr>
+  <p:timing>
+    <p:tnLst>
+      <p:par>
+        <p:cTn id="1" dur="indefinite" restart="never" nodeType="tmRoot"/>
+      </p:par>
+    </p:tnLst>
+  </p:timing>
 </p:sld>
 </file>
 
@@ -12458,6 +11584,13 @@
   <p:clrMapOvr>
     <a:masterClrMapping/>
   </p:clrMapOvr>
+  <p:timing>
+    <p:tnLst>
+      <p:par>
+        <p:cTn id="1" dur="indefinite" restart="never" nodeType="tmRoot"/>
+      </p:par>
+    </p:tnLst>
+  </p:timing>
 </p:sld>
 </file>
 
